--- a/Lecture/Lecture 12/Lecture 12.pptx
+++ b/Lecture/Lecture 12/Lecture 12.pptx
@@ -6,21 +6,47 @@
     <p:sldMasterId id="2147483676" r:id="rId2"/>
   </p:sldMasterIdLst>
   <p:notesMasterIdLst>
-    <p:notesMasterId r:id="rId7"/>
+    <p:notesMasterId r:id="rId33"/>
   </p:notesMasterIdLst>
   <p:handoutMasterIdLst>
-    <p:handoutMasterId r:id="rId8"/>
+    <p:handoutMasterId r:id="rId34"/>
   </p:handoutMasterIdLst>
   <p:sldIdLst>
     <p:sldId id="320" r:id="rId3"/>
     <p:sldId id="346" r:id="rId4"/>
     <p:sldId id="369" r:id="rId5"/>
-    <p:sldId id="329" r:id="rId6"/>
+    <p:sldId id="371" r:id="rId6"/>
+    <p:sldId id="370" r:id="rId7"/>
+    <p:sldId id="372" r:id="rId8"/>
+    <p:sldId id="373" r:id="rId9"/>
+    <p:sldId id="374" r:id="rId10"/>
+    <p:sldId id="376" r:id="rId11"/>
+    <p:sldId id="375" r:id="rId12"/>
+    <p:sldId id="377" r:id="rId13"/>
+    <p:sldId id="378" r:id="rId14"/>
+    <p:sldId id="379" r:id="rId15"/>
+    <p:sldId id="380" r:id="rId16"/>
+    <p:sldId id="381" r:id="rId17"/>
+    <p:sldId id="382" r:id="rId18"/>
+    <p:sldId id="383" r:id="rId19"/>
+    <p:sldId id="384" r:id="rId20"/>
+    <p:sldId id="385" r:id="rId21"/>
+    <p:sldId id="386" r:id="rId22"/>
+    <p:sldId id="387" r:id="rId23"/>
+    <p:sldId id="388" r:id="rId24"/>
+    <p:sldId id="389" r:id="rId25"/>
+    <p:sldId id="390" r:id="rId26"/>
+    <p:sldId id="391" r:id="rId27"/>
+    <p:sldId id="392" r:id="rId28"/>
+    <p:sldId id="393" r:id="rId29"/>
+    <p:sldId id="394" r:id="rId30"/>
+    <p:sldId id="395" r:id="rId31"/>
+    <p:sldId id="329" r:id="rId32"/>
   </p:sldIdLst>
   <p:sldSz cx="9144000" cy="6858000" type="screen4x3"/>
   <p:notesSz cx="6858000" cy="9144000"/>
   <p:custDataLst>
-    <p:tags r:id="rId9"/>
+    <p:tags r:id="rId35"/>
   </p:custDataLst>
   <p:defaultTextStyle>
     <a:defPPr>
@@ -291,7 +317,7 @@
               <a:pPr>
                 <a:defRPr/>
               </a:pPr>
-              <a:t>9/24/2018</a:t>
+              <a:t>9/25/2018</a:t>
             </a:fld>
             <a:endParaRPr lang="en-US" dirty="0"/>
           </a:p>
@@ -503,7 +529,7 @@
               <a:pPr>
                 <a:defRPr/>
               </a:pPr>
-              <a:t>9/24/2018</a:t>
+              <a:t>9/25/2018</a:t>
             </a:fld>
             <a:endParaRPr lang="en-US" dirty="0"/>
           </a:p>
@@ -1022,7 +1048,7 @@
               <a:pPr>
                 <a:defRPr/>
               </a:pPr>
-              <a:t>9/24/2018</a:t>
+              <a:t>9/25/2018</a:t>
             </a:fld>
             <a:endParaRPr lang="en-US" dirty="0"/>
           </a:p>
@@ -1212,7 +1238,7 @@
               <a:pPr>
                 <a:defRPr/>
               </a:pPr>
-              <a:t>9/24/2018</a:t>
+              <a:t>9/25/2018</a:t>
             </a:fld>
             <a:endParaRPr lang="en-US" dirty="0"/>
           </a:p>
@@ -1412,7 +1438,7 @@
               <a:pPr>
                 <a:defRPr/>
               </a:pPr>
-              <a:t>9/24/2018</a:t>
+              <a:t>9/25/2018</a:t>
             </a:fld>
             <a:endParaRPr lang="en-US" dirty="0"/>
           </a:p>
@@ -1680,7 +1706,7 @@
               <a:pPr>
                 <a:defRPr/>
               </a:pPr>
-              <a:t>9/24/2018</a:t>
+              <a:t>9/25/2018</a:t>
             </a:fld>
             <a:endParaRPr lang="en-US" dirty="0">
               <a:solidFill>
@@ -1894,7 +1920,7 @@
               <a:pPr>
                 <a:defRPr/>
               </a:pPr>
-              <a:t>9/24/2018</a:t>
+              <a:t>9/25/2018</a:t>
             </a:fld>
             <a:endParaRPr lang="en-US" dirty="0">
               <a:solidFill>
@@ -2185,7 +2211,7 @@
               <a:pPr>
                 <a:defRPr/>
               </a:pPr>
-              <a:t>9/24/2018</a:t>
+              <a:t>9/25/2018</a:t>
             </a:fld>
             <a:endParaRPr lang="en-US" dirty="0">
               <a:solidFill>
@@ -2516,7 +2542,7 @@
               <a:pPr>
                 <a:defRPr/>
               </a:pPr>
-              <a:t>9/24/2018</a:t>
+              <a:t>9/25/2018</a:t>
             </a:fld>
             <a:endParaRPr lang="en-US" dirty="0">
               <a:solidFill>
@@ -2981,7 +3007,7 @@
               <a:pPr>
                 <a:defRPr/>
               </a:pPr>
-              <a:t>9/24/2018</a:t>
+              <a:t>9/25/2018</a:t>
             </a:fld>
             <a:endParaRPr lang="en-US" dirty="0">
               <a:solidFill>
@@ -3144,7 +3170,7 @@
               <a:pPr>
                 <a:defRPr/>
               </a:pPr>
-              <a:t>9/24/2018</a:t>
+              <a:t>9/25/2018</a:t>
             </a:fld>
             <a:endParaRPr lang="en-US" dirty="0">
               <a:solidFill>
@@ -3285,7 +3311,7 @@
               <a:pPr>
                 <a:defRPr/>
               </a:pPr>
-              <a:t>9/24/2018</a:t>
+              <a:t>9/25/2018</a:t>
             </a:fld>
             <a:endParaRPr lang="en-US" dirty="0">
               <a:solidFill>
@@ -3606,7 +3632,7 @@
               <a:pPr>
                 <a:defRPr/>
               </a:pPr>
-              <a:t>9/24/2018</a:t>
+              <a:t>9/25/2018</a:t>
             </a:fld>
             <a:endParaRPr lang="en-US" dirty="0">
               <a:solidFill>
@@ -3814,7 +3840,7 @@
               <a:pPr>
                 <a:defRPr/>
               </a:pPr>
-              <a:t>9/24/2018</a:t>
+              <a:t>9/25/2018</a:t>
             </a:fld>
             <a:endParaRPr lang="en-US" dirty="0"/>
           </a:p>
@@ -4097,7 +4123,7 @@
               <a:pPr>
                 <a:defRPr/>
               </a:pPr>
-              <a:t>9/24/2018</a:t>
+              <a:t>9/25/2018</a:t>
             </a:fld>
             <a:endParaRPr lang="en-US" dirty="0">
               <a:solidFill>
@@ -4311,7 +4337,7 @@
               <a:pPr>
                 <a:defRPr/>
               </a:pPr>
-              <a:t>9/24/2018</a:t>
+              <a:t>9/25/2018</a:t>
             </a:fld>
             <a:endParaRPr lang="en-US" dirty="0">
               <a:solidFill>
@@ -4535,7 +4561,7 @@
               <a:pPr>
                 <a:defRPr/>
               </a:pPr>
-              <a:t>9/24/2018</a:t>
+              <a:t>9/25/2018</a:t>
             </a:fld>
             <a:endParaRPr lang="en-US" dirty="0">
               <a:solidFill>
@@ -4745,7 +4771,7 @@
               <a:pPr>
                 <a:defRPr/>
               </a:pPr>
-              <a:t>9/24/2018</a:t>
+              <a:t>9/25/2018</a:t>
             </a:fld>
             <a:endParaRPr lang="en-US" dirty="0">
               <a:solidFill>
@@ -5022,7 +5048,7 @@
               <a:pPr>
                 <a:defRPr/>
               </a:pPr>
-              <a:t>9/24/2018</a:t>
+              <a:t>9/25/2018</a:t>
             </a:fld>
             <a:endParaRPr lang="en-US" dirty="0"/>
           </a:p>
@@ -5329,7 +5355,7 @@
               <a:pPr>
                 <a:defRPr/>
               </a:pPr>
-              <a:t>9/24/2018</a:t>
+              <a:t>9/25/2018</a:t>
             </a:fld>
             <a:endParaRPr lang="en-US" dirty="0"/>
           </a:p>
@@ -5770,7 +5796,7 @@
               <a:pPr>
                 <a:defRPr/>
               </a:pPr>
-              <a:t>9/24/2018</a:t>
+              <a:t>9/25/2018</a:t>
             </a:fld>
             <a:endParaRPr lang="en-US" dirty="0"/>
           </a:p>
@@ -5909,7 +5935,7 @@
               <a:pPr>
                 <a:defRPr/>
               </a:pPr>
-              <a:t>9/24/2018</a:t>
+              <a:t>9/25/2018</a:t>
             </a:fld>
             <a:endParaRPr lang="en-US" dirty="0"/>
           </a:p>
@@ -6026,7 +6052,7 @@
               <a:pPr>
                 <a:defRPr/>
               </a:pPr>
-              <a:t>9/24/2018</a:t>
+              <a:t>9/25/2018</a:t>
             </a:fld>
             <a:endParaRPr lang="en-US" dirty="0"/>
           </a:p>
@@ -6323,7 +6349,7 @@
               <a:pPr>
                 <a:defRPr/>
               </a:pPr>
-              <a:t>9/24/2018</a:t>
+              <a:t>9/25/2018</a:t>
             </a:fld>
             <a:endParaRPr lang="en-US" dirty="0"/>
           </a:p>
@@ -6600,7 +6626,7 @@
               <a:pPr>
                 <a:defRPr/>
               </a:pPr>
-              <a:t>9/24/2018</a:t>
+              <a:t>9/25/2018</a:t>
             </a:fld>
             <a:endParaRPr lang="en-US" dirty="0"/>
           </a:p>
@@ -6857,7 +6883,7 @@
               <a:pPr>
                 <a:defRPr/>
               </a:pPr>
-              <a:t>9/24/2018</a:t>
+              <a:t>9/25/2018</a:t>
             </a:fld>
             <a:endParaRPr lang="en-US" dirty="0"/>
           </a:p>
@@ -7567,7 +7593,7 @@
               <a:pPr>
                 <a:defRPr/>
               </a:pPr>
-              <a:t>9/24/2018</a:t>
+              <a:t>9/25/2018</a:t>
             </a:fld>
             <a:endParaRPr lang="en-US" dirty="0">
               <a:solidFill>
@@ -8451,7 +8477,7 @@
 </p:sld>
 </file>
 
-<file path=ppt/slides/slide2.xml><?xml version="1.0" encoding="utf-8"?>
+<file path=ppt/slides/slide10.xml><?xml version="1.0" encoding="utf-8"?>
 <p:sld xmlns:a="http://schemas.openxmlformats.org/drawingml/2006/main" xmlns:r="http://schemas.openxmlformats.org/officeDocument/2006/relationships" xmlns:p="http://schemas.openxmlformats.org/presentationml/2006/main">
   <p:cSld>
     <p:bg>
@@ -8613,7 +8639,7 @@
                 <a:ea typeface="+mj-ea"/>
                 <a:cs typeface="+mj-cs"/>
               </a:rPr>
-              <a:t>Intro to Tidy Data</a:t>
+              <a:t>Untidy Data Example 2 </a:t>
             </a:r>
           </a:p>
         </p:txBody>
@@ -8648,6 +8674,3055 @@
           <a:noFill/>
         </p:spPr>
       </p:pic>
+      <p:pic>
+        <p:nvPicPr>
+          <p:cNvPr id="5" name="Picture 4">
+            <a:extLst>
+              <a:ext uri="{FF2B5EF4-FFF2-40B4-BE49-F238E27FC236}">
+                <a16:creationId xmlns:a16="http://schemas.microsoft.com/office/drawing/2014/main" id="{222EC577-43AA-4399-B6E8-3146B99033D6}"/>
+              </a:ext>
+            </a:extLst>
+          </p:cNvPr>
+          <p:cNvPicPr>
+            <a:picLocks noChangeAspect="1"/>
+          </p:cNvPicPr>
+          <p:nvPr/>
+        </p:nvPicPr>
+        <p:blipFill>
+          <a:blip r:embed="rId4"/>
+          <a:stretch>
+            <a:fillRect/>
+          </a:stretch>
+        </p:blipFill>
+        <p:spPr>
+          <a:xfrm>
+            <a:off x="3581400" y="643467"/>
+            <a:ext cx="5443788" cy="5291666"/>
+          </a:xfrm>
+          <a:prstGeom prst="rect">
+            <a:avLst/>
+          </a:prstGeom>
+          <a:ln>
+            <a:solidFill>
+              <a:srgbClr val="404040"/>
+            </a:solidFill>
+          </a:ln>
+        </p:spPr>
+        <p:style>
+          <a:lnRef idx="2">
+            <a:schemeClr val="dk1"/>
+          </a:lnRef>
+          <a:fillRef idx="1">
+            <a:schemeClr val="lt1"/>
+          </a:fillRef>
+          <a:effectRef idx="0">
+            <a:schemeClr val="dk1"/>
+          </a:effectRef>
+          <a:fontRef idx="minor">
+            <a:schemeClr val="dk1"/>
+          </a:fontRef>
+        </p:style>
+      </p:pic>
+    </p:spTree>
+    <p:custDataLst>
+      <p:tags r:id="rId1"/>
+    </p:custDataLst>
+    <p:extLst>
+      <p:ext uri="{BB962C8B-B14F-4D97-AF65-F5344CB8AC3E}">
+        <p14:creationId xmlns:p14="http://schemas.microsoft.com/office/powerpoint/2010/main" val="3318444743"/>
+      </p:ext>
+    </p:extLst>
+  </p:cSld>
+  <p:clrMapOvr>
+    <a:masterClrMapping/>
+  </p:clrMapOvr>
+</p:sld>
+</file>
+
+<file path=ppt/slides/slide11.xml><?xml version="1.0" encoding="utf-8"?>
+<p:sld xmlns:a="http://schemas.openxmlformats.org/drawingml/2006/main" xmlns:r="http://schemas.openxmlformats.org/officeDocument/2006/relationships" xmlns:p="http://schemas.openxmlformats.org/presentationml/2006/main">
+  <p:cSld>
+    <p:bg>
+      <p:bgPr>
+        <a:solidFill>
+          <a:schemeClr val="bg1">
+            <a:lumMod val="85000"/>
+          </a:schemeClr>
+        </a:solidFill>
+        <a:effectLst/>
+      </p:bgPr>
+    </p:bg>
+    <p:spTree>
+      <p:nvGrpSpPr>
+        <p:cNvPr id="1" name=""/>
+        <p:cNvGrpSpPr/>
+        <p:nvPr/>
+      </p:nvGrpSpPr>
+      <p:grpSpPr>
+        <a:xfrm>
+          <a:off x="0" y="0"/>
+          <a:ext cx="0" cy="0"/>
+          <a:chOff x="0" y="0"/>
+          <a:chExt cx="0" cy="0"/>
+        </a:xfrm>
+      </p:grpSpPr>
+      <p:sp>
+        <p:nvSpPr>
+          <p:cNvPr id="15" name="Rectangle 12">
+            <a:extLst>
+              <a:ext uri="{FF2B5EF4-FFF2-40B4-BE49-F238E27FC236}">
+                <a16:creationId xmlns:a16="http://schemas.microsoft.com/office/drawing/2014/main" id="{867D4867-5BA7-4462-B2F6-A23F4A622AA7}"/>
+              </a:ext>
+              <a:ext uri="{C183D7F6-B498-43B3-948B-1728B52AA6E4}">
+                <adec:decorative xmlns:adec="http://schemas.microsoft.com/office/drawing/2017/decorative" val="1"/>
+              </a:ext>
+            </a:extLst>
+          </p:cNvPr>
+          <p:cNvSpPr>
+            <a:spLocks noGrp="1" noRot="1" noChangeAspect="1" noMove="1" noResize="1" noEditPoints="1" noAdjustHandles="1" noChangeArrowheads="1" noChangeShapeType="1" noTextEdit="1"/>
+          </p:cNvSpPr>
+          <p:nvPr>
+            <p:extLst>
+              <p:ext uri="{386F3935-93C4-4BCD-93E2-E3B085C9AB24}">
+                <p16:designElem xmlns:p16="http://schemas.microsoft.com/office/powerpoint/2015/main" val="1"/>
+              </p:ext>
+            </p:extLst>
+          </p:nvPr>
+        </p:nvSpPr>
+        <p:spPr>
+          <a:xfrm>
+            <a:off x="0" y="0"/>
+            <a:ext cx="3490722" cy="6858000"/>
+          </a:xfrm>
+          <a:prstGeom prst="rect">
+            <a:avLst/>
+          </a:prstGeom>
+          <a:solidFill>
+            <a:schemeClr val="tx1">
+              <a:lumMod val="75000"/>
+              <a:lumOff val="25000"/>
+            </a:schemeClr>
+          </a:solidFill>
+          <a:ln>
+            <a:noFill/>
+          </a:ln>
+        </p:spPr>
+        <p:style>
+          <a:lnRef idx="0">
+            <a:scrgbClr r="0" g="0" b="0"/>
+          </a:lnRef>
+          <a:fillRef idx="0">
+            <a:scrgbClr r="0" g="0" b="0"/>
+          </a:fillRef>
+          <a:effectRef idx="0">
+            <a:scrgbClr r="0" g="0" b="0"/>
+          </a:effectRef>
+          <a:fontRef idx="minor">
+            <a:schemeClr val="lt1"/>
+          </a:fontRef>
+        </p:style>
+        <p:txBody>
+          <a:bodyPr rtlCol="0" anchor="ctr"/>
+          <a:lstStyle/>
+          <a:p>
+            <a:pPr marL="0" marR="0" lvl="0" indent="0" algn="ctr" defTabSz="457200" rtl="0" eaLnBrk="1" fontAlgn="base" latinLnBrk="0" hangingPunct="1">
+              <a:lnSpc>
+                <a:spcPct val="100000"/>
+              </a:lnSpc>
+              <a:spcBef>
+                <a:spcPct val="0"/>
+              </a:spcBef>
+              <a:spcAft>
+                <a:spcPct val="0"/>
+              </a:spcAft>
+              <a:buClrTx/>
+              <a:buSzTx/>
+              <a:buFontTx/>
+              <a:buNone/>
+              <a:tabLst/>
+              <a:defRPr/>
+            </a:pPr>
+            <a:endParaRPr kumimoji="0" lang="en-US" sz="2400" b="0" i="0" u="none" strike="noStrike" kern="1200" cap="none" spc="0" normalizeH="0" baseline="0" noProof="0">
+              <a:ln>
+                <a:noFill/>
+              </a:ln>
+              <a:solidFill>
+                <a:prstClr val="white"/>
+              </a:solidFill>
+              <a:effectLst/>
+              <a:uLnTx/>
+              <a:uFillTx/>
+              <a:latin typeface="Calibri"/>
+              <a:ea typeface="+mn-ea"/>
+              <a:cs typeface="+mn-cs"/>
+            </a:endParaRPr>
+          </a:p>
+        </p:txBody>
+      </p:sp>
+      <p:sp>
+        <p:nvSpPr>
+          <p:cNvPr id="2" name="Title 1"/>
+          <p:cNvSpPr>
+            <a:spLocks noGrp="1"/>
+          </p:cNvSpPr>
+          <p:nvPr>
+            <p:ph type="title"/>
+          </p:nvPr>
+        </p:nvSpPr>
+        <p:spPr>
+          <a:xfrm>
+            <a:off x="482600" y="643467"/>
+            <a:ext cx="2522980" cy="1597315"/>
+          </a:xfrm>
+          <a:noFill/>
+          <a:ln w="19050">
+            <a:solidFill>
+              <a:schemeClr val="bg1"/>
+            </a:solidFill>
+          </a:ln>
+        </p:spPr>
+        <p:txBody>
+          <a:bodyPr vert="horz" wrap="square" lIns="91440" tIns="45720" rIns="91440" bIns="45720" rtlCol="0" anchor="ctr">
+            <a:normAutofit/>
+          </a:bodyPr>
+          <a:lstStyle/>
+          <a:p>
+            <a:pPr defTabSz="914400" eaLnBrk="1" hangingPunct="1">
+              <a:lnSpc>
+                <a:spcPct val="90000"/>
+              </a:lnSpc>
+            </a:pPr>
+            <a:r>
+              <a:rPr lang="en-US" sz="2400" kern="1200" dirty="0">
+                <a:solidFill>
+                  <a:schemeClr val="bg1"/>
+                </a:solidFill>
+                <a:latin typeface="+mj-lt"/>
+                <a:ea typeface="+mj-ea"/>
+                <a:cs typeface="+mj-cs"/>
+              </a:rPr>
+              <a:t>Gathering</a:t>
+            </a:r>
+          </a:p>
+        </p:txBody>
+      </p:sp>
+      <p:pic>
+        <p:nvPicPr>
+          <p:cNvPr id="8" name="Picture 7">
+            <a:extLst>
+              <a:ext uri="{FF2B5EF4-FFF2-40B4-BE49-F238E27FC236}">
+                <a16:creationId xmlns:a16="http://schemas.microsoft.com/office/drawing/2014/main" id="{521D4292-9ECC-4DA5-8CC0-C561A0DA118E}"/>
+              </a:ext>
+            </a:extLst>
+          </p:cNvPr>
+          <p:cNvPicPr>
+            <a:picLocks noChangeAspect="1"/>
+          </p:cNvPicPr>
+          <p:nvPr/>
+        </p:nvPicPr>
+        <p:blipFill rotWithShape="1">
+          <a:blip r:embed="rId3"/>
+          <a:srcRect l="8000" r="9400"/>
+          <a:stretch/>
+        </p:blipFill>
+        <p:spPr>
+          <a:xfrm>
+            <a:off x="660103" y="3048000"/>
+            <a:ext cx="2167974" cy="2624666"/>
+          </a:xfrm>
+          <a:prstGeom prst="rect">
+            <a:avLst/>
+          </a:prstGeom>
+          <a:noFill/>
+        </p:spPr>
+      </p:pic>
+      <p:sp>
+        <p:nvSpPr>
+          <p:cNvPr id="6" name="TextBox 5">
+            <a:extLst>
+              <a:ext uri="{FF2B5EF4-FFF2-40B4-BE49-F238E27FC236}">
+                <a16:creationId xmlns:a16="http://schemas.microsoft.com/office/drawing/2014/main" id="{D25AEF42-C8AE-4F19-A741-3EC9B7A29BE7}"/>
+              </a:ext>
+            </a:extLst>
+          </p:cNvPr>
+          <p:cNvSpPr txBox="1"/>
+          <p:nvPr/>
+        </p:nvSpPr>
+        <p:spPr>
+          <a:xfrm>
+            <a:off x="3810000" y="621916"/>
+            <a:ext cx="5029200" cy="4893647"/>
+          </a:xfrm>
+          <a:prstGeom prst="rect">
+            <a:avLst/>
+          </a:prstGeom>
+          <a:noFill/>
+        </p:spPr>
+        <p:txBody>
+          <a:bodyPr wrap="square" rtlCol="0">
+            <a:spAutoFit/>
+          </a:bodyPr>
+          <a:lstStyle/>
+          <a:p>
+            <a:pPr marL="342900" indent="-342900">
+              <a:buFont typeface="Arial" panose="020B0604020202020204" pitchFamily="34" charset="0"/>
+              <a:buChar char="•"/>
+            </a:pPr>
+            <a:r>
+              <a:rPr lang="en-US" dirty="0">
+                <a:solidFill>
+                  <a:srgbClr val="404040"/>
+                </a:solidFill>
+              </a:rPr>
+              <a:t>Repeated Measures Data</a:t>
+            </a:r>
+          </a:p>
+          <a:p>
+            <a:pPr marL="342900" indent="-342900">
+              <a:buFont typeface="Arial" panose="020B0604020202020204" pitchFamily="34" charset="0"/>
+              <a:buChar char="•"/>
+            </a:pPr>
+            <a:endParaRPr lang="en-US" dirty="0">
+              <a:solidFill>
+                <a:srgbClr val="404040"/>
+              </a:solidFill>
+            </a:endParaRPr>
+          </a:p>
+          <a:p>
+            <a:pPr marL="342900" indent="-342900">
+              <a:buFont typeface="Arial" panose="020B0604020202020204" pitchFamily="34" charset="0"/>
+              <a:buChar char="•"/>
+            </a:pPr>
+            <a:r>
+              <a:rPr lang="en-US" dirty="0">
+                <a:solidFill>
+                  <a:srgbClr val="404040"/>
+                </a:solidFill>
+              </a:rPr>
+              <a:t>Variables “0.3”, “0.6”, and “0.8” are Measuring the Same Thing Under Different Drug Strengths</a:t>
+            </a:r>
+          </a:p>
+          <a:p>
+            <a:pPr marL="342900" indent="-342900">
+              <a:buFont typeface="Arial" panose="020B0604020202020204" pitchFamily="34" charset="0"/>
+              <a:buChar char="•"/>
+            </a:pPr>
+            <a:endParaRPr lang="en-US" dirty="0">
+              <a:solidFill>
+                <a:srgbClr val="404040"/>
+              </a:solidFill>
+            </a:endParaRPr>
+          </a:p>
+          <a:p>
+            <a:pPr marL="342900" indent="-342900">
+              <a:buFont typeface="Arial" panose="020B0604020202020204" pitchFamily="34" charset="0"/>
+              <a:buChar char="•"/>
+            </a:pPr>
+            <a:r>
+              <a:rPr lang="en-US" dirty="0">
+                <a:solidFill>
+                  <a:srgbClr val="404040"/>
+                </a:solidFill>
+              </a:rPr>
+              <a:t>The Name of the Variable Whose Values Form the Column Names Can Be Called “Dosage”</a:t>
+            </a:r>
+          </a:p>
+          <a:p>
+            <a:pPr marL="342900" indent="-342900">
+              <a:buFont typeface="Arial" panose="020B0604020202020204" pitchFamily="34" charset="0"/>
+              <a:buChar char="•"/>
+            </a:pPr>
+            <a:endParaRPr lang="en-US" dirty="0">
+              <a:solidFill>
+                <a:srgbClr val="404040"/>
+              </a:solidFill>
+            </a:endParaRPr>
+          </a:p>
+          <a:p>
+            <a:pPr marL="342900" indent="-342900">
+              <a:buFont typeface="Arial" panose="020B0604020202020204" pitchFamily="34" charset="0"/>
+              <a:buChar char="•"/>
+            </a:pPr>
+            <a:r>
+              <a:rPr lang="en-US" dirty="0">
+                <a:solidFill>
+                  <a:srgbClr val="404040"/>
+                </a:solidFill>
+              </a:rPr>
+              <a:t>The Name of the Variable Whose Values are Spread Over the Cells Can Be Called “Outcome”</a:t>
+            </a:r>
+          </a:p>
+        </p:txBody>
+      </p:sp>
+    </p:spTree>
+    <p:custDataLst>
+      <p:tags r:id="rId1"/>
+    </p:custDataLst>
+    <p:extLst>
+      <p:ext uri="{BB962C8B-B14F-4D97-AF65-F5344CB8AC3E}">
+        <p14:creationId xmlns:p14="http://schemas.microsoft.com/office/powerpoint/2010/main" val="280668267"/>
+      </p:ext>
+    </p:extLst>
+  </p:cSld>
+  <p:clrMapOvr>
+    <a:masterClrMapping/>
+  </p:clrMapOvr>
+</p:sld>
+</file>
+
+<file path=ppt/slides/slide12.xml><?xml version="1.0" encoding="utf-8"?>
+<p:sld xmlns:a="http://schemas.openxmlformats.org/drawingml/2006/main" xmlns:r="http://schemas.openxmlformats.org/officeDocument/2006/relationships" xmlns:p="http://schemas.openxmlformats.org/presentationml/2006/main">
+  <p:cSld>
+    <p:bg>
+      <p:bgPr>
+        <a:solidFill>
+          <a:schemeClr val="bg1">
+            <a:lumMod val="85000"/>
+          </a:schemeClr>
+        </a:solidFill>
+        <a:effectLst/>
+      </p:bgPr>
+    </p:bg>
+    <p:spTree>
+      <p:nvGrpSpPr>
+        <p:cNvPr id="1" name=""/>
+        <p:cNvGrpSpPr/>
+        <p:nvPr/>
+      </p:nvGrpSpPr>
+      <p:grpSpPr>
+        <a:xfrm>
+          <a:off x="0" y="0"/>
+          <a:ext cx="0" cy="0"/>
+          <a:chOff x="0" y="0"/>
+          <a:chExt cx="0" cy="0"/>
+        </a:xfrm>
+      </p:grpSpPr>
+      <p:sp>
+        <p:nvSpPr>
+          <p:cNvPr id="15" name="Rectangle 12">
+            <a:extLst>
+              <a:ext uri="{FF2B5EF4-FFF2-40B4-BE49-F238E27FC236}">
+                <a16:creationId xmlns:a16="http://schemas.microsoft.com/office/drawing/2014/main" id="{867D4867-5BA7-4462-B2F6-A23F4A622AA7}"/>
+              </a:ext>
+              <a:ext uri="{C183D7F6-B498-43B3-948B-1728B52AA6E4}">
+                <adec:decorative xmlns:adec="http://schemas.microsoft.com/office/drawing/2017/decorative" val="1"/>
+              </a:ext>
+            </a:extLst>
+          </p:cNvPr>
+          <p:cNvSpPr>
+            <a:spLocks noGrp="1" noRot="1" noChangeAspect="1" noMove="1" noResize="1" noEditPoints="1" noAdjustHandles="1" noChangeArrowheads="1" noChangeShapeType="1" noTextEdit="1"/>
+          </p:cNvSpPr>
+          <p:nvPr>
+            <p:extLst>
+              <p:ext uri="{386F3935-93C4-4BCD-93E2-E3B085C9AB24}">
+                <p16:designElem xmlns:p16="http://schemas.microsoft.com/office/powerpoint/2015/main" val="1"/>
+              </p:ext>
+            </p:extLst>
+          </p:nvPr>
+        </p:nvSpPr>
+        <p:spPr>
+          <a:xfrm>
+            <a:off x="0" y="0"/>
+            <a:ext cx="3490722" cy="6858000"/>
+          </a:xfrm>
+          <a:prstGeom prst="rect">
+            <a:avLst/>
+          </a:prstGeom>
+          <a:solidFill>
+            <a:schemeClr val="tx1">
+              <a:lumMod val="75000"/>
+              <a:lumOff val="25000"/>
+            </a:schemeClr>
+          </a:solidFill>
+          <a:ln>
+            <a:noFill/>
+          </a:ln>
+        </p:spPr>
+        <p:style>
+          <a:lnRef idx="0">
+            <a:scrgbClr r="0" g="0" b="0"/>
+          </a:lnRef>
+          <a:fillRef idx="0">
+            <a:scrgbClr r="0" g="0" b="0"/>
+          </a:fillRef>
+          <a:effectRef idx="0">
+            <a:scrgbClr r="0" g="0" b="0"/>
+          </a:effectRef>
+          <a:fontRef idx="minor">
+            <a:schemeClr val="lt1"/>
+          </a:fontRef>
+        </p:style>
+        <p:txBody>
+          <a:bodyPr rtlCol="0" anchor="ctr"/>
+          <a:lstStyle/>
+          <a:p>
+            <a:pPr marL="0" marR="0" lvl="0" indent="0" algn="ctr" defTabSz="457200" rtl="0" eaLnBrk="1" fontAlgn="base" latinLnBrk="0" hangingPunct="1">
+              <a:lnSpc>
+                <a:spcPct val="100000"/>
+              </a:lnSpc>
+              <a:spcBef>
+                <a:spcPct val="0"/>
+              </a:spcBef>
+              <a:spcAft>
+                <a:spcPct val="0"/>
+              </a:spcAft>
+              <a:buClrTx/>
+              <a:buSzTx/>
+              <a:buFontTx/>
+              <a:buNone/>
+              <a:tabLst/>
+              <a:defRPr/>
+            </a:pPr>
+            <a:endParaRPr kumimoji="0" lang="en-US" sz="2400" b="0" i="0" u="none" strike="noStrike" kern="1200" cap="none" spc="0" normalizeH="0" baseline="0" noProof="0">
+              <a:ln>
+                <a:noFill/>
+              </a:ln>
+              <a:solidFill>
+                <a:prstClr val="white"/>
+              </a:solidFill>
+              <a:effectLst/>
+              <a:uLnTx/>
+              <a:uFillTx/>
+              <a:latin typeface="Calibri"/>
+              <a:ea typeface="+mn-ea"/>
+              <a:cs typeface="+mn-cs"/>
+            </a:endParaRPr>
+          </a:p>
+        </p:txBody>
+      </p:sp>
+      <p:sp>
+        <p:nvSpPr>
+          <p:cNvPr id="2" name="Title 1"/>
+          <p:cNvSpPr>
+            <a:spLocks noGrp="1"/>
+          </p:cNvSpPr>
+          <p:nvPr>
+            <p:ph type="title"/>
+          </p:nvPr>
+        </p:nvSpPr>
+        <p:spPr>
+          <a:xfrm>
+            <a:off x="482600" y="643467"/>
+            <a:ext cx="2522980" cy="1597315"/>
+          </a:xfrm>
+          <a:noFill/>
+          <a:ln w="19050">
+            <a:solidFill>
+              <a:schemeClr val="bg1"/>
+            </a:solidFill>
+          </a:ln>
+        </p:spPr>
+        <p:txBody>
+          <a:bodyPr vert="horz" wrap="square" lIns="91440" tIns="45720" rIns="91440" bIns="45720" rtlCol="0" anchor="ctr">
+            <a:normAutofit/>
+          </a:bodyPr>
+          <a:lstStyle/>
+          <a:p>
+            <a:pPr defTabSz="914400" eaLnBrk="1" hangingPunct="1">
+              <a:lnSpc>
+                <a:spcPct val="90000"/>
+              </a:lnSpc>
+            </a:pPr>
+            <a:r>
+              <a:rPr lang="en-US" sz="2400" kern="1200" dirty="0">
+                <a:solidFill>
+                  <a:schemeClr val="bg1"/>
+                </a:solidFill>
+                <a:latin typeface="+mj-lt"/>
+                <a:ea typeface="+mj-ea"/>
+                <a:cs typeface="+mj-cs"/>
+              </a:rPr>
+              <a:t>Gathering</a:t>
+            </a:r>
+          </a:p>
+        </p:txBody>
+      </p:sp>
+      <p:pic>
+        <p:nvPicPr>
+          <p:cNvPr id="8" name="Picture 7">
+            <a:extLst>
+              <a:ext uri="{FF2B5EF4-FFF2-40B4-BE49-F238E27FC236}">
+                <a16:creationId xmlns:a16="http://schemas.microsoft.com/office/drawing/2014/main" id="{521D4292-9ECC-4DA5-8CC0-C561A0DA118E}"/>
+              </a:ext>
+            </a:extLst>
+          </p:cNvPr>
+          <p:cNvPicPr>
+            <a:picLocks noChangeAspect="1"/>
+          </p:cNvPicPr>
+          <p:nvPr/>
+        </p:nvPicPr>
+        <p:blipFill rotWithShape="1">
+          <a:blip r:embed="rId3"/>
+          <a:srcRect l="8000" r="9400"/>
+          <a:stretch/>
+        </p:blipFill>
+        <p:spPr>
+          <a:xfrm>
+            <a:off x="660103" y="3048000"/>
+            <a:ext cx="2167974" cy="2624666"/>
+          </a:xfrm>
+          <a:prstGeom prst="rect">
+            <a:avLst/>
+          </a:prstGeom>
+          <a:noFill/>
+        </p:spPr>
+      </p:pic>
+      <p:pic>
+        <p:nvPicPr>
+          <p:cNvPr id="4" name="Picture 3">
+            <a:extLst>
+              <a:ext uri="{FF2B5EF4-FFF2-40B4-BE49-F238E27FC236}">
+                <a16:creationId xmlns:a16="http://schemas.microsoft.com/office/drawing/2014/main" id="{4D7D7D26-595F-42A9-8EB4-62669290C346}"/>
+              </a:ext>
+            </a:extLst>
+          </p:cNvPr>
+          <p:cNvPicPr>
+            <a:picLocks noChangeAspect="1"/>
+          </p:cNvPicPr>
+          <p:nvPr/>
+        </p:nvPicPr>
+        <p:blipFill>
+          <a:blip r:embed="rId4"/>
+          <a:stretch>
+            <a:fillRect/>
+          </a:stretch>
+        </p:blipFill>
+        <p:spPr>
+          <a:xfrm>
+            <a:off x="3548669" y="643467"/>
+            <a:ext cx="5534512" cy="6167889"/>
+          </a:xfrm>
+          <a:prstGeom prst="rect">
+            <a:avLst/>
+          </a:prstGeom>
+          <a:ln>
+            <a:solidFill>
+              <a:srgbClr val="404040"/>
+            </a:solidFill>
+          </a:ln>
+        </p:spPr>
+        <p:style>
+          <a:lnRef idx="2">
+            <a:schemeClr val="dk1"/>
+          </a:lnRef>
+          <a:fillRef idx="1">
+            <a:schemeClr val="lt1"/>
+          </a:fillRef>
+          <a:effectRef idx="0">
+            <a:schemeClr val="dk1"/>
+          </a:effectRef>
+          <a:fontRef idx="minor">
+            <a:schemeClr val="dk1"/>
+          </a:fontRef>
+        </p:style>
+      </p:pic>
+    </p:spTree>
+    <p:custDataLst>
+      <p:tags r:id="rId1"/>
+    </p:custDataLst>
+    <p:extLst>
+      <p:ext uri="{BB962C8B-B14F-4D97-AF65-F5344CB8AC3E}">
+        <p14:creationId xmlns:p14="http://schemas.microsoft.com/office/powerpoint/2010/main" val="1196291525"/>
+      </p:ext>
+    </p:extLst>
+  </p:cSld>
+  <p:clrMapOvr>
+    <a:masterClrMapping/>
+  </p:clrMapOvr>
+</p:sld>
+</file>
+
+<file path=ppt/slides/slide13.xml><?xml version="1.0" encoding="utf-8"?>
+<p:sld xmlns:a="http://schemas.openxmlformats.org/drawingml/2006/main" xmlns:r="http://schemas.openxmlformats.org/officeDocument/2006/relationships" xmlns:p="http://schemas.openxmlformats.org/presentationml/2006/main">
+  <p:cSld>
+    <p:bg>
+      <p:bgPr>
+        <a:solidFill>
+          <a:schemeClr val="bg1">
+            <a:lumMod val="85000"/>
+          </a:schemeClr>
+        </a:solidFill>
+        <a:effectLst/>
+      </p:bgPr>
+    </p:bg>
+    <p:spTree>
+      <p:nvGrpSpPr>
+        <p:cNvPr id="1" name=""/>
+        <p:cNvGrpSpPr/>
+        <p:nvPr/>
+      </p:nvGrpSpPr>
+      <p:grpSpPr>
+        <a:xfrm>
+          <a:off x="0" y="0"/>
+          <a:ext cx="0" cy="0"/>
+          <a:chOff x="0" y="0"/>
+          <a:chExt cx="0" cy="0"/>
+        </a:xfrm>
+      </p:grpSpPr>
+      <p:sp>
+        <p:nvSpPr>
+          <p:cNvPr id="15" name="Rectangle 12">
+            <a:extLst>
+              <a:ext uri="{FF2B5EF4-FFF2-40B4-BE49-F238E27FC236}">
+                <a16:creationId xmlns:a16="http://schemas.microsoft.com/office/drawing/2014/main" id="{867D4867-5BA7-4462-B2F6-A23F4A622AA7}"/>
+              </a:ext>
+              <a:ext uri="{C183D7F6-B498-43B3-948B-1728B52AA6E4}">
+                <adec:decorative xmlns:adec="http://schemas.microsoft.com/office/drawing/2017/decorative" val="1"/>
+              </a:ext>
+            </a:extLst>
+          </p:cNvPr>
+          <p:cNvSpPr>
+            <a:spLocks noGrp="1" noRot="1" noChangeAspect="1" noMove="1" noResize="1" noEditPoints="1" noAdjustHandles="1" noChangeArrowheads="1" noChangeShapeType="1" noTextEdit="1"/>
+          </p:cNvSpPr>
+          <p:nvPr>
+            <p:extLst>
+              <p:ext uri="{386F3935-93C4-4BCD-93E2-E3B085C9AB24}">
+                <p16:designElem xmlns:p16="http://schemas.microsoft.com/office/powerpoint/2015/main" val="1"/>
+              </p:ext>
+            </p:extLst>
+          </p:nvPr>
+        </p:nvSpPr>
+        <p:spPr>
+          <a:xfrm>
+            <a:off x="0" y="0"/>
+            <a:ext cx="3490722" cy="6858000"/>
+          </a:xfrm>
+          <a:prstGeom prst="rect">
+            <a:avLst/>
+          </a:prstGeom>
+          <a:solidFill>
+            <a:schemeClr val="tx1">
+              <a:lumMod val="75000"/>
+              <a:lumOff val="25000"/>
+            </a:schemeClr>
+          </a:solidFill>
+          <a:ln>
+            <a:noFill/>
+          </a:ln>
+        </p:spPr>
+        <p:style>
+          <a:lnRef idx="0">
+            <a:scrgbClr r="0" g="0" b="0"/>
+          </a:lnRef>
+          <a:fillRef idx="0">
+            <a:scrgbClr r="0" g="0" b="0"/>
+          </a:fillRef>
+          <a:effectRef idx="0">
+            <a:scrgbClr r="0" g="0" b="0"/>
+          </a:effectRef>
+          <a:fontRef idx="minor">
+            <a:schemeClr val="lt1"/>
+          </a:fontRef>
+        </p:style>
+        <p:txBody>
+          <a:bodyPr rtlCol="0" anchor="ctr"/>
+          <a:lstStyle/>
+          <a:p>
+            <a:pPr marL="0" marR="0" lvl="0" indent="0" algn="ctr" defTabSz="457200" rtl="0" eaLnBrk="1" fontAlgn="base" latinLnBrk="0" hangingPunct="1">
+              <a:lnSpc>
+                <a:spcPct val="100000"/>
+              </a:lnSpc>
+              <a:spcBef>
+                <a:spcPct val="0"/>
+              </a:spcBef>
+              <a:spcAft>
+                <a:spcPct val="0"/>
+              </a:spcAft>
+              <a:buClrTx/>
+              <a:buSzTx/>
+              <a:buFontTx/>
+              <a:buNone/>
+              <a:tabLst/>
+              <a:defRPr/>
+            </a:pPr>
+            <a:endParaRPr kumimoji="0" lang="en-US" sz="2400" b="0" i="0" u="none" strike="noStrike" kern="1200" cap="none" spc="0" normalizeH="0" baseline="0" noProof="0">
+              <a:ln>
+                <a:noFill/>
+              </a:ln>
+              <a:solidFill>
+                <a:prstClr val="white"/>
+              </a:solidFill>
+              <a:effectLst/>
+              <a:uLnTx/>
+              <a:uFillTx/>
+              <a:latin typeface="Calibri"/>
+              <a:ea typeface="+mn-ea"/>
+              <a:cs typeface="+mn-cs"/>
+            </a:endParaRPr>
+          </a:p>
+        </p:txBody>
+      </p:sp>
+      <p:sp>
+        <p:nvSpPr>
+          <p:cNvPr id="2" name="Title 1"/>
+          <p:cNvSpPr>
+            <a:spLocks noGrp="1"/>
+          </p:cNvSpPr>
+          <p:nvPr>
+            <p:ph type="title"/>
+          </p:nvPr>
+        </p:nvSpPr>
+        <p:spPr>
+          <a:xfrm>
+            <a:off x="482600" y="643467"/>
+            <a:ext cx="2522980" cy="1597315"/>
+          </a:xfrm>
+          <a:noFill/>
+          <a:ln w="19050">
+            <a:solidFill>
+              <a:schemeClr val="bg1"/>
+            </a:solidFill>
+          </a:ln>
+        </p:spPr>
+        <p:txBody>
+          <a:bodyPr vert="horz" wrap="square" lIns="91440" tIns="45720" rIns="91440" bIns="45720" rtlCol="0" anchor="ctr">
+            <a:normAutofit/>
+          </a:bodyPr>
+          <a:lstStyle/>
+          <a:p>
+            <a:pPr defTabSz="914400" eaLnBrk="1" hangingPunct="1">
+              <a:lnSpc>
+                <a:spcPct val="90000"/>
+              </a:lnSpc>
+            </a:pPr>
+            <a:r>
+              <a:rPr lang="en-US" sz="2400" kern="1200" dirty="0">
+                <a:solidFill>
+                  <a:schemeClr val="bg1"/>
+                </a:solidFill>
+                <a:latin typeface="+mj-lt"/>
+                <a:ea typeface="+mj-ea"/>
+                <a:cs typeface="+mj-cs"/>
+              </a:rPr>
+              <a:t>Gathering</a:t>
+            </a:r>
+          </a:p>
+        </p:txBody>
+      </p:sp>
+      <p:pic>
+        <p:nvPicPr>
+          <p:cNvPr id="8" name="Picture 7">
+            <a:extLst>
+              <a:ext uri="{FF2B5EF4-FFF2-40B4-BE49-F238E27FC236}">
+                <a16:creationId xmlns:a16="http://schemas.microsoft.com/office/drawing/2014/main" id="{521D4292-9ECC-4DA5-8CC0-C561A0DA118E}"/>
+              </a:ext>
+            </a:extLst>
+          </p:cNvPr>
+          <p:cNvPicPr>
+            <a:picLocks noChangeAspect="1"/>
+          </p:cNvPicPr>
+          <p:nvPr/>
+        </p:nvPicPr>
+        <p:blipFill rotWithShape="1">
+          <a:blip r:embed="rId3"/>
+          <a:srcRect l="8000" r="9400"/>
+          <a:stretch/>
+        </p:blipFill>
+        <p:spPr>
+          <a:xfrm>
+            <a:off x="660103" y="3048000"/>
+            <a:ext cx="2167974" cy="2624666"/>
+          </a:xfrm>
+          <a:prstGeom prst="rect">
+            <a:avLst/>
+          </a:prstGeom>
+          <a:noFill/>
+        </p:spPr>
+      </p:pic>
+      <p:sp>
+        <p:nvSpPr>
+          <p:cNvPr id="6" name="TextBox 5">
+            <a:extLst>
+              <a:ext uri="{FF2B5EF4-FFF2-40B4-BE49-F238E27FC236}">
+                <a16:creationId xmlns:a16="http://schemas.microsoft.com/office/drawing/2014/main" id="{EED03D99-B7F4-4962-B18A-222B59C81E67}"/>
+              </a:ext>
+            </a:extLst>
+          </p:cNvPr>
+          <p:cNvSpPr txBox="1"/>
+          <p:nvPr/>
+        </p:nvSpPr>
+        <p:spPr>
+          <a:xfrm>
+            <a:off x="3810000" y="621916"/>
+            <a:ext cx="5029200" cy="461665"/>
+          </a:xfrm>
+          <a:prstGeom prst="rect">
+            <a:avLst/>
+          </a:prstGeom>
+          <a:noFill/>
+        </p:spPr>
+        <p:txBody>
+          <a:bodyPr wrap="square" rtlCol="0">
+            <a:spAutoFit/>
+          </a:bodyPr>
+          <a:lstStyle/>
+          <a:p>
+            <a:pPr marL="342900" indent="-342900">
+              <a:buFont typeface="Arial" panose="020B0604020202020204" pitchFamily="34" charset="0"/>
+              <a:buChar char="•"/>
+            </a:pPr>
+            <a:r>
+              <a:rPr lang="en-US" dirty="0">
+                <a:solidFill>
+                  <a:srgbClr val="404040"/>
+                </a:solidFill>
+              </a:rPr>
+              <a:t>Why Do This Nonsense?</a:t>
+            </a:r>
+          </a:p>
+        </p:txBody>
+      </p:sp>
+      <p:pic>
+        <p:nvPicPr>
+          <p:cNvPr id="5" name="Picture 4">
+            <a:extLst>
+              <a:ext uri="{FF2B5EF4-FFF2-40B4-BE49-F238E27FC236}">
+                <a16:creationId xmlns:a16="http://schemas.microsoft.com/office/drawing/2014/main" id="{26E48426-0170-44A6-B548-51B0DCEBB25F}"/>
+              </a:ext>
+            </a:extLst>
+          </p:cNvPr>
+          <p:cNvPicPr>
+            <a:picLocks noChangeAspect="1"/>
+          </p:cNvPicPr>
+          <p:nvPr/>
+        </p:nvPicPr>
+        <p:blipFill>
+          <a:blip r:embed="rId4"/>
+          <a:stretch>
+            <a:fillRect/>
+          </a:stretch>
+        </p:blipFill>
+        <p:spPr>
+          <a:xfrm>
+            <a:off x="3595024" y="1442124"/>
+            <a:ext cx="5436753" cy="3332204"/>
+          </a:xfrm>
+          <a:prstGeom prst="rect">
+            <a:avLst/>
+          </a:prstGeom>
+          <a:ln>
+            <a:solidFill>
+              <a:srgbClr val="404040"/>
+            </a:solidFill>
+          </a:ln>
+        </p:spPr>
+        <p:style>
+          <a:lnRef idx="2">
+            <a:schemeClr val="dk1"/>
+          </a:lnRef>
+          <a:fillRef idx="1">
+            <a:schemeClr val="lt1"/>
+          </a:fillRef>
+          <a:effectRef idx="0">
+            <a:schemeClr val="dk1"/>
+          </a:effectRef>
+          <a:fontRef idx="minor">
+            <a:schemeClr val="dk1"/>
+          </a:fontRef>
+        </p:style>
+      </p:pic>
+    </p:spTree>
+    <p:custDataLst>
+      <p:tags r:id="rId1"/>
+    </p:custDataLst>
+    <p:extLst>
+      <p:ext uri="{BB962C8B-B14F-4D97-AF65-F5344CB8AC3E}">
+        <p14:creationId xmlns:p14="http://schemas.microsoft.com/office/powerpoint/2010/main" val="3206692068"/>
+      </p:ext>
+    </p:extLst>
+  </p:cSld>
+  <p:clrMapOvr>
+    <a:masterClrMapping/>
+  </p:clrMapOvr>
+</p:sld>
+</file>
+
+<file path=ppt/slides/slide14.xml><?xml version="1.0" encoding="utf-8"?>
+<p:sld xmlns:a="http://schemas.openxmlformats.org/drawingml/2006/main" xmlns:r="http://schemas.openxmlformats.org/officeDocument/2006/relationships" xmlns:p="http://schemas.openxmlformats.org/presentationml/2006/main">
+  <p:cSld>
+    <p:bg>
+      <p:bgPr>
+        <a:solidFill>
+          <a:schemeClr val="bg1">
+            <a:lumMod val="85000"/>
+          </a:schemeClr>
+        </a:solidFill>
+        <a:effectLst/>
+      </p:bgPr>
+    </p:bg>
+    <p:spTree>
+      <p:nvGrpSpPr>
+        <p:cNvPr id="1" name=""/>
+        <p:cNvGrpSpPr/>
+        <p:nvPr/>
+      </p:nvGrpSpPr>
+      <p:grpSpPr>
+        <a:xfrm>
+          <a:off x="0" y="0"/>
+          <a:ext cx="0" cy="0"/>
+          <a:chOff x="0" y="0"/>
+          <a:chExt cx="0" cy="0"/>
+        </a:xfrm>
+      </p:grpSpPr>
+      <p:sp>
+        <p:nvSpPr>
+          <p:cNvPr id="15" name="Rectangle 12">
+            <a:extLst>
+              <a:ext uri="{FF2B5EF4-FFF2-40B4-BE49-F238E27FC236}">
+                <a16:creationId xmlns:a16="http://schemas.microsoft.com/office/drawing/2014/main" id="{867D4867-5BA7-4462-B2F6-A23F4A622AA7}"/>
+              </a:ext>
+              <a:ext uri="{C183D7F6-B498-43B3-948B-1728B52AA6E4}">
+                <adec:decorative xmlns:adec="http://schemas.microsoft.com/office/drawing/2017/decorative" val="1"/>
+              </a:ext>
+            </a:extLst>
+          </p:cNvPr>
+          <p:cNvSpPr>
+            <a:spLocks noGrp="1" noRot="1" noChangeAspect="1" noMove="1" noResize="1" noEditPoints="1" noAdjustHandles="1" noChangeArrowheads="1" noChangeShapeType="1" noTextEdit="1"/>
+          </p:cNvSpPr>
+          <p:nvPr>
+            <p:extLst>
+              <p:ext uri="{386F3935-93C4-4BCD-93E2-E3B085C9AB24}">
+                <p16:designElem xmlns:p16="http://schemas.microsoft.com/office/powerpoint/2015/main" val="1"/>
+              </p:ext>
+            </p:extLst>
+          </p:nvPr>
+        </p:nvSpPr>
+        <p:spPr>
+          <a:xfrm>
+            <a:off x="0" y="0"/>
+            <a:ext cx="3490722" cy="6858000"/>
+          </a:xfrm>
+          <a:prstGeom prst="rect">
+            <a:avLst/>
+          </a:prstGeom>
+          <a:solidFill>
+            <a:schemeClr val="tx1">
+              <a:lumMod val="75000"/>
+              <a:lumOff val="25000"/>
+            </a:schemeClr>
+          </a:solidFill>
+          <a:ln>
+            <a:noFill/>
+          </a:ln>
+        </p:spPr>
+        <p:style>
+          <a:lnRef idx="0">
+            <a:scrgbClr r="0" g="0" b="0"/>
+          </a:lnRef>
+          <a:fillRef idx="0">
+            <a:scrgbClr r="0" g="0" b="0"/>
+          </a:fillRef>
+          <a:effectRef idx="0">
+            <a:scrgbClr r="0" g="0" b="0"/>
+          </a:effectRef>
+          <a:fontRef idx="minor">
+            <a:schemeClr val="lt1"/>
+          </a:fontRef>
+        </p:style>
+        <p:txBody>
+          <a:bodyPr rtlCol="0" anchor="ctr"/>
+          <a:lstStyle/>
+          <a:p>
+            <a:pPr marL="0" marR="0" lvl="0" indent="0" algn="ctr" defTabSz="457200" rtl="0" eaLnBrk="1" fontAlgn="base" latinLnBrk="0" hangingPunct="1">
+              <a:lnSpc>
+                <a:spcPct val="100000"/>
+              </a:lnSpc>
+              <a:spcBef>
+                <a:spcPct val="0"/>
+              </a:spcBef>
+              <a:spcAft>
+                <a:spcPct val="0"/>
+              </a:spcAft>
+              <a:buClrTx/>
+              <a:buSzTx/>
+              <a:buFontTx/>
+              <a:buNone/>
+              <a:tabLst/>
+              <a:defRPr/>
+            </a:pPr>
+            <a:endParaRPr kumimoji="0" lang="en-US" sz="2400" b="0" i="0" u="none" strike="noStrike" kern="1200" cap="none" spc="0" normalizeH="0" baseline="0" noProof="0">
+              <a:ln>
+                <a:noFill/>
+              </a:ln>
+              <a:solidFill>
+                <a:prstClr val="white"/>
+              </a:solidFill>
+              <a:effectLst/>
+              <a:uLnTx/>
+              <a:uFillTx/>
+              <a:latin typeface="Calibri"/>
+              <a:ea typeface="+mn-ea"/>
+              <a:cs typeface="+mn-cs"/>
+            </a:endParaRPr>
+          </a:p>
+        </p:txBody>
+      </p:sp>
+      <p:sp>
+        <p:nvSpPr>
+          <p:cNvPr id="2" name="Title 1"/>
+          <p:cNvSpPr>
+            <a:spLocks noGrp="1"/>
+          </p:cNvSpPr>
+          <p:nvPr>
+            <p:ph type="title"/>
+          </p:nvPr>
+        </p:nvSpPr>
+        <p:spPr>
+          <a:xfrm>
+            <a:off x="482600" y="643467"/>
+            <a:ext cx="2522980" cy="1597315"/>
+          </a:xfrm>
+          <a:noFill/>
+          <a:ln w="19050">
+            <a:solidFill>
+              <a:schemeClr val="bg1"/>
+            </a:solidFill>
+          </a:ln>
+        </p:spPr>
+        <p:txBody>
+          <a:bodyPr vert="horz" wrap="square" lIns="91440" tIns="45720" rIns="91440" bIns="45720" rtlCol="0" anchor="ctr">
+            <a:normAutofit/>
+          </a:bodyPr>
+          <a:lstStyle/>
+          <a:p>
+            <a:pPr defTabSz="914400" eaLnBrk="1" hangingPunct="1">
+              <a:lnSpc>
+                <a:spcPct val="90000"/>
+              </a:lnSpc>
+            </a:pPr>
+            <a:r>
+              <a:rPr lang="en-US" sz="2400" kern="1200" dirty="0">
+                <a:solidFill>
+                  <a:schemeClr val="bg1"/>
+                </a:solidFill>
+                <a:latin typeface="+mj-lt"/>
+                <a:ea typeface="+mj-ea"/>
+                <a:cs typeface="+mj-cs"/>
+              </a:rPr>
+              <a:t>Untidy Data Example 3</a:t>
+            </a:r>
+          </a:p>
+        </p:txBody>
+      </p:sp>
+      <p:pic>
+        <p:nvPicPr>
+          <p:cNvPr id="8" name="Picture 7">
+            <a:extLst>
+              <a:ext uri="{FF2B5EF4-FFF2-40B4-BE49-F238E27FC236}">
+                <a16:creationId xmlns:a16="http://schemas.microsoft.com/office/drawing/2014/main" id="{521D4292-9ECC-4DA5-8CC0-C561A0DA118E}"/>
+              </a:ext>
+            </a:extLst>
+          </p:cNvPr>
+          <p:cNvPicPr>
+            <a:picLocks noChangeAspect="1"/>
+          </p:cNvPicPr>
+          <p:nvPr/>
+        </p:nvPicPr>
+        <p:blipFill rotWithShape="1">
+          <a:blip r:embed="rId3"/>
+          <a:srcRect l="8000" r="9400"/>
+          <a:stretch/>
+        </p:blipFill>
+        <p:spPr>
+          <a:xfrm>
+            <a:off x="660103" y="3048000"/>
+            <a:ext cx="2167974" cy="2624666"/>
+          </a:xfrm>
+          <a:prstGeom prst="rect">
+            <a:avLst/>
+          </a:prstGeom>
+          <a:noFill/>
+        </p:spPr>
+      </p:pic>
+      <p:pic>
+        <p:nvPicPr>
+          <p:cNvPr id="3" name="Picture 2">
+            <a:extLst>
+              <a:ext uri="{FF2B5EF4-FFF2-40B4-BE49-F238E27FC236}">
+                <a16:creationId xmlns:a16="http://schemas.microsoft.com/office/drawing/2014/main" id="{4DD444F4-0F12-45E6-A193-A9981EB28CD0}"/>
+              </a:ext>
+            </a:extLst>
+          </p:cNvPr>
+          <p:cNvPicPr>
+            <a:picLocks noChangeAspect="1"/>
+          </p:cNvPicPr>
+          <p:nvPr/>
+        </p:nvPicPr>
+        <p:blipFill>
+          <a:blip r:embed="rId4"/>
+          <a:stretch>
+            <a:fillRect/>
+          </a:stretch>
+        </p:blipFill>
+        <p:spPr>
+          <a:xfrm>
+            <a:off x="3581400" y="643467"/>
+            <a:ext cx="5486400" cy="5354989"/>
+          </a:xfrm>
+          <a:prstGeom prst="rect">
+            <a:avLst/>
+          </a:prstGeom>
+          <a:ln>
+            <a:solidFill>
+              <a:srgbClr val="404040"/>
+            </a:solidFill>
+          </a:ln>
+        </p:spPr>
+        <p:style>
+          <a:lnRef idx="2">
+            <a:schemeClr val="dk1"/>
+          </a:lnRef>
+          <a:fillRef idx="1">
+            <a:schemeClr val="lt1"/>
+          </a:fillRef>
+          <a:effectRef idx="0">
+            <a:schemeClr val="dk1"/>
+          </a:effectRef>
+          <a:fontRef idx="minor">
+            <a:schemeClr val="dk1"/>
+          </a:fontRef>
+        </p:style>
+      </p:pic>
+    </p:spTree>
+    <p:custDataLst>
+      <p:tags r:id="rId1"/>
+    </p:custDataLst>
+    <p:extLst>
+      <p:ext uri="{BB962C8B-B14F-4D97-AF65-F5344CB8AC3E}">
+        <p14:creationId xmlns:p14="http://schemas.microsoft.com/office/powerpoint/2010/main" val="2072568934"/>
+      </p:ext>
+    </p:extLst>
+  </p:cSld>
+  <p:clrMapOvr>
+    <a:masterClrMapping/>
+  </p:clrMapOvr>
+</p:sld>
+</file>
+
+<file path=ppt/slides/slide15.xml><?xml version="1.0" encoding="utf-8"?>
+<p:sld xmlns:a="http://schemas.openxmlformats.org/drawingml/2006/main" xmlns:r="http://schemas.openxmlformats.org/officeDocument/2006/relationships" xmlns:p="http://schemas.openxmlformats.org/presentationml/2006/main">
+  <p:cSld>
+    <p:bg>
+      <p:bgPr>
+        <a:solidFill>
+          <a:schemeClr val="bg1">
+            <a:lumMod val="85000"/>
+          </a:schemeClr>
+        </a:solidFill>
+        <a:effectLst/>
+      </p:bgPr>
+    </p:bg>
+    <p:spTree>
+      <p:nvGrpSpPr>
+        <p:cNvPr id="1" name=""/>
+        <p:cNvGrpSpPr/>
+        <p:nvPr/>
+      </p:nvGrpSpPr>
+      <p:grpSpPr>
+        <a:xfrm>
+          <a:off x="0" y="0"/>
+          <a:ext cx="0" cy="0"/>
+          <a:chOff x="0" y="0"/>
+          <a:chExt cx="0" cy="0"/>
+        </a:xfrm>
+      </p:grpSpPr>
+      <p:sp>
+        <p:nvSpPr>
+          <p:cNvPr id="15" name="Rectangle 12">
+            <a:extLst>
+              <a:ext uri="{FF2B5EF4-FFF2-40B4-BE49-F238E27FC236}">
+                <a16:creationId xmlns:a16="http://schemas.microsoft.com/office/drawing/2014/main" id="{867D4867-5BA7-4462-B2F6-A23F4A622AA7}"/>
+              </a:ext>
+              <a:ext uri="{C183D7F6-B498-43B3-948B-1728B52AA6E4}">
+                <adec:decorative xmlns:adec="http://schemas.microsoft.com/office/drawing/2017/decorative" val="1"/>
+              </a:ext>
+            </a:extLst>
+          </p:cNvPr>
+          <p:cNvSpPr>
+            <a:spLocks noGrp="1" noRot="1" noChangeAspect="1" noMove="1" noResize="1" noEditPoints="1" noAdjustHandles="1" noChangeArrowheads="1" noChangeShapeType="1" noTextEdit="1"/>
+          </p:cNvSpPr>
+          <p:nvPr>
+            <p:extLst>
+              <p:ext uri="{386F3935-93C4-4BCD-93E2-E3B085C9AB24}">
+                <p16:designElem xmlns:p16="http://schemas.microsoft.com/office/powerpoint/2015/main" val="1"/>
+              </p:ext>
+            </p:extLst>
+          </p:nvPr>
+        </p:nvSpPr>
+        <p:spPr>
+          <a:xfrm>
+            <a:off x="0" y="0"/>
+            <a:ext cx="3490722" cy="6858000"/>
+          </a:xfrm>
+          <a:prstGeom prst="rect">
+            <a:avLst/>
+          </a:prstGeom>
+          <a:solidFill>
+            <a:schemeClr val="tx1">
+              <a:lumMod val="75000"/>
+              <a:lumOff val="25000"/>
+            </a:schemeClr>
+          </a:solidFill>
+          <a:ln>
+            <a:noFill/>
+          </a:ln>
+        </p:spPr>
+        <p:style>
+          <a:lnRef idx="0">
+            <a:scrgbClr r="0" g="0" b="0"/>
+          </a:lnRef>
+          <a:fillRef idx="0">
+            <a:scrgbClr r="0" g="0" b="0"/>
+          </a:fillRef>
+          <a:effectRef idx="0">
+            <a:scrgbClr r="0" g="0" b="0"/>
+          </a:effectRef>
+          <a:fontRef idx="minor">
+            <a:schemeClr val="lt1"/>
+          </a:fontRef>
+        </p:style>
+        <p:txBody>
+          <a:bodyPr rtlCol="0" anchor="ctr"/>
+          <a:lstStyle/>
+          <a:p>
+            <a:pPr marL="0" marR="0" lvl="0" indent="0" algn="ctr" defTabSz="457200" rtl="0" eaLnBrk="1" fontAlgn="base" latinLnBrk="0" hangingPunct="1">
+              <a:lnSpc>
+                <a:spcPct val="100000"/>
+              </a:lnSpc>
+              <a:spcBef>
+                <a:spcPct val="0"/>
+              </a:spcBef>
+              <a:spcAft>
+                <a:spcPct val="0"/>
+              </a:spcAft>
+              <a:buClrTx/>
+              <a:buSzTx/>
+              <a:buFontTx/>
+              <a:buNone/>
+              <a:tabLst/>
+              <a:defRPr/>
+            </a:pPr>
+            <a:endParaRPr kumimoji="0" lang="en-US" sz="2400" b="0" i="0" u="none" strike="noStrike" kern="1200" cap="none" spc="0" normalizeH="0" baseline="0" noProof="0">
+              <a:ln>
+                <a:noFill/>
+              </a:ln>
+              <a:solidFill>
+                <a:prstClr val="white"/>
+              </a:solidFill>
+              <a:effectLst/>
+              <a:uLnTx/>
+              <a:uFillTx/>
+              <a:latin typeface="Calibri"/>
+              <a:ea typeface="+mn-ea"/>
+              <a:cs typeface="+mn-cs"/>
+            </a:endParaRPr>
+          </a:p>
+        </p:txBody>
+      </p:sp>
+      <p:sp>
+        <p:nvSpPr>
+          <p:cNvPr id="2" name="Title 1"/>
+          <p:cNvSpPr>
+            <a:spLocks noGrp="1"/>
+          </p:cNvSpPr>
+          <p:nvPr>
+            <p:ph type="title"/>
+          </p:nvPr>
+        </p:nvSpPr>
+        <p:spPr>
+          <a:xfrm>
+            <a:off x="482600" y="643467"/>
+            <a:ext cx="2522980" cy="1597315"/>
+          </a:xfrm>
+          <a:noFill/>
+          <a:ln w="19050">
+            <a:solidFill>
+              <a:schemeClr val="bg1"/>
+            </a:solidFill>
+          </a:ln>
+        </p:spPr>
+        <p:txBody>
+          <a:bodyPr vert="horz" wrap="square" lIns="91440" tIns="45720" rIns="91440" bIns="45720" rtlCol="0" anchor="ctr">
+            <a:normAutofit/>
+          </a:bodyPr>
+          <a:lstStyle/>
+          <a:p>
+            <a:pPr defTabSz="914400" eaLnBrk="1" hangingPunct="1">
+              <a:lnSpc>
+                <a:spcPct val="90000"/>
+              </a:lnSpc>
+            </a:pPr>
+            <a:r>
+              <a:rPr lang="en-US" sz="2400" kern="1200" dirty="0">
+                <a:solidFill>
+                  <a:schemeClr val="bg1"/>
+                </a:solidFill>
+                <a:latin typeface="+mj-lt"/>
+                <a:ea typeface="+mj-ea"/>
+                <a:cs typeface="+mj-cs"/>
+              </a:rPr>
+              <a:t>Spreading</a:t>
+            </a:r>
+          </a:p>
+        </p:txBody>
+      </p:sp>
+      <p:pic>
+        <p:nvPicPr>
+          <p:cNvPr id="8" name="Picture 7">
+            <a:extLst>
+              <a:ext uri="{FF2B5EF4-FFF2-40B4-BE49-F238E27FC236}">
+                <a16:creationId xmlns:a16="http://schemas.microsoft.com/office/drawing/2014/main" id="{521D4292-9ECC-4DA5-8CC0-C561A0DA118E}"/>
+              </a:ext>
+            </a:extLst>
+          </p:cNvPr>
+          <p:cNvPicPr>
+            <a:picLocks noChangeAspect="1"/>
+          </p:cNvPicPr>
+          <p:nvPr/>
+        </p:nvPicPr>
+        <p:blipFill rotWithShape="1">
+          <a:blip r:embed="rId3"/>
+          <a:srcRect l="8000" r="9400"/>
+          <a:stretch/>
+        </p:blipFill>
+        <p:spPr>
+          <a:xfrm>
+            <a:off x="660103" y="3048000"/>
+            <a:ext cx="2167974" cy="2624666"/>
+          </a:xfrm>
+          <a:prstGeom prst="rect">
+            <a:avLst/>
+          </a:prstGeom>
+          <a:noFill/>
+        </p:spPr>
+      </p:pic>
+      <p:sp>
+        <p:nvSpPr>
+          <p:cNvPr id="7" name="TextBox 6">
+            <a:extLst>
+              <a:ext uri="{FF2B5EF4-FFF2-40B4-BE49-F238E27FC236}">
+                <a16:creationId xmlns:a16="http://schemas.microsoft.com/office/drawing/2014/main" id="{A82BBF40-95FA-4C3B-9CD1-318A8C9ED246}"/>
+              </a:ext>
+            </a:extLst>
+          </p:cNvPr>
+          <p:cNvSpPr txBox="1"/>
+          <p:nvPr/>
+        </p:nvSpPr>
+        <p:spPr>
+          <a:xfrm>
+            <a:off x="3810000" y="621916"/>
+            <a:ext cx="5029200" cy="7848302"/>
+          </a:xfrm>
+          <a:prstGeom prst="rect">
+            <a:avLst/>
+          </a:prstGeom>
+          <a:noFill/>
+        </p:spPr>
+        <p:txBody>
+          <a:bodyPr wrap="square" rtlCol="0">
+            <a:spAutoFit/>
+          </a:bodyPr>
+          <a:lstStyle/>
+          <a:p>
+            <a:pPr marL="342900" indent="-342900">
+              <a:buFont typeface="Arial" panose="020B0604020202020204" pitchFamily="34" charset="0"/>
+              <a:buChar char="•"/>
+            </a:pPr>
+            <a:r>
+              <a:rPr lang="en-US" dirty="0">
+                <a:solidFill>
+                  <a:srgbClr val="404040"/>
+                </a:solidFill>
+              </a:rPr>
+              <a:t>Less Common</a:t>
+            </a:r>
+          </a:p>
+          <a:p>
+            <a:pPr marL="342900" indent="-342900">
+              <a:buFont typeface="Arial" panose="020B0604020202020204" pitchFamily="34" charset="0"/>
+              <a:buChar char="•"/>
+            </a:pPr>
+            <a:endParaRPr lang="en-US" dirty="0">
+              <a:solidFill>
+                <a:srgbClr val="404040"/>
+              </a:solidFill>
+            </a:endParaRPr>
+          </a:p>
+          <a:p>
+            <a:pPr marL="342900" indent="-342900">
+              <a:buFont typeface="Arial" panose="020B0604020202020204" pitchFamily="34" charset="0"/>
+              <a:buChar char="•"/>
+            </a:pPr>
+            <a:r>
+              <a:rPr lang="en-US" dirty="0">
+                <a:solidFill>
+                  <a:srgbClr val="404040"/>
+                </a:solidFill>
+              </a:rPr>
+              <a:t>Column “Measures” Contains Variable Names</a:t>
+            </a:r>
+          </a:p>
+          <a:p>
+            <a:pPr marL="342900" indent="-342900">
+              <a:buFont typeface="Arial" panose="020B0604020202020204" pitchFamily="34" charset="0"/>
+              <a:buChar char="•"/>
+            </a:pPr>
+            <a:endParaRPr lang="en-US" dirty="0">
+              <a:solidFill>
+                <a:srgbClr val="404040"/>
+              </a:solidFill>
+            </a:endParaRPr>
+          </a:p>
+          <a:p>
+            <a:pPr marL="342900" indent="-342900">
+              <a:buFont typeface="Arial" panose="020B0604020202020204" pitchFamily="34" charset="0"/>
+              <a:buChar char="•"/>
+            </a:pPr>
+            <a:r>
+              <a:rPr lang="en-US" dirty="0">
+                <a:solidFill>
+                  <a:srgbClr val="404040"/>
+                </a:solidFill>
+              </a:rPr>
+              <a:t>Column “Value” Contains the Output of the Different Variables</a:t>
+            </a:r>
+          </a:p>
+          <a:p>
+            <a:pPr marL="342900" indent="-342900">
+              <a:buFont typeface="Arial" panose="020B0604020202020204" pitchFamily="34" charset="0"/>
+              <a:buChar char="•"/>
+            </a:pPr>
+            <a:endParaRPr lang="en-US" dirty="0">
+              <a:solidFill>
+                <a:srgbClr val="404040"/>
+              </a:solidFill>
+            </a:endParaRPr>
+          </a:p>
+          <a:p>
+            <a:pPr marL="342900" indent="-342900">
+              <a:buFont typeface="Arial" panose="020B0604020202020204" pitchFamily="34" charset="0"/>
+              <a:buChar char="•"/>
+            </a:pPr>
+            <a:r>
+              <a:rPr lang="en-US" dirty="0">
+                <a:solidFill>
+                  <a:srgbClr val="404040"/>
+                </a:solidFill>
+              </a:rPr>
+              <a:t>Notice Values are of Different Units (Count vs Percentage)</a:t>
+            </a:r>
+          </a:p>
+          <a:p>
+            <a:pPr marL="342900" indent="-342900">
+              <a:buFont typeface="Arial" panose="020B0604020202020204" pitchFamily="34" charset="0"/>
+              <a:buChar char="•"/>
+            </a:pPr>
+            <a:endParaRPr lang="en-US" dirty="0">
+              <a:solidFill>
+                <a:srgbClr val="404040"/>
+              </a:solidFill>
+            </a:endParaRPr>
+          </a:p>
+          <a:p>
+            <a:pPr marL="342900" indent="-342900">
+              <a:buFont typeface="Arial" panose="020B0604020202020204" pitchFamily="34" charset="0"/>
+              <a:buChar char="•"/>
+            </a:pPr>
+            <a:r>
+              <a:rPr lang="en-US" dirty="0">
+                <a:solidFill>
+                  <a:srgbClr val="404040"/>
+                </a:solidFill>
+              </a:rPr>
+              <a:t>Spreading Does the Opposite of Gathering</a:t>
+            </a:r>
+          </a:p>
+          <a:p>
+            <a:pPr marL="342900" indent="-342900">
+              <a:buFont typeface="Arial" panose="020B0604020202020204" pitchFamily="34" charset="0"/>
+              <a:buChar char="•"/>
+            </a:pPr>
+            <a:endParaRPr lang="en-US" dirty="0">
+              <a:solidFill>
+                <a:srgbClr val="404040"/>
+              </a:solidFill>
+            </a:endParaRPr>
+          </a:p>
+          <a:p>
+            <a:pPr marL="342900" indent="-342900">
+              <a:buFont typeface="Arial" panose="020B0604020202020204" pitchFamily="34" charset="0"/>
+              <a:buChar char="•"/>
+            </a:pPr>
+            <a:endParaRPr lang="en-US" dirty="0">
+              <a:solidFill>
+                <a:srgbClr val="404040"/>
+              </a:solidFill>
+            </a:endParaRPr>
+          </a:p>
+          <a:p>
+            <a:pPr marL="342900" indent="-342900">
+              <a:buFont typeface="Arial" panose="020B0604020202020204" pitchFamily="34" charset="0"/>
+              <a:buChar char="•"/>
+            </a:pPr>
+            <a:endParaRPr lang="en-US" dirty="0">
+              <a:solidFill>
+                <a:srgbClr val="404040"/>
+              </a:solidFill>
+            </a:endParaRPr>
+          </a:p>
+          <a:p>
+            <a:pPr marL="342900" indent="-342900">
+              <a:buFont typeface="Arial" panose="020B0604020202020204" pitchFamily="34" charset="0"/>
+              <a:buChar char="•"/>
+            </a:pPr>
+            <a:endParaRPr lang="en-US" dirty="0">
+              <a:solidFill>
+                <a:srgbClr val="404040"/>
+              </a:solidFill>
+            </a:endParaRPr>
+          </a:p>
+          <a:p>
+            <a:pPr marL="342900" indent="-342900">
+              <a:buFont typeface="Arial" panose="020B0604020202020204" pitchFamily="34" charset="0"/>
+              <a:buChar char="•"/>
+            </a:pPr>
+            <a:endParaRPr lang="en-US" dirty="0">
+              <a:solidFill>
+                <a:srgbClr val="404040"/>
+              </a:solidFill>
+            </a:endParaRPr>
+          </a:p>
+          <a:p>
+            <a:pPr marL="342900" indent="-342900">
+              <a:buFont typeface="Arial" panose="020B0604020202020204" pitchFamily="34" charset="0"/>
+              <a:buChar char="•"/>
+            </a:pPr>
+            <a:endParaRPr lang="en-US" dirty="0">
+              <a:solidFill>
+                <a:srgbClr val="404040"/>
+              </a:solidFill>
+            </a:endParaRPr>
+          </a:p>
+          <a:p>
+            <a:pPr marL="342900" indent="-342900">
+              <a:buFont typeface="Arial" panose="020B0604020202020204" pitchFamily="34" charset="0"/>
+              <a:buChar char="•"/>
+            </a:pPr>
+            <a:endParaRPr lang="en-US" dirty="0">
+              <a:solidFill>
+                <a:srgbClr val="404040"/>
+              </a:solidFill>
+            </a:endParaRPr>
+          </a:p>
+          <a:p>
+            <a:pPr marL="342900" indent="-342900">
+              <a:buFont typeface="Arial" panose="020B0604020202020204" pitchFamily="34" charset="0"/>
+              <a:buChar char="•"/>
+            </a:pPr>
+            <a:endParaRPr lang="en-US" dirty="0">
+              <a:solidFill>
+                <a:srgbClr val="404040"/>
+              </a:solidFill>
+            </a:endParaRPr>
+          </a:p>
+        </p:txBody>
+      </p:sp>
+    </p:spTree>
+    <p:custDataLst>
+      <p:tags r:id="rId1"/>
+    </p:custDataLst>
+    <p:extLst>
+      <p:ext uri="{BB962C8B-B14F-4D97-AF65-F5344CB8AC3E}">
+        <p14:creationId xmlns:p14="http://schemas.microsoft.com/office/powerpoint/2010/main" val="832691045"/>
+      </p:ext>
+    </p:extLst>
+  </p:cSld>
+  <p:clrMapOvr>
+    <a:masterClrMapping/>
+  </p:clrMapOvr>
+</p:sld>
+</file>
+
+<file path=ppt/slides/slide16.xml><?xml version="1.0" encoding="utf-8"?>
+<p:sld xmlns:a="http://schemas.openxmlformats.org/drawingml/2006/main" xmlns:r="http://schemas.openxmlformats.org/officeDocument/2006/relationships" xmlns:p="http://schemas.openxmlformats.org/presentationml/2006/main">
+  <p:cSld>
+    <p:bg>
+      <p:bgPr>
+        <a:solidFill>
+          <a:schemeClr val="bg1">
+            <a:lumMod val="85000"/>
+          </a:schemeClr>
+        </a:solidFill>
+        <a:effectLst/>
+      </p:bgPr>
+    </p:bg>
+    <p:spTree>
+      <p:nvGrpSpPr>
+        <p:cNvPr id="1" name=""/>
+        <p:cNvGrpSpPr/>
+        <p:nvPr/>
+      </p:nvGrpSpPr>
+      <p:grpSpPr>
+        <a:xfrm>
+          <a:off x="0" y="0"/>
+          <a:ext cx="0" cy="0"/>
+          <a:chOff x="0" y="0"/>
+          <a:chExt cx="0" cy="0"/>
+        </a:xfrm>
+      </p:grpSpPr>
+      <p:sp>
+        <p:nvSpPr>
+          <p:cNvPr id="15" name="Rectangle 12">
+            <a:extLst>
+              <a:ext uri="{FF2B5EF4-FFF2-40B4-BE49-F238E27FC236}">
+                <a16:creationId xmlns:a16="http://schemas.microsoft.com/office/drawing/2014/main" id="{867D4867-5BA7-4462-B2F6-A23F4A622AA7}"/>
+              </a:ext>
+              <a:ext uri="{C183D7F6-B498-43B3-948B-1728B52AA6E4}">
+                <adec:decorative xmlns:adec="http://schemas.microsoft.com/office/drawing/2017/decorative" val="1"/>
+              </a:ext>
+            </a:extLst>
+          </p:cNvPr>
+          <p:cNvSpPr>
+            <a:spLocks noGrp="1" noRot="1" noChangeAspect="1" noMove="1" noResize="1" noEditPoints="1" noAdjustHandles="1" noChangeArrowheads="1" noChangeShapeType="1" noTextEdit="1"/>
+          </p:cNvSpPr>
+          <p:nvPr>
+            <p:extLst>
+              <p:ext uri="{386F3935-93C4-4BCD-93E2-E3B085C9AB24}">
+                <p16:designElem xmlns:p16="http://schemas.microsoft.com/office/powerpoint/2015/main" val="1"/>
+              </p:ext>
+            </p:extLst>
+          </p:nvPr>
+        </p:nvSpPr>
+        <p:spPr>
+          <a:xfrm>
+            <a:off x="0" y="0"/>
+            <a:ext cx="3490722" cy="6858000"/>
+          </a:xfrm>
+          <a:prstGeom prst="rect">
+            <a:avLst/>
+          </a:prstGeom>
+          <a:solidFill>
+            <a:schemeClr val="tx1">
+              <a:lumMod val="75000"/>
+              <a:lumOff val="25000"/>
+            </a:schemeClr>
+          </a:solidFill>
+          <a:ln>
+            <a:noFill/>
+          </a:ln>
+        </p:spPr>
+        <p:style>
+          <a:lnRef idx="0">
+            <a:scrgbClr r="0" g="0" b="0"/>
+          </a:lnRef>
+          <a:fillRef idx="0">
+            <a:scrgbClr r="0" g="0" b="0"/>
+          </a:fillRef>
+          <a:effectRef idx="0">
+            <a:scrgbClr r="0" g="0" b="0"/>
+          </a:effectRef>
+          <a:fontRef idx="minor">
+            <a:schemeClr val="lt1"/>
+          </a:fontRef>
+        </p:style>
+        <p:txBody>
+          <a:bodyPr rtlCol="0" anchor="ctr"/>
+          <a:lstStyle/>
+          <a:p>
+            <a:pPr marL="0" marR="0" lvl="0" indent="0" algn="ctr" defTabSz="457200" rtl="0" eaLnBrk="1" fontAlgn="base" latinLnBrk="0" hangingPunct="1">
+              <a:lnSpc>
+                <a:spcPct val="100000"/>
+              </a:lnSpc>
+              <a:spcBef>
+                <a:spcPct val="0"/>
+              </a:spcBef>
+              <a:spcAft>
+                <a:spcPct val="0"/>
+              </a:spcAft>
+              <a:buClrTx/>
+              <a:buSzTx/>
+              <a:buFontTx/>
+              <a:buNone/>
+              <a:tabLst/>
+              <a:defRPr/>
+            </a:pPr>
+            <a:endParaRPr kumimoji="0" lang="en-US" sz="2400" b="0" i="0" u="none" strike="noStrike" kern="1200" cap="none" spc="0" normalizeH="0" baseline="0" noProof="0">
+              <a:ln>
+                <a:noFill/>
+              </a:ln>
+              <a:solidFill>
+                <a:prstClr val="white"/>
+              </a:solidFill>
+              <a:effectLst/>
+              <a:uLnTx/>
+              <a:uFillTx/>
+              <a:latin typeface="Calibri"/>
+              <a:ea typeface="+mn-ea"/>
+              <a:cs typeface="+mn-cs"/>
+            </a:endParaRPr>
+          </a:p>
+        </p:txBody>
+      </p:sp>
+      <p:sp>
+        <p:nvSpPr>
+          <p:cNvPr id="2" name="Title 1"/>
+          <p:cNvSpPr>
+            <a:spLocks noGrp="1"/>
+          </p:cNvSpPr>
+          <p:nvPr>
+            <p:ph type="title"/>
+          </p:nvPr>
+        </p:nvSpPr>
+        <p:spPr>
+          <a:xfrm>
+            <a:off x="482600" y="643467"/>
+            <a:ext cx="2522980" cy="1597315"/>
+          </a:xfrm>
+          <a:noFill/>
+          <a:ln w="19050">
+            <a:solidFill>
+              <a:schemeClr val="bg1"/>
+            </a:solidFill>
+          </a:ln>
+        </p:spPr>
+        <p:txBody>
+          <a:bodyPr vert="horz" wrap="square" lIns="91440" tIns="45720" rIns="91440" bIns="45720" rtlCol="0" anchor="ctr">
+            <a:normAutofit/>
+          </a:bodyPr>
+          <a:lstStyle/>
+          <a:p>
+            <a:pPr defTabSz="914400" eaLnBrk="1" hangingPunct="1">
+              <a:lnSpc>
+                <a:spcPct val="90000"/>
+              </a:lnSpc>
+            </a:pPr>
+            <a:r>
+              <a:rPr lang="en-US" sz="2400" kern="1200" dirty="0">
+                <a:solidFill>
+                  <a:schemeClr val="bg1"/>
+                </a:solidFill>
+                <a:latin typeface="+mj-lt"/>
+                <a:ea typeface="+mj-ea"/>
+                <a:cs typeface="+mj-cs"/>
+              </a:rPr>
+              <a:t>Spreading</a:t>
+            </a:r>
+          </a:p>
+        </p:txBody>
+      </p:sp>
+      <p:pic>
+        <p:nvPicPr>
+          <p:cNvPr id="8" name="Picture 7">
+            <a:extLst>
+              <a:ext uri="{FF2B5EF4-FFF2-40B4-BE49-F238E27FC236}">
+                <a16:creationId xmlns:a16="http://schemas.microsoft.com/office/drawing/2014/main" id="{521D4292-9ECC-4DA5-8CC0-C561A0DA118E}"/>
+              </a:ext>
+            </a:extLst>
+          </p:cNvPr>
+          <p:cNvPicPr>
+            <a:picLocks noChangeAspect="1"/>
+          </p:cNvPicPr>
+          <p:nvPr/>
+        </p:nvPicPr>
+        <p:blipFill rotWithShape="1">
+          <a:blip r:embed="rId3"/>
+          <a:srcRect l="8000" r="9400"/>
+          <a:stretch/>
+        </p:blipFill>
+        <p:spPr>
+          <a:xfrm>
+            <a:off x="660103" y="3048000"/>
+            <a:ext cx="2167974" cy="2624666"/>
+          </a:xfrm>
+          <a:prstGeom prst="rect">
+            <a:avLst/>
+          </a:prstGeom>
+          <a:noFill/>
+        </p:spPr>
+      </p:pic>
+      <p:pic>
+        <p:nvPicPr>
+          <p:cNvPr id="3" name="Picture 2">
+            <a:extLst>
+              <a:ext uri="{FF2B5EF4-FFF2-40B4-BE49-F238E27FC236}">
+                <a16:creationId xmlns:a16="http://schemas.microsoft.com/office/drawing/2014/main" id="{3BCDAF35-959F-42FA-B39F-EC14ABD60CB4}"/>
+              </a:ext>
+            </a:extLst>
+          </p:cNvPr>
+          <p:cNvPicPr>
+            <a:picLocks noChangeAspect="1"/>
+          </p:cNvPicPr>
+          <p:nvPr/>
+        </p:nvPicPr>
+        <p:blipFill>
+          <a:blip r:embed="rId4"/>
+          <a:stretch>
+            <a:fillRect/>
+          </a:stretch>
+        </p:blipFill>
+        <p:spPr>
+          <a:xfrm>
+            <a:off x="3581400" y="643466"/>
+            <a:ext cx="5470459" cy="3166533"/>
+          </a:xfrm>
+          <a:prstGeom prst="rect">
+            <a:avLst/>
+          </a:prstGeom>
+          <a:ln>
+            <a:solidFill>
+              <a:srgbClr val="404040"/>
+            </a:solidFill>
+          </a:ln>
+        </p:spPr>
+        <p:style>
+          <a:lnRef idx="2">
+            <a:schemeClr val="dk1"/>
+          </a:lnRef>
+          <a:fillRef idx="1">
+            <a:schemeClr val="lt1"/>
+          </a:fillRef>
+          <a:effectRef idx="0">
+            <a:schemeClr val="dk1"/>
+          </a:effectRef>
+          <a:fontRef idx="minor">
+            <a:schemeClr val="dk1"/>
+          </a:fontRef>
+        </p:style>
+      </p:pic>
+    </p:spTree>
+    <p:custDataLst>
+      <p:tags r:id="rId1"/>
+    </p:custDataLst>
+    <p:extLst>
+      <p:ext uri="{BB962C8B-B14F-4D97-AF65-F5344CB8AC3E}">
+        <p14:creationId xmlns:p14="http://schemas.microsoft.com/office/powerpoint/2010/main" val="1856156724"/>
+      </p:ext>
+    </p:extLst>
+  </p:cSld>
+  <p:clrMapOvr>
+    <a:masterClrMapping/>
+  </p:clrMapOvr>
+</p:sld>
+</file>
+
+<file path=ppt/slides/slide17.xml><?xml version="1.0" encoding="utf-8"?>
+<p:sld xmlns:a="http://schemas.openxmlformats.org/drawingml/2006/main" xmlns:r="http://schemas.openxmlformats.org/officeDocument/2006/relationships" xmlns:p="http://schemas.openxmlformats.org/presentationml/2006/main">
+  <p:cSld>
+    <p:bg>
+      <p:bgPr>
+        <a:solidFill>
+          <a:schemeClr val="bg1">
+            <a:lumMod val="85000"/>
+          </a:schemeClr>
+        </a:solidFill>
+        <a:effectLst/>
+      </p:bgPr>
+    </p:bg>
+    <p:spTree>
+      <p:nvGrpSpPr>
+        <p:cNvPr id="1" name=""/>
+        <p:cNvGrpSpPr/>
+        <p:nvPr/>
+      </p:nvGrpSpPr>
+      <p:grpSpPr>
+        <a:xfrm>
+          <a:off x="0" y="0"/>
+          <a:ext cx="0" cy="0"/>
+          <a:chOff x="0" y="0"/>
+          <a:chExt cx="0" cy="0"/>
+        </a:xfrm>
+      </p:grpSpPr>
+      <p:sp>
+        <p:nvSpPr>
+          <p:cNvPr id="15" name="Rectangle 12">
+            <a:extLst>
+              <a:ext uri="{FF2B5EF4-FFF2-40B4-BE49-F238E27FC236}">
+                <a16:creationId xmlns:a16="http://schemas.microsoft.com/office/drawing/2014/main" id="{867D4867-5BA7-4462-B2F6-A23F4A622AA7}"/>
+              </a:ext>
+              <a:ext uri="{C183D7F6-B498-43B3-948B-1728B52AA6E4}">
+                <adec:decorative xmlns:adec="http://schemas.microsoft.com/office/drawing/2017/decorative" val="1"/>
+              </a:ext>
+            </a:extLst>
+          </p:cNvPr>
+          <p:cNvSpPr>
+            <a:spLocks noGrp="1" noRot="1" noChangeAspect="1" noMove="1" noResize="1" noEditPoints="1" noAdjustHandles="1" noChangeArrowheads="1" noChangeShapeType="1" noTextEdit="1"/>
+          </p:cNvSpPr>
+          <p:nvPr>
+            <p:extLst>
+              <p:ext uri="{386F3935-93C4-4BCD-93E2-E3B085C9AB24}">
+                <p16:designElem xmlns:p16="http://schemas.microsoft.com/office/powerpoint/2015/main" val="1"/>
+              </p:ext>
+            </p:extLst>
+          </p:nvPr>
+        </p:nvSpPr>
+        <p:spPr>
+          <a:xfrm>
+            <a:off x="0" y="0"/>
+            <a:ext cx="3490722" cy="6858000"/>
+          </a:xfrm>
+          <a:prstGeom prst="rect">
+            <a:avLst/>
+          </a:prstGeom>
+          <a:solidFill>
+            <a:schemeClr val="tx1">
+              <a:lumMod val="75000"/>
+              <a:lumOff val="25000"/>
+            </a:schemeClr>
+          </a:solidFill>
+          <a:ln>
+            <a:noFill/>
+          </a:ln>
+        </p:spPr>
+        <p:style>
+          <a:lnRef idx="0">
+            <a:scrgbClr r="0" g="0" b="0"/>
+          </a:lnRef>
+          <a:fillRef idx="0">
+            <a:scrgbClr r="0" g="0" b="0"/>
+          </a:fillRef>
+          <a:effectRef idx="0">
+            <a:scrgbClr r="0" g="0" b="0"/>
+          </a:effectRef>
+          <a:fontRef idx="minor">
+            <a:schemeClr val="lt1"/>
+          </a:fontRef>
+        </p:style>
+        <p:txBody>
+          <a:bodyPr rtlCol="0" anchor="ctr"/>
+          <a:lstStyle/>
+          <a:p>
+            <a:pPr marL="0" marR="0" lvl="0" indent="0" algn="ctr" defTabSz="457200" rtl="0" eaLnBrk="1" fontAlgn="base" latinLnBrk="0" hangingPunct="1">
+              <a:lnSpc>
+                <a:spcPct val="100000"/>
+              </a:lnSpc>
+              <a:spcBef>
+                <a:spcPct val="0"/>
+              </a:spcBef>
+              <a:spcAft>
+                <a:spcPct val="0"/>
+              </a:spcAft>
+              <a:buClrTx/>
+              <a:buSzTx/>
+              <a:buFontTx/>
+              <a:buNone/>
+              <a:tabLst/>
+              <a:defRPr/>
+            </a:pPr>
+            <a:endParaRPr kumimoji="0" lang="en-US" sz="2400" b="0" i="0" u="none" strike="noStrike" kern="1200" cap="none" spc="0" normalizeH="0" baseline="0" noProof="0">
+              <a:ln>
+                <a:noFill/>
+              </a:ln>
+              <a:solidFill>
+                <a:prstClr val="white"/>
+              </a:solidFill>
+              <a:effectLst/>
+              <a:uLnTx/>
+              <a:uFillTx/>
+              <a:latin typeface="Calibri"/>
+              <a:ea typeface="+mn-ea"/>
+              <a:cs typeface="+mn-cs"/>
+            </a:endParaRPr>
+          </a:p>
+        </p:txBody>
+      </p:sp>
+      <p:sp>
+        <p:nvSpPr>
+          <p:cNvPr id="2" name="Title 1"/>
+          <p:cNvSpPr>
+            <a:spLocks noGrp="1"/>
+          </p:cNvSpPr>
+          <p:nvPr>
+            <p:ph type="title"/>
+          </p:nvPr>
+        </p:nvSpPr>
+        <p:spPr>
+          <a:xfrm>
+            <a:off x="482600" y="643467"/>
+            <a:ext cx="2522980" cy="1597315"/>
+          </a:xfrm>
+          <a:noFill/>
+          <a:ln w="19050">
+            <a:solidFill>
+              <a:schemeClr val="bg1"/>
+            </a:solidFill>
+          </a:ln>
+        </p:spPr>
+        <p:txBody>
+          <a:bodyPr vert="horz" wrap="square" lIns="91440" tIns="45720" rIns="91440" bIns="45720" rtlCol="0" anchor="ctr">
+            <a:normAutofit/>
+          </a:bodyPr>
+          <a:lstStyle/>
+          <a:p>
+            <a:pPr defTabSz="914400" eaLnBrk="1" hangingPunct="1">
+              <a:lnSpc>
+                <a:spcPct val="90000"/>
+              </a:lnSpc>
+            </a:pPr>
+            <a:r>
+              <a:rPr lang="en-US" sz="2400" kern="1200" dirty="0">
+                <a:solidFill>
+                  <a:schemeClr val="bg1"/>
+                </a:solidFill>
+                <a:latin typeface="+mj-lt"/>
+                <a:ea typeface="+mj-ea"/>
+                <a:cs typeface="+mj-cs"/>
+              </a:rPr>
+              <a:t>Spreading</a:t>
+            </a:r>
+          </a:p>
+        </p:txBody>
+      </p:sp>
+      <p:pic>
+        <p:nvPicPr>
+          <p:cNvPr id="8" name="Picture 7">
+            <a:extLst>
+              <a:ext uri="{FF2B5EF4-FFF2-40B4-BE49-F238E27FC236}">
+                <a16:creationId xmlns:a16="http://schemas.microsoft.com/office/drawing/2014/main" id="{521D4292-9ECC-4DA5-8CC0-C561A0DA118E}"/>
+              </a:ext>
+            </a:extLst>
+          </p:cNvPr>
+          <p:cNvPicPr>
+            <a:picLocks noChangeAspect="1"/>
+          </p:cNvPicPr>
+          <p:nvPr/>
+        </p:nvPicPr>
+        <p:blipFill rotWithShape="1">
+          <a:blip r:embed="rId3"/>
+          <a:srcRect l="8000" r="9400"/>
+          <a:stretch/>
+        </p:blipFill>
+        <p:spPr>
+          <a:xfrm>
+            <a:off x="660103" y="3048000"/>
+            <a:ext cx="2167974" cy="2624666"/>
+          </a:xfrm>
+          <a:prstGeom prst="rect">
+            <a:avLst/>
+          </a:prstGeom>
+          <a:noFill/>
+        </p:spPr>
+      </p:pic>
+      <p:sp>
+        <p:nvSpPr>
+          <p:cNvPr id="7" name="TextBox 6">
+            <a:extLst>
+              <a:ext uri="{FF2B5EF4-FFF2-40B4-BE49-F238E27FC236}">
+                <a16:creationId xmlns:a16="http://schemas.microsoft.com/office/drawing/2014/main" id="{A82BBF40-95FA-4C3B-9CD1-318A8C9ED246}"/>
+              </a:ext>
+            </a:extLst>
+          </p:cNvPr>
+          <p:cNvSpPr txBox="1"/>
+          <p:nvPr/>
+        </p:nvSpPr>
+        <p:spPr>
+          <a:xfrm>
+            <a:off x="3810000" y="621916"/>
+            <a:ext cx="5029200" cy="461665"/>
+          </a:xfrm>
+          <a:prstGeom prst="rect">
+            <a:avLst/>
+          </a:prstGeom>
+          <a:noFill/>
+        </p:spPr>
+        <p:txBody>
+          <a:bodyPr wrap="square" rtlCol="0">
+            <a:spAutoFit/>
+          </a:bodyPr>
+          <a:lstStyle/>
+          <a:p>
+            <a:pPr marL="342900" indent="-342900">
+              <a:buFont typeface="Arial" panose="020B0604020202020204" pitchFamily="34" charset="0"/>
+              <a:buChar char="•"/>
+            </a:pPr>
+            <a:r>
+              <a:rPr lang="en-US" dirty="0">
+                <a:solidFill>
+                  <a:srgbClr val="404040"/>
+                </a:solidFill>
+              </a:rPr>
+              <a:t>Why Do This Nonsense?</a:t>
+            </a:r>
+          </a:p>
+        </p:txBody>
+      </p:sp>
+      <p:pic>
+        <p:nvPicPr>
+          <p:cNvPr id="3" name="Picture 2">
+            <a:extLst>
+              <a:ext uri="{FF2B5EF4-FFF2-40B4-BE49-F238E27FC236}">
+                <a16:creationId xmlns:a16="http://schemas.microsoft.com/office/drawing/2014/main" id="{D6B419E0-04CC-45CD-A9B0-C7B54C15FE8E}"/>
+              </a:ext>
+            </a:extLst>
+          </p:cNvPr>
+          <p:cNvPicPr>
+            <a:picLocks noChangeAspect="1"/>
+          </p:cNvPicPr>
+          <p:nvPr/>
+        </p:nvPicPr>
+        <p:blipFill>
+          <a:blip r:embed="rId4"/>
+          <a:stretch>
+            <a:fillRect/>
+          </a:stretch>
+        </p:blipFill>
+        <p:spPr>
+          <a:xfrm>
+            <a:off x="3566519" y="1143000"/>
+            <a:ext cx="5516162" cy="3276600"/>
+          </a:xfrm>
+          <a:prstGeom prst="rect">
+            <a:avLst/>
+          </a:prstGeom>
+          <a:ln>
+            <a:solidFill>
+              <a:srgbClr val="404040"/>
+            </a:solidFill>
+          </a:ln>
+        </p:spPr>
+        <p:style>
+          <a:lnRef idx="2">
+            <a:schemeClr val="dk1"/>
+          </a:lnRef>
+          <a:fillRef idx="1">
+            <a:schemeClr val="lt1"/>
+          </a:fillRef>
+          <a:effectRef idx="0">
+            <a:schemeClr val="dk1"/>
+          </a:effectRef>
+          <a:fontRef idx="minor">
+            <a:schemeClr val="dk1"/>
+          </a:fontRef>
+        </p:style>
+      </p:pic>
+    </p:spTree>
+    <p:custDataLst>
+      <p:tags r:id="rId1"/>
+    </p:custDataLst>
+    <p:extLst>
+      <p:ext uri="{BB962C8B-B14F-4D97-AF65-F5344CB8AC3E}">
+        <p14:creationId xmlns:p14="http://schemas.microsoft.com/office/powerpoint/2010/main" val="986016776"/>
+      </p:ext>
+    </p:extLst>
+  </p:cSld>
+  <p:clrMapOvr>
+    <a:masterClrMapping/>
+  </p:clrMapOvr>
+</p:sld>
+</file>
+
+<file path=ppt/slides/slide18.xml><?xml version="1.0" encoding="utf-8"?>
+<p:sld xmlns:a="http://schemas.openxmlformats.org/drawingml/2006/main" xmlns:r="http://schemas.openxmlformats.org/officeDocument/2006/relationships" xmlns:p="http://schemas.openxmlformats.org/presentationml/2006/main">
+  <p:cSld>
+    <p:bg>
+      <p:bgPr>
+        <a:solidFill>
+          <a:schemeClr val="bg1">
+            <a:lumMod val="85000"/>
+          </a:schemeClr>
+        </a:solidFill>
+        <a:effectLst/>
+      </p:bgPr>
+    </p:bg>
+    <p:spTree>
+      <p:nvGrpSpPr>
+        <p:cNvPr id="1" name=""/>
+        <p:cNvGrpSpPr/>
+        <p:nvPr/>
+      </p:nvGrpSpPr>
+      <p:grpSpPr>
+        <a:xfrm>
+          <a:off x="0" y="0"/>
+          <a:ext cx="0" cy="0"/>
+          <a:chOff x="0" y="0"/>
+          <a:chExt cx="0" cy="0"/>
+        </a:xfrm>
+      </p:grpSpPr>
+      <p:sp>
+        <p:nvSpPr>
+          <p:cNvPr id="15" name="Rectangle 12">
+            <a:extLst>
+              <a:ext uri="{FF2B5EF4-FFF2-40B4-BE49-F238E27FC236}">
+                <a16:creationId xmlns:a16="http://schemas.microsoft.com/office/drawing/2014/main" id="{867D4867-5BA7-4462-B2F6-A23F4A622AA7}"/>
+              </a:ext>
+              <a:ext uri="{C183D7F6-B498-43B3-948B-1728B52AA6E4}">
+                <adec:decorative xmlns:adec="http://schemas.microsoft.com/office/drawing/2017/decorative" val="1"/>
+              </a:ext>
+            </a:extLst>
+          </p:cNvPr>
+          <p:cNvSpPr>
+            <a:spLocks noGrp="1" noRot="1" noChangeAspect="1" noMove="1" noResize="1" noEditPoints="1" noAdjustHandles="1" noChangeArrowheads="1" noChangeShapeType="1" noTextEdit="1"/>
+          </p:cNvSpPr>
+          <p:nvPr>
+            <p:extLst>
+              <p:ext uri="{386F3935-93C4-4BCD-93E2-E3B085C9AB24}">
+                <p16:designElem xmlns:p16="http://schemas.microsoft.com/office/powerpoint/2015/main" val="1"/>
+              </p:ext>
+            </p:extLst>
+          </p:nvPr>
+        </p:nvSpPr>
+        <p:spPr>
+          <a:xfrm>
+            <a:off x="0" y="0"/>
+            <a:ext cx="3490722" cy="6858000"/>
+          </a:xfrm>
+          <a:prstGeom prst="rect">
+            <a:avLst/>
+          </a:prstGeom>
+          <a:solidFill>
+            <a:schemeClr val="tx1">
+              <a:lumMod val="75000"/>
+              <a:lumOff val="25000"/>
+            </a:schemeClr>
+          </a:solidFill>
+          <a:ln>
+            <a:noFill/>
+          </a:ln>
+        </p:spPr>
+        <p:style>
+          <a:lnRef idx="0">
+            <a:scrgbClr r="0" g="0" b="0"/>
+          </a:lnRef>
+          <a:fillRef idx="0">
+            <a:scrgbClr r="0" g="0" b="0"/>
+          </a:fillRef>
+          <a:effectRef idx="0">
+            <a:scrgbClr r="0" g="0" b="0"/>
+          </a:effectRef>
+          <a:fontRef idx="minor">
+            <a:schemeClr val="lt1"/>
+          </a:fontRef>
+        </p:style>
+        <p:txBody>
+          <a:bodyPr rtlCol="0" anchor="ctr"/>
+          <a:lstStyle/>
+          <a:p>
+            <a:pPr marL="0" marR="0" lvl="0" indent="0" algn="ctr" defTabSz="457200" rtl="0" eaLnBrk="1" fontAlgn="base" latinLnBrk="0" hangingPunct="1">
+              <a:lnSpc>
+                <a:spcPct val="100000"/>
+              </a:lnSpc>
+              <a:spcBef>
+                <a:spcPct val="0"/>
+              </a:spcBef>
+              <a:spcAft>
+                <a:spcPct val="0"/>
+              </a:spcAft>
+              <a:buClrTx/>
+              <a:buSzTx/>
+              <a:buFontTx/>
+              <a:buNone/>
+              <a:tabLst/>
+              <a:defRPr/>
+            </a:pPr>
+            <a:endParaRPr kumimoji="0" lang="en-US" sz="2400" b="0" i="0" u="none" strike="noStrike" kern="1200" cap="none" spc="0" normalizeH="0" baseline="0" noProof="0">
+              <a:ln>
+                <a:noFill/>
+              </a:ln>
+              <a:solidFill>
+                <a:prstClr val="white"/>
+              </a:solidFill>
+              <a:effectLst/>
+              <a:uLnTx/>
+              <a:uFillTx/>
+              <a:latin typeface="Calibri"/>
+              <a:ea typeface="+mn-ea"/>
+              <a:cs typeface="+mn-cs"/>
+            </a:endParaRPr>
+          </a:p>
+        </p:txBody>
+      </p:sp>
+      <p:sp>
+        <p:nvSpPr>
+          <p:cNvPr id="2" name="Title 1"/>
+          <p:cNvSpPr>
+            <a:spLocks noGrp="1"/>
+          </p:cNvSpPr>
+          <p:nvPr>
+            <p:ph type="title"/>
+          </p:nvPr>
+        </p:nvSpPr>
+        <p:spPr>
+          <a:xfrm>
+            <a:off x="482600" y="643467"/>
+            <a:ext cx="2522980" cy="1597315"/>
+          </a:xfrm>
+          <a:noFill/>
+          <a:ln w="19050">
+            <a:solidFill>
+              <a:schemeClr val="bg1"/>
+            </a:solidFill>
+          </a:ln>
+        </p:spPr>
+        <p:txBody>
+          <a:bodyPr vert="horz" wrap="square" lIns="91440" tIns="45720" rIns="91440" bIns="45720" rtlCol="0" anchor="ctr">
+            <a:normAutofit/>
+          </a:bodyPr>
+          <a:lstStyle/>
+          <a:p>
+            <a:pPr defTabSz="914400" eaLnBrk="1" hangingPunct="1">
+              <a:lnSpc>
+                <a:spcPct val="90000"/>
+              </a:lnSpc>
+            </a:pPr>
+            <a:r>
+              <a:rPr lang="en-US" sz="2400" dirty="0">
+                <a:solidFill>
+                  <a:schemeClr val="bg1"/>
+                </a:solidFill>
+                <a:ea typeface="+mj-ea"/>
+                <a:cs typeface="+mj-cs"/>
+              </a:rPr>
+              <a:t>Untidy Data Example 4</a:t>
+            </a:r>
+            <a:endParaRPr lang="en-US" sz="2400" kern="1200" dirty="0">
+              <a:solidFill>
+                <a:schemeClr val="bg1"/>
+              </a:solidFill>
+              <a:latin typeface="+mj-lt"/>
+              <a:ea typeface="+mj-ea"/>
+              <a:cs typeface="+mj-cs"/>
+            </a:endParaRPr>
+          </a:p>
+        </p:txBody>
+      </p:sp>
+      <p:pic>
+        <p:nvPicPr>
+          <p:cNvPr id="8" name="Picture 7">
+            <a:extLst>
+              <a:ext uri="{FF2B5EF4-FFF2-40B4-BE49-F238E27FC236}">
+                <a16:creationId xmlns:a16="http://schemas.microsoft.com/office/drawing/2014/main" id="{521D4292-9ECC-4DA5-8CC0-C561A0DA118E}"/>
+              </a:ext>
+            </a:extLst>
+          </p:cNvPr>
+          <p:cNvPicPr>
+            <a:picLocks noChangeAspect="1"/>
+          </p:cNvPicPr>
+          <p:nvPr/>
+        </p:nvPicPr>
+        <p:blipFill rotWithShape="1">
+          <a:blip r:embed="rId3"/>
+          <a:srcRect l="8000" r="9400"/>
+          <a:stretch/>
+        </p:blipFill>
+        <p:spPr>
+          <a:xfrm>
+            <a:off x="660103" y="3048000"/>
+            <a:ext cx="2167974" cy="2624666"/>
+          </a:xfrm>
+          <a:prstGeom prst="rect">
+            <a:avLst/>
+          </a:prstGeom>
+          <a:noFill/>
+        </p:spPr>
+      </p:pic>
+      <p:pic>
+        <p:nvPicPr>
+          <p:cNvPr id="4" name="Picture 3">
+            <a:extLst>
+              <a:ext uri="{FF2B5EF4-FFF2-40B4-BE49-F238E27FC236}">
+                <a16:creationId xmlns:a16="http://schemas.microsoft.com/office/drawing/2014/main" id="{9EE99253-2BB9-437E-971F-5C12BD06C6D1}"/>
+              </a:ext>
+            </a:extLst>
+          </p:cNvPr>
+          <p:cNvPicPr>
+            <a:picLocks noChangeAspect="1"/>
+          </p:cNvPicPr>
+          <p:nvPr/>
+        </p:nvPicPr>
+        <p:blipFill>
+          <a:blip r:embed="rId4"/>
+          <a:stretch>
+            <a:fillRect/>
+          </a:stretch>
+        </p:blipFill>
+        <p:spPr>
+          <a:xfrm>
+            <a:off x="3581400" y="643466"/>
+            <a:ext cx="5507998" cy="5376333"/>
+          </a:xfrm>
+          <a:prstGeom prst="rect">
+            <a:avLst/>
+          </a:prstGeom>
+          <a:ln>
+            <a:solidFill>
+              <a:srgbClr val="404040"/>
+            </a:solidFill>
+          </a:ln>
+        </p:spPr>
+        <p:style>
+          <a:lnRef idx="2">
+            <a:schemeClr val="dk1"/>
+          </a:lnRef>
+          <a:fillRef idx="1">
+            <a:schemeClr val="lt1"/>
+          </a:fillRef>
+          <a:effectRef idx="0">
+            <a:schemeClr val="dk1"/>
+          </a:effectRef>
+          <a:fontRef idx="minor">
+            <a:schemeClr val="dk1"/>
+          </a:fontRef>
+        </p:style>
+      </p:pic>
+    </p:spTree>
+    <p:custDataLst>
+      <p:tags r:id="rId1"/>
+    </p:custDataLst>
+    <p:extLst>
+      <p:ext uri="{BB962C8B-B14F-4D97-AF65-F5344CB8AC3E}">
+        <p14:creationId xmlns:p14="http://schemas.microsoft.com/office/powerpoint/2010/main" val="3905353552"/>
+      </p:ext>
+    </p:extLst>
+  </p:cSld>
+  <p:clrMapOvr>
+    <a:masterClrMapping/>
+  </p:clrMapOvr>
+</p:sld>
+</file>
+
+<file path=ppt/slides/slide19.xml><?xml version="1.0" encoding="utf-8"?>
+<p:sld xmlns:a="http://schemas.openxmlformats.org/drawingml/2006/main" xmlns:r="http://schemas.openxmlformats.org/officeDocument/2006/relationships" xmlns:p="http://schemas.openxmlformats.org/presentationml/2006/main">
+  <p:cSld>
+    <p:bg>
+      <p:bgPr>
+        <a:solidFill>
+          <a:schemeClr val="bg1">
+            <a:lumMod val="85000"/>
+          </a:schemeClr>
+        </a:solidFill>
+        <a:effectLst/>
+      </p:bgPr>
+    </p:bg>
+    <p:spTree>
+      <p:nvGrpSpPr>
+        <p:cNvPr id="1" name=""/>
+        <p:cNvGrpSpPr/>
+        <p:nvPr/>
+      </p:nvGrpSpPr>
+      <p:grpSpPr>
+        <a:xfrm>
+          <a:off x="0" y="0"/>
+          <a:ext cx="0" cy="0"/>
+          <a:chOff x="0" y="0"/>
+          <a:chExt cx="0" cy="0"/>
+        </a:xfrm>
+      </p:grpSpPr>
+      <p:sp>
+        <p:nvSpPr>
+          <p:cNvPr id="15" name="Rectangle 12">
+            <a:extLst>
+              <a:ext uri="{FF2B5EF4-FFF2-40B4-BE49-F238E27FC236}">
+                <a16:creationId xmlns:a16="http://schemas.microsoft.com/office/drawing/2014/main" id="{867D4867-5BA7-4462-B2F6-A23F4A622AA7}"/>
+              </a:ext>
+              <a:ext uri="{C183D7F6-B498-43B3-948B-1728B52AA6E4}">
+                <adec:decorative xmlns:adec="http://schemas.microsoft.com/office/drawing/2017/decorative" val="1"/>
+              </a:ext>
+            </a:extLst>
+          </p:cNvPr>
+          <p:cNvSpPr>
+            <a:spLocks noGrp="1" noRot="1" noChangeAspect="1" noMove="1" noResize="1" noEditPoints="1" noAdjustHandles="1" noChangeArrowheads="1" noChangeShapeType="1" noTextEdit="1"/>
+          </p:cNvSpPr>
+          <p:nvPr>
+            <p:extLst>
+              <p:ext uri="{386F3935-93C4-4BCD-93E2-E3B085C9AB24}">
+                <p16:designElem xmlns:p16="http://schemas.microsoft.com/office/powerpoint/2015/main" val="1"/>
+              </p:ext>
+            </p:extLst>
+          </p:nvPr>
+        </p:nvSpPr>
+        <p:spPr>
+          <a:xfrm>
+            <a:off x="0" y="0"/>
+            <a:ext cx="3490722" cy="6858000"/>
+          </a:xfrm>
+          <a:prstGeom prst="rect">
+            <a:avLst/>
+          </a:prstGeom>
+          <a:solidFill>
+            <a:schemeClr val="tx1">
+              <a:lumMod val="75000"/>
+              <a:lumOff val="25000"/>
+            </a:schemeClr>
+          </a:solidFill>
+          <a:ln>
+            <a:noFill/>
+          </a:ln>
+        </p:spPr>
+        <p:style>
+          <a:lnRef idx="0">
+            <a:scrgbClr r="0" g="0" b="0"/>
+          </a:lnRef>
+          <a:fillRef idx="0">
+            <a:scrgbClr r="0" g="0" b="0"/>
+          </a:fillRef>
+          <a:effectRef idx="0">
+            <a:scrgbClr r="0" g="0" b="0"/>
+          </a:effectRef>
+          <a:fontRef idx="minor">
+            <a:schemeClr val="lt1"/>
+          </a:fontRef>
+        </p:style>
+        <p:txBody>
+          <a:bodyPr rtlCol="0" anchor="ctr"/>
+          <a:lstStyle/>
+          <a:p>
+            <a:pPr marL="0" marR="0" lvl="0" indent="0" algn="ctr" defTabSz="457200" rtl="0" eaLnBrk="1" fontAlgn="base" latinLnBrk="0" hangingPunct="1">
+              <a:lnSpc>
+                <a:spcPct val="100000"/>
+              </a:lnSpc>
+              <a:spcBef>
+                <a:spcPct val="0"/>
+              </a:spcBef>
+              <a:spcAft>
+                <a:spcPct val="0"/>
+              </a:spcAft>
+              <a:buClrTx/>
+              <a:buSzTx/>
+              <a:buFontTx/>
+              <a:buNone/>
+              <a:tabLst/>
+              <a:defRPr/>
+            </a:pPr>
+            <a:endParaRPr kumimoji="0" lang="en-US" sz="2400" b="0" i="0" u="none" strike="noStrike" kern="1200" cap="none" spc="0" normalizeH="0" baseline="0" noProof="0">
+              <a:ln>
+                <a:noFill/>
+              </a:ln>
+              <a:solidFill>
+                <a:prstClr val="white"/>
+              </a:solidFill>
+              <a:effectLst/>
+              <a:uLnTx/>
+              <a:uFillTx/>
+              <a:latin typeface="Calibri"/>
+              <a:ea typeface="+mn-ea"/>
+              <a:cs typeface="+mn-cs"/>
+            </a:endParaRPr>
+          </a:p>
+        </p:txBody>
+      </p:sp>
+      <p:sp>
+        <p:nvSpPr>
+          <p:cNvPr id="2" name="Title 1"/>
+          <p:cNvSpPr>
+            <a:spLocks noGrp="1"/>
+          </p:cNvSpPr>
+          <p:nvPr>
+            <p:ph type="title"/>
+          </p:nvPr>
+        </p:nvSpPr>
+        <p:spPr>
+          <a:xfrm>
+            <a:off x="482600" y="643467"/>
+            <a:ext cx="2522980" cy="1597315"/>
+          </a:xfrm>
+          <a:noFill/>
+          <a:ln w="19050">
+            <a:solidFill>
+              <a:schemeClr val="bg1"/>
+            </a:solidFill>
+          </a:ln>
+        </p:spPr>
+        <p:txBody>
+          <a:bodyPr vert="horz" wrap="square" lIns="91440" tIns="45720" rIns="91440" bIns="45720" rtlCol="0" anchor="ctr">
+            <a:normAutofit/>
+          </a:bodyPr>
+          <a:lstStyle/>
+          <a:p>
+            <a:pPr defTabSz="914400" eaLnBrk="1" hangingPunct="1">
+              <a:lnSpc>
+                <a:spcPct val="90000"/>
+              </a:lnSpc>
+            </a:pPr>
+            <a:r>
+              <a:rPr lang="en-US" sz="2400" kern="1200" dirty="0">
+                <a:solidFill>
+                  <a:schemeClr val="bg1"/>
+                </a:solidFill>
+                <a:latin typeface="+mj-lt"/>
+                <a:ea typeface="+mj-ea"/>
+                <a:cs typeface="+mj-cs"/>
+              </a:rPr>
+              <a:t>Separating</a:t>
+            </a:r>
+          </a:p>
+        </p:txBody>
+      </p:sp>
+      <p:pic>
+        <p:nvPicPr>
+          <p:cNvPr id="8" name="Picture 7">
+            <a:extLst>
+              <a:ext uri="{FF2B5EF4-FFF2-40B4-BE49-F238E27FC236}">
+                <a16:creationId xmlns:a16="http://schemas.microsoft.com/office/drawing/2014/main" id="{521D4292-9ECC-4DA5-8CC0-C561A0DA118E}"/>
+              </a:ext>
+            </a:extLst>
+          </p:cNvPr>
+          <p:cNvPicPr>
+            <a:picLocks noChangeAspect="1"/>
+          </p:cNvPicPr>
+          <p:nvPr/>
+        </p:nvPicPr>
+        <p:blipFill rotWithShape="1">
+          <a:blip r:embed="rId3"/>
+          <a:srcRect l="8000" r="9400"/>
+          <a:stretch/>
+        </p:blipFill>
+        <p:spPr>
+          <a:xfrm>
+            <a:off x="660103" y="3048000"/>
+            <a:ext cx="2167974" cy="2624666"/>
+          </a:xfrm>
+          <a:prstGeom prst="rect">
+            <a:avLst/>
+          </a:prstGeom>
+          <a:noFill/>
+        </p:spPr>
+      </p:pic>
+      <p:sp>
+        <p:nvSpPr>
+          <p:cNvPr id="7" name="TextBox 6">
+            <a:extLst>
+              <a:ext uri="{FF2B5EF4-FFF2-40B4-BE49-F238E27FC236}">
+                <a16:creationId xmlns:a16="http://schemas.microsoft.com/office/drawing/2014/main" id="{A82BBF40-95FA-4C3B-9CD1-318A8C9ED246}"/>
+              </a:ext>
+            </a:extLst>
+          </p:cNvPr>
+          <p:cNvSpPr txBox="1"/>
+          <p:nvPr/>
+        </p:nvSpPr>
+        <p:spPr>
+          <a:xfrm>
+            <a:off x="3810000" y="621916"/>
+            <a:ext cx="5029200" cy="3785652"/>
+          </a:xfrm>
+          <a:prstGeom prst="rect">
+            <a:avLst/>
+          </a:prstGeom>
+          <a:noFill/>
+        </p:spPr>
+        <p:txBody>
+          <a:bodyPr wrap="square" rtlCol="0">
+            <a:spAutoFit/>
+          </a:bodyPr>
+          <a:lstStyle/>
+          <a:p>
+            <a:pPr marL="342900" indent="-342900">
+              <a:buFont typeface="Arial" panose="020B0604020202020204" pitchFamily="34" charset="0"/>
+              <a:buChar char="•"/>
+            </a:pPr>
+            <a:r>
+              <a:rPr lang="en-US" dirty="0">
+                <a:solidFill>
+                  <a:srgbClr val="404040"/>
+                </a:solidFill>
+              </a:rPr>
+              <a:t>Very Uncommon</a:t>
+            </a:r>
+          </a:p>
+          <a:p>
+            <a:pPr marL="342900" indent="-342900">
+              <a:buFont typeface="Arial" panose="020B0604020202020204" pitchFamily="34" charset="0"/>
+              <a:buChar char="•"/>
+            </a:pPr>
+            <a:endParaRPr lang="en-US" dirty="0">
+              <a:solidFill>
+                <a:srgbClr val="404040"/>
+              </a:solidFill>
+            </a:endParaRPr>
+          </a:p>
+          <a:p>
+            <a:pPr marL="342900" indent="-342900">
+              <a:buFont typeface="Arial" panose="020B0604020202020204" pitchFamily="34" charset="0"/>
+              <a:buChar char="•"/>
+            </a:pPr>
+            <a:r>
+              <a:rPr lang="en-US" dirty="0">
+                <a:solidFill>
+                  <a:srgbClr val="404040"/>
+                </a:solidFill>
+              </a:rPr>
+              <a:t>The Variable “</a:t>
+            </a:r>
+            <a:r>
+              <a:rPr lang="en-US" dirty="0" err="1">
+                <a:solidFill>
+                  <a:srgbClr val="404040"/>
+                </a:solidFill>
+              </a:rPr>
+              <a:t>PropBlue</a:t>
+            </a:r>
+            <a:r>
+              <a:rPr lang="en-US" dirty="0">
+                <a:solidFill>
+                  <a:srgbClr val="404040"/>
+                </a:solidFill>
+              </a:rPr>
+              <a:t>” Contains Two Numeric Variables</a:t>
+            </a:r>
+          </a:p>
+          <a:p>
+            <a:pPr marL="342900" indent="-342900">
+              <a:buFont typeface="Arial" panose="020B0604020202020204" pitchFamily="34" charset="0"/>
+              <a:buChar char="•"/>
+            </a:pPr>
+            <a:endParaRPr lang="en-US" dirty="0">
+              <a:solidFill>
+                <a:srgbClr val="404040"/>
+              </a:solidFill>
+            </a:endParaRPr>
+          </a:p>
+          <a:p>
+            <a:pPr marL="342900" indent="-342900">
+              <a:buFont typeface="Arial" panose="020B0604020202020204" pitchFamily="34" charset="0"/>
+              <a:buChar char="•"/>
+            </a:pPr>
+            <a:r>
+              <a:rPr lang="en-US" dirty="0">
+                <a:solidFill>
+                  <a:srgbClr val="404040"/>
+                </a:solidFill>
+              </a:rPr>
+              <a:t>The Variable “Date” Contains Three Numeric Variables</a:t>
+            </a:r>
+          </a:p>
+          <a:p>
+            <a:pPr marL="342900" indent="-342900">
+              <a:buFont typeface="Arial" panose="020B0604020202020204" pitchFamily="34" charset="0"/>
+              <a:buChar char="•"/>
+            </a:pPr>
+            <a:endParaRPr lang="en-US" dirty="0">
+              <a:solidFill>
+                <a:srgbClr val="404040"/>
+              </a:solidFill>
+            </a:endParaRPr>
+          </a:p>
+          <a:p>
+            <a:pPr marL="342900" indent="-342900">
+              <a:buFont typeface="Arial" panose="020B0604020202020204" pitchFamily="34" charset="0"/>
+              <a:buChar char="•"/>
+            </a:pPr>
+            <a:r>
+              <a:rPr lang="en-US" dirty="0">
+                <a:solidFill>
+                  <a:srgbClr val="404040"/>
+                </a:solidFill>
+              </a:rPr>
+              <a:t>We Must Separate Both of These Variables Into Multiple Columns</a:t>
+            </a:r>
+          </a:p>
+        </p:txBody>
+      </p:sp>
+    </p:spTree>
+    <p:custDataLst>
+      <p:tags r:id="rId1"/>
+    </p:custDataLst>
+    <p:extLst>
+      <p:ext uri="{BB962C8B-B14F-4D97-AF65-F5344CB8AC3E}">
+        <p14:creationId xmlns:p14="http://schemas.microsoft.com/office/powerpoint/2010/main" val="2580784744"/>
+      </p:ext>
+    </p:extLst>
+  </p:cSld>
+  <p:clrMapOvr>
+    <a:masterClrMapping/>
+  </p:clrMapOvr>
+</p:sld>
+</file>
+
+<file path=ppt/slides/slide2.xml><?xml version="1.0" encoding="utf-8"?>
+<p:sld xmlns:a="http://schemas.openxmlformats.org/drawingml/2006/main" xmlns:r="http://schemas.openxmlformats.org/officeDocument/2006/relationships" xmlns:p="http://schemas.openxmlformats.org/presentationml/2006/main">
+  <p:cSld>
+    <p:bg>
+      <p:bgPr>
+        <a:solidFill>
+          <a:schemeClr val="bg1">
+            <a:lumMod val="85000"/>
+          </a:schemeClr>
+        </a:solidFill>
+        <a:effectLst/>
+      </p:bgPr>
+    </p:bg>
+    <p:spTree>
+      <p:nvGrpSpPr>
+        <p:cNvPr id="1" name=""/>
+        <p:cNvGrpSpPr/>
+        <p:nvPr/>
+      </p:nvGrpSpPr>
+      <p:grpSpPr>
+        <a:xfrm>
+          <a:off x="0" y="0"/>
+          <a:ext cx="0" cy="0"/>
+          <a:chOff x="0" y="0"/>
+          <a:chExt cx="0" cy="0"/>
+        </a:xfrm>
+      </p:grpSpPr>
+      <p:sp>
+        <p:nvSpPr>
+          <p:cNvPr id="15" name="Rectangle 12">
+            <a:extLst>
+              <a:ext uri="{FF2B5EF4-FFF2-40B4-BE49-F238E27FC236}">
+                <a16:creationId xmlns:a16="http://schemas.microsoft.com/office/drawing/2014/main" id="{867D4867-5BA7-4462-B2F6-A23F4A622AA7}"/>
+              </a:ext>
+              <a:ext uri="{C183D7F6-B498-43B3-948B-1728B52AA6E4}">
+                <adec:decorative xmlns:adec="http://schemas.microsoft.com/office/drawing/2017/decorative" val="1"/>
+              </a:ext>
+            </a:extLst>
+          </p:cNvPr>
+          <p:cNvSpPr>
+            <a:spLocks noGrp="1" noRot="1" noChangeAspect="1" noMove="1" noResize="1" noEditPoints="1" noAdjustHandles="1" noChangeArrowheads="1" noChangeShapeType="1" noTextEdit="1"/>
+          </p:cNvSpPr>
+          <p:nvPr>
+            <p:extLst>
+              <p:ext uri="{386F3935-93C4-4BCD-93E2-E3B085C9AB24}">
+                <p16:designElem xmlns:p16="http://schemas.microsoft.com/office/powerpoint/2015/main" val="1"/>
+              </p:ext>
+            </p:extLst>
+          </p:nvPr>
+        </p:nvSpPr>
+        <p:spPr>
+          <a:xfrm>
+            <a:off x="0" y="0"/>
+            <a:ext cx="3490722" cy="6858000"/>
+          </a:xfrm>
+          <a:prstGeom prst="rect">
+            <a:avLst/>
+          </a:prstGeom>
+          <a:solidFill>
+            <a:schemeClr val="tx1">
+              <a:lumMod val="75000"/>
+              <a:lumOff val="25000"/>
+            </a:schemeClr>
+          </a:solidFill>
+          <a:ln>
+            <a:noFill/>
+          </a:ln>
+        </p:spPr>
+        <p:style>
+          <a:lnRef idx="0">
+            <a:scrgbClr r="0" g="0" b="0"/>
+          </a:lnRef>
+          <a:fillRef idx="0">
+            <a:scrgbClr r="0" g="0" b="0"/>
+          </a:fillRef>
+          <a:effectRef idx="0">
+            <a:scrgbClr r="0" g="0" b="0"/>
+          </a:effectRef>
+          <a:fontRef idx="minor">
+            <a:schemeClr val="lt1"/>
+          </a:fontRef>
+        </p:style>
+        <p:txBody>
+          <a:bodyPr rtlCol="0" anchor="ctr"/>
+          <a:lstStyle/>
+          <a:p>
+            <a:pPr marL="0" marR="0" lvl="0" indent="0" algn="ctr" defTabSz="457200" rtl="0" eaLnBrk="1" fontAlgn="base" latinLnBrk="0" hangingPunct="1">
+              <a:lnSpc>
+                <a:spcPct val="100000"/>
+              </a:lnSpc>
+              <a:spcBef>
+                <a:spcPct val="0"/>
+              </a:spcBef>
+              <a:spcAft>
+                <a:spcPct val="0"/>
+              </a:spcAft>
+              <a:buClrTx/>
+              <a:buSzTx/>
+              <a:buFontTx/>
+              <a:buNone/>
+              <a:tabLst/>
+              <a:defRPr/>
+            </a:pPr>
+            <a:endParaRPr kumimoji="0" lang="en-US" sz="2400" b="0" i="0" u="none" strike="noStrike" kern="1200" cap="none" spc="0" normalizeH="0" baseline="0" noProof="0">
+              <a:ln>
+                <a:noFill/>
+              </a:ln>
+              <a:solidFill>
+                <a:prstClr val="white"/>
+              </a:solidFill>
+              <a:effectLst/>
+              <a:uLnTx/>
+              <a:uFillTx/>
+              <a:latin typeface="Calibri"/>
+              <a:ea typeface="+mn-ea"/>
+              <a:cs typeface="+mn-cs"/>
+            </a:endParaRPr>
+          </a:p>
+        </p:txBody>
+      </p:sp>
+      <p:sp>
+        <p:nvSpPr>
+          <p:cNvPr id="2" name="Title 1"/>
+          <p:cNvSpPr>
+            <a:spLocks noGrp="1"/>
+          </p:cNvSpPr>
+          <p:nvPr>
+            <p:ph type="title"/>
+          </p:nvPr>
+        </p:nvSpPr>
+        <p:spPr>
+          <a:xfrm>
+            <a:off x="482600" y="643467"/>
+            <a:ext cx="2522980" cy="1597315"/>
+          </a:xfrm>
+          <a:noFill/>
+          <a:ln w="19050">
+            <a:solidFill>
+              <a:schemeClr val="bg1"/>
+            </a:solidFill>
+          </a:ln>
+        </p:spPr>
+        <p:txBody>
+          <a:bodyPr vert="horz" wrap="square" lIns="91440" tIns="45720" rIns="91440" bIns="45720" rtlCol="0" anchor="ctr">
+            <a:normAutofit/>
+          </a:bodyPr>
+          <a:lstStyle/>
+          <a:p>
+            <a:pPr defTabSz="914400" eaLnBrk="1" hangingPunct="1">
+              <a:lnSpc>
+                <a:spcPct val="90000"/>
+              </a:lnSpc>
+            </a:pPr>
+            <a:r>
+              <a:rPr lang="en-US" sz="2400" kern="1200" dirty="0">
+                <a:solidFill>
+                  <a:schemeClr val="bg1"/>
+                </a:solidFill>
+                <a:latin typeface="+mj-lt"/>
+                <a:ea typeface="+mj-ea"/>
+                <a:cs typeface="+mj-cs"/>
+              </a:rPr>
+              <a:t>Intro to Tidy Data</a:t>
+            </a:r>
+          </a:p>
+        </p:txBody>
+      </p:sp>
+      <p:pic>
+        <p:nvPicPr>
+          <p:cNvPr id="8" name="Picture 7">
+            <a:extLst>
+              <a:ext uri="{FF2B5EF4-FFF2-40B4-BE49-F238E27FC236}">
+                <a16:creationId xmlns:a16="http://schemas.microsoft.com/office/drawing/2014/main" id="{521D4292-9ECC-4DA5-8CC0-C561A0DA118E}"/>
+              </a:ext>
+            </a:extLst>
+          </p:cNvPr>
+          <p:cNvPicPr>
+            <a:picLocks noChangeAspect="1"/>
+          </p:cNvPicPr>
+          <p:nvPr/>
+        </p:nvPicPr>
+        <p:blipFill rotWithShape="1">
+          <a:blip r:embed="rId3"/>
+          <a:srcRect l="8000" r="9400"/>
+          <a:stretch/>
+        </p:blipFill>
+        <p:spPr>
+          <a:xfrm>
+            <a:off x="660103" y="3048000"/>
+            <a:ext cx="2167974" cy="2624666"/>
+          </a:xfrm>
+          <a:prstGeom prst="rect">
+            <a:avLst/>
+          </a:prstGeom>
+          <a:noFill/>
+        </p:spPr>
+      </p:pic>
       <p:sp>
         <p:nvSpPr>
           <p:cNvPr id="4" name="TextBox 3">
@@ -8928,6 +12003,3036 @@
     <p:extLst>
       <p:ext uri="{BB962C8B-B14F-4D97-AF65-F5344CB8AC3E}">
         <p14:creationId xmlns:p14="http://schemas.microsoft.com/office/powerpoint/2010/main" val="284655204"/>
+      </p:ext>
+    </p:extLst>
+  </p:cSld>
+  <p:clrMapOvr>
+    <a:masterClrMapping/>
+  </p:clrMapOvr>
+</p:sld>
+</file>
+
+<file path=ppt/slides/slide20.xml><?xml version="1.0" encoding="utf-8"?>
+<p:sld xmlns:a="http://schemas.openxmlformats.org/drawingml/2006/main" xmlns:r="http://schemas.openxmlformats.org/officeDocument/2006/relationships" xmlns:p="http://schemas.openxmlformats.org/presentationml/2006/main">
+  <p:cSld>
+    <p:bg>
+      <p:bgPr>
+        <a:solidFill>
+          <a:schemeClr val="bg1">
+            <a:lumMod val="85000"/>
+          </a:schemeClr>
+        </a:solidFill>
+        <a:effectLst/>
+      </p:bgPr>
+    </p:bg>
+    <p:spTree>
+      <p:nvGrpSpPr>
+        <p:cNvPr id="1" name=""/>
+        <p:cNvGrpSpPr/>
+        <p:nvPr/>
+      </p:nvGrpSpPr>
+      <p:grpSpPr>
+        <a:xfrm>
+          <a:off x="0" y="0"/>
+          <a:ext cx="0" cy="0"/>
+          <a:chOff x="0" y="0"/>
+          <a:chExt cx="0" cy="0"/>
+        </a:xfrm>
+      </p:grpSpPr>
+      <p:sp>
+        <p:nvSpPr>
+          <p:cNvPr id="15" name="Rectangle 12">
+            <a:extLst>
+              <a:ext uri="{FF2B5EF4-FFF2-40B4-BE49-F238E27FC236}">
+                <a16:creationId xmlns:a16="http://schemas.microsoft.com/office/drawing/2014/main" id="{867D4867-5BA7-4462-B2F6-A23F4A622AA7}"/>
+              </a:ext>
+              <a:ext uri="{C183D7F6-B498-43B3-948B-1728B52AA6E4}">
+                <adec:decorative xmlns:adec="http://schemas.microsoft.com/office/drawing/2017/decorative" val="1"/>
+              </a:ext>
+            </a:extLst>
+          </p:cNvPr>
+          <p:cNvSpPr>
+            <a:spLocks noGrp="1" noRot="1" noChangeAspect="1" noMove="1" noResize="1" noEditPoints="1" noAdjustHandles="1" noChangeArrowheads="1" noChangeShapeType="1" noTextEdit="1"/>
+          </p:cNvSpPr>
+          <p:nvPr>
+            <p:extLst>
+              <p:ext uri="{386F3935-93C4-4BCD-93E2-E3B085C9AB24}">
+                <p16:designElem xmlns:p16="http://schemas.microsoft.com/office/powerpoint/2015/main" val="1"/>
+              </p:ext>
+            </p:extLst>
+          </p:nvPr>
+        </p:nvSpPr>
+        <p:spPr>
+          <a:xfrm>
+            <a:off x="0" y="0"/>
+            <a:ext cx="3490722" cy="6858000"/>
+          </a:xfrm>
+          <a:prstGeom prst="rect">
+            <a:avLst/>
+          </a:prstGeom>
+          <a:solidFill>
+            <a:schemeClr val="tx1">
+              <a:lumMod val="75000"/>
+              <a:lumOff val="25000"/>
+            </a:schemeClr>
+          </a:solidFill>
+          <a:ln>
+            <a:noFill/>
+          </a:ln>
+        </p:spPr>
+        <p:style>
+          <a:lnRef idx="0">
+            <a:scrgbClr r="0" g="0" b="0"/>
+          </a:lnRef>
+          <a:fillRef idx="0">
+            <a:scrgbClr r="0" g="0" b="0"/>
+          </a:fillRef>
+          <a:effectRef idx="0">
+            <a:scrgbClr r="0" g="0" b="0"/>
+          </a:effectRef>
+          <a:fontRef idx="minor">
+            <a:schemeClr val="lt1"/>
+          </a:fontRef>
+        </p:style>
+        <p:txBody>
+          <a:bodyPr rtlCol="0" anchor="ctr"/>
+          <a:lstStyle/>
+          <a:p>
+            <a:pPr marL="0" marR="0" lvl="0" indent="0" algn="ctr" defTabSz="457200" rtl="0" eaLnBrk="1" fontAlgn="base" latinLnBrk="0" hangingPunct="1">
+              <a:lnSpc>
+                <a:spcPct val="100000"/>
+              </a:lnSpc>
+              <a:spcBef>
+                <a:spcPct val="0"/>
+              </a:spcBef>
+              <a:spcAft>
+                <a:spcPct val="0"/>
+              </a:spcAft>
+              <a:buClrTx/>
+              <a:buSzTx/>
+              <a:buFontTx/>
+              <a:buNone/>
+              <a:tabLst/>
+              <a:defRPr/>
+            </a:pPr>
+            <a:endParaRPr kumimoji="0" lang="en-US" sz="2400" b="0" i="0" u="none" strike="noStrike" kern="1200" cap="none" spc="0" normalizeH="0" baseline="0" noProof="0">
+              <a:ln>
+                <a:noFill/>
+              </a:ln>
+              <a:solidFill>
+                <a:prstClr val="white"/>
+              </a:solidFill>
+              <a:effectLst/>
+              <a:uLnTx/>
+              <a:uFillTx/>
+              <a:latin typeface="Calibri"/>
+              <a:ea typeface="+mn-ea"/>
+              <a:cs typeface="+mn-cs"/>
+            </a:endParaRPr>
+          </a:p>
+        </p:txBody>
+      </p:sp>
+      <p:sp>
+        <p:nvSpPr>
+          <p:cNvPr id="2" name="Title 1"/>
+          <p:cNvSpPr>
+            <a:spLocks noGrp="1"/>
+          </p:cNvSpPr>
+          <p:nvPr>
+            <p:ph type="title"/>
+          </p:nvPr>
+        </p:nvSpPr>
+        <p:spPr>
+          <a:xfrm>
+            <a:off x="482600" y="643467"/>
+            <a:ext cx="2522980" cy="1597315"/>
+          </a:xfrm>
+          <a:noFill/>
+          <a:ln w="19050">
+            <a:solidFill>
+              <a:schemeClr val="bg1"/>
+            </a:solidFill>
+          </a:ln>
+        </p:spPr>
+        <p:txBody>
+          <a:bodyPr vert="horz" wrap="square" lIns="91440" tIns="45720" rIns="91440" bIns="45720" rtlCol="0" anchor="ctr">
+            <a:normAutofit/>
+          </a:bodyPr>
+          <a:lstStyle/>
+          <a:p>
+            <a:pPr defTabSz="914400" eaLnBrk="1" hangingPunct="1">
+              <a:lnSpc>
+                <a:spcPct val="90000"/>
+              </a:lnSpc>
+            </a:pPr>
+            <a:r>
+              <a:rPr lang="en-US" sz="2400" kern="1200" dirty="0">
+                <a:solidFill>
+                  <a:schemeClr val="bg1"/>
+                </a:solidFill>
+                <a:latin typeface="+mj-lt"/>
+                <a:ea typeface="+mj-ea"/>
+                <a:cs typeface="+mj-cs"/>
+              </a:rPr>
+              <a:t>Separating</a:t>
+            </a:r>
+          </a:p>
+        </p:txBody>
+      </p:sp>
+      <p:pic>
+        <p:nvPicPr>
+          <p:cNvPr id="8" name="Picture 7">
+            <a:extLst>
+              <a:ext uri="{FF2B5EF4-FFF2-40B4-BE49-F238E27FC236}">
+                <a16:creationId xmlns:a16="http://schemas.microsoft.com/office/drawing/2014/main" id="{521D4292-9ECC-4DA5-8CC0-C561A0DA118E}"/>
+              </a:ext>
+            </a:extLst>
+          </p:cNvPr>
+          <p:cNvPicPr>
+            <a:picLocks noChangeAspect="1"/>
+          </p:cNvPicPr>
+          <p:nvPr/>
+        </p:nvPicPr>
+        <p:blipFill rotWithShape="1">
+          <a:blip r:embed="rId3"/>
+          <a:srcRect l="8000" r="9400"/>
+          <a:stretch/>
+        </p:blipFill>
+        <p:spPr>
+          <a:xfrm>
+            <a:off x="660103" y="3048000"/>
+            <a:ext cx="2167974" cy="2624666"/>
+          </a:xfrm>
+          <a:prstGeom prst="rect">
+            <a:avLst/>
+          </a:prstGeom>
+          <a:noFill/>
+        </p:spPr>
+      </p:pic>
+      <p:pic>
+        <p:nvPicPr>
+          <p:cNvPr id="4" name="Picture 3">
+            <a:extLst>
+              <a:ext uri="{FF2B5EF4-FFF2-40B4-BE49-F238E27FC236}">
+                <a16:creationId xmlns:a16="http://schemas.microsoft.com/office/drawing/2014/main" id="{5760061D-5012-45D7-9881-A53B3D4ADE50}"/>
+              </a:ext>
+            </a:extLst>
+          </p:cNvPr>
+          <p:cNvPicPr>
+            <a:picLocks noChangeAspect="1"/>
+          </p:cNvPicPr>
+          <p:nvPr/>
+        </p:nvPicPr>
+        <p:blipFill>
+          <a:blip r:embed="rId4"/>
+          <a:stretch>
+            <a:fillRect/>
+          </a:stretch>
+        </p:blipFill>
+        <p:spPr>
+          <a:xfrm>
+            <a:off x="3937660" y="228600"/>
+            <a:ext cx="4768932" cy="6576856"/>
+          </a:xfrm>
+          <a:prstGeom prst="rect">
+            <a:avLst/>
+          </a:prstGeom>
+          <a:ln>
+            <a:solidFill>
+              <a:srgbClr val="404040"/>
+            </a:solidFill>
+          </a:ln>
+        </p:spPr>
+        <p:style>
+          <a:lnRef idx="2">
+            <a:schemeClr val="dk1"/>
+          </a:lnRef>
+          <a:fillRef idx="1">
+            <a:schemeClr val="lt1"/>
+          </a:fillRef>
+          <a:effectRef idx="0">
+            <a:schemeClr val="dk1"/>
+          </a:effectRef>
+          <a:fontRef idx="minor">
+            <a:schemeClr val="dk1"/>
+          </a:fontRef>
+        </p:style>
+      </p:pic>
+    </p:spTree>
+    <p:custDataLst>
+      <p:tags r:id="rId1"/>
+    </p:custDataLst>
+    <p:extLst>
+      <p:ext uri="{BB962C8B-B14F-4D97-AF65-F5344CB8AC3E}">
+        <p14:creationId xmlns:p14="http://schemas.microsoft.com/office/powerpoint/2010/main" val="4115070167"/>
+      </p:ext>
+    </p:extLst>
+  </p:cSld>
+  <p:clrMapOvr>
+    <a:masterClrMapping/>
+  </p:clrMapOvr>
+</p:sld>
+</file>
+
+<file path=ppt/slides/slide21.xml><?xml version="1.0" encoding="utf-8"?>
+<p:sld xmlns:a="http://schemas.openxmlformats.org/drawingml/2006/main" xmlns:r="http://schemas.openxmlformats.org/officeDocument/2006/relationships" xmlns:p="http://schemas.openxmlformats.org/presentationml/2006/main">
+  <p:cSld>
+    <p:bg>
+      <p:bgPr>
+        <a:solidFill>
+          <a:schemeClr val="bg1">
+            <a:lumMod val="85000"/>
+          </a:schemeClr>
+        </a:solidFill>
+        <a:effectLst/>
+      </p:bgPr>
+    </p:bg>
+    <p:spTree>
+      <p:nvGrpSpPr>
+        <p:cNvPr id="1" name=""/>
+        <p:cNvGrpSpPr/>
+        <p:nvPr/>
+      </p:nvGrpSpPr>
+      <p:grpSpPr>
+        <a:xfrm>
+          <a:off x="0" y="0"/>
+          <a:ext cx="0" cy="0"/>
+          <a:chOff x="0" y="0"/>
+          <a:chExt cx="0" cy="0"/>
+        </a:xfrm>
+      </p:grpSpPr>
+      <p:sp>
+        <p:nvSpPr>
+          <p:cNvPr id="15" name="Rectangle 12">
+            <a:extLst>
+              <a:ext uri="{FF2B5EF4-FFF2-40B4-BE49-F238E27FC236}">
+                <a16:creationId xmlns:a16="http://schemas.microsoft.com/office/drawing/2014/main" id="{867D4867-5BA7-4462-B2F6-A23F4A622AA7}"/>
+              </a:ext>
+              <a:ext uri="{C183D7F6-B498-43B3-948B-1728B52AA6E4}">
+                <adec:decorative xmlns:adec="http://schemas.microsoft.com/office/drawing/2017/decorative" val="1"/>
+              </a:ext>
+            </a:extLst>
+          </p:cNvPr>
+          <p:cNvSpPr>
+            <a:spLocks noGrp="1" noRot="1" noChangeAspect="1" noMove="1" noResize="1" noEditPoints="1" noAdjustHandles="1" noChangeArrowheads="1" noChangeShapeType="1" noTextEdit="1"/>
+          </p:cNvSpPr>
+          <p:nvPr>
+            <p:extLst>
+              <p:ext uri="{386F3935-93C4-4BCD-93E2-E3B085C9AB24}">
+                <p16:designElem xmlns:p16="http://schemas.microsoft.com/office/powerpoint/2015/main" val="1"/>
+              </p:ext>
+            </p:extLst>
+          </p:nvPr>
+        </p:nvSpPr>
+        <p:spPr>
+          <a:xfrm>
+            <a:off x="0" y="0"/>
+            <a:ext cx="3490722" cy="6858000"/>
+          </a:xfrm>
+          <a:prstGeom prst="rect">
+            <a:avLst/>
+          </a:prstGeom>
+          <a:solidFill>
+            <a:schemeClr val="tx1">
+              <a:lumMod val="75000"/>
+              <a:lumOff val="25000"/>
+            </a:schemeClr>
+          </a:solidFill>
+          <a:ln>
+            <a:noFill/>
+          </a:ln>
+        </p:spPr>
+        <p:style>
+          <a:lnRef idx="0">
+            <a:scrgbClr r="0" g="0" b="0"/>
+          </a:lnRef>
+          <a:fillRef idx="0">
+            <a:scrgbClr r="0" g="0" b="0"/>
+          </a:fillRef>
+          <a:effectRef idx="0">
+            <a:scrgbClr r="0" g="0" b="0"/>
+          </a:effectRef>
+          <a:fontRef idx="minor">
+            <a:schemeClr val="lt1"/>
+          </a:fontRef>
+        </p:style>
+        <p:txBody>
+          <a:bodyPr rtlCol="0" anchor="ctr"/>
+          <a:lstStyle/>
+          <a:p>
+            <a:pPr marL="0" marR="0" lvl="0" indent="0" algn="ctr" defTabSz="457200" rtl="0" eaLnBrk="1" fontAlgn="base" latinLnBrk="0" hangingPunct="1">
+              <a:lnSpc>
+                <a:spcPct val="100000"/>
+              </a:lnSpc>
+              <a:spcBef>
+                <a:spcPct val="0"/>
+              </a:spcBef>
+              <a:spcAft>
+                <a:spcPct val="0"/>
+              </a:spcAft>
+              <a:buClrTx/>
+              <a:buSzTx/>
+              <a:buFontTx/>
+              <a:buNone/>
+              <a:tabLst/>
+              <a:defRPr/>
+            </a:pPr>
+            <a:endParaRPr kumimoji="0" lang="en-US" sz="2400" b="0" i="0" u="none" strike="noStrike" kern="1200" cap="none" spc="0" normalizeH="0" baseline="0" noProof="0">
+              <a:ln>
+                <a:noFill/>
+              </a:ln>
+              <a:solidFill>
+                <a:prstClr val="white"/>
+              </a:solidFill>
+              <a:effectLst/>
+              <a:uLnTx/>
+              <a:uFillTx/>
+              <a:latin typeface="Calibri"/>
+              <a:ea typeface="+mn-ea"/>
+              <a:cs typeface="+mn-cs"/>
+            </a:endParaRPr>
+          </a:p>
+        </p:txBody>
+      </p:sp>
+      <p:sp>
+        <p:nvSpPr>
+          <p:cNvPr id="2" name="Title 1"/>
+          <p:cNvSpPr>
+            <a:spLocks noGrp="1"/>
+          </p:cNvSpPr>
+          <p:nvPr>
+            <p:ph type="title"/>
+          </p:nvPr>
+        </p:nvSpPr>
+        <p:spPr>
+          <a:xfrm>
+            <a:off x="482600" y="643467"/>
+            <a:ext cx="2522980" cy="1597315"/>
+          </a:xfrm>
+          <a:noFill/>
+          <a:ln w="19050">
+            <a:solidFill>
+              <a:schemeClr val="bg1"/>
+            </a:solidFill>
+          </a:ln>
+        </p:spPr>
+        <p:txBody>
+          <a:bodyPr vert="horz" wrap="square" lIns="91440" tIns="45720" rIns="91440" bIns="45720" rtlCol="0" anchor="ctr">
+            <a:normAutofit/>
+          </a:bodyPr>
+          <a:lstStyle/>
+          <a:p>
+            <a:pPr defTabSz="914400" eaLnBrk="1" hangingPunct="1">
+              <a:lnSpc>
+                <a:spcPct val="90000"/>
+              </a:lnSpc>
+            </a:pPr>
+            <a:r>
+              <a:rPr lang="en-US" sz="2400" kern="1200" dirty="0">
+                <a:solidFill>
+                  <a:schemeClr val="bg1"/>
+                </a:solidFill>
+                <a:latin typeface="+mj-lt"/>
+                <a:ea typeface="+mj-ea"/>
+                <a:cs typeface="+mj-cs"/>
+              </a:rPr>
+              <a:t>Separating</a:t>
+            </a:r>
+          </a:p>
+        </p:txBody>
+      </p:sp>
+      <p:pic>
+        <p:nvPicPr>
+          <p:cNvPr id="8" name="Picture 7">
+            <a:extLst>
+              <a:ext uri="{FF2B5EF4-FFF2-40B4-BE49-F238E27FC236}">
+                <a16:creationId xmlns:a16="http://schemas.microsoft.com/office/drawing/2014/main" id="{521D4292-9ECC-4DA5-8CC0-C561A0DA118E}"/>
+              </a:ext>
+            </a:extLst>
+          </p:cNvPr>
+          <p:cNvPicPr>
+            <a:picLocks noChangeAspect="1"/>
+          </p:cNvPicPr>
+          <p:nvPr/>
+        </p:nvPicPr>
+        <p:blipFill rotWithShape="1">
+          <a:blip r:embed="rId3"/>
+          <a:srcRect l="8000" r="9400"/>
+          <a:stretch/>
+        </p:blipFill>
+        <p:spPr>
+          <a:xfrm>
+            <a:off x="660103" y="3048000"/>
+            <a:ext cx="2167974" cy="2624666"/>
+          </a:xfrm>
+          <a:prstGeom prst="rect">
+            <a:avLst/>
+          </a:prstGeom>
+          <a:noFill/>
+        </p:spPr>
+      </p:pic>
+      <p:sp>
+        <p:nvSpPr>
+          <p:cNvPr id="7" name="TextBox 6">
+            <a:extLst>
+              <a:ext uri="{FF2B5EF4-FFF2-40B4-BE49-F238E27FC236}">
+                <a16:creationId xmlns:a16="http://schemas.microsoft.com/office/drawing/2014/main" id="{A82BBF40-95FA-4C3B-9CD1-318A8C9ED246}"/>
+              </a:ext>
+            </a:extLst>
+          </p:cNvPr>
+          <p:cNvSpPr txBox="1"/>
+          <p:nvPr/>
+        </p:nvSpPr>
+        <p:spPr>
+          <a:xfrm>
+            <a:off x="3810000" y="621916"/>
+            <a:ext cx="5029200" cy="1569660"/>
+          </a:xfrm>
+          <a:prstGeom prst="rect">
+            <a:avLst/>
+          </a:prstGeom>
+          <a:noFill/>
+        </p:spPr>
+        <p:txBody>
+          <a:bodyPr wrap="square" rtlCol="0">
+            <a:spAutoFit/>
+          </a:bodyPr>
+          <a:lstStyle/>
+          <a:p>
+            <a:pPr marL="342900" indent="-342900">
+              <a:buFont typeface="Arial" panose="020B0604020202020204" pitchFamily="34" charset="0"/>
+              <a:buChar char="•"/>
+            </a:pPr>
+            <a:r>
+              <a:rPr lang="en-US" dirty="0">
+                <a:solidFill>
+                  <a:srgbClr val="404040"/>
+                </a:solidFill>
+              </a:rPr>
+              <a:t>Why Do This Nonsense?</a:t>
+            </a:r>
+          </a:p>
+          <a:p>
+            <a:pPr lvl="1"/>
+            <a:r>
+              <a:rPr lang="en-US" i="1" dirty="0">
+                <a:solidFill>
+                  <a:srgbClr val="404040"/>
+                </a:solidFill>
+              </a:rPr>
+              <a:t>“I have no idea”</a:t>
+            </a:r>
+          </a:p>
+          <a:p>
+            <a:pPr marL="342900" indent="-342900">
+              <a:buFont typeface="Arial" panose="020B0604020202020204" pitchFamily="34" charset="0"/>
+              <a:buChar char="•"/>
+            </a:pPr>
+            <a:endParaRPr lang="en-US" i="1" dirty="0">
+              <a:solidFill>
+                <a:srgbClr val="404040"/>
+              </a:solidFill>
+            </a:endParaRPr>
+          </a:p>
+          <a:p>
+            <a:pPr marL="342900" indent="-342900">
+              <a:buFont typeface="Arial" panose="020B0604020202020204" pitchFamily="34" charset="0"/>
+              <a:buChar char="•"/>
+            </a:pPr>
+            <a:r>
+              <a:rPr lang="en-US" dirty="0">
+                <a:solidFill>
+                  <a:srgbClr val="404040"/>
+                </a:solidFill>
+              </a:rPr>
+              <a:t>Maybe…</a:t>
+            </a:r>
+          </a:p>
+        </p:txBody>
+      </p:sp>
+      <p:pic>
+        <p:nvPicPr>
+          <p:cNvPr id="3" name="Picture 2">
+            <a:extLst>
+              <a:ext uri="{FF2B5EF4-FFF2-40B4-BE49-F238E27FC236}">
+                <a16:creationId xmlns:a16="http://schemas.microsoft.com/office/drawing/2014/main" id="{022EF02F-0A38-490B-9896-0F4989205C68}"/>
+              </a:ext>
+            </a:extLst>
+          </p:cNvPr>
+          <p:cNvPicPr>
+            <a:picLocks noChangeAspect="1"/>
+          </p:cNvPicPr>
+          <p:nvPr/>
+        </p:nvPicPr>
+        <p:blipFill>
+          <a:blip r:embed="rId4"/>
+          <a:stretch>
+            <a:fillRect/>
+          </a:stretch>
+        </p:blipFill>
+        <p:spPr>
+          <a:xfrm>
+            <a:off x="3581400" y="2286000"/>
+            <a:ext cx="5486400" cy="3321144"/>
+          </a:xfrm>
+          <a:prstGeom prst="rect">
+            <a:avLst/>
+          </a:prstGeom>
+          <a:ln>
+            <a:solidFill>
+              <a:srgbClr val="404040"/>
+            </a:solidFill>
+          </a:ln>
+        </p:spPr>
+        <p:style>
+          <a:lnRef idx="2">
+            <a:schemeClr val="dk1"/>
+          </a:lnRef>
+          <a:fillRef idx="1">
+            <a:schemeClr val="lt1"/>
+          </a:fillRef>
+          <a:effectRef idx="0">
+            <a:schemeClr val="dk1"/>
+          </a:effectRef>
+          <a:fontRef idx="minor">
+            <a:schemeClr val="dk1"/>
+          </a:fontRef>
+        </p:style>
+      </p:pic>
+    </p:spTree>
+    <p:custDataLst>
+      <p:tags r:id="rId1"/>
+    </p:custDataLst>
+    <p:extLst>
+      <p:ext uri="{BB962C8B-B14F-4D97-AF65-F5344CB8AC3E}">
+        <p14:creationId xmlns:p14="http://schemas.microsoft.com/office/powerpoint/2010/main" val="723975464"/>
+      </p:ext>
+    </p:extLst>
+  </p:cSld>
+  <p:clrMapOvr>
+    <a:masterClrMapping/>
+  </p:clrMapOvr>
+</p:sld>
+</file>
+
+<file path=ppt/slides/slide22.xml><?xml version="1.0" encoding="utf-8"?>
+<p:sld xmlns:a="http://schemas.openxmlformats.org/drawingml/2006/main" xmlns:r="http://schemas.openxmlformats.org/officeDocument/2006/relationships" xmlns:p="http://schemas.openxmlformats.org/presentationml/2006/main">
+  <p:cSld>
+    <p:bg>
+      <p:bgPr>
+        <a:solidFill>
+          <a:schemeClr val="bg1">
+            <a:lumMod val="85000"/>
+          </a:schemeClr>
+        </a:solidFill>
+        <a:effectLst/>
+      </p:bgPr>
+    </p:bg>
+    <p:spTree>
+      <p:nvGrpSpPr>
+        <p:cNvPr id="1" name=""/>
+        <p:cNvGrpSpPr/>
+        <p:nvPr/>
+      </p:nvGrpSpPr>
+      <p:grpSpPr>
+        <a:xfrm>
+          <a:off x="0" y="0"/>
+          <a:ext cx="0" cy="0"/>
+          <a:chOff x="0" y="0"/>
+          <a:chExt cx="0" cy="0"/>
+        </a:xfrm>
+      </p:grpSpPr>
+      <p:sp>
+        <p:nvSpPr>
+          <p:cNvPr id="15" name="Rectangle 12">
+            <a:extLst>
+              <a:ext uri="{FF2B5EF4-FFF2-40B4-BE49-F238E27FC236}">
+                <a16:creationId xmlns:a16="http://schemas.microsoft.com/office/drawing/2014/main" id="{867D4867-5BA7-4462-B2F6-A23F4A622AA7}"/>
+              </a:ext>
+              <a:ext uri="{C183D7F6-B498-43B3-948B-1728B52AA6E4}">
+                <adec:decorative xmlns:adec="http://schemas.microsoft.com/office/drawing/2017/decorative" val="1"/>
+              </a:ext>
+            </a:extLst>
+          </p:cNvPr>
+          <p:cNvSpPr>
+            <a:spLocks noGrp="1" noRot="1" noChangeAspect="1" noMove="1" noResize="1" noEditPoints="1" noAdjustHandles="1" noChangeArrowheads="1" noChangeShapeType="1" noTextEdit="1"/>
+          </p:cNvSpPr>
+          <p:nvPr>
+            <p:extLst>
+              <p:ext uri="{386F3935-93C4-4BCD-93E2-E3B085C9AB24}">
+                <p16:designElem xmlns:p16="http://schemas.microsoft.com/office/powerpoint/2015/main" val="1"/>
+              </p:ext>
+            </p:extLst>
+          </p:nvPr>
+        </p:nvSpPr>
+        <p:spPr>
+          <a:xfrm>
+            <a:off x="0" y="0"/>
+            <a:ext cx="3490722" cy="6858000"/>
+          </a:xfrm>
+          <a:prstGeom prst="rect">
+            <a:avLst/>
+          </a:prstGeom>
+          <a:solidFill>
+            <a:schemeClr val="tx1">
+              <a:lumMod val="75000"/>
+              <a:lumOff val="25000"/>
+            </a:schemeClr>
+          </a:solidFill>
+          <a:ln>
+            <a:noFill/>
+          </a:ln>
+        </p:spPr>
+        <p:style>
+          <a:lnRef idx="0">
+            <a:scrgbClr r="0" g="0" b="0"/>
+          </a:lnRef>
+          <a:fillRef idx="0">
+            <a:scrgbClr r="0" g="0" b="0"/>
+          </a:fillRef>
+          <a:effectRef idx="0">
+            <a:scrgbClr r="0" g="0" b="0"/>
+          </a:effectRef>
+          <a:fontRef idx="minor">
+            <a:schemeClr val="lt1"/>
+          </a:fontRef>
+        </p:style>
+        <p:txBody>
+          <a:bodyPr rtlCol="0" anchor="ctr"/>
+          <a:lstStyle/>
+          <a:p>
+            <a:pPr marL="0" marR="0" lvl="0" indent="0" algn="ctr" defTabSz="457200" rtl="0" eaLnBrk="1" fontAlgn="base" latinLnBrk="0" hangingPunct="1">
+              <a:lnSpc>
+                <a:spcPct val="100000"/>
+              </a:lnSpc>
+              <a:spcBef>
+                <a:spcPct val="0"/>
+              </a:spcBef>
+              <a:spcAft>
+                <a:spcPct val="0"/>
+              </a:spcAft>
+              <a:buClrTx/>
+              <a:buSzTx/>
+              <a:buFontTx/>
+              <a:buNone/>
+              <a:tabLst/>
+              <a:defRPr/>
+            </a:pPr>
+            <a:endParaRPr kumimoji="0" lang="en-US" sz="2400" b="0" i="0" u="none" strike="noStrike" kern="1200" cap="none" spc="0" normalizeH="0" baseline="0" noProof="0">
+              <a:ln>
+                <a:noFill/>
+              </a:ln>
+              <a:solidFill>
+                <a:prstClr val="white"/>
+              </a:solidFill>
+              <a:effectLst/>
+              <a:uLnTx/>
+              <a:uFillTx/>
+              <a:latin typeface="Calibri"/>
+              <a:ea typeface="+mn-ea"/>
+              <a:cs typeface="+mn-cs"/>
+            </a:endParaRPr>
+          </a:p>
+        </p:txBody>
+      </p:sp>
+      <p:sp>
+        <p:nvSpPr>
+          <p:cNvPr id="2" name="Title 1"/>
+          <p:cNvSpPr>
+            <a:spLocks noGrp="1"/>
+          </p:cNvSpPr>
+          <p:nvPr>
+            <p:ph type="title"/>
+          </p:nvPr>
+        </p:nvSpPr>
+        <p:spPr>
+          <a:xfrm>
+            <a:off x="482600" y="643467"/>
+            <a:ext cx="2522980" cy="1597315"/>
+          </a:xfrm>
+          <a:noFill/>
+          <a:ln w="19050">
+            <a:solidFill>
+              <a:schemeClr val="bg1"/>
+            </a:solidFill>
+          </a:ln>
+        </p:spPr>
+        <p:txBody>
+          <a:bodyPr vert="horz" wrap="square" lIns="91440" tIns="45720" rIns="91440" bIns="45720" rtlCol="0" anchor="ctr">
+            <a:normAutofit/>
+          </a:bodyPr>
+          <a:lstStyle/>
+          <a:p>
+            <a:pPr defTabSz="914400" eaLnBrk="1" hangingPunct="1">
+              <a:lnSpc>
+                <a:spcPct val="90000"/>
+              </a:lnSpc>
+            </a:pPr>
+            <a:r>
+              <a:rPr lang="en-US" sz="2400" kern="1200" dirty="0">
+                <a:solidFill>
+                  <a:schemeClr val="bg1"/>
+                </a:solidFill>
+                <a:latin typeface="+mj-lt"/>
+                <a:ea typeface="+mj-ea"/>
+                <a:cs typeface="+mj-cs"/>
+              </a:rPr>
+              <a:t>Untidy Data Example 5</a:t>
+            </a:r>
+          </a:p>
+        </p:txBody>
+      </p:sp>
+      <p:pic>
+        <p:nvPicPr>
+          <p:cNvPr id="8" name="Picture 7">
+            <a:extLst>
+              <a:ext uri="{FF2B5EF4-FFF2-40B4-BE49-F238E27FC236}">
+                <a16:creationId xmlns:a16="http://schemas.microsoft.com/office/drawing/2014/main" id="{521D4292-9ECC-4DA5-8CC0-C561A0DA118E}"/>
+              </a:ext>
+            </a:extLst>
+          </p:cNvPr>
+          <p:cNvPicPr>
+            <a:picLocks noChangeAspect="1"/>
+          </p:cNvPicPr>
+          <p:nvPr/>
+        </p:nvPicPr>
+        <p:blipFill rotWithShape="1">
+          <a:blip r:embed="rId3"/>
+          <a:srcRect l="8000" r="9400"/>
+          <a:stretch/>
+        </p:blipFill>
+        <p:spPr>
+          <a:xfrm>
+            <a:off x="660103" y="3048000"/>
+            <a:ext cx="2167974" cy="2624666"/>
+          </a:xfrm>
+          <a:prstGeom prst="rect">
+            <a:avLst/>
+          </a:prstGeom>
+          <a:noFill/>
+        </p:spPr>
+      </p:pic>
+      <p:pic>
+        <p:nvPicPr>
+          <p:cNvPr id="4" name="Picture 3">
+            <a:extLst>
+              <a:ext uri="{FF2B5EF4-FFF2-40B4-BE49-F238E27FC236}">
+                <a16:creationId xmlns:a16="http://schemas.microsoft.com/office/drawing/2014/main" id="{AB4CFAB7-FB5F-4BFB-A306-2BB09A2B4458}"/>
+              </a:ext>
+            </a:extLst>
+          </p:cNvPr>
+          <p:cNvPicPr>
+            <a:picLocks noChangeAspect="1"/>
+          </p:cNvPicPr>
+          <p:nvPr/>
+        </p:nvPicPr>
+        <p:blipFill>
+          <a:blip r:embed="rId4"/>
+          <a:stretch>
+            <a:fillRect/>
+          </a:stretch>
+        </p:blipFill>
+        <p:spPr>
+          <a:xfrm>
+            <a:off x="3665683" y="643467"/>
+            <a:ext cx="5334000" cy="6166255"/>
+          </a:xfrm>
+          <a:prstGeom prst="rect">
+            <a:avLst/>
+          </a:prstGeom>
+          <a:ln>
+            <a:solidFill>
+              <a:srgbClr val="404040"/>
+            </a:solidFill>
+          </a:ln>
+        </p:spPr>
+        <p:style>
+          <a:lnRef idx="2">
+            <a:schemeClr val="dk1"/>
+          </a:lnRef>
+          <a:fillRef idx="1">
+            <a:schemeClr val="lt1"/>
+          </a:fillRef>
+          <a:effectRef idx="0">
+            <a:schemeClr val="dk1"/>
+          </a:effectRef>
+          <a:fontRef idx="minor">
+            <a:schemeClr val="dk1"/>
+          </a:fontRef>
+        </p:style>
+      </p:pic>
+    </p:spTree>
+    <p:custDataLst>
+      <p:tags r:id="rId1"/>
+    </p:custDataLst>
+    <p:extLst>
+      <p:ext uri="{BB962C8B-B14F-4D97-AF65-F5344CB8AC3E}">
+        <p14:creationId xmlns:p14="http://schemas.microsoft.com/office/powerpoint/2010/main" val="1170635155"/>
+      </p:ext>
+    </p:extLst>
+  </p:cSld>
+  <p:clrMapOvr>
+    <a:masterClrMapping/>
+  </p:clrMapOvr>
+</p:sld>
+</file>
+
+<file path=ppt/slides/slide23.xml><?xml version="1.0" encoding="utf-8"?>
+<p:sld xmlns:a="http://schemas.openxmlformats.org/drawingml/2006/main" xmlns:r="http://schemas.openxmlformats.org/officeDocument/2006/relationships" xmlns:p="http://schemas.openxmlformats.org/presentationml/2006/main">
+  <p:cSld>
+    <p:bg>
+      <p:bgPr>
+        <a:solidFill>
+          <a:schemeClr val="bg1">
+            <a:lumMod val="85000"/>
+          </a:schemeClr>
+        </a:solidFill>
+        <a:effectLst/>
+      </p:bgPr>
+    </p:bg>
+    <p:spTree>
+      <p:nvGrpSpPr>
+        <p:cNvPr id="1" name=""/>
+        <p:cNvGrpSpPr/>
+        <p:nvPr/>
+      </p:nvGrpSpPr>
+      <p:grpSpPr>
+        <a:xfrm>
+          <a:off x="0" y="0"/>
+          <a:ext cx="0" cy="0"/>
+          <a:chOff x="0" y="0"/>
+          <a:chExt cx="0" cy="0"/>
+        </a:xfrm>
+      </p:grpSpPr>
+      <p:sp>
+        <p:nvSpPr>
+          <p:cNvPr id="15" name="Rectangle 12">
+            <a:extLst>
+              <a:ext uri="{FF2B5EF4-FFF2-40B4-BE49-F238E27FC236}">
+                <a16:creationId xmlns:a16="http://schemas.microsoft.com/office/drawing/2014/main" id="{867D4867-5BA7-4462-B2F6-A23F4A622AA7}"/>
+              </a:ext>
+              <a:ext uri="{C183D7F6-B498-43B3-948B-1728B52AA6E4}">
+                <adec:decorative xmlns:adec="http://schemas.microsoft.com/office/drawing/2017/decorative" val="1"/>
+              </a:ext>
+            </a:extLst>
+          </p:cNvPr>
+          <p:cNvSpPr>
+            <a:spLocks noGrp="1" noRot="1" noChangeAspect="1" noMove="1" noResize="1" noEditPoints="1" noAdjustHandles="1" noChangeArrowheads="1" noChangeShapeType="1" noTextEdit="1"/>
+          </p:cNvSpPr>
+          <p:nvPr>
+            <p:extLst>
+              <p:ext uri="{386F3935-93C4-4BCD-93E2-E3B085C9AB24}">
+                <p16:designElem xmlns:p16="http://schemas.microsoft.com/office/powerpoint/2015/main" val="1"/>
+              </p:ext>
+            </p:extLst>
+          </p:nvPr>
+        </p:nvSpPr>
+        <p:spPr>
+          <a:xfrm>
+            <a:off x="0" y="0"/>
+            <a:ext cx="3490722" cy="6858000"/>
+          </a:xfrm>
+          <a:prstGeom prst="rect">
+            <a:avLst/>
+          </a:prstGeom>
+          <a:solidFill>
+            <a:schemeClr val="tx1">
+              <a:lumMod val="75000"/>
+              <a:lumOff val="25000"/>
+            </a:schemeClr>
+          </a:solidFill>
+          <a:ln>
+            <a:noFill/>
+          </a:ln>
+        </p:spPr>
+        <p:style>
+          <a:lnRef idx="0">
+            <a:scrgbClr r="0" g="0" b="0"/>
+          </a:lnRef>
+          <a:fillRef idx="0">
+            <a:scrgbClr r="0" g="0" b="0"/>
+          </a:fillRef>
+          <a:effectRef idx="0">
+            <a:scrgbClr r="0" g="0" b="0"/>
+          </a:effectRef>
+          <a:fontRef idx="minor">
+            <a:schemeClr val="lt1"/>
+          </a:fontRef>
+        </p:style>
+        <p:txBody>
+          <a:bodyPr rtlCol="0" anchor="ctr"/>
+          <a:lstStyle/>
+          <a:p>
+            <a:pPr marL="0" marR="0" lvl="0" indent="0" algn="ctr" defTabSz="457200" rtl="0" eaLnBrk="1" fontAlgn="base" latinLnBrk="0" hangingPunct="1">
+              <a:lnSpc>
+                <a:spcPct val="100000"/>
+              </a:lnSpc>
+              <a:spcBef>
+                <a:spcPct val="0"/>
+              </a:spcBef>
+              <a:spcAft>
+                <a:spcPct val="0"/>
+              </a:spcAft>
+              <a:buClrTx/>
+              <a:buSzTx/>
+              <a:buFontTx/>
+              <a:buNone/>
+              <a:tabLst/>
+              <a:defRPr/>
+            </a:pPr>
+            <a:endParaRPr kumimoji="0" lang="en-US" sz="2400" b="0" i="0" u="none" strike="noStrike" kern="1200" cap="none" spc="0" normalizeH="0" baseline="0" noProof="0">
+              <a:ln>
+                <a:noFill/>
+              </a:ln>
+              <a:solidFill>
+                <a:prstClr val="white"/>
+              </a:solidFill>
+              <a:effectLst/>
+              <a:uLnTx/>
+              <a:uFillTx/>
+              <a:latin typeface="Calibri"/>
+              <a:ea typeface="+mn-ea"/>
+              <a:cs typeface="+mn-cs"/>
+            </a:endParaRPr>
+          </a:p>
+        </p:txBody>
+      </p:sp>
+      <p:sp>
+        <p:nvSpPr>
+          <p:cNvPr id="2" name="Title 1"/>
+          <p:cNvSpPr>
+            <a:spLocks noGrp="1"/>
+          </p:cNvSpPr>
+          <p:nvPr>
+            <p:ph type="title"/>
+          </p:nvPr>
+        </p:nvSpPr>
+        <p:spPr>
+          <a:xfrm>
+            <a:off x="482600" y="643467"/>
+            <a:ext cx="2522980" cy="1597315"/>
+          </a:xfrm>
+          <a:noFill/>
+          <a:ln w="19050">
+            <a:solidFill>
+              <a:schemeClr val="bg1"/>
+            </a:solidFill>
+          </a:ln>
+        </p:spPr>
+        <p:txBody>
+          <a:bodyPr vert="horz" wrap="square" lIns="91440" tIns="45720" rIns="91440" bIns="45720" rtlCol="0" anchor="ctr">
+            <a:normAutofit/>
+          </a:bodyPr>
+          <a:lstStyle/>
+          <a:p>
+            <a:pPr defTabSz="914400" eaLnBrk="1" hangingPunct="1">
+              <a:lnSpc>
+                <a:spcPct val="90000"/>
+              </a:lnSpc>
+            </a:pPr>
+            <a:r>
+              <a:rPr lang="en-US" sz="2400" kern="1200" dirty="0">
+                <a:solidFill>
+                  <a:schemeClr val="bg1"/>
+                </a:solidFill>
+                <a:latin typeface="+mj-lt"/>
+                <a:ea typeface="+mj-ea"/>
+                <a:cs typeface="+mj-cs"/>
+              </a:rPr>
+              <a:t>Uniting</a:t>
+            </a:r>
+          </a:p>
+        </p:txBody>
+      </p:sp>
+      <p:pic>
+        <p:nvPicPr>
+          <p:cNvPr id="8" name="Picture 7">
+            <a:extLst>
+              <a:ext uri="{FF2B5EF4-FFF2-40B4-BE49-F238E27FC236}">
+                <a16:creationId xmlns:a16="http://schemas.microsoft.com/office/drawing/2014/main" id="{521D4292-9ECC-4DA5-8CC0-C561A0DA118E}"/>
+              </a:ext>
+            </a:extLst>
+          </p:cNvPr>
+          <p:cNvPicPr>
+            <a:picLocks noChangeAspect="1"/>
+          </p:cNvPicPr>
+          <p:nvPr/>
+        </p:nvPicPr>
+        <p:blipFill rotWithShape="1">
+          <a:blip r:embed="rId3"/>
+          <a:srcRect l="8000" r="9400"/>
+          <a:stretch/>
+        </p:blipFill>
+        <p:spPr>
+          <a:xfrm>
+            <a:off x="660103" y="3048000"/>
+            <a:ext cx="2167974" cy="2624666"/>
+          </a:xfrm>
+          <a:prstGeom prst="rect">
+            <a:avLst/>
+          </a:prstGeom>
+          <a:noFill/>
+        </p:spPr>
+      </p:pic>
+      <p:sp>
+        <p:nvSpPr>
+          <p:cNvPr id="6" name="TextBox 5">
+            <a:extLst>
+              <a:ext uri="{FF2B5EF4-FFF2-40B4-BE49-F238E27FC236}">
+                <a16:creationId xmlns:a16="http://schemas.microsoft.com/office/drawing/2014/main" id="{E58EF064-51FF-48A9-8810-E84BE6F6F09D}"/>
+              </a:ext>
+            </a:extLst>
+          </p:cNvPr>
+          <p:cNvSpPr txBox="1"/>
+          <p:nvPr/>
+        </p:nvSpPr>
+        <p:spPr>
+          <a:xfrm>
+            <a:off x="3810000" y="621916"/>
+            <a:ext cx="5029200" cy="1569660"/>
+          </a:xfrm>
+          <a:prstGeom prst="rect">
+            <a:avLst/>
+          </a:prstGeom>
+          <a:noFill/>
+        </p:spPr>
+        <p:txBody>
+          <a:bodyPr wrap="square" rtlCol="0">
+            <a:spAutoFit/>
+          </a:bodyPr>
+          <a:lstStyle/>
+          <a:p>
+            <a:pPr marL="342900" indent="-342900">
+              <a:buFont typeface="Arial" panose="020B0604020202020204" pitchFamily="34" charset="0"/>
+              <a:buChar char="•"/>
+            </a:pPr>
+            <a:r>
+              <a:rPr lang="en-US" dirty="0">
+                <a:solidFill>
+                  <a:srgbClr val="404040"/>
+                </a:solidFill>
+              </a:rPr>
+              <a:t>Absolutely Silly</a:t>
+            </a:r>
+          </a:p>
+          <a:p>
+            <a:pPr marL="342900" indent="-342900">
+              <a:buFont typeface="Arial" panose="020B0604020202020204" pitchFamily="34" charset="0"/>
+              <a:buChar char="•"/>
+            </a:pPr>
+            <a:endParaRPr lang="en-US" dirty="0">
+              <a:solidFill>
+                <a:srgbClr val="404040"/>
+              </a:solidFill>
+            </a:endParaRPr>
+          </a:p>
+          <a:p>
+            <a:pPr marL="342900" indent="-342900">
+              <a:buFont typeface="Arial" panose="020B0604020202020204" pitchFamily="34" charset="0"/>
+              <a:buChar char="•"/>
+            </a:pPr>
+            <a:r>
+              <a:rPr lang="en-US" dirty="0">
+                <a:solidFill>
+                  <a:srgbClr val="404040"/>
+                </a:solidFill>
+              </a:rPr>
+              <a:t>Uniting Does the Opposite of Separating </a:t>
+            </a:r>
+          </a:p>
+        </p:txBody>
+      </p:sp>
+      <p:pic>
+        <p:nvPicPr>
+          <p:cNvPr id="3" name="Picture 2">
+            <a:extLst>
+              <a:ext uri="{FF2B5EF4-FFF2-40B4-BE49-F238E27FC236}">
+                <a16:creationId xmlns:a16="http://schemas.microsoft.com/office/drawing/2014/main" id="{63D4D4A1-0230-46B2-A6FA-DEEA440F10A6}"/>
+              </a:ext>
+            </a:extLst>
+          </p:cNvPr>
+          <p:cNvPicPr>
+            <a:picLocks noChangeAspect="1"/>
+          </p:cNvPicPr>
+          <p:nvPr/>
+        </p:nvPicPr>
+        <p:blipFill>
+          <a:blip r:embed="rId4"/>
+          <a:stretch>
+            <a:fillRect/>
+          </a:stretch>
+        </p:blipFill>
+        <p:spPr>
+          <a:xfrm>
+            <a:off x="3649641" y="2227671"/>
+            <a:ext cx="5410200" cy="4555958"/>
+          </a:xfrm>
+          <a:prstGeom prst="rect">
+            <a:avLst/>
+          </a:prstGeom>
+          <a:ln>
+            <a:solidFill>
+              <a:srgbClr val="404040"/>
+            </a:solidFill>
+          </a:ln>
+        </p:spPr>
+        <p:style>
+          <a:lnRef idx="2">
+            <a:schemeClr val="dk1"/>
+          </a:lnRef>
+          <a:fillRef idx="1">
+            <a:schemeClr val="lt1"/>
+          </a:fillRef>
+          <a:effectRef idx="0">
+            <a:schemeClr val="dk1"/>
+          </a:effectRef>
+          <a:fontRef idx="minor">
+            <a:schemeClr val="dk1"/>
+          </a:fontRef>
+        </p:style>
+      </p:pic>
+    </p:spTree>
+    <p:custDataLst>
+      <p:tags r:id="rId1"/>
+    </p:custDataLst>
+    <p:extLst>
+      <p:ext uri="{BB962C8B-B14F-4D97-AF65-F5344CB8AC3E}">
+        <p14:creationId xmlns:p14="http://schemas.microsoft.com/office/powerpoint/2010/main" val="2675536772"/>
+      </p:ext>
+    </p:extLst>
+  </p:cSld>
+  <p:clrMapOvr>
+    <a:masterClrMapping/>
+  </p:clrMapOvr>
+</p:sld>
+</file>
+
+<file path=ppt/slides/slide24.xml><?xml version="1.0" encoding="utf-8"?>
+<p:sld xmlns:a="http://schemas.openxmlformats.org/drawingml/2006/main" xmlns:r="http://schemas.openxmlformats.org/officeDocument/2006/relationships" xmlns:p="http://schemas.openxmlformats.org/presentationml/2006/main">
+  <p:cSld>
+    <p:bg>
+      <p:bgPr>
+        <a:solidFill>
+          <a:schemeClr val="bg1">
+            <a:lumMod val="85000"/>
+          </a:schemeClr>
+        </a:solidFill>
+        <a:effectLst/>
+      </p:bgPr>
+    </p:bg>
+    <p:spTree>
+      <p:nvGrpSpPr>
+        <p:cNvPr id="1" name=""/>
+        <p:cNvGrpSpPr/>
+        <p:nvPr/>
+      </p:nvGrpSpPr>
+      <p:grpSpPr>
+        <a:xfrm>
+          <a:off x="0" y="0"/>
+          <a:ext cx="0" cy="0"/>
+          <a:chOff x="0" y="0"/>
+          <a:chExt cx="0" cy="0"/>
+        </a:xfrm>
+      </p:grpSpPr>
+      <p:sp>
+        <p:nvSpPr>
+          <p:cNvPr id="15" name="Rectangle 12">
+            <a:extLst>
+              <a:ext uri="{FF2B5EF4-FFF2-40B4-BE49-F238E27FC236}">
+                <a16:creationId xmlns:a16="http://schemas.microsoft.com/office/drawing/2014/main" id="{867D4867-5BA7-4462-B2F6-A23F4A622AA7}"/>
+              </a:ext>
+              <a:ext uri="{C183D7F6-B498-43B3-948B-1728B52AA6E4}">
+                <adec:decorative xmlns:adec="http://schemas.microsoft.com/office/drawing/2017/decorative" val="1"/>
+              </a:ext>
+            </a:extLst>
+          </p:cNvPr>
+          <p:cNvSpPr>
+            <a:spLocks noGrp="1" noRot="1" noChangeAspect="1" noMove="1" noResize="1" noEditPoints="1" noAdjustHandles="1" noChangeArrowheads="1" noChangeShapeType="1" noTextEdit="1"/>
+          </p:cNvSpPr>
+          <p:nvPr>
+            <p:extLst>
+              <p:ext uri="{386F3935-93C4-4BCD-93E2-E3B085C9AB24}">
+                <p16:designElem xmlns:p16="http://schemas.microsoft.com/office/powerpoint/2015/main" val="1"/>
+              </p:ext>
+            </p:extLst>
+          </p:nvPr>
+        </p:nvSpPr>
+        <p:spPr>
+          <a:xfrm>
+            <a:off x="0" y="0"/>
+            <a:ext cx="3490722" cy="6858000"/>
+          </a:xfrm>
+          <a:prstGeom prst="rect">
+            <a:avLst/>
+          </a:prstGeom>
+          <a:solidFill>
+            <a:schemeClr val="tx1">
+              <a:lumMod val="75000"/>
+              <a:lumOff val="25000"/>
+            </a:schemeClr>
+          </a:solidFill>
+          <a:ln>
+            <a:noFill/>
+          </a:ln>
+        </p:spPr>
+        <p:style>
+          <a:lnRef idx="0">
+            <a:scrgbClr r="0" g="0" b="0"/>
+          </a:lnRef>
+          <a:fillRef idx="0">
+            <a:scrgbClr r="0" g="0" b="0"/>
+          </a:fillRef>
+          <a:effectRef idx="0">
+            <a:scrgbClr r="0" g="0" b="0"/>
+          </a:effectRef>
+          <a:fontRef idx="minor">
+            <a:schemeClr val="lt1"/>
+          </a:fontRef>
+        </p:style>
+        <p:txBody>
+          <a:bodyPr rtlCol="0" anchor="ctr"/>
+          <a:lstStyle/>
+          <a:p>
+            <a:pPr marL="0" marR="0" lvl="0" indent="0" algn="ctr" defTabSz="457200" rtl="0" eaLnBrk="1" fontAlgn="base" latinLnBrk="0" hangingPunct="1">
+              <a:lnSpc>
+                <a:spcPct val="100000"/>
+              </a:lnSpc>
+              <a:spcBef>
+                <a:spcPct val="0"/>
+              </a:spcBef>
+              <a:spcAft>
+                <a:spcPct val="0"/>
+              </a:spcAft>
+              <a:buClrTx/>
+              <a:buSzTx/>
+              <a:buFontTx/>
+              <a:buNone/>
+              <a:tabLst/>
+              <a:defRPr/>
+            </a:pPr>
+            <a:endParaRPr kumimoji="0" lang="en-US" sz="2400" b="0" i="0" u="none" strike="noStrike" kern="1200" cap="none" spc="0" normalizeH="0" baseline="0" noProof="0">
+              <a:ln>
+                <a:noFill/>
+              </a:ln>
+              <a:solidFill>
+                <a:prstClr val="white"/>
+              </a:solidFill>
+              <a:effectLst/>
+              <a:uLnTx/>
+              <a:uFillTx/>
+              <a:latin typeface="Calibri"/>
+              <a:ea typeface="+mn-ea"/>
+              <a:cs typeface="+mn-cs"/>
+            </a:endParaRPr>
+          </a:p>
+        </p:txBody>
+      </p:sp>
+      <p:sp>
+        <p:nvSpPr>
+          <p:cNvPr id="2" name="Title 1"/>
+          <p:cNvSpPr>
+            <a:spLocks noGrp="1"/>
+          </p:cNvSpPr>
+          <p:nvPr>
+            <p:ph type="title"/>
+          </p:nvPr>
+        </p:nvSpPr>
+        <p:spPr>
+          <a:xfrm>
+            <a:off x="482600" y="643467"/>
+            <a:ext cx="2522980" cy="1597315"/>
+          </a:xfrm>
+          <a:noFill/>
+          <a:ln w="19050">
+            <a:solidFill>
+              <a:schemeClr val="bg1"/>
+            </a:solidFill>
+          </a:ln>
+        </p:spPr>
+        <p:txBody>
+          <a:bodyPr vert="horz" wrap="square" lIns="91440" tIns="45720" rIns="91440" bIns="45720" rtlCol="0" anchor="ctr">
+            <a:normAutofit/>
+          </a:bodyPr>
+          <a:lstStyle/>
+          <a:p>
+            <a:pPr defTabSz="914400" eaLnBrk="1" hangingPunct="1">
+              <a:lnSpc>
+                <a:spcPct val="90000"/>
+              </a:lnSpc>
+            </a:pPr>
+            <a:r>
+              <a:rPr lang="en-US" sz="2400" kern="1200" dirty="0">
+                <a:solidFill>
+                  <a:schemeClr val="bg1"/>
+                </a:solidFill>
+                <a:latin typeface="+mj-lt"/>
+                <a:ea typeface="+mj-ea"/>
+                <a:cs typeface="+mj-cs"/>
+              </a:rPr>
+              <a:t>Missing Values</a:t>
+            </a:r>
+          </a:p>
+        </p:txBody>
+      </p:sp>
+      <p:pic>
+        <p:nvPicPr>
+          <p:cNvPr id="8" name="Picture 7">
+            <a:extLst>
+              <a:ext uri="{FF2B5EF4-FFF2-40B4-BE49-F238E27FC236}">
+                <a16:creationId xmlns:a16="http://schemas.microsoft.com/office/drawing/2014/main" id="{521D4292-9ECC-4DA5-8CC0-C561A0DA118E}"/>
+              </a:ext>
+            </a:extLst>
+          </p:cNvPr>
+          <p:cNvPicPr>
+            <a:picLocks noChangeAspect="1"/>
+          </p:cNvPicPr>
+          <p:nvPr/>
+        </p:nvPicPr>
+        <p:blipFill rotWithShape="1">
+          <a:blip r:embed="rId3"/>
+          <a:srcRect l="8000" r="9400"/>
+          <a:stretch/>
+        </p:blipFill>
+        <p:spPr>
+          <a:xfrm>
+            <a:off x="660103" y="3048000"/>
+            <a:ext cx="2167974" cy="2624666"/>
+          </a:xfrm>
+          <a:prstGeom prst="rect">
+            <a:avLst/>
+          </a:prstGeom>
+          <a:noFill/>
+        </p:spPr>
+      </p:pic>
+      <p:sp>
+        <p:nvSpPr>
+          <p:cNvPr id="6" name="TextBox 5">
+            <a:extLst>
+              <a:ext uri="{FF2B5EF4-FFF2-40B4-BE49-F238E27FC236}">
+                <a16:creationId xmlns:a16="http://schemas.microsoft.com/office/drawing/2014/main" id="{E58EF064-51FF-48A9-8810-E84BE6F6F09D}"/>
+              </a:ext>
+            </a:extLst>
+          </p:cNvPr>
+          <p:cNvSpPr txBox="1"/>
+          <p:nvPr/>
+        </p:nvSpPr>
+        <p:spPr>
+          <a:xfrm>
+            <a:off x="3810000" y="621916"/>
+            <a:ext cx="5029200" cy="5262979"/>
+          </a:xfrm>
+          <a:prstGeom prst="rect">
+            <a:avLst/>
+          </a:prstGeom>
+          <a:noFill/>
+        </p:spPr>
+        <p:txBody>
+          <a:bodyPr wrap="square" rtlCol="0">
+            <a:spAutoFit/>
+          </a:bodyPr>
+          <a:lstStyle/>
+          <a:p>
+            <a:pPr marL="342900" indent="-342900">
+              <a:buFont typeface="Arial" panose="020B0604020202020204" pitchFamily="34" charset="0"/>
+              <a:buChar char="•"/>
+            </a:pPr>
+            <a:r>
+              <a:rPr lang="en-US" dirty="0">
+                <a:solidFill>
+                  <a:srgbClr val="404040"/>
+                </a:solidFill>
+              </a:rPr>
+              <a:t>Two Ways</a:t>
+            </a:r>
+          </a:p>
+          <a:p>
+            <a:pPr marL="342900" indent="-342900">
+              <a:buFont typeface="Arial" panose="020B0604020202020204" pitchFamily="34" charset="0"/>
+              <a:buChar char="•"/>
+            </a:pPr>
+            <a:endParaRPr lang="en-US" dirty="0">
+              <a:solidFill>
+                <a:srgbClr val="404040"/>
+              </a:solidFill>
+            </a:endParaRPr>
+          </a:p>
+          <a:p>
+            <a:pPr marL="800100" lvl="1" indent="-342900">
+              <a:buFont typeface="Arial" panose="020B0604020202020204" pitchFamily="34" charset="0"/>
+              <a:buChar char="•"/>
+            </a:pPr>
+            <a:r>
+              <a:rPr lang="en-US" dirty="0">
+                <a:solidFill>
+                  <a:srgbClr val="404040"/>
+                </a:solidFill>
+              </a:rPr>
+              <a:t>Explicitly: Defined to Be Missing Using NA </a:t>
+            </a:r>
+          </a:p>
+          <a:p>
+            <a:pPr lvl="1"/>
+            <a:endParaRPr lang="en-US" dirty="0">
+              <a:solidFill>
+                <a:srgbClr val="404040"/>
+              </a:solidFill>
+            </a:endParaRPr>
+          </a:p>
+          <a:p>
+            <a:pPr marL="800100" lvl="1" indent="-342900">
+              <a:buFont typeface="Arial" panose="020B0604020202020204" pitchFamily="34" charset="0"/>
+              <a:buChar char="•"/>
+            </a:pPr>
+            <a:r>
+              <a:rPr lang="en-US" dirty="0">
+                <a:solidFill>
+                  <a:srgbClr val="404040"/>
+                </a:solidFill>
+              </a:rPr>
+              <a:t>Implicitly: Absent From Data</a:t>
+            </a:r>
+          </a:p>
+          <a:p>
+            <a:pPr marL="800100" lvl="1" indent="-342900">
+              <a:buFont typeface="Arial" panose="020B0604020202020204" pitchFamily="34" charset="0"/>
+              <a:buChar char="•"/>
+            </a:pPr>
+            <a:endParaRPr lang="en-US" dirty="0">
+              <a:solidFill>
+                <a:srgbClr val="404040"/>
+              </a:solidFill>
+            </a:endParaRPr>
+          </a:p>
+          <a:p>
+            <a:pPr marL="342900" indent="-342900">
+              <a:buFont typeface="Arial" panose="020B0604020202020204" pitchFamily="34" charset="0"/>
+              <a:buChar char="•"/>
+            </a:pPr>
+            <a:r>
+              <a:rPr lang="en-US" dirty="0">
+                <a:solidFill>
+                  <a:srgbClr val="404040"/>
+                </a:solidFill>
+              </a:rPr>
+              <a:t>There is not a Uniform Way to Handle Either of These Problems</a:t>
+            </a:r>
+          </a:p>
+          <a:p>
+            <a:pPr marL="342900" indent="-342900">
+              <a:buFont typeface="Arial" panose="020B0604020202020204" pitchFamily="34" charset="0"/>
+              <a:buChar char="•"/>
+            </a:pPr>
+            <a:endParaRPr lang="en-US" dirty="0">
+              <a:solidFill>
+                <a:srgbClr val="404040"/>
+              </a:solidFill>
+            </a:endParaRPr>
+          </a:p>
+          <a:p>
+            <a:pPr marL="342900" indent="-342900">
+              <a:buFont typeface="Arial" panose="020B0604020202020204" pitchFamily="34" charset="0"/>
+              <a:buChar char="•"/>
+            </a:pPr>
+            <a:r>
+              <a:rPr lang="en-US" dirty="0">
+                <a:solidFill>
+                  <a:srgbClr val="404040"/>
+                </a:solidFill>
+              </a:rPr>
+              <a:t>Rule: Either Convert All Explicitly Missing to Implicitly Missing or Convert All Implicitly Missing to Explicitly Missing </a:t>
+            </a:r>
+          </a:p>
+        </p:txBody>
+      </p:sp>
+    </p:spTree>
+    <p:custDataLst>
+      <p:tags r:id="rId1"/>
+    </p:custDataLst>
+    <p:extLst>
+      <p:ext uri="{BB962C8B-B14F-4D97-AF65-F5344CB8AC3E}">
+        <p14:creationId xmlns:p14="http://schemas.microsoft.com/office/powerpoint/2010/main" val="2811406856"/>
+      </p:ext>
+    </p:extLst>
+  </p:cSld>
+  <p:clrMapOvr>
+    <a:masterClrMapping/>
+  </p:clrMapOvr>
+</p:sld>
+</file>
+
+<file path=ppt/slides/slide25.xml><?xml version="1.0" encoding="utf-8"?>
+<p:sld xmlns:a="http://schemas.openxmlformats.org/drawingml/2006/main" xmlns:r="http://schemas.openxmlformats.org/officeDocument/2006/relationships" xmlns:p="http://schemas.openxmlformats.org/presentationml/2006/main">
+  <p:cSld>
+    <p:bg>
+      <p:bgPr>
+        <a:solidFill>
+          <a:schemeClr val="bg1">
+            <a:lumMod val="85000"/>
+          </a:schemeClr>
+        </a:solidFill>
+        <a:effectLst/>
+      </p:bgPr>
+    </p:bg>
+    <p:spTree>
+      <p:nvGrpSpPr>
+        <p:cNvPr id="1" name=""/>
+        <p:cNvGrpSpPr/>
+        <p:nvPr/>
+      </p:nvGrpSpPr>
+      <p:grpSpPr>
+        <a:xfrm>
+          <a:off x="0" y="0"/>
+          <a:ext cx="0" cy="0"/>
+          <a:chOff x="0" y="0"/>
+          <a:chExt cx="0" cy="0"/>
+        </a:xfrm>
+      </p:grpSpPr>
+      <p:sp>
+        <p:nvSpPr>
+          <p:cNvPr id="15" name="Rectangle 12">
+            <a:extLst>
+              <a:ext uri="{FF2B5EF4-FFF2-40B4-BE49-F238E27FC236}">
+                <a16:creationId xmlns:a16="http://schemas.microsoft.com/office/drawing/2014/main" id="{867D4867-5BA7-4462-B2F6-A23F4A622AA7}"/>
+              </a:ext>
+              <a:ext uri="{C183D7F6-B498-43B3-948B-1728B52AA6E4}">
+                <adec:decorative xmlns:adec="http://schemas.microsoft.com/office/drawing/2017/decorative" val="1"/>
+              </a:ext>
+            </a:extLst>
+          </p:cNvPr>
+          <p:cNvSpPr>
+            <a:spLocks noGrp="1" noRot="1" noChangeAspect="1" noMove="1" noResize="1" noEditPoints="1" noAdjustHandles="1" noChangeArrowheads="1" noChangeShapeType="1" noTextEdit="1"/>
+          </p:cNvSpPr>
+          <p:nvPr>
+            <p:extLst>
+              <p:ext uri="{386F3935-93C4-4BCD-93E2-E3B085C9AB24}">
+                <p16:designElem xmlns:p16="http://schemas.microsoft.com/office/powerpoint/2015/main" val="1"/>
+              </p:ext>
+            </p:extLst>
+          </p:nvPr>
+        </p:nvSpPr>
+        <p:spPr>
+          <a:xfrm>
+            <a:off x="0" y="0"/>
+            <a:ext cx="3490722" cy="6858000"/>
+          </a:xfrm>
+          <a:prstGeom prst="rect">
+            <a:avLst/>
+          </a:prstGeom>
+          <a:solidFill>
+            <a:schemeClr val="tx1">
+              <a:lumMod val="75000"/>
+              <a:lumOff val="25000"/>
+            </a:schemeClr>
+          </a:solidFill>
+          <a:ln>
+            <a:noFill/>
+          </a:ln>
+        </p:spPr>
+        <p:style>
+          <a:lnRef idx="0">
+            <a:scrgbClr r="0" g="0" b="0"/>
+          </a:lnRef>
+          <a:fillRef idx="0">
+            <a:scrgbClr r="0" g="0" b="0"/>
+          </a:fillRef>
+          <a:effectRef idx="0">
+            <a:scrgbClr r="0" g="0" b="0"/>
+          </a:effectRef>
+          <a:fontRef idx="minor">
+            <a:schemeClr val="lt1"/>
+          </a:fontRef>
+        </p:style>
+        <p:txBody>
+          <a:bodyPr rtlCol="0" anchor="ctr"/>
+          <a:lstStyle/>
+          <a:p>
+            <a:pPr marL="0" marR="0" lvl="0" indent="0" algn="ctr" defTabSz="457200" rtl="0" eaLnBrk="1" fontAlgn="base" latinLnBrk="0" hangingPunct="1">
+              <a:lnSpc>
+                <a:spcPct val="100000"/>
+              </a:lnSpc>
+              <a:spcBef>
+                <a:spcPct val="0"/>
+              </a:spcBef>
+              <a:spcAft>
+                <a:spcPct val="0"/>
+              </a:spcAft>
+              <a:buClrTx/>
+              <a:buSzTx/>
+              <a:buFontTx/>
+              <a:buNone/>
+              <a:tabLst/>
+              <a:defRPr/>
+            </a:pPr>
+            <a:endParaRPr kumimoji="0" lang="en-US" sz="2400" b="0" i="0" u="none" strike="noStrike" kern="1200" cap="none" spc="0" normalizeH="0" baseline="0" noProof="0">
+              <a:ln>
+                <a:noFill/>
+              </a:ln>
+              <a:solidFill>
+                <a:prstClr val="white"/>
+              </a:solidFill>
+              <a:effectLst/>
+              <a:uLnTx/>
+              <a:uFillTx/>
+              <a:latin typeface="Calibri"/>
+              <a:ea typeface="+mn-ea"/>
+              <a:cs typeface="+mn-cs"/>
+            </a:endParaRPr>
+          </a:p>
+        </p:txBody>
+      </p:sp>
+      <p:sp>
+        <p:nvSpPr>
+          <p:cNvPr id="2" name="Title 1"/>
+          <p:cNvSpPr>
+            <a:spLocks noGrp="1"/>
+          </p:cNvSpPr>
+          <p:nvPr>
+            <p:ph type="title"/>
+          </p:nvPr>
+        </p:nvSpPr>
+        <p:spPr>
+          <a:xfrm>
+            <a:off x="482600" y="643467"/>
+            <a:ext cx="2522980" cy="1597315"/>
+          </a:xfrm>
+          <a:noFill/>
+          <a:ln w="19050">
+            <a:solidFill>
+              <a:schemeClr val="bg1"/>
+            </a:solidFill>
+          </a:ln>
+        </p:spPr>
+        <p:txBody>
+          <a:bodyPr vert="horz" wrap="square" lIns="91440" tIns="45720" rIns="91440" bIns="45720" rtlCol="0" anchor="ctr">
+            <a:normAutofit/>
+          </a:bodyPr>
+          <a:lstStyle/>
+          <a:p>
+            <a:pPr defTabSz="914400" eaLnBrk="1" hangingPunct="1">
+              <a:lnSpc>
+                <a:spcPct val="90000"/>
+              </a:lnSpc>
+            </a:pPr>
+            <a:r>
+              <a:rPr lang="en-US" sz="2400" kern="1200" dirty="0">
+                <a:solidFill>
+                  <a:schemeClr val="bg1"/>
+                </a:solidFill>
+                <a:latin typeface="+mj-lt"/>
+                <a:ea typeface="+mj-ea"/>
+                <a:cs typeface="+mj-cs"/>
+              </a:rPr>
+              <a:t>Missing Example</a:t>
+            </a:r>
+          </a:p>
+        </p:txBody>
+      </p:sp>
+      <p:pic>
+        <p:nvPicPr>
+          <p:cNvPr id="8" name="Picture 7">
+            <a:extLst>
+              <a:ext uri="{FF2B5EF4-FFF2-40B4-BE49-F238E27FC236}">
+                <a16:creationId xmlns:a16="http://schemas.microsoft.com/office/drawing/2014/main" id="{521D4292-9ECC-4DA5-8CC0-C561A0DA118E}"/>
+              </a:ext>
+            </a:extLst>
+          </p:cNvPr>
+          <p:cNvPicPr>
+            <a:picLocks noChangeAspect="1"/>
+          </p:cNvPicPr>
+          <p:nvPr/>
+        </p:nvPicPr>
+        <p:blipFill rotWithShape="1">
+          <a:blip r:embed="rId3"/>
+          <a:srcRect l="8000" r="9400"/>
+          <a:stretch/>
+        </p:blipFill>
+        <p:spPr>
+          <a:xfrm>
+            <a:off x="660103" y="3048000"/>
+            <a:ext cx="2167974" cy="2624666"/>
+          </a:xfrm>
+          <a:prstGeom prst="rect">
+            <a:avLst/>
+          </a:prstGeom>
+          <a:noFill/>
+        </p:spPr>
+      </p:pic>
+      <p:pic>
+        <p:nvPicPr>
+          <p:cNvPr id="4" name="Picture 3">
+            <a:extLst>
+              <a:ext uri="{FF2B5EF4-FFF2-40B4-BE49-F238E27FC236}">
+                <a16:creationId xmlns:a16="http://schemas.microsoft.com/office/drawing/2014/main" id="{AB7DD12B-B971-40AA-A621-6B04910601D6}"/>
+              </a:ext>
+            </a:extLst>
+          </p:cNvPr>
+          <p:cNvPicPr>
+            <a:picLocks noChangeAspect="1"/>
+          </p:cNvPicPr>
+          <p:nvPr/>
+        </p:nvPicPr>
+        <p:blipFill>
+          <a:blip r:embed="rId4"/>
+          <a:stretch>
+            <a:fillRect/>
+          </a:stretch>
+        </p:blipFill>
+        <p:spPr>
+          <a:xfrm>
+            <a:off x="4267200" y="152400"/>
+            <a:ext cx="4062220" cy="6617256"/>
+          </a:xfrm>
+          <a:prstGeom prst="rect">
+            <a:avLst/>
+          </a:prstGeom>
+          <a:ln>
+            <a:solidFill>
+              <a:srgbClr val="404040"/>
+            </a:solidFill>
+          </a:ln>
+        </p:spPr>
+        <p:style>
+          <a:lnRef idx="2">
+            <a:schemeClr val="dk1"/>
+          </a:lnRef>
+          <a:fillRef idx="1">
+            <a:schemeClr val="lt1"/>
+          </a:fillRef>
+          <a:effectRef idx="0">
+            <a:schemeClr val="dk1"/>
+          </a:effectRef>
+          <a:fontRef idx="minor">
+            <a:schemeClr val="dk1"/>
+          </a:fontRef>
+        </p:style>
+      </p:pic>
+    </p:spTree>
+    <p:custDataLst>
+      <p:tags r:id="rId1"/>
+    </p:custDataLst>
+    <p:extLst>
+      <p:ext uri="{BB962C8B-B14F-4D97-AF65-F5344CB8AC3E}">
+        <p14:creationId xmlns:p14="http://schemas.microsoft.com/office/powerpoint/2010/main" val="2493366720"/>
+      </p:ext>
+    </p:extLst>
+  </p:cSld>
+  <p:clrMapOvr>
+    <a:masterClrMapping/>
+  </p:clrMapOvr>
+</p:sld>
+</file>
+
+<file path=ppt/slides/slide26.xml><?xml version="1.0" encoding="utf-8"?>
+<p:sld xmlns:a="http://schemas.openxmlformats.org/drawingml/2006/main" xmlns:r="http://schemas.openxmlformats.org/officeDocument/2006/relationships" xmlns:p="http://schemas.openxmlformats.org/presentationml/2006/main">
+  <p:cSld>
+    <p:bg>
+      <p:bgPr>
+        <a:solidFill>
+          <a:schemeClr val="bg1">
+            <a:lumMod val="85000"/>
+          </a:schemeClr>
+        </a:solidFill>
+        <a:effectLst/>
+      </p:bgPr>
+    </p:bg>
+    <p:spTree>
+      <p:nvGrpSpPr>
+        <p:cNvPr id="1" name=""/>
+        <p:cNvGrpSpPr/>
+        <p:nvPr/>
+      </p:nvGrpSpPr>
+      <p:grpSpPr>
+        <a:xfrm>
+          <a:off x="0" y="0"/>
+          <a:ext cx="0" cy="0"/>
+          <a:chOff x="0" y="0"/>
+          <a:chExt cx="0" cy="0"/>
+        </a:xfrm>
+      </p:grpSpPr>
+      <p:sp>
+        <p:nvSpPr>
+          <p:cNvPr id="15" name="Rectangle 12">
+            <a:extLst>
+              <a:ext uri="{FF2B5EF4-FFF2-40B4-BE49-F238E27FC236}">
+                <a16:creationId xmlns:a16="http://schemas.microsoft.com/office/drawing/2014/main" id="{867D4867-5BA7-4462-B2F6-A23F4A622AA7}"/>
+              </a:ext>
+              <a:ext uri="{C183D7F6-B498-43B3-948B-1728B52AA6E4}">
+                <adec:decorative xmlns:adec="http://schemas.microsoft.com/office/drawing/2017/decorative" val="1"/>
+              </a:ext>
+            </a:extLst>
+          </p:cNvPr>
+          <p:cNvSpPr>
+            <a:spLocks noGrp="1" noRot="1" noChangeAspect="1" noMove="1" noResize="1" noEditPoints="1" noAdjustHandles="1" noChangeArrowheads="1" noChangeShapeType="1" noTextEdit="1"/>
+          </p:cNvSpPr>
+          <p:nvPr>
+            <p:extLst>
+              <p:ext uri="{386F3935-93C4-4BCD-93E2-E3B085C9AB24}">
+                <p16:designElem xmlns:p16="http://schemas.microsoft.com/office/powerpoint/2015/main" val="1"/>
+              </p:ext>
+            </p:extLst>
+          </p:nvPr>
+        </p:nvSpPr>
+        <p:spPr>
+          <a:xfrm>
+            <a:off x="0" y="0"/>
+            <a:ext cx="3490722" cy="6858000"/>
+          </a:xfrm>
+          <a:prstGeom prst="rect">
+            <a:avLst/>
+          </a:prstGeom>
+          <a:solidFill>
+            <a:schemeClr val="tx1">
+              <a:lumMod val="75000"/>
+              <a:lumOff val="25000"/>
+            </a:schemeClr>
+          </a:solidFill>
+          <a:ln>
+            <a:noFill/>
+          </a:ln>
+        </p:spPr>
+        <p:style>
+          <a:lnRef idx="0">
+            <a:scrgbClr r="0" g="0" b="0"/>
+          </a:lnRef>
+          <a:fillRef idx="0">
+            <a:scrgbClr r="0" g="0" b="0"/>
+          </a:fillRef>
+          <a:effectRef idx="0">
+            <a:scrgbClr r="0" g="0" b="0"/>
+          </a:effectRef>
+          <a:fontRef idx="minor">
+            <a:schemeClr val="lt1"/>
+          </a:fontRef>
+        </p:style>
+        <p:txBody>
+          <a:bodyPr rtlCol="0" anchor="ctr"/>
+          <a:lstStyle/>
+          <a:p>
+            <a:pPr marL="0" marR="0" lvl="0" indent="0" algn="ctr" defTabSz="457200" rtl="0" eaLnBrk="1" fontAlgn="base" latinLnBrk="0" hangingPunct="1">
+              <a:lnSpc>
+                <a:spcPct val="100000"/>
+              </a:lnSpc>
+              <a:spcBef>
+                <a:spcPct val="0"/>
+              </a:spcBef>
+              <a:spcAft>
+                <a:spcPct val="0"/>
+              </a:spcAft>
+              <a:buClrTx/>
+              <a:buSzTx/>
+              <a:buFontTx/>
+              <a:buNone/>
+              <a:tabLst/>
+              <a:defRPr/>
+            </a:pPr>
+            <a:endParaRPr kumimoji="0" lang="en-US" sz="2400" b="0" i="0" u="none" strike="noStrike" kern="1200" cap="none" spc="0" normalizeH="0" baseline="0" noProof="0">
+              <a:ln>
+                <a:noFill/>
+              </a:ln>
+              <a:solidFill>
+                <a:prstClr val="white"/>
+              </a:solidFill>
+              <a:effectLst/>
+              <a:uLnTx/>
+              <a:uFillTx/>
+              <a:latin typeface="Calibri"/>
+              <a:ea typeface="+mn-ea"/>
+              <a:cs typeface="+mn-cs"/>
+            </a:endParaRPr>
+          </a:p>
+        </p:txBody>
+      </p:sp>
+      <p:sp>
+        <p:nvSpPr>
+          <p:cNvPr id="2" name="Title 1"/>
+          <p:cNvSpPr>
+            <a:spLocks noGrp="1"/>
+          </p:cNvSpPr>
+          <p:nvPr>
+            <p:ph type="title"/>
+          </p:nvPr>
+        </p:nvSpPr>
+        <p:spPr>
+          <a:xfrm>
+            <a:off x="482600" y="643467"/>
+            <a:ext cx="2522980" cy="1597315"/>
+          </a:xfrm>
+          <a:noFill/>
+          <a:ln w="19050">
+            <a:solidFill>
+              <a:schemeClr val="bg1"/>
+            </a:solidFill>
+          </a:ln>
+        </p:spPr>
+        <p:txBody>
+          <a:bodyPr vert="horz" wrap="square" lIns="91440" tIns="45720" rIns="91440" bIns="45720" rtlCol="0" anchor="ctr">
+            <a:normAutofit/>
+          </a:bodyPr>
+          <a:lstStyle/>
+          <a:p>
+            <a:pPr defTabSz="914400" eaLnBrk="1" hangingPunct="1">
+              <a:lnSpc>
+                <a:spcPct val="90000"/>
+              </a:lnSpc>
+            </a:pPr>
+            <a:r>
+              <a:rPr lang="en-US" sz="2400" kern="1200" dirty="0">
+                <a:solidFill>
+                  <a:schemeClr val="bg1"/>
+                </a:solidFill>
+                <a:latin typeface="+mj-lt"/>
+                <a:ea typeface="+mj-ea"/>
+                <a:cs typeface="+mj-cs"/>
+              </a:rPr>
+              <a:t>Missing Values</a:t>
+            </a:r>
+          </a:p>
+        </p:txBody>
+      </p:sp>
+      <p:pic>
+        <p:nvPicPr>
+          <p:cNvPr id="8" name="Picture 7">
+            <a:extLst>
+              <a:ext uri="{FF2B5EF4-FFF2-40B4-BE49-F238E27FC236}">
+                <a16:creationId xmlns:a16="http://schemas.microsoft.com/office/drawing/2014/main" id="{521D4292-9ECC-4DA5-8CC0-C561A0DA118E}"/>
+              </a:ext>
+            </a:extLst>
+          </p:cNvPr>
+          <p:cNvPicPr>
+            <a:picLocks noChangeAspect="1"/>
+          </p:cNvPicPr>
+          <p:nvPr/>
+        </p:nvPicPr>
+        <p:blipFill rotWithShape="1">
+          <a:blip r:embed="rId3"/>
+          <a:srcRect l="8000" r="9400"/>
+          <a:stretch/>
+        </p:blipFill>
+        <p:spPr>
+          <a:xfrm>
+            <a:off x="660103" y="3048000"/>
+            <a:ext cx="2167974" cy="2624666"/>
+          </a:xfrm>
+          <a:prstGeom prst="rect">
+            <a:avLst/>
+          </a:prstGeom>
+          <a:noFill/>
+        </p:spPr>
+      </p:pic>
+      <p:sp>
+        <p:nvSpPr>
+          <p:cNvPr id="6" name="TextBox 5">
+            <a:extLst>
+              <a:ext uri="{FF2B5EF4-FFF2-40B4-BE49-F238E27FC236}">
+                <a16:creationId xmlns:a16="http://schemas.microsoft.com/office/drawing/2014/main" id="{E58EF064-51FF-48A9-8810-E84BE6F6F09D}"/>
+              </a:ext>
+            </a:extLst>
+          </p:cNvPr>
+          <p:cNvSpPr txBox="1"/>
+          <p:nvPr/>
+        </p:nvSpPr>
+        <p:spPr>
+          <a:xfrm>
+            <a:off x="3810000" y="621916"/>
+            <a:ext cx="5029200" cy="461665"/>
+          </a:xfrm>
+          <a:prstGeom prst="rect">
+            <a:avLst/>
+          </a:prstGeom>
+          <a:noFill/>
+        </p:spPr>
+        <p:txBody>
+          <a:bodyPr wrap="square" rtlCol="0">
+            <a:spAutoFit/>
+          </a:bodyPr>
+          <a:lstStyle/>
+          <a:p>
+            <a:pPr marL="342900" indent="-342900">
+              <a:buFont typeface="Arial" panose="020B0604020202020204" pitchFamily="34" charset="0"/>
+              <a:buChar char="•"/>
+            </a:pPr>
+            <a:r>
+              <a:rPr lang="en-US" dirty="0">
+                <a:solidFill>
+                  <a:srgbClr val="404040"/>
+                </a:solidFill>
+              </a:rPr>
+              <a:t>Notice:</a:t>
+            </a:r>
+          </a:p>
+        </p:txBody>
+      </p:sp>
+      <p:pic>
+        <p:nvPicPr>
+          <p:cNvPr id="3" name="Picture 2">
+            <a:extLst>
+              <a:ext uri="{FF2B5EF4-FFF2-40B4-BE49-F238E27FC236}">
+                <a16:creationId xmlns:a16="http://schemas.microsoft.com/office/drawing/2014/main" id="{DF9B25BE-30C4-4A53-A088-CCFE8AC7224F}"/>
+              </a:ext>
+            </a:extLst>
+          </p:cNvPr>
+          <p:cNvPicPr>
+            <a:picLocks noChangeAspect="1"/>
+          </p:cNvPicPr>
+          <p:nvPr/>
+        </p:nvPicPr>
+        <p:blipFill>
+          <a:blip r:embed="rId4"/>
+          <a:stretch>
+            <a:fillRect/>
+          </a:stretch>
+        </p:blipFill>
+        <p:spPr>
+          <a:xfrm>
+            <a:off x="4273216" y="1066800"/>
+            <a:ext cx="4238776" cy="5536532"/>
+          </a:xfrm>
+          <a:prstGeom prst="rect">
+            <a:avLst/>
+          </a:prstGeom>
+          <a:ln>
+            <a:solidFill>
+              <a:srgbClr val="404040"/>
+            </a:solidFill>
+          </a:ln>
+        </p:spPr>
+        <p:style>
+          <a:lnRef idx="2">
+            <a:schemeClr val="dk1"/>
+          </a:lnRef>
+          <a:fillRef idx="1">
+            <a:schemeClr val="lt1"/>
+          </a:fillRef>
+          <a:effectRef idx="0">
+            <a:schemeClr val="dk1"/>
+          </a:effectRef>
+          <a:fontRef idx="minor">
+            <a:schemeClr val="dk1"/>
+          </a:fontRef>
+        </p:style>
+      </p:pic>
+    </p:spTree>
+    <p:custDataLst>
+      <p:tags r:id="rId1"/>
+    </p:custDataLst>
+    <p:extLst>
+      <p:ext uri="{BB962C8B-B14F-4D97-AF65-F5344CB8AC3E}">
+        <p14:creationId xmlns:p14="http://schemas.microsoft.com/office/powerpoint/2010/main" val="1743058089"/>
+      </p:ext>
+    </p:extLst>
+  </p:cSld>
+  <p:clrMapOvr>
+    <a:masterClrMapping/>
+  </p:clrMapOvr>
+</p:sld>
+</file>
+
+<file path=ppt/slides/slide27.xml><?xml version="1.0" encoding="utf-8"?>
+<p:sld xmlns:a="http://schemas.openxmlformats.org/drawingml/2006/main" xmlns:r="http://schemas.openxmlformats.org/officeDocument/2006/relationships" xmlns:p="http://schemas.openxmlformats.org/presentationml/2006/main">
+  <p:cSld>
+    <p:bg>
+      <p:bgPr>
+        <a:solidFill>
+          <a:schemeClr val="bg1">
+            <a:lumMod val="85000"/>
+          </a:schemeClr>
+        </a:solidFill>
+        <a:effectLst/>
+      </p:bgPr>
+    </p:bg>
+    <p:spTree>
+      <p:nvGrpSpPr>
+        <p:cNvPr id="1" name=""/>
+        <p:cNvGrpSpPr/>
+        <p:nvPr/>
+      </p:nvGrpSpPr>
+      <p:grpSpPr>
+        <a:xfrm>
+          <a:off x="0" y="0"/>
+          <a:ext cx="0" cy="0"/>
+          <a:chOff x="0" y="0"/>
+          <a:chExt cx="0" cy="0"/>
+        </a:xfrm>
+      </p:grpSpPr>
+      <p:sp>
+        <p:nvSpPr>
+          <p:cNvPr id="15" name="Rectangle 12">
+            <a:extLst>
+              <a:ext uri="{FF2B5EF4-FFF2-40B4-BE49-F238E27FC236}">
+                <a16:creationId xmlns:a16="http://schemas.microsoft.com/office/drawing/2014/main" id="{867D4867-5BA7-4462-B2F6-A23F4A622AA7}"/>
+              </a:ext>
+              <a:ext uri="{C183D7F6-B498-43B3-948B-1728B52AA6E4}">
+                <adec:decorative xmlns:adec="http://schemas.microsoft.com/office/drawing/2017/decorative" val="1"/>
+              </a:ext>
+            </a:extLst>
+          </p:cNvPr>
+          <p:cNvSpPr>
+            <a:spLocks noGrp="1" noRot="1" noChangeAspect="1" noMove="1" noResize="1" noEditPoints="1" noAdjustHandles="1" noChangeArrowheads="1" noChangeShapeType="1" noTextEdit="1"/>
+          </p:cNvSpPr>
+          <p:nvPr>
+            <p:extLst>
+              <p:ext uri="{386F3935-93C4-4BCD-93E2-E3B085C9AB24}">
+                <p16:designElem xmlns:p16="http://schemas.microsoft.com/office/powerpoint/2015/main" val="1"/>
+              </p:ext>
+            </p:extLst>
+          </p:nvPr>
+        </p:nvSpPr>
+        <p:spPr>
+          <a:xfrm>
+            <a:off x="0" y="0"/>
+            <a:ext cx="3490722" cy="6858000"/>
+          </a:xfrm>
+          <a:prstGeom prst="rect">
+            <a:avLst/>
+          </a:prstGeom>
+          <a:solidFill>
+            <a:schemeClr val="tx1">
+              <a:lumMod val="75000"/>
+              <a:lumOff val="25000"/>
+            </a:schemeClr>
+          </a:solidFill>
+          <a:ln>
+            <a:noFill/>
+          </a:ln>
+        </p:spPr>
+        <p:style>
+          <a:lnRef idx="0">
+            <a:scrgbClr r="0" g="0" b="0"/>
+          </a:lnRef>
+          <a:fillRef idx="0">
+            <a:scrgbClr r="0" g="0" b="0"/>
+          </a:fillRef>
+          <a:effectRef idx="0">
+            <a:scrgbClr r="0" g="0" b="0"/>
+          </a:effectRef>
+          <a:fontRef idx="minor">
+            <a:schemeClr val="lt1"/>
+          </a:fontRef>
+        </p:style>
+        <p:txBody>
+          <a:bodyPr rtlCol="0" anchor="ctr"/>
+          <a:lstStyle/>
+          <a:p>
+            <a:pPr marL="0" marR="0" lvl="0" indent="0" algn="ctr" defTabSz="457200" rtl="0" eaLnBrk="1" fontAlgn="base" latinLnBrk="0" hangingPunct="1">
+              <a:lnSpc>
+                <a:spcPct val="100000"/>
+              </a:lnSpc>
+              <a:spcBef>
+                <a:spcPct val="0"/>
+              </a:spcBef>
+              <a:spcAft>
+                <a:spcPct val="0"/>
+              </a:spcAft>
+              <a:buClrTx/>
+              <a:buSzTx/>
+              <a:buFontTx/>
+              <a:buNone/>
+              <a:tabLst/>
+              <a:defRPr/>
+            </a:pPr>
+            <a:endParaRPr kumimoji="0" lang="en-US" sz="2400" b="0" i="0" u="none" strike="noStrike" kern="1200" cap="none" spc="0" normalizeH="0" baseline="0" noProof="0">
+              <a:ln>
+                <a:noFill/>
+              </a:ln>
+              <a:solidFill>
+                <a:prstClr val="white"/>
+              </a:solidFill>
+              <a:effectLst/>
+              <a:uLnTx/>
+              <a:uFillTx/>
+              <a:latin typeface="Calibri"/>
+              <a:ea typeface="+mn-ea"/>
+              <a:cs typeface="+mn-cs"/>
+            </a:endParaRPr>
+          </a:p>
+        </p:txBody>
+      </p:sp>
+      <p:sp>
+        <p:nvSpPr>
+          <p:cNvPr id="2" name="Title 1"/>
+          <p:cNvSpPr>
+            <a:spLocks noGrp="1"/>
+          </p:cNvSpPr>
+          <p:nvPr>
+            <p:ph type="title"/>
+          </p:nvPr>
+        </p:nvSpPr>
+        <p:spPr>
+          <a:xfrm>
+            <a:off x="482600" y="643467"/>
+            <a:ext cx="2522980" cy="1597315"/>
+          </a:xfrm>
+          <a:noFill/>
+          <a:ln w="19050">
+            <a:solidFill>
+              <a:schemeClr val="bg1"/>
+            </a:solidFill>
+          </a:ln>
+        </p:spPr>
+        <p:txBody>
+          <a:bodyPr vert="horz" wrap="square" lIns="91440" tIns="45720" rIns="91440" bIns="45720" rtlCol="0" anchor="ctr">
+            <a:normAutofit/>
+          </a:bodyPr>
+          <a:lstStyle/>
+          <a:p>
+            <a:pPr defTabSz="914400" eaLnBrk="1" hangingPunct="1">
+              <a:lnSpc>
+                <a:spcPct val="90000"/>
+              </a:lnSpc>
+            </a:pPr>
+            <a:r>
+              <a:rPr lang="en-US" sz="2400" kern="1200" dirty="0">
+                <a:solidFill>
+                  <a:schemeClr val="bg1"/>
+                </a:solidFill>
+                <a:latin typeface="+mj-lt"/>
+                <a:ea typeface="+mj-ea"/>
+                <a:cs typeface="+mj-cs"/>
+              </a:rPr>
+              <a:t>Missing Values</a:t>
+            </a:r>
+          </a:p>
+        </p:txBody>
+      </p:sp>
+      <p:pic>
+        <p:nvPicPr>
+          <p:cNvPr id="8" name="Picture 7">
+            <a:extLst>
+              <a:ext uri="{FF2B5EF4-FFF2-40B4-BE49-F238E27FC236}">
+                <a16:creationId xmlns:a16="http://schemas.microsoft.com/office/drawing/2014/main" id="{521D4292-9ECC-4DA5-8CC0-C561A0DA118E}"/>
+              </a:ext>
+            </a:extLst>
+          </p:cNvPr>
+          <p:cNvPicPr>
+            <a:picLocks noChangeAspect="1"/>
+          </p:cNvPicPr>
+          <p:nvPr/>
+        </p:nvPicPr>
+        <p:blipFill rotWithShape="1">
+          <a:blip r:embed="rId3"/>
+          <a:srcRect l="8000" r="9400"/>
+          <a:stretch/>
+        </p:blipFill>
+        <p:spPr>
+          <a:xfrm>
+            <a:off x="660103" y="3048000"/>
+            <a:ext cx="2167974" cy="2624666"/>
+          </a:xfrm>
+          <a:prstGeom prst="rect">
+            <a:avLst/>
+          </a:prstGeom>
+          <a:noFill/>
+        </p:spPr>
+      </p:pic>
+      <p:sp>
+        <p:nvSpPr>
+          <p:cNvPr id="6" name="TextBox 5">
+            <a:extLst>
+              <a:ext uri="{FF2B5EF4-FFF2-40B4-BE49-F238E27FC236}">
+                <a16:creationId xmlns:a16="http://schemas.microsoft.com/office/drawing/2014/main" id="{E58EF064-51FF-48A9-8810-E84BE6F6F09D}"/>
+              </a:ext>
+            </a:extLst>
+          </p:cNvPr>
+          <p:cNvSpPr txBox="1"/>
+          <p:nvPr/>
+        </p:nvSpPr>
+        <p:spPr>
+          <a:xfrm>
+            <a:off x="3810000" y="621916"/>
+            <a:ext cx="5029200" cy="461665"/>
+          </a:xfrm>
+          <a:prstGeom prst="rect">
+            <a:avLst/>
+          </a:prstGeom>
+          <a:noFill/>
+        </p:spPr>
+        <p:txBody>
+          <a:bodyPr wrap="square" rtlCol="0">
+            <a:spAutoFit/>
+          </a:bodyPr>
+          <a:lstStyle/>
+          <a:p>
+            <a:pPr marL="342900" indent="-342900">
+              <a:buFont typeface="Arial" panose="020B0604020202020204" pitchFamily="34" charset="0"/>
+              <a:buChar char="•"/>
+            </a:pPr>
+            <a:r>
+              <a:rPr lang="en-US" dirty="0">
+                <a:solidFill>
+                  <a:srgbClr val="404040"/>
+                </a:solidFill>
+              </a:rPr>
+              <a:t>Explicit to Implicit</a:t>
+            </a:r>
+          </a:p>
+        </p:txBody>
+      </p:sp>
+      <p:pic>
+        <p:nvPicPr>
+          <p:cNvPr id="3" name="Picture 2">
+            <a:extLst>
+              <a:ext uri="{FF2B5EF4-FFF2-40B4-BE49-F238E27FC236}">
+                <a16:creationId xmlns:a16="http://schemas.microsoft.com/office/drawing/2014/main" id="{9C98C9B2-FCB0-452E-8C0D-55AD70EA00C6}"/>
+              </a:ext>
+            </a:extLst>
+          </p:cNvPr>
+          <p:cNvPicPr>
+            <a:picLocks noChangeAspect="1"/>
+          </p:cNvPicPr>
+          <p:nvPr/>
+        </p:nvPicPr>
+        <p:blipFill>
+          <a:blip r:embed="rId4"/>
+          <a:stretch>
+            <a:fillRect/>
+          </a:stretch>
+        </p:blipFill>
+        <p:spPr>
+          <a:xfrm>
+            <a:off x="3948112" y="1083581"/>
+            <a:ext cx="4752975" cy="5381625"/>
+          </a:xfrm>
+          <a:prstGeom prst="rect">
+            <a:avLst/>
+          </a:prstGeom>
+          <a:ln>
+            <a:solidFill>
+              <a:srgbClr val="404040"/>
+            </a:solidFill>
+          </a:ln>
+        </p:spPr>
+        <p:style>
+          <a:lnRef idx="2">
+            <a:schemeClr val="dk1"/>
+          </a:lnRef>
+          <a:fillRef idx="1">
+            <a:schemeClr val="lt1"/>
+          </a:fillRef>
+          <a:effectRef idx="0">
+            <a:schemeClr val="dk1"/>
+          </a:effectRef>
+          <a:fontRef idx="minor">
+            <a:schemeClr val="dk1"/>
+          </a:fontRef>
+        </p:style>
+      </p:pic>
+    </p:spTree>
+    <p:custDataLst>
+      <p:tags r:id="rId1"/>
+    </p:custDataLst>
+    <p:extLst>
+      <p:ext uri="{BB962C8B-B14F-4D97-AF65-F5344CB8AC3E}">
+        <p14:creationId xmlns:p14="http://schemas.microsoft.com/office/powerpoint/2010/main" val="2931179324"/>
+      </p:ext>
+    </p:extLst>
+  </p:cSld>
+  <p:clrMapOvr>
+    <a:masterClrMapping/>
+  </p:clrMapOvr>
+</p:sld>
+</file>
+
+<file path=ppt/slides/slide28.xml><?xml version="1.0" encoding="utf-8"?>
+<p:sld xmlns:a="http://schemas.openxmlformats.org/drawingml/2006/main" xmlns:r="http://schemas.openxmlformats.org/officeDocument/2006/relationships" xmlns:p="http://schemas.openxmlformats.org/presentationml/2006/main">
+  <p:cSld>
+    <p:bg>
+      <p:bgPr>
+        <a:solidFill>
+          <a:schemeClr val="bg1">
+            <a:lumMod val="85000"/>
+          </a:schemeClr>
+        </a:solidFill>
+        <a:effectLst/>
+      </p:bgPr>
+    </p:bg>
+    <p:spTree>
+      <p:nvGrpSpPr>
+        <p:cNvPr id="1" name=""/>
+        <p:cNvGrpSpPr/>
+        <p:nvPr/>
+      </p:nvGrpSpPr>
+      <p:grpSpPr>
+        <a:xfrm>
+          <a:off x="0" y="0"/>
+          <a:ext cx="0" cy="0"/>
+          <a:chOff x="0" y="0"/>
+          <a:chExt cx="0" cy="0"/>
+        </a:xfrm>
+      </p:grpSpPr>
+      <p:sp>
+        <p:nvSpPr>
+          <p:cNvPr id="15" name="Rectangle 12">
+            <a:extLst>
+              <a:ext uri="{FF2B5EF4-FFF2-40B4-BE49-F238E27FC236}">
+                <a16:creationId xmlns:a16="http://schemas.microsoft.com/office/drawing/2014/main" id="{867D4867-5BA7-4462-B2F6-A23F4A622AA7}"/>
+              </a:ext>
+              <a:ext uri="{C183D7F6-B498-43B3-948B-1728B52AA6E4}">
+                <adec:decorative xmlns:adec="http://schemas.microsoft.com/office/drawing/2017/decorative" val="1"/>
+              </a:ext>
+            </a:extLst>
+          </p:cNvPr>
+          <p:cNvSpPr>
+            <a:spLocks noGrp="1" noRot="1" noChangeAspect="1" noMove="1" noResize="1" noEditPoints="1" noAdjustHandles="1" noChangeArrowheads="1" noChangeShapeType="1" noTextEdit="1"/>
+          </p:cNvSpPr>
+          <p:nvPr>
+            <p:extLst>
+              <p:ext uri="{386F3935-93C4-4BCD-93E2-E3B085C9AB24}">
+                <p16:designElem xmlns:p16="http://schemas.microsoft.com/office/powerpoint/2015/main" val="1"/>
+              </p:ext>
+            </p:extLst>
+          </p:nvPr>
+        </p:nvSpPr>
+        <p:spPr>
+          <a:xfrm>
+            <a:off x="0" y="0"/>
+            <a:ext cx="3490722" cy="6858000"/>
+          </a:xfrm>
+          <a:prstGeom prst="rect">
+            <a:avLst/>
+          </a:prstGeom>
+          <a:solidFill>
+            <a:schemeClr val="tx1">
+              <a:lumMod val="75000"/>
+              <a:lumOff val="25000"/>
+            </a:schemeClr>
+          </a:solidFill>
+          <a:ln>
+            <a:noFill/>
+          </a:ln>
+        </p:spPr>
+        <p:style>
+          <a:lnRef idx="0">
+            <a:scrgbClr r="0" g="0" b="0"/>
+          </a:lnRef>
+          <a:fillRef idx="0">
+            <a:scrgbClr r="0" g="0" b="0"/>
+          </a:fillRef>
+          <a:effectRef idx="0">
+            <a:scrgbClr r="0" g="0" b="0"/>
+          </a:effectRef>
+          <a:fontRef idx="minor">
+            <a:schemeClr val="lt1"/>
+          </a:fontRef>
+        </p:style>
+        <p:txBody>
+          <a:bodyPr rtlCol="0" anchor="ctr"/>
+          <a:lstStyle/>
+          <a:p>
+            <a:pPr marL="0" marR="0" lvl="0" indent="0" algn="ctr" defTabSz="457200" rtl="0" eaLnBrk="1" fontAlgn="base" latinLnBrk="0" hangingPunct="1">
+              <a:lnSpc>
+                <a:spcPct val="100000"/>
+              </a:lnSpc>
+              <a:spcBef>
+                <a:spcPct val="0"/>
+              </a:spcBef>
+              <a:spcAft>
+                <a:spcPct val="0"/>
+              </a:spcAft>
+              <a:buClrTx/>
+              <a:buSzTx/>
+              <a:buFontTx/>
+              <a:buNone/>
+              <a:tabLst/>
+              <a:defRPr/>
+            </a:pPr>
+            <a:endParaRPr kumimoji="0" lang="en-US" sz="2400" b="0" i="0" u="none" strike="noStrike" kern="1200" cap="none" spc="0" normalizeH="0" baseline="0" noProof="0">
+              <a:ln>
+                <a:noFill/>
+              </a:ln>
+              <a:solidFill>
+                <a:prstClr val="white"/>
+              </a:solidFill>
+              <a:effectLst/>
+              <a:uLnTx/>
+              <a:uFillTx/>
+              <a:latin typeface="Calibri"/>
+              <a:ea typeface="+mn-ea"/>
+              <a:cs typeface="+mn-cs"/>
+            </a:endParaRPr>
+          </a:p>
+        </p:txBody>
+      </p:sp>
+      <p:sp>
+        <p:nvSpPr>
+          <p:cNvPr id="2" name="Title 1"/>
+          <p:cNvSpPr>
+            <a:spLocks noGrp="1"/>
+          </p:cNvSpPr>
+          <p:nvPr>
+            <p:ph type="title"/>
+          </p:nvPr>
+        </p:nvSpPr>
+        <p:spPr>
+          <a:xfrm>
+            <a:off x="482600" y="643467"/>
+            <a:ext cx="2522980" cy="1597315"/>
+          </a:xfrm>
+          <a:noFill/>
+          <a:ln w="19050">
+            <a:solidFill>
+              <a:schemeClr val="bg1"/>
+            </a:solidFill>
+          </a:ln>
+        </p:spPr>
+        <p:txBody>
+          <a:bodyPr vert="horz" wrap="square" lIns="91440" tIns="45720" rIns="91440" bIns="45720" rtlCol="0" anchor="ctr">
+            <a:normAutofit/>
+          </a:bodyPr>
+          <a:lstStyle/>
+          <a:p>
+            <a:pPr defTabSz="914400" eaLnBrk="1" hangingPunct="1">
+              <a:lnSpc>
+                <a:spcPct val="90000"/>
+              </a:lnSpc>
+            </a:pPr>
+            <a:r>
+              <a:rPr lang="en-US" sz="2400" kern="1200" dirty="0">
+                <a:solidFill>
+                  <a:schemeClr val="bg1"/>
+                </a:solidFill>
+                <a:latin typeface="+mj-lt"/>
+                <a:ea typeface="+mj-ea"/>
+                <a:cs typeface="+mj-cs"/>
+              </a:rPr>
+              <a:t>Missing Values</a:t>
+            </a:r>
+          </a:p>
+        </p:txBody>
+      </p:sp>
+      <p:pic>
+        <p:nvPicPr>
+          <p:cNvPr id="8" name="Picture 7">
+            <a:extLst>
+              <a:ext uri="{FF2B5EF4-FFF2-40B4-BE49-F238E27FC236}">
+                <a16:creationId xmlns:a16="http://schemas.microsoft.com/office/drawing/2014/main" id="{521D4292-9ECC-4DA5-8CC0-C561A0DA118E}"/>
+              </a:ext>
+            </a:extLst>
+          </p:cNvPr>
+          <p:cNvPicPr>
+            <a:picLocks noChangeAspect="1"/>
+          </p:cNvPicPr>
+          <p:nvPr/>
+        </p:nvPicPr>
+        <p:blipFill rotWithShape="1">
+          <a:blip r:embed="rId3"/>
+          <a:srcRect l="8000" r="9400"/>
+          <a:stretch/>
+        </p:blipFill>
+        <p:spPr>
+          <a:xfrm>
+            <a:off x="660103" y="3048000"/>
+            <a:ext cx="2167974" cy="2624666"/>
+          </a:xfrm>
+          <a:prstGeom prst="rect">
+            <a:avLst/>
+          </a:prstGeom>
+          <a:noFill/>
+        </p:spPr>
+      </p:pic>
+      <p:sp>
+        <p:nvSpPr>
+          <p:cNvPr id="6" name="TextBox 5">
+            <a:extLst>
+              <a:ext uri="{FF2B5EF4-FFF2-40B4-BE49-F238E27FC236}">
+                <a16:creationId xmlns:a16="http://schemas.microsoft.com/office/drawing/2014/main" id="{E58EF064-51FF-48A9-8810-E84BE6F6F09D}"/>
+              </a:ext>
+            </a:extLst>
+          </p:cNvPr>
+          <p:cNvSpPr txBox="1"/>
+          <p:nvPr/>
+        </p:nvSpPr>
+        <p:spPr>
+          <a:xfrm>
+            <a:off x="3810000" y="621916"/>
+            <a:ext cx="5029200" cy="461665"/>
+          </a:xfrm>
+          <a:prstGeom prst="rect">
+            <a:avLst/>
+          </a:prstGeom>
+          <a:noFill/>
+        </p:spPr>
+        <p:txBody>
+          <a:bodyPr wrap="square" rtlCol="0">
+            <a:spAutoFit/>
+          </a:bodyPr>
+          <a:lstStyle/>
+          <a:p>
+            <a:pPr marL="342900" indent="-342900">
+              <a:buFont typeface="Arial" panose="020B0604020202020204" pitchFamily="34" charset="0"/>
+              <a:buChar char="•"/>
+            </a:pPr>
+            <a:r>
+              <a:rPr lang="en-US" dirty="0">
+                <a:solidFill>
+                  <a:srgbClr val="404040"/>
+                </a:solidFill>
+              </a:rPr>
+              <a:t>Implicit to Explicit</a:t>
+            </a:r>
+          </a:p>
+        </p:txBody>
+      </p:sp>
+      <p:pic>
+        <p:nvPicPr>
+          <p:cNvPr id="4" name="Picture 3">
+            <a:extLst>
+              <a:ext uri="{FF2B5EF4-FFF2-40B4-BE49-F238E27FC236}">
+                <a16:creationId xmlns:a16="http://schemas.microsoft.com/office/drawing/2014/main" id="{7CCB45DA-216F-4232-8186-9D7EA24F80BA}"/>
+              </a:ext>
+            </a:extLst>
+          </p:cNvPr>
+          <p:cNvPicPr>
+            <a:picLocks noChangeAspect="1"/>
+          </p:cNvPicPr>
+          <p:nvPr/>
+        </p:nvPicPr>
+        <p:blipFill>
+          <a:blip r:embed="rId4"/>
+          <a:stretch>
+            <a:fillRect/>
+          </a:stretch>
+        </p:blipFill>
+        <p:spPr>
+          <a:xfrm>
+            <a:off x="4207739" y="1083581"/>
+            <a:ext cx="4246450" cy="5701647"/>
+          </a:xfrm>
+          <a:prstGeom prst="rect">
+            <a:avLst/>
+          </a:prstGeom>
+          <a:ln>
+            <a:solidFill>
+              <a:srgbClr val="404040"/>
+            </a:solidFill>
+          </a:ln>
+        </p:spPr>
+        <p:style>
+          <a:lnRef idx="2">
+            <a:schemeClr val="dk1"/>
+          </a:lnRef>
+          <a:fillRef idx="1">
+            <a:schemeClr val="lt1"/>
+          </a:fillRef>
+          <a:effectRef idx="0">
+            <a:schemeClr val="dk1"/>
+          </a:effectRef>
+          <a:fontRef idx="minor">
+            <a:schemeClr val="dk1"/>
+          </a:fontRef>
+        </p:style>
+      </p:pic>
+    </p:spTree>
+    <p:custDataLst>
+      <p:tags r:id="rId1"/>
+    </p:custDataLst>
+    <p:extLst>
+      <p:ext uri="{BB962C8B-B14F-4D97-AF65-F5344CB8AC3E}">
+        <p14:creationId xmlns:p14="http://schemas.microsoft.com/office/powerpoint/2010/main" val="904529735"/>
+      </p:ext>
+    </p:extLst>
+  </p:cSld>
+  <p:clrMapOvr>
+    <a:masterClrMapping/>
+  </p:clrMapOvr>
+</p:sld>
+</file>
+
+<file path=ppt/slides/slide29.xml><?xml version="1.0" encoding="utf-8"?>
+<p:sld xmlns:a="http://schemas.openxmlformats.org/drawingml/2006/main" xmlns:r="http://schemas.openxmlformats.org/officeDocument/2006/relationships" xmlns:p="http://schemas.openxmlformats.org/presentationml/2006/main">
+  <p:cSld>
+    <p:bg>
+      <p:bgPr>
+        <a:solidFill>
+          <a:schemeClr val="bg1">
+            <a:lumMod val="85000"/>
+          </a:schemeClr>
+        </a:solidFill>
+        <a:effectLst/>
+      </p:bgPr>
+    </p:bg>
+    <p:spTree>
+      <p:nvGrpSpPr>
+        <p:cNvPr id="1" name=""/>
+        <p:cNvGrpSpPr/>
+        <p:nvPr/>
+      </p:nvGrpSpPr>
+      <p:grpSpPr>
+        <a:xfrm>
+          <a:off x="0" y="0"/>
+          <a:ext cx="0" cy="0"/>
+          <a:chOff x="0" y="0"/>
+          <a:chExt cx="0" cy="0"/>
+        </a:xfrm>
+      </p:grpSpPr>
+      <p:sp>
+        <p:nvSpPr>
+          <p:cNvPr id="15" name="Rectangle 12">
+            <a:extLst>
+              <a:ext uri="{FF2B5EF4-FFF2-40B4-BE49-F238E27FC236}">
+                <a16:creationId xmlns:a16="http://schemas.microsoft.com/office/drawing/2014/main" id="{867D4867-5BA7-4462-B2F6-A23F4A622AA7}"/>
+              </a:ext>
+              <a:ext uri="{C183D7F6-B498-43B3-948B-1728B52AA6E4}">
+                <adec:decorative xmlns:adec="http://schemas.microsoft.com/office/drawing/2017/decorative" val="1"/>
+              </a:ext>
+            </a:extLst>
+          </p:cNvPr>
+          <p:cNvSpPr>
+            <a:spLocks noGrp="1" noRot="1" noChangeAspect="1" noMove="1" noResize="1" noEditPoints="1" noAdjustHandles="1" noChangeArrowheads="1" noChangeShapeType="1" noTextEdit="1"/>
+          </p:cNvSpPr>
+          <p:nvPr>
+            <p:extLst>
+              <p:ext uri="{386F3935-93C4-4BCD-93E2-E3B085C9AB24}">
+                <p16:designElem xmlns:p16="http://schemas.microsoft.com/office/powerpoint/2015/main" val="1"/>
+              </p:ext>
+            </p:extLst>
+          </p:nvPr>
+        </p:nvSpPr>
+        <p:spPr>
+          <a:xfrm>
+            <a:off x="0" y="0"/>
+            <a:ext cx="3490722" cy="6858000"/>
+          </a:xfrm>
+          <a:prstGeom prst="rect">
+            <a:avLst/>
+          </a:prstGeom>
+          <a:solidFill>
+            <a:schemeClr val="tx1">
+              <a:lumMod val="75000"/>
+              <a:lumOff val="25000"/>
+            </a:schemeClr>
+          </a:solidFill>
+          <a:ln>
+            <a:noFill/>
+          </a:ln>
+        </p:spPr>
+        <p:style>
+          <a:lnRef idx="0">
+            <a:scrgbClr r="0" g="0" b="0"/>
+          </a:lnRef>
+          <a:fillRef idx="0">
+            <a:scrgbClr r="0" g="0" b="0"/>
+          </a:fillRef>
+          <a:effectRef idx="0">
+            <a:scrgbClr r="0" g="0" b="0"/>
+          </a:effectRef>
+          <a:fontRef idx="minor">
+            <a:schemeClr val="lt1"/>
+          </a:fontRef>
+        </p:style>
+        <p:txBody>
+          <a:bodyPr rtlCol="0" anchor="ctr"/>
+          <a:lstStyle/>
+          <a:p>
+            <a:pPr marL="0" marR="0" lvl="0" indent="0" algn="ctr" defTabSz="457200" rtl="0" eaLnBrk="1" fontAlgn="base" latinLnBrk="0" hangingPunct="1">
+              <a:lnSpc>
+                <a:spcPct val="100000"/>
+              </a:lnSpc>
+              <a:spcBef>
+                <a:spcPct val="0"/>
+              </a:spcBef>
+              <a:spcAft>
+                <a:spcPct val="0"/>
+              </a:spcAft>
+              <a:buClrTx/>
+              <a:buSzTx/>
+              <a:buFontTx/>
+              <a:buNone/>
+              <a:tabLst/>
+              <a:defRPr/>
+            </a:pPr>
+            <a:endParaRPr kumimoji="0" lang="en-US" sz="2400" b="0" i="0" u="none" strike="noStrike" kern="1200" cap="none" spc="0" normalizeH="0" baseline="0" noProof="0">
+              <a:ln>
+                <a:noFill/>
+              </a:ln>
+              <a:solidFill>
+                <a:prstClr val="white"/>
+              </a:solidFill>
+              <a:effectLst/>
+              <a:uLnTx/>
+              <a:uFillTx/>
+              <a:latin typeface="Calibri"/>
+              <a:ea typeface="+mn-ea"/>
+              <a:cs typeface="+mn-cs"/>
+            </a:endParaRPr>
+          </a:p>
+        </p:txBody>
+      </p:sp>
+      <p:sp>
+        <p:nvSpPr>
+          <p:cNvPr id="2" name="Title 1"/>
+          <p:cNvSpPr>
+            <a:spLocks noGrp="1"/>
+          </p:cNvSpPr>
+          <p:nvPr>
+            <p:ph type="title"/>
+          </p:nvPr>
+        </p:nvSpPr>
+        <p:spPr>
+          <a:xfrm>
+            <a:off x="482600" y="643467"/>
+            <a:ext cx="2522980" cy="1597315"/>
+          </a:xfrm>
+          <a:noFill/>
+          <a:ln w="19050">
+            <a:solidFill>
+              <a:schemeClr val="bg1"/>
+            </a:solidFill>
+          </a:ln>
+        </p:spPr>
+        <p:txBody>
+          <a:bodyPr vert="horz" wrap="square" lIns="91440" tIns="45720" rIns="91440" bIns="45720" rtlCol="0" anchor="ctr">
+            <a:normAutofit/>
+          </a:bodyPr>
+          <a:lstStyle/>
+          <a:p>
+            <a:pPr defTabSz="914400" eaLnBrk="1" hangingPunct="1">
+              <a:lnSpc>
+                <a:spcPct val="90000"/>
+              </a:lnSpc>
+            </a:pPr>
+            <a:r>
+              <a:rPr lang="en-US" sz="2400" kern="1200" dirty="0">
+                <a:solidFill>
+                  <a:schemeClr val="bg1"/>
+                </a:solidFill>
+                <a:latin typeface="+mj-lt"/>
+                <a:ea typeface="+mj-ea"/>
+                <a:cs typeface="+mj-cs"/>
+              </a:rPr>
+              <a:t>Missing Values</a:t>
+            </a:r>
+          </a:p>
+        </p:txBody>
+      </p:sp>
+      <p:pic>
+        <p:nvPicPr>
+          <p:cNvPr id="8" name="Picture 7">
+            <a:extLst>
+              <a:ext uri="{FF2B5EF4-FFF2-40B4-BE49-F238E27FC236}">
+                <a16:creationId xmlns:a16="http://schemas.microsoft.com/office/drawing/2014/main" id="{521D4292-9ECC-4DA5-8CC0-C561A0DA118E}"/>
+              </a:ext>
+            </a:extLst>
+          </p:cNvPr>
+          <p:cNvPicPr>
+            <a:picLocks noChangeAspect="1"/>
+          </p:cNvPicPr>
+          <p:nvPr/>
+        </p:nvPicPr>
+        <p:blipFill rotWithShape="1">
+          <a:blip r:embed="rId3"/>
+          <a:srcRect l="8000" r="9400"/>
+          <a:stretch/>
+        </p:blipFill>
+        <p:spPr>
+          <a:xfrm>
+            <a:off x="660103" y="3048000"/>
+            <a:ext cx="2167974" cy="2624666"/>
+          </a:xfrm>
+          <a:prstGeom prst="rect">
+            <a:avLst/>
+          </a:prstGeom>
+          <a:noFill/>
+        </p:spPr>
+      </p:pic>
+      <p:sp>
+        <p:nvSpPr>
+          <p:cNvPr id="6" name="TextBox 5">
+            <a:extLst>
+              <a:ext uri="{FF2B5EF4-FFF2-40B4-BE49-F238E27FC236}">
+                <a16:creationId xmlns:a16="http://schemas.microsoft.com/office/drawing/2014/main" id="{E58EF064-51FF-48A9-8810-E84BE6F6F09D}"/>
+              </a:ext>
+            </a:extLst>
+          </p:cNvPr>
+          <p:cNvSpPr txBox="1"/>
+          <p:nvPr/>
+        </p:nvSpPr>
+        <p:spPr>
+          <a:xfrm>
+            <a:off x="3810000" y="621916"/>
+            <a:ext cx="5029200" cy="461665"/>
+          </a:xfrm>
+          <a:prstGeom prst="rect">
+            <a:avLst/>
+          </a:prstGeom>
+          <a:noFill/>
+        </p:spPr>
+        <p:txBody>
+          <a:bodyPr wrap="square" rtlCol="0">
+            <a:spAutoFit/>
+          </a:bodyPr>
+          <a:lstStyle/>
+          <a:p>
+            <a:pPr marL="342900" indent="-342900">
+              <a:buFont typeface="Arial" panose="020B0604020202020204" pitchFamily="34" charset="0"/>
+              <a:buChar char="•"/>
+            </a:pPr>
+            <a:r>
+              <a:rPr lang="en-US" dirty="0">
+                <a:solidFill>
+                  <a:srgbClr val="404040"/>
+                </a:solidFill>
+              </a:rPr>
+              <a:t>Complete Function</a:t>
+            </a:r>
+          </a:p>
+        </p:txBody>
+      </p:sp>
+      <p:pic>
+        <p:nvPicPr>
+          <p:cNvPr id="3" name="Picture 2">
+            <a:extLst>
+              <a:ext uri="{FF2B5EF4-FFF2-40B4-BE49-F238E27FC236}">
+                <a16:creationId xmlns:a16="http://schemas.microsoft.com/office/drawing/2014/main" id="{A11B684E-270F-4912-865E-9965BDA65078}"/>
+              </a:ext>
+            </a:extLst>
+          </p:cNvPr>
+          <p:cNvPicPr>
+            <a:picLocks noChangeAspect="1"/>
+          </p:cNvPicPr>
+          <p:nvPr/>
+        </p:nvPicPr>
+        <p:blipFill>
+          <a:blip r:embed="rId4"/>
+          <a:stretch>
+            <a:fillRect/>
+          </a:stretch>
+        </p:blipFill>
+        <p:spPr>
+          <a:xfrm>
+            <a:off x="4267200" y="1128341"/>
+            <a:ext cx="4370137" cy="5671506"/>
+          </a:xfrm>
+          <a:prstGeom prst="rect">
+            <a:avLst/>
+          </a:prstGeom>
+          <a:ln>
+            <a:solidFill>
+              <a:srgbClr val="404040"/>
+            </a:solidFill>
+          </a:ln>
+        </p:spPr>
+        <p:style>
+          <a:lnRef idx="2">
+            <a:schemeClr val="dk1"/>
+          </a:lnRef>
+          <a:fillRef idx="1">
+            <a:schemeClr val="lt1"/>
+          </a:fillRef>
+          <a:effectRef idx="0">
+            <a:schemeClr val="dk1"/>
+          </a:effectRef>
+          <a:fontRef idx="minor">
+            <a:schemeClr val="dk1"/>
+          </a:fontRef>
+        </p:style>
+      </p:pic>
+    </p:spTree>
+    <p:custDataLst>
+      <p:tags r:id="rId1"/>
+    </p:custDataLst>
+    <p:extLst>
+      <p:ext uri="{BB962C8B-B14F-4D97-AF65-F5344CB8AC3E}">
+        <p14:creationId xmlns:p14="http://schemas.microsoft.com/office/powerpoint/2010/main" val="904255967"/>
       </p:ext>
     </p:extLst>
   </p:cSld>
@@ -9149,7 +15254,7 @@
         <p:spPr>
           <a:xfrm>
             <a:off x="3962400" y="643467"/>
-            <a:ext cx="5029200" cy="5262979"/>
+            <a:ext cx="5029200" cy="2677656"/>
           </a:xfrm>
           <a:prstGeom prst="rect">
             <a:avLst/>
@@ -9172,18 +15277,11 @@
                   <a:srgbClr val="404040"/>
                 </a:solidFill>
               </a:rPr>
-              <a:t>Read Chapter 9 </a:t>
-            </a:r>
-          </a:p>
-          <a:p>
-            <a:endParaRPr lang="en-US" dirty="0">
-              <a:solidFill>
-                <a:srgbClr val="404040"/>
-              </a:solidFill>
-            </a:endParaRPr>
-          </a:p>
-          <a:p>
-            <a:pPr marL="342900" indent="-342900">
+              <a:t>For Tidy Data:</a:t>
+            </a:r>
+          </a:p>
+          <a:p>
+            <a:pPr marL="800100" lvl="1" indent="-342900">
               <a:buFont typeface="Arial" panose="020B0604020202020204" pitchFamily="34" charset="0"/>
               <a:buChar char="•"/>
             </a:pPr>
@@ -9193,43 +15291,22 @@
                   <a:srgbClr val="404040"/>
                 </a:solidFill>
               </a:rPr>
-              <a:t>Functions From </a:t>
-            </a:r>
-            <a:r>
-              <a:rPr lang="en-US" dirty="0" err="1">
-                <a:solidFill>
-                  <a:srgbClr val="404040"/>
-                </a:solidFill>
-              </a:rPr>
-              <a:t>tidyr</a:t>
-            </a:r>
+              <a:t>Each Variable Must Have Its Own Column</a:t>
+            </a:r>
+          </a:p>
+          <a:p>
+            <a:pPr marL="800100" lvl="1" indent="-342900">
+              <a:buFont typeface="Arial" panose="020B0604020202020204" pitchFamily="34" charset="0"/>
+              <a:buChar char="•"/>
+            </a:pPr>
             <a:r>
               <a:rPr lang="en-US" dirty="0">
                 <a:solidFill>
                   <a:srgbClr val="404040"/>
                 </a:solidFill>
               </a:rPr>
-              <a:t> Package</a:t>
-            </a:r>
-          </a:p>
-          <a:p>
-            <a:pPr marL="1257300" lvl="2" indent="-342900">
-              <a:buFont typeface="Arial" panose="020B0604020202020204" pitchFamily="34" charset="0"/>
-              <a:buChar char="•"/>
-            </a:pPr>
-            <a:endParaRPr lang="en-US" dirty="0">
-              <a:solidFill>
-                <a:srgbClr val="404040"/>
-              </a:solidFill>
-            </a:endParaRPr>
-          </a:p>
-          <a:p>
-            <a:pPr lvl="2"/>
-            <a:endParaRPr lang="en-US" dirty="0">
-              <a:solidFill>
-                <a:srgbClr val="404040"/>
-              </a:solidFill>
-            </a:endParaRPr>
+              <a:t>Each Observation Must Have Its Own Row </a:t>
+            </a:r>
           </a:p>
           <a:p>
             <a:pPr marL="800100" lvl="1" indent="-342900">
@@ -9242,171 +15319,60 @@
                   <a:srgbClr val="404040"/>
                 </a:solidFill>
               </a:rPr>
-              <a:t>gather()</a:t>
-            </a:r>
-          </a:p>
-          <a:p>
-            <a:pPr marL="800100" lvl="1" indent="-342900">
-              <a:buFont typeface="Arial" panose="020B0604020202020204" pitchFamily="34" charset="0"/>
-              <a:buChar char="•"/>
-            </a:pPr>
-            <a:r>
-              <a:rPr lang="en-US" dirty="0">
-                <a:solidFill>
-                  <a:srgbClr val="404040"/>
-                </a:solidFill>
-              </a:rPr>
-              <a:t>spread()</a:t>
-            </a:r>
-          </a:p>
-          <a:p>
-            <a:pPr marL="800100" lvl="1" indent="-342900">
-              <a:buFont typeface="Arial" panose="020B0604020202020204" pitchFamily="34" charset="0"/>
-              <a:buChar char="•"/>
-            </a:pPr>
-            <a:r>
-              <a:rPr lang="en-US" dirty="0">
-                <a:solidFill>
-                  <a:srgbClr val="404040"/>
-                </a:solidFill>
-              </a:rPr>
-              <a:t>separate()</a:t>
-            </a:r>
-          </a:p>
-          <a:p>
-            <a:pPr marL="800100" lvl="1" indent="-342900">
-              <a:buFont typeface="Arial" panose="020B0604020202020204" pitchFamily="34" charset="0"/>
-              <a:buChar char="•"/>
-            </a:pPr>
-            <a:r>
-              <a:rPr lang="en-US" dirty="0">
-                <a:solidFill>
-                  <a:srgbClr val="404040"/>
-                </a:solidFill>
-              </a:rPr>
-              <a:t>unite()</a:t>
-            </a:r>
-          </a:p>
-          <a:p>
-            <a:pPr marL="800100" lvl="1" indent="-342900">
-              <a:buFont typeface="Arial" panose="020B0604020202020204" pitchFamily="34" charset="0"/>
-              <a:buChar char="•"/>
-            </a:pPr>
-            <a:r>
-              <a:rPr lang="en-US" dirty="0">
-                <a:solidFill>
-                  <a:srgbClr val="404040"/>
-                </a:solidFill>
-              </a:rPr>
-              <a:t>complete()</a:t>
-            </a:r>
-          </a:p>
-          <a:p>
-            <a:pPr marL="800100" lvl="1" indent="-342900">
-              <a:buFont typeface="Arial" panose="020B0604020202020204" pitchFamily="34" charset="0"/>
-              <a:buChar char="•"/>
-            </a:pPr>
-            <a:r>
-              <a:rPr lang="en-US" dirty="0">
-                <a:solidFill>
-                  <a:srgbClr val="404040"/>
-                </a:solidFill>
-              </a:rPr>
-              <a:t>fill()</a:t>
-            </a:r>
-          </a:p>
-          <a:p>
-            <a:pPr marL="342900" indent="-342900">
-              <a:buFont typeface="Arial" panose="020B0604020202020204" pitchFamily="34" charset="0"/>
-              <a:buChar char="•"/>
-            </a:pPr>
-            <a:endParaRPr lang="en-US" dirty="0">
-              <a:solidFill>
-                <a:srgbClr val="404040"/>
-              </a:solidFill>
-            </a:endParaRPr>
-          </a:p>
-          <a:p>
-            <a:pPr marL="342900" indent="-342900">
-              <a:buFont typeface="Arial" panose="020B0604020202020204" pitchFamily="34" charset="0"/>
-              <a:buChar char="•"/>
-            </a:pPr>
-            <a:endParaRPr lang="en-US" dirty="0">
-              <a:solidFill>
-                <a:srgbClr val="404040"/>
-              </a:solidFill>
-            </a:endParaRPr>
-          </a:p>
-          <a:p>
-            <a:pPr marL="342900" indent="-342900">
-              <a:buFont typeface="Arial" panose="020B0604020202020204" pitchFamily="34" charset="0"/>
-              <a:buChar char="•"/>
-            </a:pPr>
-            <a:endParaRPr lang="en-US" dirty="0">
-              <a:solidFill>
-                <a:srgbClr val="404040"/>
-              </a:solidFill>
-            </a:endParaRPr>
-          </a:p>
-        </p:txBody>
-      </p:sp>
-      <p:sp>
-        <p:nvSpPr>
-          <p:cNvPr id="3" name="TextBox 2">
+              <a:t>Each Value Must Have Its Own Cell</a:t>
+            </a:r>
+          </a:p>
+        </p:txBody>
+      </p:sp>
+      <p:pic>
+        <p:nvPicPr>
+          <p:cNvPr id="5" name="Picture 4">
             <a:extLst>
               <a:ext uri="{FF2B5EF4-FFF2-40B4-BE49-F238E27FC236}">
-                <a16:creationId xmlns:a16="http://schemas.microsoft.com/office/drawing/2014/main" id="{1DF947B2-E305-47B4-8BC5-B97A3F1246C2}"/>
+                <a16:creationId xmlns:a16="http://schemas.microsoft.com/office/drawing/2014/main" id="{9546A70B-0E4A-48A4-BA65-84E827C00E0B}"/>
               </a:ext>
             </a:extLst>
           </p:cNvPr>
-          <p:cNvSpPr txBox="1"/>
+          <p:cNvPicPr>
+            <a:picLocks noChangeAspect="1"/>
+          </p:cNvPicPr>
           <p:nvPr/>
-        </p:nvSpPr>
+        </p:nvPicPr>
+        <p:blipFill>
+          <a:blip r:embed="rId4"/>
+          <a:stretch>
+            <a:fillRect/>
+          </a:stretch>
+        </p:blipFill>
         <p:spPr>
           <a:xfrm>
-            <a:off x="4419600" y="1905000"/>
-            <a:ext cx="3048000" cy="461665"/>
+            <a:off x="3561519" y="3733800"/>
+            <a:ext cx="5524057" cy="1715050"/>
           </a:xfrm>
           <a:prstGeom prst="rect">
             <a:avLst/>
           </a:prstGeom>
-          <a:solidFill>
-            <a:srgbClr val="404040"/>
-          </a:solidFill>
+          <a:ln>
+            <a:solidFill>
+              <a:srgbClr val="404040"/>
+            </a:solidFill>
+          </a:ln>
         </p:spPr>
-        <p:txBody>
-          <a:bodyPr wrap="square" rtlCol="0">
-            <a:spAutoFit/>
-          </a:bodyPr>
-          <a:lstStyle/>
-          <a:p>
-            <a:r>
-              <a:rPr lang="en-US" dirty="0">
-                <a:solidFill>
-                  <a:schemeClr val="bg1"/>
-                </a:solidFill>
-              </a:rPr>
-              <a:t>&gt;library(</a:t>
-            </a:r>
-            <a:r>
-              <a:rPr lang="en-US" dirty="0" err="1">
-                <a:solidFill>
-                  <a:schemeClr val="bg1"/>
-                </a:solidFill>
-              </a:rPr>
-              <a:t>tidyr</a:t>
-            </a:r>
-            <a:r>
-              <a:rPr lang="en-US" dirty="0">
-                <a:solidFill>
-                  <a:schemeClr val="bg1"/>
-                </a:solidFill>
-              </a:rPr>
-              <a:t>)</a:t>
-            </a:r>
-          </a:p>
-        </p:txBody>
-      </p:sp>
+        <p:style>
+          <a:lnRef idx="2">
+            <a:schemeClr val="dk1"/>
+          </a:lnRef>
+          <a:fillRef idx="1">
+            <a:schemeClr val="lt1"/>
+          </a:fillRef>
+          <a:effectRef idx="0">
+            <a:schemeClr val="dk1"/>
+          </a:effectRef>
+          <a:fontRef idx="minor">
+            <a:schemeClr val="dk1"/>
+          </a:fontRef>
+        </p:style>
+      </p:pic>
     </p:spTree>
     <p:custDataLst>
       <p:tags r:id="rId1"/>
@@ -9423,7 +15389,7 @@
 </p:sld>
 </file>
 
-<file path=ppt/slides/slide4.xml><?xml version="1.0" encoding="utf-8"?>
+<file path=ppt/slides/slide30.xml><?xml version="1.0" encoding="utf-8"?>
 <p:sld xmlns:a="http://schemas.openxmlformats.org/drawingml/2006/main" xmlns:r="http://schemas.openxmlformats.org/officeDocument/2006/relationships" xmlns:p="http://schemas.openxmlformats.org/presentationml/2006/main">
   <p:cSld>
     <p:bg>
@@ -10097,6 +16063,1829 @@
 </p:sld>
 </file>
 
+<file path=ppt/slides/slide4.xml><?xml version="1.0" encoding="utf-8"?>
+<p:sld xmlns:a="http://schemas.openxmlformats.org/drawingml/2006/main" xmlns:r="http://schemas.openxmlformats.org/officeDocument/2006/relationships" xmlns:p="http://schemas.openxmlformats.org/presentationml/2006/main">
+  <p:cSld>
+    <p:bg>
+      <p:bgPr>
+        <a:solidFill>
+          <a:schemeClr val="bg1">
+            <a:lumMod val="85000"/>
+          </a:schemeClr>
+        </a:solidFill>
+        <a:effectLst/>
+      </p:bgPr>
+    </p:bg>
+    <p:spTree>
+      <p:nvGrpSpPr>
+        <p:cNvPr id="1" name=""/>
+        <p:cNvGrpSpPr/>
+        <p:nvPr/>
+      </p:nvGrpSpPr>
+      <p:grpSpPr>
+        <a:xfrm>
+          <a:off x="0" y="0"/>
+          <a:ext cx="0" cy="0"/>
+          <a:chOff x="0" y="0"/>
+          <a:chExt cx="0" cy="0"/>
+        </a:xfrm>
+      </p:grpSpPr>
+      <p:sp>
+        <p:nvSpPr>
+          <p:cNvPr id="15" name="Rectangle 12">
+            <a:extLst>
+              <a:ext uri="{FF2B5EF4-FFF2-40B4-BE49-F238E27FC236}">
+                <a16:creationId xmlns:a16="http://schemas.microsoft.com/office/drawing/2014/main" id="{867D4867-5BA7-4462-B2F6-A23F4A622AA7}"/>
+              </a:ext>
+              <a:ext uri="{C183D7F6-B498-43B3-948B-1728B52AA6E4}">
+                <adec:decorative xmlns:adec="http://schemas.microsoft.com/office/drawing/2017/decorative" val="1"/>
+              </a:ext>
+            </a:extLst>
+          </p:cNvPr>
+          <p:cNvSpPr>
+            <a:spLocks noGrp="1" noRot="1" noChangeAspect="1" noMove="1" noResize="1" noEditPoints="1" noAdjustHandles="1" noChangeArrowheads="1" noChangeShapeType="1" noTextEdit="1"/>
+          </p:cNvSpPr>
+          <p:nvPr>
+            <p:extLst>
+              <p:ext uri="{386F3935-93C4-4BCD-93E2-E3B085C9AB24}">
+                <p16:designElem xmlns:p16="http://schemas.microsoft.com/office/powerpoint/2015/main" val="1"/>
+              </p:ext>
+            </p:extLst>
+          </p:nvPr>
+        </p:nvSpPr>
+        <p:spPr>
+          <a:xfrm>
+            <a:off x="0" y="0"/>
+            <a:ext cx="3490722" cy="6858000"/>
+          </a:xfrm>
+          <a:prstGeom prst="rect">
+            <a:avLst/>
+          </a:prstGeom>
+          <a:solidFill>
+            <a:schemeClr val="tx1">
+              <a:lumMod val="75000"/>
+              <a:lumOff val="25000"/>
+            </a:schemeClr>
+          </a:solidFill>
+          <a:ln>
+            <a:noFill/>
+          </a:ln>
+        </p:spPr>
+        <p:style>
+          <a:lnRef idx="0">
+            <a:scrgbClr r="0" g="0" b="0"/>
+          </a:lnRef>
+          <a:fillRef idx="0">
+            <a:scrgbClr r="0" g="0" b="0"/>
+          </a:fillRef>
+          <a:effectRef idx="0">
+            <a:scrgbClr r="0" g="0" b="0"/>
+          </a:effectRef>
+          <a:fontRef idx="minor">
+            <a:schemeClr val="lt1"/>
+          </a:fontRef>
+        </p:style>
+        <p:txBody>
+          <a:bodyPr rtlCol="0" anchor="ctr"/>
+          <a:lstStyle/>
+          <a:p>
+            <a:pPr marL="0" marR="0" lvl="0" indent="0" algn="ctr" defTabSz="457200" rtl="0" eaLnBrk="1" fontAlgn="base" latinLnBrk="0" hangingPunct="1">
+              <a:lnSpc>
+                <a:spcPct val="100000"/>
+              </a:lnSpc>
+              <a:spcBef>
+                <a:spcPct val="0"/>
+              </a:spcBef>
+              <a:spcAft>
+                <a:spcPct val="0"/>
+              </a:spcAft>
+              <a:buClrTx/>
+              <a:buSzTx/>
+              <a:buFontTx/>
+              <a:buNone/>
+              <a:tabLst/>
+              <a:defRPr/>
+            </a:pPr>
+            <a:endParaRPr kumimoji="0" lang="en-US" sz="2400" b="0" i="0" u="none" strike="noStrike" kern="1200" cap="none" spc="0" normalizeH="0" baseline="0" noProof="0">
+              <a:ln>
+                <a:noFill/>
+              </a:ln>
+              <a:solidFill>
+                <a:prstClr val="white"/>
+              </a:solidFill>
+              <a:effectLst/>
+              <a:uLnTx/>
+              <a:uFillTx/>
+              <a:latin typeface="Calibri"/>
+              <a:ea typeface="+mn-ea"/>
+              <a:cs typeface="+mn-cs"/>
+            </a:endParaRPr>
+          </a:p>
+        </p:txBody>
+      </p:sp>
+      <p:sp>
+        <p:nvSpPr>
+          <p:cNvPr id="2" name="Title 1"/>
+          <p:cNvSpPr>
+            <a:spLocks noGrp="1"/>
+          </p:cNvSpPr>
+          <p:nvPr>
+            <p:ph type="title"/>
+          </p:nvPr>
+        </p:nvSpPr>
+        <p:spPr>
+          <a:xfrm>
+            <a:off x="482600" y="643467"/>
+            <a:ext cx="2522980" cy="1597315"/>
+          </a:xfrm>
+          <a:noFill/>
+          <a:ln w="19050">
+            <a:solidFill>
+              <a:schemeClr val="bg1"/>
+            </a:solidFill>
+          </a:ln>
+        </p:spPr>
+        <p:txBody>
+          <a:bodyPr vert="horz" wrap="square" lIns="91440" tIns="45720" rIns="91440" bIns="45720" rtlCol="0" anchor="ctr">
+            <a:normAutofit/>
+          </a:bodyPr>
+          <a:lstStyle/>
+          <a:p>
+            <a:pPr defTabSz="914400" eaLnBrk="1" hangingPunct="1">
+              <a:lnSpc>
+                <a:spcPct val="90000"/>
+              </a:lnSpc>
+            </a:pPr>
+            <a:r>
+              <a:rPr lang="en-US" sz="2400" kern="1200" dirty="0">
+                <a:solidFill>
+                  <a:schemeClr val="bg1"/>
+                </a:solidFill>
+                <a:latin typeface="+mj-lt"/>
+                <a:ea typeface="+mj-ea"/>
+                <a:cs typeface="+mj-cs"/>
+              </a:rPr>
+              <a:t>Problem</a:t>
+            </a:r>
+          </a:p>
+        </p:txBody>
+      </p:sp>
+      <p:pic>
+        <p:nvPicPr>
+          <p:cNvPr id="8" name="Picture 7">
+            <a:extLst>
+              <a:ext uri="{FF2B5EF4-FFF2-40B4-BE49-F238E27FC236}">
+                <a16:creationId xmlns:a16="http://schemas.microsoft.com/office/drawing/2014/main" id="{521D4292-9ECC-4DA5-8CC0-C561A0DA118E}"/>
+              </a:ext>
+            </a:extLst>
+          </p:cNvPr>
+          <p:cNvPicPr>
+            <a:picLocks noChangeAspect="1"/>
+          </p:cNvPicPr>
+          <p:nvPr/>
+        </p:nvPicPr>
+        <p:blipFill rotWithShape="1">
+          <a:blip r:embed="rId3"/>
+          <a:srcRect l="8000" r="9400"/>
+          <a:stretch/>
+        </p:blipFill>
+        <p:spPr>
+          <a:xfrm>
+            <a:off x="660103" y="3048000"/>
+            <a:ext cx="2167974" cy="2624666"/>
+          </a:xfrm>
+          <a:prstGeom prst="rect">
+            <a:avLst/>
+          </a:prstGeom>
+          <a:noFill/>
+        </p:spPr>
+      </p:pic>
+      <p:sp>
+        <p:nvSpPr>
+          <p:cNvPr id="4" name="TextBox 3">
+            <a:extLst>
+              <a:ext uri="{FF2B5EF4-FFF2-40B4-BE49-F238E27FC236}">
+                <a16:creationId xmlns:a16="http://schemas.microsoft.com/office/drawing/2014/main" id="{B3BB3773-564D-41C2-AA99-652BDA4D6A7C}"/>
+              </a:ext>
+            </a:extLst>
+          </p:cNvPr>
+          <p:cNvSpPr txBox="1"/>
+          <p:nvPr/>
+        </p:nvSpPr>
+        <p:spPr>
+          <a:xfrm>
+            <a:off x="3945775" y="643467"/>
+            <a:ext cx="5029200" cy="7478970"/>
+          </a:xfrm>
+          <a:prstGeom prst="rect">
+            <a:avLst/>
+          </a:prstGeom>
+          <a:noFill/>
+        </p:spPr>
+        <p:txBody>
+          <a:bodyPr wrap="square" rtlCol="0">
+            <a:spAutoFit/>
+          </a:bodyPr>
+          <a:lstStyle/>
+          <a:p>
+            <a:pPr marL="342900" indent="-342900">
+              <a:buFont typeface="Arial" panose="020B0604020202020204" pitchFamily="34" charset="0"/>
+              <a:buChar char="•"/>
+            </a:pPr>
+            <a:r>
+              <a:rPr lang="en-US" dirty="0">
+                <a:solidFill>
+                  <a:srgbClr val="404040"/>
+                </a:solidFill>
+              </a:rPr>
+              <a:t>Most Data is Not Tidy</a:t>
+            </a:r>
+          </a:p>
+          <a:p>
+            <a:endParaRPr lang="en-US" dirty="0">
+              <a:solidFill>
+                <a:srgbClr val="404040"/>
+              </a:solidFill>
+            </a:endParaRPr>
+          </a:p>
+          <a:p>
+            <a:pPr marL="342900" indent="-342900">
+              <a:buFont typeface="Arial" panose="020B0604020202020204" pitchFamily="34" charset="0"/>
+              <a:buChar char="•"/>
+            </a:pPr>
+            <a:r>
+              <a:rPr lang="en-US" dirty="0">
+                <a:solidFill>
+                  <a:srgbClr val="404040"/>
+                </a:solidFill>
+              </a:rPr>
+              <a:t>Reason: Data Collectors Often Don’t Know How Data Should Be Recorded Since They Don’t Analyze the Data</a:t>
+            </a:r>
+          </a:p>
+          <a:p>
+            <a:pPr marL="342900" indent="-342900">
+              <a:buFont typeface="Arial" panose="020B0604020202020204" pitchFamily="34" charset="0"/>
+              <a:buChar char="•"/>
+            </a:pPr>
+            <a:endParaRPr lang="en-US" dirty="0">
+              <a:solidFill>
+                <a:srgbClr val="404040"/>
+              </a:solidFill>
+            </a:endParaRPr>
+          </a:p>
+          <a:p>
+            <a:pPr marL="342900" indent="-342900">
+              <a:buFont typeface="Arial" panose="020B0604020202020204" pitchFamily="34" charset="0"/>
+              <a:buChar char="•"/>
+            </a:pPr>
+            <a:r>
+              <a:rPr lang="en-US" dirty="0">
+                <a:solidFill>
+                  <a:srgbClr val="404040"/>
+                </a:solidFill>
+              </a:rPr>
+              <a:t>Common Problems</a:t>
+            </a:r>
+          </a:p>
+          <a:p>
+            <a:pPr marL="800100" lvl="1" indent="-342900">
+              <a:buFont typeface="Arial" panose="020B0604020202020204" pitchFamily="34" charset="0"/>
+              <a:buChar char="•"/>
+            </a:pPr>
+            <a:r>
+              <a:rPr lang="en-US" dirty="0">
+                <a:solidFill>
+                  <a:srgbClr val="404040"/>
+                </a:solidFill>
+              </a:rPr>
+              <a:t>A Variable Spread Across Multiple Columns</a:t>
+            </a:r>
+          </a:p>
+          <a:p>
+            <a:pPr marL="800100" lvl="1" indent="-342900">
+              <a:buFont typeface="Arial" panose="020B0604020202020204" pitchFamily="34" charset="0"/>
+              <a:buChar char="•"/>
+            </a:pPr>
+            <a:r>
+              <a:rPr lang="en-US" dirty="0">
+                <a:solidFill>
+                  <a:srgbClr val="404040"/>
+                </a:solidFill>
+              </a:rPr>
+              <a:t>A Observation is Spread Across Multiple Rows</a:t>
+            </a:r>
+          </a:p>
+          <a:p>
+            <a:pPr lvl="1"/>
+            <a:endParaRPr lang="en-US" dirty="0">
+              <a:solidFill>
+                <a:srgbClr val="404040"/>
+              </a:solidFill>
+            </a:endParaRPr>
+          </a:p>
+          <a:p>
+            <a:pPr marL="342900" indent="-342900">
+              <a:buFont typeface="Arial" panose="020B0604020202020204" pitchFamily="34" charset="0"/>
+              <a:buChar char="•"/>
+            </a:pPr>
+            <a:r>
+              <a:rPr lang="en-US" i="1" dirty="0">
+                <a:solidFill>
+                  <a:srgbClr val="404040"/>
+                </a:solidFill>
+              </a:rPr>
+              <a:t>“Until we can fix people we must fix the data” </a:t>
+            </a:r>
+          </a:p>
+          <a:p>
+            <a:pPr lvl="1"/>
+            <a:r>
+              <a:rPr lang="en-US" i="1" dirty="0">
+                <a:solidFill>
+                  <a:srgbClr val="404040"/>
+                </a:solidFill>
+              </a:rPr>
+              <a:t>				</a:t>
+            </a:r>
+            <a:r>
+              <a:rPr lang="en-US" dirty="0">
+                <a:solidFill>
+                  <a:srgbClr val="404040"/>
+                </a:solidFill>
+              </a:rPr>
+              <a:t>– Mahatma Mario</a:t>
+            </a:r>
+            <a:endParaRPr lang="en-US" i="1" dirty="0">
+              <a:solidFill>
+                <a:srgbClr val="404040"/>
+              </a:solidFill>
+            </a:endParaRPr>
+          </a:p>
+          <a:p>
+            <a:pPr marL="800100" lvl="1" indent="-342900">
+              <a:buFont typeface="Arial" panose="020B0604020202020204" pitchFamily="34" charset="0"/>
+              <a:buChar char="•"/>
+            </a:pPr>
+            <a:endParaRPr lang="en-US" dirty="0">
+              <a:solidFill>
+                <a:srgbClr val="404040"/>
+              </a:solidFill>
+            </a:endParaRPr>
+          </a:p>
+          <a:p>
+            <a:pPr marL="342900" indent="-342900">
+              <a:buFont typeface="Arial" panose="020B0604020202020204" pitchFamily="34" charset="0"/>
+              <a:buChar char="•"/>
+            </a:pPr>
+            <a:endParaRPr lang="en-US" dirty="0">
+              <a:solidFill>
+                <a:srgbClr val="404040"/>
+              </a:solidFill>
+            </a:endParaRPr>
+          </a:p>
+          <a:p>
+            <a:pPr marL="342900" indent="-342900">
+              <a:buFont typeface="Arial" panose="020B0604020202020204" pitchFamily="34" charset="0"/>
+              <a:buChar char="•"/>
+            </a:pPr>
+            <a:endParaRPr lang="en-US" dirty="0">
+              <a:solidFill>
+                <a:srgbClr val="404040"/>
+              </a:solidFill>
+            </a:endParaRPr>
+          </a:p>
+          <a:p>
+            <a:pPr marL="342900" indent="-342900">
+              <a:buFont typeface="Arial" panose="020B0604020202020204" pitchFamily="34" charset="0"/>
+              <a:buChar char="•"/>
+            </a:pPr>
+            <a:endParaRPr lang="en-US" dirty="0">
+              <a:solidFill>
+                <a:srgbClr val="404040"/>
+              </a:solidFill>
+            </a:endParaRPr>
+          </a:p>
+        </p:txBody>
+      </p:sp>
+    </p:spTree>
+    <p:custDataLst>
+      <p:tags r:id="rId1"/>
+    </p:custDataLst>
+    <p:extLst>
+      <p:ext uri="{BB962C8B-B14F-4D97-AF65-F5344CB8AC3E}">
+        <p14:creationId xmlns:p14="http://schemas.microsoft.com/office/powerpoint/2010/main" val="570163786"/>
+      </p:ext>
+    </p:extLst>
+  </p:cSld>
+  <p:clrMapOvr>
+    <a:masterClrMapping/>
+  </p:clrMapOvr>
+</p:sld>
+</file>
+
+<file path=ppt/slides/slide5.xml><?xml version="1.0" encoding="utf-8"?>
+<p:sld xmlns:a="http://schemas.openxmlformats.org/drawingml/2006/main" xmlns:r="http://schemas.openxmlformats.org/officeDocument/2006/relationships" xmlns:p="http://schemas.openxmlformats.org/presentationml/2006/main">
+  <p:cSld>
+    <p:bg>
+      <p:bgPr>
+        <a:solidFill>
+          <a:schemeClr val="bg1">
+            <a:lumMod val="85000"/>
+          </a:schemeClr>
+        </a:solidFill>
+        <a:effectLst/>
+      </p:bgPr>
+    </p:bg>
+    <p:spTree>
+      <p:nvGrpSpPr>
+        <p:cNvPr id="1" name=""/>
+        <p:cNvGrpSpPr/>
+        <p:nvPr/>
+      </p:nvGrpSpPr>
+      <p:grpSpPr>
+        <a:xfrm>
+          <a:off x="0" y="0"/>
+          <a:ext cx="0" cy="0"/>
+          <a:chOff x="0" y="0"/>
+          <a:chExt cx="0" cy="0"/>
+        </a:xfrm>
+      </p:grpSpPr>
+      <p:sp>
+        <p:nvSpPr>
+          <p:cNvPr id="15" name="Rectangle 12">
+            <a:extLst>
+              <a:ext uri="{FF2B5EF4-FFF2-40B4-BE49-F238E27FC236}">
+                <a16:creationId xmlns:a16="http://schemas.microsoft.com/office/drawing/2014/main" id="{867D4867-5BA7-4462-B2F6-A23F4A622AA7}"/>
+              </a:ext>
+              <a:ext uri="{C183D7F6-B498-43B3-948B-1728B52AA6E4}">
+                <adec:decorative xmlns:adec="http://schemas.microsoft.com/office/drawing/2017/decorative" val="1"/>
+              </a:ext>
+            </a:extLst>
+          </p:cNvPr>
+          <p:cNvSpPr>
+            <a:spLocks noGrp="1" noRot="1" noChangeAspect="1" noMove="1" noResize="1" noEditPoints="1" noAdjustHandles="1" noChangeArrowheads="1" noChangeShapeType="1" noTextEdit="1"/>
+          </p:cNvSpPr>
+          <p:nvPr>
+            <p:extLst>
+              <p:ext uri="{386F3935-93C4-4BCD-93E2-E3B085C9AB24}">
+                <p16:designElem xmlns:p16="http://schemas.microsoft.com/office/powerpoint/2015/main" val="1"/>
+              </p:ext>
+            </p:extLst>
+          </p:nvPr>
+        </p:nvSpPr>
+        <p:spPr>
+          <a:xfrm>
+            <a:off x="0" y="0"/>
+            <a:ext cx="3490722" cy="6858000"/>
+          </a:xfrm>
+          <a:prstGeom prst="rect">
+            <a:avLst/>
+          </a:prstGeom>
+          <a:solidFill>
+            <a:schemeClr val="tx1">
+              <a:lumMod val="75000"/>
+              <a:lumOff val="25000"/>
+            </a:schemeClr>
+          </a:solidFill>
+          <a:ln>
+            <a:noFill/>
+          </a:ln>
+        </p:spPr>
+        <p:style>
+          <a:lnRef idx="0">
+            <a:scrgbClr r="0" g="0" b="0"/>
+          </a:lnRef>
+          <a:fillRef idx="0">
+            <a:scrgbClr r="0" g="0" b="0"/>
+          </a:fillRef>
+          <a:effectRef idx="0">
+            <a:scrgbClr r="0" g="0" b="0"/>
+          </a:effectRef>
+          <a:fontRef idx="minor">
+            <a:schemeClr val="lt1"/>
+          </a:fontRef>
+        </p:style>
+        <p:txBody>
+          <a:bodyPr rtlCol="0" anchor="ctr"/>
+          <a:lstStyle/>
+          <a:p>
+            <a:pPr marL="0" marR="0" lvl="0" indent="0" algn="ctr" defTabSz="457200" rtl="0" eaLnBrk="1" fontAlgn="base" latinLnBrk="0" hangingPunct="1">
+              <a:lnSpc>
+                <a:spcPct val="100000"/>
+              </a:lnSpc>
+              <a:spcBef>
+                <a:spcPct val="0"/>
+              </a:spcBef>
+              <a:spcAft>
+                <a:spcPct val="0"/>
+              </a:spcAft>
+              <a:buClrTx/>
+              <a:buSzTx/>
+              <a:buFontTx/>
+              <a:buNone/>
+              <a:tabLst/>
+              <a:defRPr/>
+            </a:pPr>
+            <a:endParaRPr kumimoji="0" lang="en-US" sz="2400" b="0" i="0" u="none" strike="noStrike" kern="1200" cap="none" spc="0" normalizeH="0" baseline="0" noProof="0">
+              <a:ln>
+                <a:noFill/>
+              </a:ln>
+              <a:solidFill>
+                <a:prstClr val="white"/>
+              </a:solidFill>
+              <a:effectLst/>
+              <a:uLnTx/>
+              <a:uFillTx/>
+              <a:latin typeface="Calibri"/>
+              <a:ea typeface="+mn-ea"/>
+              <a:cs typeface="+mn-cs"/>
+            </a:endParaRPr>
+          </a:p>
+        </p:txBody>
+      </p:sp>
+      <p:sp>
+        <p:nvSpPr>
+          <p:cNvPr id="2" name="Title 1"/>
+          <p:cNvSpPr>
+            <a:spLocks noGrp="1"/>
+          </p:cNvSpPr>
+          <p:nvPr>
+            <p:ph type="title"/>
+          </p:nvPr>
+        </p:nvSpPr>
+        <p:spPr>
+          <a:xfrm>
+            <a:off x="482600" y="643467"/>
+            <a:ext cx="2522980" cy="1597315"/>
+          </a:xfrm>
+          <a:noFill/>
+          <a:ln w="19050">
+            <a:solidFill>
+              <a:schemeClr val="bg1"/>
+            </a:solidFill>
+          </a:ln>
+        </p:spPr>
+        <p:txBody>
+          <a:bodyPr vert="horz" wrap="square" lIns="91440" tIns="45720" rIns="91440" bIns="45720" rtlCol="0" anchor="ctr">
+            <a:normAutofit/>
+          </a:bodyPr>
+          <a:lstStyle/>
+          <a:p>
+            <a:pPr defTabSz="914400" eaLnBrk="1" hangingPunct="1">
+              <a:lnSpc>
+                <a:spcPct val="90000"/>
+              </a:lnSpc>
+            </a:pPr>
+            <a:r>
+              <a:rPr lang="en-US" sz="2400" kern="1200" dirty="0">
+                <a:solidFill>
+                  <a:schemeClr val="bg1"/>
+                </a:solidFill>
+                <a:latin typeface="+mj-lt"/>
+                <a:ea typeface="+mj-ea"/>
+                <a:cs typeface="+mj-cs"/>
+              </a:rPr>
+              <a:t>Untidy Data Example 1</a:t>
+            </a:r>
+          </a:p>
+        </p:txBody>
+      </p:sp>
+      <p:pic>
+        <p:nvPicPr>
+          <p:cNvPr id="8" name="Picture 7">
+            <a:extLst>
+              <a:ext uri="{FF2B5EF4-FFF2-40B4-BE49-F238E27FC236}">
+                <a16:creationId xmlns:a16="http://schemas.microsoft.com/office/drawing/2014/main" id="{521D4292-9ECC-4DA5-8CC0-C561A0DA118E}"/>
+              </a:ext>
+            </a:extLst>
+          </p:cNvPr>
+          <p:cNvPicPr>
+            <a:picLocks noChangeAspect="1"/>
+          </p:cNvPicPr>
+          <p:nvPr/>
+        </p:nvPicPr>
+        <p:blipFill rotWithShape="1">
+          <a:blip r:embed="rId3"/>
+          <a:srcRect l="8000" r="9400"/>
+          <a:stretch/>
+        </p:blipFill>
+        <p:spPr>
+          <a:xfrm>
+            <a:off x="660103" y="3048000"/>
+            <a:ext cx="2167974" cy="2624666"/>
+          </a:xfrm>
+          <a:prstGeom prst="rect">
+            <a:avLst/>
+          </a:prstGeom>
+          <a:noFill/>
+        </p:spPr>
+      </p:pic>
+      <p:pic>
+        <p:nvPicPr>
+          <p:cNvPr id="3" name="Picture 2">
+            <a:extLst>
+              <a:ext uri="{FF2B5EF4-FFF2-40B4-BE49-F238E27FC236}">
+                <a16:creationId xmlns:a16="http://schemas.microsoft.com/office/drawing/2014/main" id="{806EE1AD-BB98-49D1-840B-A34B89DDDF71}"/>
+              </a:ext>
+            </a:extLst>
+          </p:cNvPr>
+          <p:cNvPicPr>
+            <a:picLocks noChangeAspect="1"/>
+          </p:cNvPicPr>
+          <p:nvPr/>
+        </p:nvPicPr>
+        <p:blipFill>
+          <a:blip r:embed="rId4"/>
+          <a:stretch>
+            <a:fillRect/>
+          </a:stretch>
+        </p:blipFill>
+        <p:spPr>
+          <a:xfrm>
+            <a:off x="3581400" y="643467"/>
+            <a:ext cx="5463352" cy="5257800"/>
+          </a:xfrm>
+          <a:prstGeom prst="rect">
+            <a:avLst/>
+          </a:prstGeom>
+          <a:ln>
+            <a:solidFill>
+              <a:srgbClr val="404040"/>
+            </a:solidFill>
+          </a:ln>
+        </p:spPr>
+        <p:style>
+          <a:lnRef idx="2">
+            <a:schemeClr val="dk1"/>
+          </a:lnRef>
+          <a:fillRef idx="1">
+            <a:schemeClr val="lt1"/>
+          </a:fillRef>
+          <a:effectRef idx="0">
+            <a:schemeClr val="dk1"/>
+          </a:effectRef>
+          <a:fontRef idx="minor">
+            <a:schemeClr val="dk1"/>
+          </a:fontRef>
+        </p:style>
+      </p:pic>
+    </p:spTree>
+    <p:custDataLst>
+      <p:tags r:id="rId1"/>
+    </p:custDataLst>
+    <p:extLst>
+      <p:ext uri="{BB962C8B-B14F-4D97-AF65-F5344CB8AC3E}">
+        <p14:creationId xmlns:p14="http://schemas.microsoft.com/office/powerpoint/2010/main" val="4015366232"/>
+      </p:ext>
+    </p:extLst>
+  </p:cSld>
+  <p:clrMapOvr>
+    <a:masterClrMapping/>
+  </p:clrMapOvr>
+</p:sld>
+</file>
+
+<file path=ppt/slides/slide6.xml><?xml version="1.0" encoding="utf-8"?>
+<p:sld xmlns:a="http://schemas.openxmlformats.org/drawingml/2006/main" xmlns:r="http://schemas.openxmlformats.org/officeDocument/2006/relationships" xmlns:p="http://schemas.openxmlformats.org/presentationml/2006/main">
+  <p:cSld>
+    <p:bg>
+      <p:bgPr>
+        <a:solidFill>
+          <a:schemeClr val="bg1">
+            <a:lumMod val="85000"/>
+          </a:schemeClr>
+        </a:solidFill>
+        <a:effectLst/>
+      </p:bgPr>
+    </p:bg>
+    <p:spTree>
+      <p:nvGrpSpPr>
+        <p:cNvPr id="1" name=""/>
+        <p:cNvGrpSpPr/>
+        <p:nvPr/>
+      </p:nvGrpSpPr>
+      <p:grpSpPr>
+        <a:xfrm>
+          <a:off x="0" y="0"/>
+          <a:ext cx="0" cy="0"/>
+          <a:chOff x="0" y="0"/>
+          <a:chExt cx="0" cy="0"/>
+        </a:xfrm>
+      </p:grpSpPr>
+      <p:sp>
+        <p:nvSpPr>
+          <p:cNvPr id="15" name="Rectangle 12">
+            <a:extLst>
+              <a:ext uri="{FF2B5EF4-FFF2-40B4-BE49-F238E27FC236}">
+                <a16:creationId xmlns:a16="http://schemas.microsoft.com/office/drawing/2014/main" id="{867D4867-5BA7-4462-B2F6-A23F4A622AA7}"/>
+              </a:ext>
+              <a:ext uri="{C183D7F6-B498-43B3-948B-1728B52AA6E4}">
+                <adec:decorative xmlns:adec="http://schemas.microsoft.com/office/drawing/2017/decorative" val="1"/>
+              </a:ext>
+            </a:extLst>
+          </p:cNvPr>
+          <p:cNvSpPr>
+            <a:spLocks noGrp="1" noRot="1" noChangeAspect="1" noMove="1" noResize="1" noEditPoints="1" noAdjustHandles="1" noChangeArrowheads="1" noChangeShapeType="1" noTextEdit="1"/>
+          </p:cNvSpPr>
+          <p:nvPr>
+            <p:extLst>
+              <p:ext uri="{386F3935-93C4-4BCD-93E2-E3B085C9AB24}">
+                <p16:designElem xmlns:p16="http://schemas.microsoft.com/office/powerpoint/2015/main" val="1"/>
+              </p:ext>
+            </p:extLst>
+          </p:nvPr>
+        </p:nvSpPr>
+        <p:spPr>
+          <a:xfrm>
+            <a:off x="0" y="0"/>
+            <a:ext cx="3490722" cy="6858000"/>
+          </a:xfrm>
+          <a:prstGeom prst="rect">
+            <a:avLst/>
+          </a:prstGeom>
+          <a:solidFill>
+            <a:schemeClr val="tx1">
+              <a:lumMod val="75000"/>
+              <a:lumOff val="25000"/>
+            </a:schemeClr>
+          </a:solidFill>
+          <a:ln>
+            <a:noFill/>
+          </a:ln>
+        </p:spPr>
+        <p:style>
+          <a:lnRef idx="0">
+            <a:scrgbClr r="0" g="0" b="0"/>
+          </a:lnRef>
+          <a:fillRef idx="0">
+            <a:scrgbClr r="0" g="0" b="0"/>
+          </a:fillRef>
+          <a:effectRef idx="0">
+            <a:scrgbClr r="0" g="0" b="0"/>
+          </a:effectRef>
+          <a:fontRef idx="minor">
+            <a:schemeClr val="lt1"/>
+          </a:fontRef>
+        </p:style>
+        <p:txBody>
+          <a:bodyPr rtlCol="0" anchor="ctr"/>
+          <a:lstStyle/>
+          <a:p>
+            <a:pPr marL="0" marR="0" lvl="0" indent="0" algn="ctr" defTabSz="457200" rtl="0" eaLnBrk="1" fontAlgn="base" latinLnBrk="0" hangingPunct="1">
+              <a:lnSpc>
+                <a:spcPct val="100000"/>
+              </a:lnSpc>
+              <a:spcBef>
+                <a:spcPct val="0"/>
+              </a:spcBef>
+              <a:spcAft>
+                <a:spcPct val="0"/>
+              </a:spcAft>
+              <a:buClrTx/>
+              <a:buSzTx/>
+              <a:buFontTx/>
+              <a:buNone/>
+              <a:tabLst/>
+              <a:defRPr/>
+            </a:pPr>
+            <a:endParaRPr kumimoji="0" lang="en-US" sz="2400" b="0" i="0" u="none" strike="noStrike" kern="1200" cap="none" spc="0" normalizeH="0" baseline="0" noProof="0">
+              <a:ln>
+                <a:noFill/>
+              </a:ln>
+              <a:solidFill>
+                <a:prstClr val="white"/>
+              </a:solidFill>
+              <a:effectLst/>
+              <a:uLnTx/>
+              <a:uFillTx/>
+              <a:latin typeface="Calibri"/>
+              <a:ea typeface="+mn-ea"/>
+              <a:cs typeface="+mn-cs"/>
+            </a:endParaRPr>
+          </a:p>
+        </p:txBody>
+      </p:sp>
+      <p:sp>
+        <p:nvSpPr>
+          <p:cNvPr id="2" name="Title 1"/>
+          <p:cNvSpPr>
+            <a:spLocks noGrp="1"/>
+          </p:cNvSpPr>
+          <p:nvPr>
+            <p:ph type="title"/>
+          </p:nvPr>
+        </p:nvSpPr>
+        <p:spPr>
+          <a:xfrm>
+            <a:off x="482600" y="643467"/>
+            <a:ext cx="2522980" cy="1597315"/>
+          </a:xfrm>
+          <a:noFill/>
+          <a:ln w="19050">
+            <a:solidFill>
+              <a:schemeClr val="bg1"/>
+            </a:solidFill>
+          </a:ln>
+        </p:spPr>
+        <p:txBody>
+          <a:bodyPr vert="horz" wrap="square" lIns="91440" tIns="45720" rIns="91440" bIns="45720" rtlCol="0" anchor="ctr">
+            <a:normAutofit/>
+          </a:bodyPr>
+          <a:lstStyle/>
+          <a:p>
+            <a:pPr defTabSz="914400" eaLnBrk="1" hangingPunct="1">
+              <a:lnSpc>
+                <a:spcPct val="90000"/>
+              </a:lnSpc>
+            </a:pPr>
+            <a:r>
+              <a:rPr lang="en-US" sz="2400" kern="1200" dirty="0">
+                <a:solidFill>
+                  <a:schemeClr val="bg1"/>
+                </a:solidFill>
+                <a:latin typeface="+mj-lt"/>
+                <a:ea typeface="+mj-ea"/>
+                <a:cs typeface="+mj-cs"/>
+              </a:rPr>
+              <a:t>Gathering</a:t>
+            </a:r>
+          </a:p>
+        </p:txBody>
+      </p:sp>
+      <p:pic>
+        <p:nvPicPr>
+          <p:cNvPr id="8" name="Picture 7">
+            <a:extLst>
+              <a:ext uri="{FF2B5EF4-FFF2-40B4-BE49-F238E27FC236}">
+                <a16:creationId xmlns:a16="http://schemas.microsoft.com/office/drawing/2014/main" id="{521D4292-9ECC-4DA5-8CC0-C561A0DA118E}"/>
+              </a:ext>
+            </a:extLst>
+          </p:cNvPr>
+          <p:cNvPicPr>
+            <a:picLocks noChangeAspect="1"/>
+          </p:cNvPicPr>
+          <p:nvPr/>
+        </p:nvPicPr>
+        <p:blipFill rotWithShape="1">
+          <a:blip r:embed="rId3"/>
+          <a:srcRect l="8000" r="9400"/>
+          <a:stretch/>
+        </p:blipFill>
+        <p:spPr>
+          <a:xfrm>
+            <a:off x="660103" y="3048000"/>
+            <a:ext cx="2167974" cy="2624666"/>
+          </a:xfrm>
+          <a:prstGeom prst="rect">
+            <a:avLst/>
+          </a:prstGeom>
+          <a:noFill/>
+        </p:spPr>
+      </p:pic>
+      <p:sp>
+        <p:nvSpPr>
+          <p:cNvPr id="6" name="TextBox 5">
+            <a:extLst>
+              <a:ext uri="{FF2B5EF4-FFF2-40B4-BE49-F238E27FC236}">
+                <a16:creationId xmlns:a16="http://schemas.microsoft.com/office/drawing/2014/main" id="{9E78951D-C924-449E-8EA2-CB8D3F6F4316}"/>
+              </a:ext>
+            </a:extLst>
+          </p:cNvPr>
+          <p:cNvSpPr txBox="1"/>
+          <p:nvPr/>
+        </p:nvSpPr>
+        <p:spPr>
+          <a:xfrm>
+            <a:off x="3945775" y="643467"/>
+            <a:ext cx="5029200" cy="5262979"/>
+          </a:xfrm>
+          <a:prstGeom prst="rect">
+            <a:avLst/>
+          </a:prstGeom>
+          <a:noFill/>
+        </p:spPr>
+        <p:txBody>
+          <a:bodyPr wrap="square" rtlCol="0">
+            <a:spAutoFit/>
+          </a:bodyPr>
+          <a:lstStyle/>
+          <a:p>
+            <a:pPr marL="342900" indent="-342900">
+              <a:buFont typeface="Arial" panose="020B0604020202020204" pitchFamily="34" charset="0"/>
+              <a:buChar char="•"/>
+            </a:pPr>
+            <a:r>
+              <a:rPr lang="en-US" dirty="0">
+                <a:solidFill>
+                  <a:srgbClr val="404040"/>
+                </a:solidFill>
+              </a:rPr>
+              <a:t>Multiple Treatment Data</a:t>
+            </a:r>
+          </a:p>
+          <a:p>
+            <a:pPr marL="342900" indent="-342900">
+              <a:buFont typeface="Arial" panose="020B0604020202020204" pitchFamily="34" charset="0"/>
+              <a:buChar char="•"/>
+            </a:pPr>
+            <a:endParaRPr lang="en-US" dirty="0">
+              <a:solidFill>
+                <a:srgbClr val="404040"/>
+              </a:solidFill>
+            </a:endParaRPr>
+          </a:p>
+          <a:p>
+            <a:pPr marL="342900" indent="-342900">
+              <a:buFont typeface="Arial" panose="020B0604020202020204" pitchFamily="34" charset="0"/>
+              <a:buChar char="•"/>
+            </a:pPr>
+            <a:r>
+              <a:rPr lang="en-US" dirty="0">
+                <a:solidFill>
+                  <a:srgbClr val="404040"/>
+                </a:solidFill>
+              </a:rPr>
+              <a:t>Variables “Control”, “Cond1”, and “Cond2” are Measuring the Same Thing Under Different Treatments</a:t>
+            </a:r>
+          </a:p>
+          <a:p>
+            <a:pPr marL="342900" indent="-342900">
+              <a:buFont typeface="Arial" panose="020B0604020202020204" pitchFamily="34" charset="0"/>
+              <a:buChar char="•"/>
+            </a:pPr>
+            <a:endParaRPr lang="en-US" dirty="0">
+              <a:solidFill>
+                <a:srgbClr val="404040"/>
+              </a:solidFill>
+            </a:endParaRPr>
+          </a:p>
+          <a:p>
+            <a:pPr marL="342900" indent="-342900">
+              <a:buFont typeface="Arial" panose="020B0604020202020204" pitchFamily="34" charset="0"/>
+              <a:buChar char="•"/>
+            </a:pPr>
+            <a:r>
+              <a:rPr lang="en-US" dirty="0">
+                <a:solidFill>
+                  <a:srgbClr val="404040"/>
+                </a:solidFill>
+              </a:rPr>
+              <a:t>The Name of the Variable Whose Values Form the Column Names Can Be Called “Treatment”</a:t>
+            </a:r>
+          </a:p>
+          <a:p>
+            <a:pPr marL="342900" indent="-342900">
+              <a:buFont typeface="Arial" panose="020B0604020202020204" pitchFamily="34" charset="0"/>
+              <a:buChar char="•"/>
+            </a:pPr>
+            <a:endParaRPr lang="en-US" dirty="0">
+              <a:solidFill>
+                <a:srgbClr val="404040"/>
+              </a:solidFill>
+            </a:endParaRPr>
+          </a:p>
+          <a:p>
+            <a:pPr marL="342900" indent="-342900">
+              <a:buFont typeface="Arial" panose="020B0604020202020204" pitchFamily="34" charset="0"/>
+              <a:buChar char="•"/>
+            </a:pPr>
+            <a:r>
+              <a:rPr lang="en-US" dirty="0">
+                <a:solidFill>
+                  <a:srgbClr val="404040"/>
+                </a:solidFill>
+              </a:rPr>
+              <a:t>The Name of the Variable Whose Values are Spread Over the Cells Can Be Called “Outcome”</a:t>
+            </a:r>
+          </a:p>
+        </p:txBody>
+      </p:sp>
+    </p:spTree>
+    <p:custDataLst>
+      <p:tags r:id="rId1"/>
+    </p:custDataLst>
+    <p:extLst>
+      <p:ext uri="{BB962C8B-B14F-4D97-AF65-F5344CB8AC3E}">
+        <p14:creationId xmlns:p14="http://schemas.microsoft.com/office/powerpoint/2010/main" val="731705617"/>
+      </p:ext>
+    </p:extLst>
+  </p:cSld>
+  <p:clrMapOvr>
+    <a:masterClrMapping/>
+  </p:clrMapOvr>
+</p:sld>
+</file>
+
+<file path=ppt/slides/slide7.xml><?xml version="1.0" encoding="utf-8"?>
+<p:sld xmlns:a="http://schemas.openxmlformats.org/drawingml/2006/main" xmlns:r="http://schemas.openxmlformats.org/officeDocument/2006/relationships" xmlns:p="http://schemas.openxmlformats.org/presentationml/2006/main">
+  <p:cSld>
+    <p:bg>
+      <p:bgPr>
+        <a:solidFill>
+          <a:schemeClr val="bg1">
+            <a:lumMod val="85000"/>
+          </a:schemeClr>
+        </a:solidFill>
+        <a:effectLst/>
+      </p:bgPr>
+    </p:bg>
+    <p:spTree>
+      <p:nvGrpSpPr>
+        <p:cNvPr id="1" name=""/>
+        <p:cNvGrpSpPr/>
+        <p:nvPr/>
+      </p:nvGrpSpPr>
+      <p:grpSpPr>
+        <a:xfrm>
+          <a:off x="0" y="0"/>
+          <a:ext cx="0" cy="0"/>
+          <a:chOff x="0" y="0"/>
+          <a:chExt cx="0" cy="0"/>
+        </a:xfrm>
+      </p:grpSpPr>
+      <p:sp>
+        <p:nvSpPr>
+          <p:cNvPr id="15" name="Rectangle 12">
+            <a:extLst>
+              <a:ext uri="{FF2B5EF4-FFF2-40B4-BE49-F238E27FC236}">
+                <a16:creationId xmlns:a16="http://schemas.microsoft.com/office/drawing/2014/main" id="{867D4867-5BA7-4462-B2F6-A23F4A622AA7}"/>
+              </a:ext>
+              <a:ext uri="{C183D7F6-B498-43B3-948B-1728B52AA6E4}">
+                <adec:decorative xmlns:adec="http://schemas.microsoft.com/office/drawing/2017/decorative" val="1"/>
+              </a:ext>
+            </a:extLst>
+          </p:cNvPr>
+          <p:cNvSpPr>
+            <a:spLocks noGrp="1" noRot="1" noChangeAspect="1" noMove="1" noResize="1" noEditPoints="1" noAdjustHandles="1" noChangeArrowheads="1" noChangeShapeType="1" noTextEdit="1"/>
+          </p:cNvSpPr>
+          <p:nvPr>
+            <p:extLst>
+              <p:ext uri="{386F3935-93C4-4BCD-93E2-E3B085C9AB24}">
+                <p16:designElem xmlns:p16="http://schemas.microsoft.com/office/powerpoint/2015/main" val="1"/>
+              </p:ext>
+            </p:extLst>
+          </p:nvPr>
+        </p:nvSpPr>
+        <p:spPr>
+          <a:xfrm>
+            <a:off x="0" y="0"/>
+            <a:ext cx="3490722" cy="6858000"/>
+          </a:xfrm>
+          <a:prstGeom prst="rect">
+            <a:avLst/>
+          </a:prstGeom>
+          <a:solidFill>
+            <a:schemeClr val="tx1">
+              <a:lumMod val="75000"/>
+              <a:lumOff val="25000"/>
+            </a:schemeClr>
+          </a:solidFill>
+          <a:ln>
+            <a:noFill/>
+          </a:ln>
+        </p:spPr>
+        <p:style>
+          <a:lnRef idx="0">
+            <a:scrgbClr r="0" g="0" b="0"/>
+          </a:lnRef>
+          <a:fillRef idx="0">
+            <a:scrgbClr r="0" g="0" b="0"/>
+          </a:fillRef>
+          <a:effectRef idx="0">
+            <a:scrgbClr r="0" g="0" b="0"/>
+          </a:effectRef>
+          <a:fontRef idx="minor">
+            <a:schemeClr val="lt1"/>
+          </a:fontRef>
+        </p:style>
+        <p:txBody>
+          <a:bodyPr rtlCol="0" anchor="ctr"/>
+          <a:lstStyle/>
+          <a:p>
+            <a:pPr marL="0" marR="0" lvl="0" indent="0" algn="ctr" defTabSz="457200" rtl="0" eaLnBrk="1" fontAlgn="base" latinLnBrk="0" hangingPunct="1">
+              <a:lnSpc>
+                <a:spcPct val="100000"/>
+              </a:lnSpc>
+              <a:spcBef>
+                <a:spcPct val="0"/>
+              </a:spcBef>
+              <a:spcAft>
+                <a:spcPct val="0"/>
+              </a:spcAft>
+              <a:buClrTx/>
+              <a:buSzTx/>
+              <a:buFontTx/>
+              <a:buNone/>
+              <a:tabLst/>
+              <a:defRPr/>
+            </a:pPr>
+            <a:endParaRPr kumimoji="0" lang="en-US" sz="2400" b="0" i="0" u="none" strike="noStrike" kern="1200" cap="none" spc="0" normalizeH="0" baseline="0" noProof="0">
+              <a:ln>
+                <a:noFill/>
+              </a:ln>
+              <a:solidFill>
+                <a:prstClr val="white"/>
+              </a:solidFill>
+              <a:effectLst/>
+              <a:uLnTx/>
+              <a:uFillTx/>
+              <a:latin typeface="Calibri"/>
+              <a:ea typeface="+mn-ea"/>
+              <a:cs typeface="+mn-cs"/>
+            </a:endParaRPr>
+          </a:p>
+        </p:txBody>
+      </p:sp>
+      <p:sp>
+        <p:nvSpPr>
+          <p:cNvPr id="2" name="Title 1"/>
+          <p:cNvSpPr>
+            <a:spLocks noGrp="1"/>
+          </p:cNvSpPr>
+          <p:nvPr>
+            <p:ph type="title"/>
+          </p:nvPr>
+        </p:nvSpPr>
+        <p:spPr>
+          <a:xfrm>
+            <a:off x="482600" y="643467"/>
+            <a:ext cx="2522980" cy="1597315"/>
+          </a:xfrm>
+          <a:noFill/>
+          <a:ln w="19050">
+            <a:solidFill>
+              <a:schemeClr val="bg1"/>
+            </a:solidFill>
+          </a:ln>
+        </p:spPr>
+        <p:txBody>
+          <a:bodyPr vert="horz" wrap="square" lIns="91440" tIns="45720" rIns="91440" bIns="45720" rtlCol="0" anchor="ctr">
+            <a:normAutofit/>
+          </a:bodyPr>
+          <a:lstStyle/>
+          <a:p>
+            <a:pPr defTabSz="914400" eaLnBrk="1" hangingPunct="1">
+              <a:lnSpc>
+                <a:spcPct val="90000"/>
+              </a:lnSpc>
+            </a:pPr>
+            <a:r>
+              <a:rPr lang="en-US" sz="2400" kern="1200" dirty="0">
+                <a:solidFill>
+                  <a:schemeClr val="bg1"/>
+                </a:solidFill>
+                <a:latin typeface="+mj-lt"/>
+                <a:ea typeface="+mj-ea"/>
+                <a:cs typeface="+mj-cs"/>
+              </a:rPr>
+              <a:t>Gathering</a:t>
+            </a:r>
+          </a:p>
+        </p:txBody>
+      </p:sp>
+      <p:pic>
+        <p:nvPicPr>
+          <p:cNvPr id="8" name="Picture 7">
+            <a:extLst>
+              <a:ext uri="{FF2B5EF4-FFF2-40B4-BE49-F238E27FC236}">
+                <a16:creationId xmlns:a16="http://schemas.microsoft.com/office/drawing/2014/main" id="{521D4292-9ECC-4DA5-8CC0-C561A0DA118E}"/>
+              </a:ext>
+            </a:extLst>
+          </p:cNvPr>
+          <p:cNvPicPr>
+            <a:picLocks noChangeAspect="1"/>
+          </p:cNvPicPr>
+          <p:nvPr/>
+        </p:nvPicPr>
+        <p:blipFill rotWithShape="1">
+          <a:blip r:embed="rId3"/>
+          <a:srcRect l="8000" r="9400"/>
+          <a:stretch/>
+        </p:blipFill>
+        <p:spPr>
+          <a:xfrm>
+            <a:off x="660103" y="3048000"/>
+            <a:ext cx="2167974" cy="2624666"/>
+          </a:xfrm>
+          <a:prstGeom prst="rect">
+            <a:avLst/>
+          </a:prstGeom>
+          <a:noFill/>
+        </p:spPr>
+      </p:pic>
+      <p:pic>
+        <p:nvPicPr>
+          <p:cNvPr id="3" name="Picture 2">
+            <a:extLst>
+              <a:ext uri="{FF2B5EF4-FFF2-40B4-BE49-F238E27FC236}">
+                <a16:creationId xmlns:a16="http://schemas.microsoft.com/office/drawing/2014/main" id="{3BEACFF3-05F4-4894-A4F2-268C96D03198}"/>
+              </a:ext>
+            </a:extLst>
+          </p:cNvPr>
+          <p:cNvPicPr>
+            <a:picLocks noChangeAspect="1"/>
+          </p:cNvPicPr>
+          <p:nvPr/>
+        </p:nvPicPr>
+        <p:blipFill>
+          <a:blip r:embed="rId4"/>
+          <a:stretch>
+            <a:fillRect/>
+          </a:stretch>
+        </p:blipFill>
+        <p:spPr>
+          <a:xfrm>
+            <a:off x="3973322" y="617143"/>
+            <a:ext cx="4884486" cy="6151979"/>
+          </a:xfrm>
+          <a:prstGeom prst="rect">
+            <a:avLst/>
+          </a:prstGeom>
+          <a:ln>
+            <a:solidFill>
+              <a:srgbClr val="404040"/>
+            </a:solidFill>
+          </a:ln>
+        </p:spPr>
+        <p:style>
+          <a:lnRef idx="2">
+            <a:schemeClr val="dk1"/>
+          </a:lnRef>
+          <a:fillRef idx="1">
+            <a:schemeClr val="lt1"/>
+          </a:fillRef>
+          <a:effectRef idx="0">
+            <a:schemeClr val="dk1"/>
+          </a:effectRef>
+          <a:fontRef idx="minor">
+            <a:schemeClr val="dk1"/>
+          </a:fontRef>
+        </p:style>
+      </p:pic>
+    </p:spTree>
+    <p:custDataLst>
+      <p:tags r:id="rId1"/>
+    </p:custDataLst>
+    <p:extLst>
+      <p:ext uri="{BB962C8B-B14F-4D97-AF65-F5344CB8AC3E}">
+        <p14:creationId xmlns:p14="http://schemas.microsoft.com/office/powerpoint/2010/main" val="2174827629"/>
+      </p:ext>
+    </p:extLst>
+  </p:cSld>
+  <p:clrMapOvr>
+    <a:masterClrMapping/>
+  </p:clrMapOvr>
+</p:sld>
+</file>
+
+<file path=ppt/slides/slide8.xml><?xml version="1.0" encoding="utf-8"?>
+<p:sld xmlns:a="http://schemas.openxmlformats.org/drawingml/2006/main" xmlns:r="http://schemas.openxmlformats.org/officeDocument/2006/relationships" xmlns:p="http://schemas.openxmlformats.org/presentationml/2006/main">
+  <p:cSld>
+    <p:bg>
+      <p:bgPr>
+        <a:solidFill>
+          <a:schemeClr val="bg1">
+            <a:lumMod val="85000"/>
+          </a:schemeClr>
+        </a:solidFill>
+        <a:effectLst/>
+      </p:bgPr>
+    </p:bg>
+    <p:spTree>
+      <p:nvGrpSpPr>
+        <p:cNvPr id="1" name=""/>
+        <p:cNvGrpSpPr/>
+        <p:nvPr/>
+      </p:nvGrpSpPr>
+      <p:grpSpPr>
+        <a:xfrm>
+          <a:off x="0" y="0"/>
+          <a:ext cx="0" cy="0"/>
+          <a:chOff x="0" y="0"/>
+          <a:chExt cx="0" cy="0"/>
+        </a:xfrm>
+      </p:grpSpPr>
+      <p:sp>
+        <p:nvSpPr>
+          <p:cNvPr id="15" name="Rectangle 12">
+            <a:extLst>
+              <a:ext uri="{FF2B5EF4-FFF2-40B4-BE49-F238E27FC236}">
+                <a16:creationId xmlns:a16="http://schemas.microsoft.com/office/drawing/2014/main" id="{867D4867-5BA7-4462-B2F6-A23F4A622AA7}"/>
+              </a:ext>
+              <a:ext uri="{C183D7F6-B498-43B3-948B-1728B52AA6E4}">
+                <adec:decorative xmlns:adec="http://schemas.microsoft.com/office/drawing/2017/decorative" val="1"/>
+              </a:ext>
+            </a:extLst>
+          </p:cNvPr>
+          <p:cNvSpPr>
+            <a:spLocks noGrp="1" noRot="1" noChangeAspect="1" noMove="1" noResize="1" noEditPoints="1" noAdjustHandles="1" noChangeArrowheads="1" noChangeShapeType="1" noTextEdit="1"/>
+          </p:cNvSpPr>
+          <p:nvPr>
+            <p:extLst>
+              <p:ext uri="{386F3935-93C4-4BCD-93E2-E3B085C9AB24}">
+                <p16:designElem xmlns:p16="http://schemas.microsoft.com/office/powerpoint/2015/main" val="1"/>
+              </p:ext>
+            </p:extLst>
+          </p:nvPr>
+        </p:nvSpPr>
+        <p:spPr>
+          <a:xfrm>
+            <a:off x="0" y="0"/>
+            <a:ext cx="3490722" cy="6858000"/>
+          </a:xfrm>
+          <a:prstGeom prst="rect">
+            <a:avLst/>
+          </a:prstGeom>
+          <a:solidFill>
+            <a:schemeClr val="tx1">
+              <a:lumMod val="75000"/>
+              <a:lumOff val="25000"/>
+            </a:schemeClr>
+          </a:solidFill>
+          <a:ln>
+            <a:noFill/>
+          </a:ln>
+        </p:spPr>
+        <p:style>
+          <a:lnRef idx="0">
+            <a:scrgbClr r="0" g="0" b="0"/>
+          </a:lnRef>
+          <a:fillRef idx="0">
+            <a:scrgbClr r="0" g="0" b="0"/>
+          </a:fillRef>
+          <a:effectRef idx="0">
+            <a:scrgbClr r="0" g="0" b="0"/>
+          </a:effectRef>
+          <a:fontRef idx="minor">
+            <a:schemeClr val="lt1"/>
+          </a:fontRef>
+        </p:style>
+        <p:txBody>
+          <a:bodyPr rtlCol="0" anchor="ctr"/>
+          <a:lstStyle/>
+          <a:p>
+            <a:pPr marL="0" marR="0" lvl="0" indent="0" algn="ctr" defTabSz="457200" rtl="0" eaLnBrk="1" fontAlgn="base" latinLnBrk="0" hangingPunct="1">
+              <a:lnSpc>
+                <a:spcPct val="100000"/>
+              </a:lnSpc>
+              <a:spcBef>
+                <a:spcPct val="0"/>
+              </a:spcBef>
+              <a:spcAft>
+                <a:spcPct val="0"/>
+              </a:spcAft>
+              <a:buClrTx/>
+              <a:buSzTx/>
+              <a:buFontTx/>
+              <a:buNone/>
+              <a:tabLst/>
+              <a:defRPr/>
+            </a:pPr>
+            <a:endParaRPr kumimoji="0" lang="en-US" sz="2400" b="0" i="0" u="none" strike="noStrike" kern="1200" cap="none" spc="0" normalizeH="0" baseline="0" noProof="0">
+              <a:ln>
+                <a:noFill/>
+              </a:ln>
+              <a:solidFill>
+                <a:prstClr val="white"/>
+              </a:solidFill>
+              <a:effectLst/>
+              <a:uLnTx/>
+              <a:uFillTx/>
+              <a:latin typeface="Calibri"/>
+              <a:ea typeface="+mn-ea"/>
+              <a:cs typeface="+mn-cs"/>
+            </a:endParaRPr>
+          </a:p>
+        </p:txBody>
+      </p:sp>
+      <p:sp>
+        <p:nvSpPr>
+          <p:cNvPr id="2" name="Title 1"/>
+          <p:cNvSpPr>
+            <a:spLocks noGrp="1"/>
+          </p:cNvSpPr>
+          <p:nvPr>
+            <p:ph type="title"/>
+          </p:nvPr>
+        </p:nvSpPr>
+        <p:spPr>
+          <a:xfrm>
+            <a:off x="482600" y="643467"/>
+            <a:ext cx="2522980" cy="1597315"/>
+          </a:xfrm>
+          <a:noFill/>
+          <a:ln w="19050">
+            <a:solidFill>
+              <a:schemeClr val="bg1"/>
+            </a:solidFill>
+          </a:ln>
+        </p:spPr>
+        <p:txBody>
+          <a:bodyPr vert="horz" wrap="square" lIns="91440" tIns="45720" rIns="91440" bIns="45720" rtlCol="0" anchor="ctr">
+            <a:normAutofit/>
+          </a:bodyPr>
+          <a:lstStyle/>
+          <a:p>
+            <a:pPr defTabSz="914400" eaLnBrk="1" hangingPunct="1">
+              <a:lnSpc>
+                <a:spcPct val="90000"/>
+              </a:lnSpc>
+            </a:pPr>
+            <a:r>
+              <a:rPr lang="en-US" sz="2400" kern="1200" dirty="0">
+                <a:solidFill>
+                  <a:schemeClr val="bg1"/>
+                </a:solidFill>
+                <a:latin typeface="+mj-lt"/>
+                <a:ea typeface="+mj-ea"/>
+                <a:cs typeface="+mj-cs"/>
+              </a:rPr>
+              <a:t>Gathering</a:t>
+            </a:r>
+          </a:p>
+        </p:txBody>
+      </p:sp>
+      <p:pic>
+        <p:nvPicPr>
+          <p:cNvPr id="8" name="Picture 7">
+            <a:extLst>
+              <a:ext uri="{FF2B5EF4-FFF2-40B4-BE49-F238E27FC236}">
+                <a16:creationId xmlns:a16="http://schemas.microsoft.com/office/drawing/2014/main" id="{521D4292-9ECC-4DA5-8CC0-C561A0DA118E}"/>
+              </a:ext>
+            </a:extLst>
+          </p:cNvPr>
+          <p:cNvPicPr>
+            <a:picLocks noChangeAspect="1"/>
+          </p:cNvPicPr>
+          <p:nvPr/>
+        </p:nvPicPr>
+        <p:blipFill rotWithShape="1">
+          <a:blip r:embed="rId3"/>
+          <a:srcRect l="8000" r="9400"/>
+          <a:stretch/>
+        </p:blipFill>
+        <p:spPr>
+          <a:xfrm>
+            <a:off x="660103" y="3048000"/>
+            <a:ext cx="2167974" cy="2624666"/>
+          </a:xfrm>
+          <a:prstGeom prst="rect">
+            <a:avLst/>
+          </a:prstGeom>
+          <a:noFill/>
+        </p:spPr>
+      </p:pic>
+      <p:pic>
+        <p:nvPicPr>
+          <p:cNvPr id="4" name="Picture 3">
+            <a:extLst>
+              <a:ext uri="{FF2B5EF4-FFF2-40B4-BE49-F238E27FC236}">
+                <a16:creationId xmlns:a16="http://schemas.microsoft.com/office/drawing/2014/main" id="{BAC9F224-85FD-4BB6-93A8-5CD960B18EDC}"/>
+              </a:ext>
+            </a:extLst>
+          </p:cNvPr>
+          <p:cNvPicPr>
+            <a:picLocks noChangeAspect="1"/>
+          </p:cNvPicPr>
+          <p:nvPr/>
+        </p:nvPicPr>
+        <p:blipFill>
+          <a:blip r:embed="rId4"/>
+          <a:stretch>
+            <a:fillRect/>
+          </a:stretch>
+        </p:blipFill>
+        <p:spPr>
+          <a:xfrm>
+            <a:off x="3581400" y="643467"/>
+            <a:ext cx="5410200" cy="6146616"/>
+          </a:xfrm>
+          <a:prstGeom prst="rect">
+            <a:avLst/>
+          </a:prstGeom>
+        </p:spPr>
+      </p:pic>
+    </p:spTree>
+    <p:custDataLst>
+      <p:tags r:id="rId1"/>
+    </p:custDataLst>
+    <p:extLst>
+      <p:ext uri="{BB962C8B-B14F-4D97-AF65-F5344CB8AC3E}">
+        <p14:creationId xmlns:p14="http://schemas.microsoft.com/office/powerpoint/2010/main" val="120532538"/>
+      </p:ext>
+    </p:extLst>
+  </p:cSld>
+  <p:clrMapOvr>
+    <a:masterClrMapping/>
+  </p:clrMapOvr>
+</p:sld>
+</file>
+
+<file path=ppt/slides/slide9.xml><?xml version="1.0" encoding="utf-8"?>
+<p:sld xmlns:a="http://schemas.openxmlformats.org/drawingml/2006/main" xmlns:r="http://schemas.openxmlformats.org/officeDocument/2006/relationships" xmlns:p="http://schemas.openxmlformats.org/presentationml/2006/main">
+  <p:cSld>
+    <p:bg>
+      <p:bgPr>
+        <a:solidFill>
+          <a:schemeClr val="bg1">
+            <a:lumMod val="85000"/>
+          </a:schemeClr>
+        </a:solidFill>
+        <a:effectLst/>
+      </p:bgPr>
+    </p:bg>
+    <p:spTree>
+      <p:nvGrpSpPr>
+        <p:cNvPr id="1" name=""/>
+        <p:cNvGrpSpPr/>
+        <p:nvPr/>
+      </p:nvGrpSpPr>
+      <p:grpSpPr>
+        <a:xfrm>
+          <a:off x="0" y="0"/>
+          <a:ext cx="0" cy="0"/>
+          <a:chOff x="0" y="0"/>
+          <a:chExt cx="0" cy="0"/>
+        </a:xfrm>
+      </p:grpSpPr>
+      <p:sp>
+        <p:nvSpPr>
+          <p:cNvPr id="15" name="Rectangle 12">
+            <a:extLst>
+              <a:ext uri="{FF2B5EF4-FFF2-40B4-BE49-F238E27FC236}">
+                <a16:creationId xmlns:a16="http://schemas.microsoft.com/office/drawing/2014/main" id="{867D4867-5BA7-4462-B2F6-A23F4A622AA7}"/>
+              </a:ext>
+              <a:ext uri="{C183D7F6-B498-43B3-948B-1728B52AA6E4}">
+                <adec:decorative xmlns:adec="http://schemas.microsoft.com/office/drawing/2017/decorative" val="1"/>
+              </a:ext>
+            </a:extLst>
+          </p:cNvPr>
+          <p:cNvSpPr>
+            <a:spLocks noGrp="1" noRot="1" noChangeAspect="1" noMove="1" noResize="1" noEditPoints="1" noAdjustHandles="1" noChangeArrowheads="1" noChangeShapeType="1" noTextEdit="1"/>
+          </p:cNvSpPr>
+          <p:nvPr>
+            <p:extLst>
+              <p:ext uri="{386F3935-93C4-4BCD-93E2-E3B085C9AB24}">
+                <p16:designElem xmlns:p16="http://schemas.microsoft.com/office/powerpoint/2015/main" val="1"/>
+              </p:ext>
+            </p:extLst>
+          </p:nvPr>
+        </p:nvSpPr>
+        <p:spPr>
+          <a:xfrm>
+            <a:off x="0" y="0"/>
+            <a:ext cx="3490722" cy="6858000"/>
+          </a:xfrm>
+          <a:prstGeom prst="rect">
+            <a:avLst/>
+          </a:prstGeom>
+          <a:solidFill>
+            <a:schemeClr val="tx1">
+              <a:lumMod val="75000"/>
+              <a:lumOff val="25000"/>
+            </a:schemeClr>
+          </a:solidFill>
+          <a:ln>
+            <a:noFill/>
+          </a:ln>
+        </p:spPr>
+        <p:style>
+          <a:lnRef idx="0">
+            <a:scrgbClr r="0" g="0" b="0"/>
+          </a:lnRef>
+          <a:fillRef idx="0">
+            <a:scrgbClr r="0" g="0" b="0"/>
+          </a:fillRef>
+          <a:effectRef idx="0">
+            <a:scrgbClr r="0" g="0" b="0"/>
+          </a:effectRef>
+          <a:fontRef idx="minor">
+            <a:schemeClr val="lt1"/>
+          </a:fontRef>
+        </p:style>
+        <p:txBody>
+          <a:bodyPr rtlCol="0" anchor="ctr"/>
+          <a:lstStyle/>
+          <a:p>
+            <a:pPr marL="0" marR="0" lvl="0" indent="0" algn="ctr" defTabSz="457200" rtl="0" eaLnBrk="1" fontAlgn="base" latinLnBrk="0" hangingPunct="1">
+              <a:lnSpc>
+                <a:spcPct val="100000"/>
+              </a:lnSpc>
+              <a:spcBef>
+                <a:spcPct val="0"/>
+              </a:spcBef>
+              <a:spcAft>
+                <a:spcPct val="0"/>
+              </a:spcAft>
+              <a:buClrTx/>
+              <a:buSzTx/>
+              <a:buFontTx/>
+              <a:buNone/>
+              <a:tabLst/>
+              <a:defRPr/>
+            </a:pPr>
+            <a:endParaRPr kumimoji="0" lang="en-US" sz="2400" b="0" i="0" u="none" strike="noStrike" kern="1200" cap="none" spc="0" normalizeH="0" baseline="0" noProof="0">
+              <a:ln>
+                <a:noFill/>
+              </a:ln>
+              <a:solidFill>
+                <a:prstClr val="white"/>
+              </a:solidFill>
+              <a:effectLst/>
+              <a:uLnTx/>
+              <a:uFillTx/>
+              <a:latin typeface="Calibri"/>
+              <a:ea typeface="+mn-ea"/>
+              <a:cs typeface="+mn-cs"/>
+            </a:endParaRPr>
+          </a:p>
+        </p:txBody>
+      </p:sp>
+      <p:sp>
+        <p:nvSpPr>
+          <p:cNvPr id="2" name="Title 1"/>
+          <p:cNvSpPr>
+            <a:spLocks noGrp="1"/>
+          </p:cNvSpPr>
+          <p:nvPr>
+            <p:ph type="title"/>
+          </p:nvPr>
+        </p:nvSpPr>
+        <p:spPr>
+          <a:xfrm>
+            <a:off x="482600" y="643467"/>
+            <a:ext cx="2522980" cy="1597315"/>
+          </a:xfrm>
+          <a:noFill/>
+          <a:ln w="19050">
+            <a:solidFill>
+              <a:schemeClr val="bg1"/>
+            </a:solidFill>
+          </a:ln>
+        </p:spPr>
+        <p:txBody>
+          <a:bodyPr vert="horz" wrap="square" lIns="91440" tIns="45720" rIns="91440" bIns="45720" rtlCol="0" anchor="ctr">
+            <a:normAutofit/>
+          </a:bodyPr>
+          <a:lstStyle/>
+          <a:p>
+            <a:pPr defTabSz="914400" eaLnBrk="1" hangingPunct="1">
+              <a:lnSpc>
+                <a:spcPct val="90000"/>
+              </a:lnSpc>
+            </a:pPr>
+            <a:r>
+              <a:rPr lang="en-US" sz="2400" kern="1200" dirty="0">
+                <a:solidFill>
+                  <a:schemeClr val="bg1"/>
+                </a:solidFill>
+                <a:latin typeface="+mj-lt"/>
+                <a:ea typeface="+mj-ea"/>
+                <a:cs typeface="+mj-cs"/>
+              </a:rPr>
+              <a:t>Gathering</a:t>
+            </a:r>
+          </a:p>
+        </p:txBody>
+      </p:sp>
+      <p:pic>
+        <p:nvPicPr>
+          <p:cNvPr id="8" name="Picture 7">
+            <a:extLst>
+              <a:ext uri="{FF2B5EF4-FFF2-40B4-BE49-F238E27FC236}">
+                <a16:creationId xmlns:a16="http://schemas.microsoft.com/office/drawing/2014/main" id="{521D4292-9ECC-4DA5-8CC0-C561A0DA118E}"/>
+              </a:ext>
+            </a:extLst>
+          </p:cNvPr>
+          <p:cNvPicPr>
+            <a:picLocks noChangeAspect="1"/>
+          </p:cNvPicPr>
+          <p:nvPr/>
+        </p:nvPicPr>
+        <p:blipFill rotWithShape="1">
+          <a:blip r:embed="rId3"/>
+          <a:srcRect l="8000" r="9400"/>
+          <a:stretch/>
+        </p:blipFill>
+        <p:spPr>
+          <a:xfrm>
+            <a:off x="660103" y="3048000"/>
+            <a:ext cx="2167974" cy="2624666"/>
+          </a:xfrm>
+          <a:prstGeom prst="rect">
+            <a:avLst/>
+          </a:prstGeom>
+          <a:noFill/>
+        </p:spPr>
+      </p:pic>
+      <p:sp>
+        <p:nvSpPr>
+          <p:cNvPr id="6" name="TextBox 5">
+            <a:extLst>
+              <a:ext uri="{FF2B5EF4-FFF2-40B4-BE49-F238E27FC236}">
+                <a16:creationId xmlns:a16="http://schemas.microsoft.com/office/drawing/2014/main" id="{D25AEF42-C8AE-4F19-A741-3EC9B7A29BE7}"/>
+              </a:ext>
+            </a:extLst>
+          </p:cNvPr>
+          <p:cNvSpPr txBox="1"/>
+          <p:nvPr/>
+        </p:nvSpPr>
+        <p:spPr>
+          <a:xfrm>
+            <a:off x="3810000" y="621916"/>
+            <a:ext cx="5029200" cy="461665"/>
+          </a:xfrm>
+          <a:prstGeom prst="rect">
+            <a:avLst/>
+          </a:prstGeom>
+          <a:noFill/>
+        </p:spPr>
+        <p:txBody>
+          <a:bodyPr wrap="square" rtlCol="0">
+            <a:spAutoFit/>
+          </a:bodyPr>
+          <a:lstStyle/>
+          <a:p>
+            <a:pPr marL="342900" indent="-342900">
+              <a:buFont typeface="Arial" panose="020B0604020202020204" pitchFamily="34" charset="0"/>
+              <a:buChar char="•"/>
+            </a:pPr>
+            <a:r>
+              <a:rPr lang="en-US" dirty="0">
+                <a:solidFill>
+                  <a:srgbClr val="404040"/>
+                </a:solidFill>
+              </a:rPr>
+              <a:t>Why Do This Nonsense?</a:t>
+            </a:r>
+          </a:p>
+        </p:txBody>
+      </p:sp>
+      <p:pic>
+        <p:nvPicPr>
+          <p:cNvPr id="3" name="Picture 2">
+            <a:extLst>
+              <a:ext uri="{FF2B5EF4-FFF2-40B4-BE49-F238E27FC236}">
+                <a16:creationId xmlns:a16="http://schemas.microsoft.com/office/drawing/2014/main" id="{C1E11ABE-2198-4201-A93C-D4F8A68327BE}"/>
+              </a:ext>
+            </a:extLst>
+          </p:cNvPr>
+          <p:cNvPicPr>
+            <a:picLocks noChangeAspect="1"/>
+          </p:cNvPicPr>
+          <p:nvPr/>
+        </p:nvPicPr>
+        <p:blipFill>
+          <a:blip r:embed="rId4"/>
+          <a:stretch>
+            <a:fillRect/>
+          </a:stretch>
+        </p:blipFill>
+        <p:spPr>
+          <a:xfrm>
+            <a:off x="3628275" y="1219200"/>
+            <a:ext cx="5356712" cy="3321666"/>
+          </a:xfrm>
+          <a:prstGeom prst="rect">
+            <a:avLst/>
+          </a:prstGeom>
+          <a:ln>
+            <a:solidFill>
+              <a:srgbClr val="404040"/>
+            </a:solidFill>
+          </a:ln>
+        </p:spPr>
+        <p:style>
+          <a:lnRef idx="2">
+            <a:schemeClr val="dk1"/>
+          </a:lnRef>
+          <a:fillRef idx="1">
+            <a:schemeClr val="lt1"/>
+          </a:fillRef>
+          <a:effectRef idx="0">
+            <a:schemeClr val="dk1"/>
+          </a:effectRef>
+          <a:fontRef idx="minor">
+            <a:schemeClr val="dk1"/>
+          </a:fontRef>
+        </p:style>
+      </p:pic>
+    </p:spTree>
+    <p:custDataLst>
+      <p:tags r:id="rId1"/>
+    </p:custDataLst>
+    <p:extLst>
+      <p:ext uri="{BB962C8B-B14F-4D97-AF65-F5344CB8AC3E}">
+        <p14:creationId xmlns:p14="http://schemas.microsoft.com/office/powerpoint/2010/main" val="2469002181"/>
+      </p:ext>
+    </p:extLst>
+  </p:cSld>
+  <p:clrMapOvr>
+    <a:masterClrMapping/>
+  </p:clrMapOvr>
+</p:sld>
+</file>
+
 <file path=ppt/tags/tag1.xml><?xml version="1.0" encoding="utf-8"?>
 <p:tagLst xmlns:a="http://schemas.openxmlformats.org/drawingml/2006/main" xmlns:r="http://schemas.openxmlformats.org/officeDocument/2006/relationships" xmlns:p="http://schemas.openxmlformats.org/presentationml/2006/main">
   <p:tag name="EXPANDSHOWBAR" val="True"/>
@@ -10189,13 +17978,145 @@
 </p:tagLst>
 </file>
 
+<file path=ppt/tags/tag10.xml><?xml version="1.0" encoding="utf-8"?>
+<p:tagLst xmlns:a="http://schemas.openxmlformats.org/drawingml/2006/main" xmlns:r="http://schemas.openxmlformats.org/officeDocument/2006/relationships" xmlns:p="http://schemas.openxmlformats.org/presentationml/2006/main">
+  <p:tag name="DELIMITERS" val="3.1"/>
+</p:tagLst>
+</file>
+
+<file path=ppt/tags/tag11.xml><?xml version="1.0" encoding="utf-8"?>
+<p:tagLst xmlns:a="http://schemas.openxmlformats.org/drawingml/2006/main" xmlns:r="http://schemas.openxmlformats.org/officeDocument/2006/relationships" xmlns:p="http://schemas.openxmlformats.org/presentationml/2006/main">
+  <p:tag name="DELIMITERS" val="3.1"/>
+</p:tagLst>
+</file>
+
+<file path=ppt/tags/tag12.xml><?xml version="1.0" encoding="utf-8"?>
+<p:tagLst xmlns:a="http://schemas.openxmlformats.org/drawingml/2006/main" xmlns:r="http://schemas.openxmlformats.org/officeDocument/2006/relationships" xmlns:p="http://schemas.openxmlformats.org/presentationml/2006/main">
+  <p:tag name="DELIMITERS" val="3.1"/>
+</p:tagLst>
+</file>
+
+<file path=ppt/tags/tag13.xml><?xml version="1.0" encoding="utf-8"?>
+<p:tagLst xmlns:a="http://schemas.openxmlformats.org/drawingml/2006/main" xmlns:r="http://schemas.openxmlformats.org/officeDocument/2006/relationships" xmlns:p="http://schemas.openxmlformats.org/presentationml/2006/main">
+  <p:tag name="DELIMITERS" val="3.1"/>
+</p:tagLst>
+</file>
+
+<file path=ppt/tags/tag14.xml><?xml version="1.0" encoding="utf-8"?>
+<p:tagLst xmlns:a="http://schemas.openxmlformats.org/drawingml/2006/main" xmlns:r="http://schemas.openxmlformats.org/officeDocument/2006/relationships" xmlns:p="http://schemas.openxmlformats.org/presentationml/2006/main">
+  <p:tag name="DELIMITERS" val="3.1"/>
+</p:tagLst>
+</file>
+
+<file path=ppt/tags/tag15.xml><?xml version="1.0" encoding="utf-8"?>
+<p:tagLst xmlns:a="http://schemas.openxmlformats.org/drawingml/2006/main" xmlns:r="http://schemas.openxmlformats.org/officeDocument/2006/relationships" xmlns:p="http://schemas.openxmlformats.org/presentationml/2006/main">
+  <p:tag name="DELIMITERS" val="3.1"/>
+</p:tagLst>
+</file>
+
+<file path=ppt/tags/tag16.xml><?xml version="1.0" encoding="utf-8"?>
+<p:tagLst xmlns:a="http://schemas.openxmlformats.org/drawingml/2006/main" xmlns:r="http://schemas.openxmlformats.org/officeDocument/2006/relationships" xmlns:p="http://schemas.openxmlformats.org/presentationml/2006/main">
+  <p:tag name="DELIMITERS" val="3.1"/>
+</p:tagLst>
+</file>
+
+<file path=ppt/tags/tag17.xml><?xml version="1.0" encoding="utf-8"?>
+<p:tagLst xmlns:a="http://schemas.openxmlformats.org/drawingml/2006/main" xmlns:r="http://schemas.openxmlformats.org/officeDocument/2006/relationships" xmlns:p="http://schemas.openxmlformats.org/presentationml/2006/main">
+  <p:tag name="DELIMITERS" val="3.1"/>
+</p:tagLst>
+</file>
+
+<file path=ppt/tags/tag18.xml><?xml version="1.0" encoding="utf-8"?>
+<p:tagLst xmlns:a="http://schemas.openxmlformats.org/drawingml/2006/main" xmlns:r="http://schemas.openxmlformats.org/officeDocument/2006/relationships" xmlns:p="http://schemas.openxmlformats.org/presentationml/2006/main">
+  <p:tag name="DELIMITERS" val="3.1"/>
+</p:tagLst>
+</file>
+
+<file path=ppt/tags/tag19.xml><?xml version="1.0" encoding="utf-8"?>
+<p:tagLst xmlns:a="http://schemas.openxmlformats.org/drawingml/2006/main" xmlns:r="http://schemas.openxmlformats.org/officeDocument/2006/relationships" xmlns:p="http://schemas.openxmlformats.org/presentationml/2006/main">
+  <p:tag name="DELIMITERS" val="3.1"/>
+</p:tagLst>
+</file>
+
 <file path=ppt/tags/tag2.xml><?xml version="1.0" encoding="utf-8"?>
 <p:tagLst xmlns:a="http://schemas.openxmlformats.org/drawingml/2006/main" xmlns:r="http://schemas.openxmlformats.org/officeDocument/2006/relationships" xmlns:p="http://schemas.openxmlformats.org/presentationml/2006/main">
   <p:tag name="DELIMITERS" val="3.1"/>
 </p:tagLst>
 </file>
 
+<file path=ppt/tags/tag20.xml><?xml version="1.0" encoding="utf-8"?>
+<p:tagLst xmlns:a="http://schemas.openxmlformats.org/drawingml/2006/main" xmlns:r="http://schemas.openxmlformats.org/officeDocument/2006/relationships" xmlns:p="http://schemas.openxmlformats.org/presentationml/2006/main">
+  <p:tag name="DELIMITERS" val="3.1"/>
+</p:tagLst>
+</file>
+
+<file path=ppt/tags/tag21.xml><?xml version="1.0" encoding="utf-8"?>
+<p:tagLst xmlns:a="http://schemas.openxmlformats.org/drawingml/2006/main" xmlns:r="http://schemas.openxmlformats.org/officeDocument/2006/relationships" xmlns:p="http://schemas.openxmlformats.org/presentationml/2006/main">
+  <p:tag name="DELIMITERS" val="3.1"/>
+</p:tagLst>
+</file>
+
+<file path=ppt/tags/tag22.xml><?xml version="1.0" encoding="utf-8"?>
+<p:tagLst xmlns:a="http://schemas.openxmlformats.org/drawingml/2006/main" xmlns:r="http://schemas.openxmlformats.org/officeDocument/2006/relationships" xmlns:p="http://schemas.openxmlformats.org/presentationml/2006/main">
+  <p:tag name="DELIMITERS" val="3.1"/>
+</p:tagLst>
+</file>
+
+<file path=ppt/tags/tag23.xml><?xml version="1.0" encoding="utf-8"?>
+<p:tagLst xmlns:a="http://schemas.openxmlformats.org/drawingml/2006/main" xmlns:r="http://schemas.openxmlformats.org/officeDocument/2006/relationships" xmlns:p="http://schemas.openxmlformats.org/presentationml/2006/main">
+  <p:tag name="DELIMITERS" val="3.1"/>
+</p:tagLst>
+</file>
+
+<file path=ppt/tags/tag24.xml><?xml version="1.0" encoding="utf-8"?>
+<p:tagLst xmlns:a="http://schemas.openxmlformats.org/drawingml/2006/main" xmlns:r="http://schemas.openxmlformats.org/officeDocument/2006/relationships" xmlns:p="http://schemas.openxmlformats.org/presentationml/2006/main">
+  <p:tag name="DELIMITERS" val="3.1"/>
+</p:tagLst>
+</file>
+
+<file path=ppt/tags/tag25.xml><?xml version="1.0" encoding="utf-8"?>
+<p:tagLst xmlns:a="http://schemas.openxmlformats.org/drawingml/2006/main" xmlns:r="http://schemas.openxmlformats.org/officeDocument/2006/relationships" xmlns:p="http://schemas.openxmlformats.org/presentationml/2006/main">
+  <p:tag name="DELIMITERS" val="3.1"/>
+</p:tagLst>
+</file>
+
+<file path=ppt/tags/tag26.xml><?xml version="1.0" encoding="utf-8"?>
+<p:tagLst xmlns:a="http://schemas.openxmlformats.org/drawingml/2006/main" xmlns:r="http://schemas.openxmlformats.org/officeDocument/2006/relationships" xmlns:p="http://schemas.openxmlformats.org/presentationml/2006/main">
+  <p:tag name="DELIMITERS" val="3.1"/>
+</p:tagLst>
+</file>
+
+<file path=ppt/tags/tag27.xml><?xml version="1.0" encoding="utf-8"?>
+<p:tagLst xmlns:a="http://schemas.openxmlformats.org/drawingml/2006/main" xmlns:r="http://schemas.openxmlformats.org/officeDocument/2006/relationships" xmlns:p="http://schemas.openxmlformats.org/presentationml/2006/main">
+  <p:tag name="DELIMITERS" val="3.1"/>
+</p:tagLst>
+</file>
+
+<file path=ppt/tags/tag28.xml><?xml version="1.0" encoding="utf-8"?>
+<p:tagLst xmlns:a="http://schemas.openxmlformats.org/drawingml/2006/main" xmlns:r="http://schemas.openxmlformats.org/officeDocument/2006/relationships" xmlns:p="http://schemas.openxmlformats.org/presentationml/2006/main">
+  <p:tag name="DELIMITERS" val="3.1"/>
+</p:tagLst>
+</file>
+
+<file path=ppt/tags/tag29.xml><?xml version="1.0" encoding="utf-8"?>
+<p:tagLst xmlns:a="http://schemas.openxmlformats.org/drawingml/2006/main" xmlns:r="http://schemas.openxmlformats.org/officeDocument/2006/relationships" xmlns:p="http://schemas.openxmlformats.org/presentationml/2006/main">
+  <p:tag name="DELIMITERS" val="3.1"/>
+</p:tagLst>
+</file>
+
 <file path=ppt/tags/tag3.xml><?xml version="1.0" encoding="utf-8"?>
+<p:tagLst xmlns:a="http://schemas.openxmlformats.org/drawingml/2006/main" xmlns:r="http://schemas.openxmlformats.org/officeDocument/2006/relationships" xmlns:p="http://schemas.openxmlformats.org/presentationml/2006/main">
+  <p:tag name="DELIMITERS" val="3.1"/>
+</p:tagLst>
+</file>
+
+<file path=ppt/tags/tag30.xml><?xml version="1.0" encoding="utf-8"?>
+<p:tagLst xmlns:a="http://schemas.openxmlformats.org/drawingml/2006/main" xmlns:r="http://schemas.openxmlformats.org/officeDocument/2006/relationships" xmlns:p="http://schemas.openxmlformats.org/presentationml/2006/main">
+  <p:tag name="DELIMITERS" val="3.1"/>
+</p:tagLst>
+</file>
+
+<file path=ppt/tags/tag31.xml><?xml version="1.0" encoding="utf-8"?>
 <p:tagLst xmlns:a="http://schemas.openxmlformats.org/drawingml/2006/main" xmlns:r="http://schemas.openxmlformats.org/officeDocument/2006/relationships" xmlns:p="http://schemas.openxmlformats.org/presentationml/2006/main">
   <p:tag name="DELIMITERS" val="3.1"/>
 </p:tagLst>
@@ -10208,6 +18129,30 @@
 </file>
 
 <file path=ppt/tags/tag5.xml><?xml version="1.0" encoding="utf-8"?>
+<p:tagLst xmlns:a="http://schemas.openxmlformats.org/drawingml/2006/main" xmlns:r="http://schemas.openxmlformats.org/officeDocument/2006/relationships" xmlns:p="http://schemas.openxmlformats.org/presentationml/2006/main">
+  <p:tag name="DELIMITERS" val="3.1"/>
+</p:tagLst>
+</file>
+
+<file path=ppt/tags/tag6.xml><?xml version="1.0" encoding="utf-8"?>
+<p:tagLst xmlns:a="http://schemas.openxmlformats.org/drawingml/2006/main" xmlns:r="http://schemas.openxmlformats.org/officeDocument/2006/relationships" xmlns:p="http://schemas.openxmlformats.org/presentationml/2006/main">
+  <p:tag name="DELIMITERS" val="3.1"/>
+</p:tagLst>
+</file>
+
+<file path=ppt/tags/tag7.xml><?xml version="1.0" encoding="utf-8"?>
+<p:tagLst xmlns:a="http://schemas.openxmlformats.org/drawingml/2006/main" xmlns:r="http://schemas.openxmlformats.org/officeDocument/2006/relationships" xmlns:p="http://schemas.openxmlformats.org/presentationml/2006/main">
+  <p:tag name="DELIMITERS" val="3.1"/>
+</p:tagLst>
+</file>
+
+<file path=ppt/tags/tag8.xml><?xml version="1.0" encoding="utf-8"?>
+<p:tagLst xmlns:a="http://schemas.openxmlformats.org/drawingml/2006/main" xmlns:r="http://schemas.openxmlformats.org/officeDocument/2006/relationships" xmlns:p="http://schemas.openxmlformats.org/presentationml/2006/main">
+  <p:tag name="DELIMITERS" val="3.1"/>
+</p:tagLst>
+</file>
+
+<file path=ppt/tags/tag9.xml><?xml version="1.0" encoding="utf-8"?>
 <p:tagLst xmlns:a="http://schemas.openxmlformats.org/drawingml/2006/main" xmlns:r="http://schemas.openxmlformats.org/officeDocument/2006/relationships" xmlns:p="http://schemas.openxmlformats.org/presentationml/2006/main">
   <p:tag name="DELIMITERS" val="3.1"/>
 </p:tagLst>

--- a/Lecture/Lecture 12/Lecture 12.pptx
+++ b/Lecture/Lecture 12/Lecture 12.pptx
@@ -6,10 +6,10 @@
     <p:sldMasterId id="2147483676" r:id="rId2"/>
   </p:sldMasterIdLst>
   <p:notesMasterIdLst>
-    <p:notesMasterId r:id="rId33"/>
+    <p:notesMasterId r:id="rId27"/>
   </p:notesMasterIdLst>
   <p:handoutMasterIdLst>
-    <p:handoutMasterId r:id="rId34"/>
+    <p:handoutMasterId r:id="rId28"/>
   </p:handoutMasterIdLst>
   <p:sldIdLst>
     <p:sldId id="320" r:id="rId3"/>
@@ -35,18 +35,12 @@
     <p:sldId id="387" r:id="rId23"/>
     <p:sldId id="388" r:id="rId24"/>
     <p:sldId id="389" r:id="rId25"/>
-    <p:sldId id="390" r:id="rId26"/>
-    <p:sldId id="391" r:id="rId27"/>
-    <p:sldId id="392" r:id="rId28"/>
-    <p:sldId id="393" r:id="rId29"/>
-    <p:sldId id="394" r:id="rId30"/>
-    <p:sldId id="395" r:id="rId31"/>
-    <p:sldId id="329" r:id="rId32"/>
+    <p:sldId id="329" r:id="rId26"/>
   </p:sldIdLst>
   <p:sldSz cx="9144000" cy="6858000" type="screen4x3"/>
   <p:notesSz cx="6858000" cy="9144000"/>
   <p:custDataLst>
-    <p:tags r:id="rId35"/>
+    <p:tags r:id="rId29"/>
   </p:custDataLst>
   <p:defaultTextStyle>
     <a:defPPr>
@@ -317,7 +311,7 @@
               <a:pPr>
                 <a:defRPr/>
               </a:pPr>
-              <a:t>9/25/2018</a:t>
+              <a:t>9/27/2018</a:t>
             </a:fld>
             <a:endParaRPr lang="en-US" dirty="0"/>
           </a:p>
@@ -529,7 +523,7 @@
               <a:pPr>
                 <a:defRPr/>
               </a:pPr>
-              <a:t>9/25/2018</a:t>
+              <a:t>9/27/2018</a:t>
             </a:fld>
             <a:endParaRPr lang="en-US" dirty="0"/>
           </a:p>
@@ -1048,7 +1042,7 @@
               <a:pPr>
                 <a:defRPr/>
               </a:pPr>
-              <a:t>9/25/2018</a:t>
+              <a:t>9/27/2018</a:t>
             </a:fld>
             <a:endParaRPr lang="en-US" dirty="0"/>
           </a:p>
@@ -1238,7 +1232,7 @@
               <a:pPr>
                 <a:defRPr/>
               </a:pPr>
-              <a:t>9/25/2018</a:t>
+              <a:t>9/27/2018</a:t>
             </a:fld>
             <a:endParaRPr lang="en-US" dirty="0"/>
           </a:p>
@@ -1438,7 +1432,7 @@
               <a:pPr>
                 <a:defRPr/>
               </a:pPr>
-              <a:t>9/25/2018</a:t>
+              <a:t>9/27/2018</a:t>
             </a:fld>
             <a:endParaRPr lang="en-US" dirty="0"/>
           </a:p>
@@ -1706,7 +1700,7 @@
               <a:pPr>
                 <a:defRPr/>
               </a:pPr>
-              <a:t>9/25/2018</a:t>
+              <a:t>9/27/2018</a:t>
             </a:fld>
             <a:endParaRPr lang="en-US" dirty="0">
               <a:solidFill>
@@ -1920,7 +1914,7 @@
               <a:pPr>
                 <a:defRPr/>
               </a:pPr>
-              <a:t>9/25/2018</a:t>
+              <a:t>9/27/2018</a:t>
             </a:fld>
             <a:endParaRPr lang="en-US" dirty="0">
               <a:solidFill>
@@ -2211,7 +2205,7 @@
               <a:pPr>
                 <a:defRPr/>
               </a:pPr>
-              <a:t>9/25/2018</a:t>
+              <a:t>9/27/2018</a:t>
             </a:fld>
             <a:endParaRPr lang="en-US" dirty="0">
               <a:solidFill>
@@ -2542,7 +2536,7 @@
               <a:pPr>
                 <a:defRPr/>
               </a:pPr>
-              <a:t>9/25/2018</a:t>
+              <a:t>9/27/2018</a:t>
             </a:fld>
             <a:endParaRPr lang="en-US" dirty="0">
               <a:solidFill>
@@ -3007,7 +3001,7 @@
               <a:pPr>
                 <a:defRPr/>
               </a:pPr>
-              <a:t>9/25/2018</a:t>
+              <a:t>9/27/2018</a:t>
             </a:fld>
             <a:endParaRPr lang="en-US" dirty="0">
               <a:solidFill>
@@ -3170,7 +3164,7 @@
               <a:pPr>
                 <a:defRPr/>
               </a:pPr>
-              <a:t>9/25/2018</a:t>
+              <a:t>9/27/2018</a:t>
             </a:fld>
             <a:endParaRPr lang="en-US" dirty="0">
               <a:solidFill>
@@ -3311,7 +3305,7 @@
               <a:pPr>
                 <a:defRPr/>
               </a:pPr>
-              <a:t>9/25/2018</a:t>
+              <a:t>9/27/2018</a:t>
             </a:fld>
             <a:endParaRPr lang="en-US" dirty="0">
               <a:solidFill>
@@ -3632,7 +3626,7 @@
               <a:pPr>
                 <a:defRPr/>
               </a:pPr>
-              <a:t>9/25/2018</a:t>
+              <a:t>9/27/2018</a:t>
             </a:fld>
             <a:endParaRPr lang="en-US" dirty="0">
               <a:solidFill>
@@ -3840,7 +3834,7 @@
               <a:pPr>
                 <a:defRPr/>
               </a:pPr>
-              <a:t>9/25/2018</a:t>
+              <a:t>9/27/2018</a:t>
             </a:fld>
             <a:endParaRPr lang="en-US" dirty="0"/>
           </a:p>
@@ -4123,7 +4117,7 @@
               <a:pPr>
                 <a:defRPr/>
               </a:pPr>
-              <a:t>9/25/2018</a:t>
+              <a:t>9/27/2018</a:t>
             </a:fld>
             <a:endParaRPr lang="en-US" dirty="0">
               <a:solidFill>
@@ -4337,7 +4331,7 @@
               <a:pPr>
                 <a:defRPr/>
               </a:pPr>
-              <a:t>9/25/2018</a:t>
+              <a:t>9/27/2018</a:t>
             </a:fld>
             <a:endParaRPr lang="en-US" dirty="0">
               <a:solidFill>
@@ -4561,7 +4555,7 @@
               <a:pPr>
                 <a:defRPr/>
               </a:pPr>
-              <a:t>9/25/2018</a:t>
+              <a:t>9/27/2018</a:t>
             </a:fld>
             <a:endParaRPr lang="en-US" dirty="0">
               <a:solidFill>
@@ -4771,7 +4765,7 @@
               <a:pPr>
                 <a:defRPr/>
               </a:pPr>
-              <a:t>9/25/2018</a:t>
+              <a:t>9/27/2018</a:t>
             </a:fld>
             <a:endParaRPr lang="en-US" dirty="0">
               <a:solidFill>
@@ -5048,7 +5042,7 @@
               <a:pPr>
                 <a:defRPr/>
               </a:pPr>
-              <a:t>9/25/2018</a:t>
+              <a:t>9/27/2018</a:t>
             </a:fld>
             <a:endParaRPr lang="en-US" dirty="0"/>
           </a:p>
@@ -5355,7 +5349,7 @@
               <a:pPr>
                 <a:defRPr/>
               </a:pPr>
-              <a:t>9/25/2018</a:t>
+              <a:t>9/27/2018</a:t>
             </a:fld>
             <a:endParaRPr lang="en-US" dirty="0"/>
           </a:p>
@@ -5796,7 +5790,7 @@
               <a:pPr>
                 <a:defRPr/>
               </a:pPr>
-              <a:t>9/25/2018</a:t>
+              <a:t>9/27/2018</a:t>
             </a:fld>
             <a:endParaRPr lang="en-US" dirty="0"/>
           </a:p>
@@ -5935,7 +5929,7 @@
               <a:pPr>
                 <a:defRPr/>
               </a:pPr>
-              <a:t>9/25/2018</a:t>
+              <a:t>9/27/2018</a:t>
             </a:fld>
             <a:endParaRPr lang="en-US" dirty="0"/>
           </a:p>
@@ -6052,7 +6046,7 @@
               <a:pPr>
                 <a:defRPr/>
               </a:pPr>
-              <a:t>9/25/2018</a:t>
+              <a:t>9/27/2018</a:t>
             </a:fld>
             <a:endParaRPr lang="en-US" dirty="0"/>
           </a:p>
@@ -6349,7 +6343,7 @@
               <a:pPr>
                 <a:defRPr/>
               </a:pPr>
-              <a:t>9/25/2018</a:t>
+              <a:t>9/27/2018</a:t>
             </a:fld>
             <a:endParaRPr lang="en-US" dirty="0"/>
           </a:p>
@@ -6626,7 +6620,7 @@
               <a:pPr>
                 <a:defRPr/>
               </a:pPr>
-              <a:t>9/25/2018</a:t>
+              <a:t>9/27/2018</a:t>
             </a:fld>
             <a:endParaRPr lang="en-US" dirty="0"/>
           </a:p>
@@ -6883,7 +6877,7 @@
               <a:pPr>
                 <a:defRPr/>
               </a:pPr>
-              <a:t>9/25/2018</a:t>
+              <a:t>9/27/2018</a:t>
             </a:fld>
             <a:endParaRPr lang="en-US" dirty="0"/>
           </a:p>
@@ -7593,7 +7587,7 @@
               <a:pPr>
                 <a:defRPr/>
               </a:pPr>
-              <a:t>9/25/2018</a:t>
+              <a:t>9/27/2018</a:t>
             </a:fld>
             <a:endParaRPr lang="en-US" dirty="0">
               <a:solidFill>
@@ -13293,2188 +13287,6 @@
           <a:bodyPr rtlCol="0" anchor="ctr"/>
           <a:lstStyle/>
           <a:p>
-            <a:pPr marL="0" marR="0" lvl="0" indent="0" algn="ctr" defTabSz="457200" rtl="0" eaLnBrk="1" fontAlgn="base" latinLnBrk="0" hangingPunct="1">
-              <a:lnSpc>
-                <a:spcPct val="100000"/>
-              </a:lnSpc>
-              <a:spcBef>
-                <a:spcPct val="0"/>
-              </a:spcBef>
-              <a:spcAft>
-                <a:spcPct val="0"/>
-              </a:spcAft>
-              <a:buClrTx/>
-              <a:buSzTx/>
-              <a:buFontTx/>
-              <a:buNone/>
-              <a:tabLst/>
-              <a:defRPr/>
-            </a:pPr>
-            <a:endParaRPr kumimoji="0" lang="en-US" sz="2400" b="0" i="0" u="none" strike="noStrike" kern="1200" cap="none" spc="0" normalizeH="0" baseline="0" noProof="0">
-              <a:ln>
-                <a:noFill/>
-              </a:ln>
-              <a:solidFill>
-                <a:prstClr val="white"/>
-              </a:solidFill>
-              <a:effectLst/>
-              <a:uLnTx/>
-              <a:uFillTx/>
-              <a:latin typeface="Calibri"/>
-              <a:ea typeface="+mn-ea"/>
-              <a:cs typeface="+mn-cs"/>
-            </a:endParaRPr>
-          </a:p>
-        </p:txBody>
-      </p:sp>
-      <p:sp>
-        <p:nvSpPr>
-          <p:cNvPr id="2" name="Title 1"/>
-          <p:cNvSpPr>
-            <a:spLocks noGrp="1"/>
-          </p:cNvSpPr>
-          <p:nvPr>
-            <p:ph type="title"/>
-          </p:nvPr>
-        </p:nvSpPr>
-        <p:spPr>
-          <a:xfrm>
-            <a:off x="482600" y="643467"/>
-            <a:ext cx="2522980" cy="1597315"/>
-          </a:xfrm>
-          <a:noFill/>
-          <a:ln w="19050">
-            <a:solidFill>
-              <a:schemeClr val="bg1"/>
-            </a:solidFill>
-          </a:ln>
-        </p:spPr>
-        <p:txBody>
-          <a:bodyPr vert="horz" wrap="square" lIns="91440" tIns="45720" rIns="91440" bIns="45720" rtlCol="0" anchor="ctr">
-            <a:normAutofit/>
-          </a:bodyPr>
-          <a:lstStyle/>
-          <a:p>
-            <a:pPr defTabSz="914400" eaLnBrk="1" hangingPunct="1">
-              <a:lnSpc>
-                <a:spcPct val="90000"/>
-              </a:lnSpc>
-            </a:pPr>
-            <a:r>
-              <a:rPr lang="en-US" sz="2400" kern="1200" dirty="0">
-                <a:solidFill>
-                  <a:schemeClr val="bg1"/>
-                </a:solidFill>
-                <a:latin typeface="+mj-lt"/>
-                <a:ea typeface="+mj-ea"/>
-                <a:cs typeface="+mj-cs"/>
-              </a:rPr>
-              <a:t>Missing Values</a:t>
-            </a:r>
-          </a:p>
-        </p:txBody>
-      </p:sp>
-      <p:pic>
-        <p:nvPicPr>
-          <p:cNvPr id="8" name="Picture 7">
-            <a:extLst>
-              <a:ext uri="{FF2B5EF4-FFF2-40B4-BE49-F238E27FC236}">
-                <a16:creationId xmlns:a16="http://schemas.microsoft.com/office/drawing/2014/main" id="{521D4292-9ECC-4DA5-8CC0-C561A0DA118E}"/>
-              </a:ext>
-            </a:extLst>
-          </p:cNvPr>
-          <p:cNvPicPr>
-            <a:picLocks noChangeAspect="1"/>
-          </p:cNvPicPr>
-          <p:nvPr/>
-        </p:nvPicPr>
-        <p:blipFill rotWithShape="1">
-          <a:blip r:embed="rId3"/>
-          <a:srcRect l="8000" r="9400"/>
-          <a:stretch/>
-        </p:blipFill>
-        <p:spPr>
-          <a:xfrm>
-            <a:off x="660103" y="3048000"/>
-            <a:ext cx="2167974" cy="2624666"/>
-          </a:xfrm>
-          <a:prstGeom prst="rect">
-            <a:avLst/>
-          </a:prstGeom>
-          <a:noFill/>
-        </p:spPr>
-      </p:pic>
-      <p:sp>
-        <p:nvSpPr>
-          <p:cNvPr id="6" name="TextBox 5">
-            <a:extLst>
-              <a:ext uri="{FF2B5EF4-FFF2-40B4-BE49-F238E27FC236}">
-                <a16:creationId xmlns:a16="http://schemas.microsoft.com/office/drawing/2014/main" id="{E58EF064-51FF-48A9-8810-E84BE6F6F09D}"/>
-              </a:ext>
-            </a:extLst>
-          </p:cNvPr>
-          <p:cNvSpPr txBox="1"/>
-          <p:nvPr/>
-        </p:nvSpPr>
-        <p:spPr>
-          <a:xfrm>
-            <a:off x="3810000" y="621916"/>
-            <a:ext cx="5029200" cy="5262979"/>
-          </a:xfrm>
-          <a:prstGeom prst="rect">
-            <a:avLst/>
-          </a:prstGeom>
-          <a:noFill/>
-        </p:spPr>
-        <p:txBody>
-          <a:bodyPr wrap="square" rtlCol="0">
-            <a:spAutoFit/>
-          </a:bodyPr>
-          <a:lstStyle/>
-          <a:p>
-            <a:pPr marL="342900" indent="-342900">
-              <a:buFont typeface="Arial" panose="020B0604020202020204" pitchFamily="34" charset="0"/>
-              <a:buChar char="•"/>
-            </a:pPr>
-            <a:r>
-              <a:rPr lang="en-US" dirty="0">
-                <a:solidFill>
-                  <a:srgbClr val="404040"/>
-                </a:solidFill>
-              </a:rPr>
-              <a:t>Two Ways</a:t>
-            </a:r>
-          </a:p>
-          <a:p>
-            <a:pPr marL="342900" indent="-342900">
-              <a:buFont typeface="Arial" panose="020B0604020202020204" pitchFamily="34" charset="0"/>
-              <a:buChar char="•"/>
-            </a:pPr>
-            <a:endParaRPr lang="en-US" dirty="0">
-              <a:solidFill>
-                <a:srgbClr val="404040"/>
-              </a:solidFill>
-            </a:endParaRPr>
-          </a:p>
-          <a:p>
-            <a:pPr marL="800100" lvl="1" indent="-342900">
-              <a:buFont typeface="Arial" panose="020B0604020202020204" pitchFamily="34" charset="0"/>
-              <a:buChar char="•"/>
-            </a:pPr>
-            <a:r>
-              <a:rPr lang="en-US" dirty="0">
-                <a:solidFill>
-                  <a:srgbClr val="404040"/>
-                </a:solidFill>
-              </a:rPr>
-              <a:t>Explicitly: Defined to Be Missing Using NA </a:t>
-            </a:r>
-          </a:p>
-          <a:p>
-            <a:pPr lvl="1"/>
-            <a:endParaRPr lang="en-US" dirty="0">
-              <a:solidFill>
-                <a:srgbClr val="404040"/>
-              </a:solidFill>
-            </a:endParaRPr>
-          </a:p>
-          <a:p>
-            <a:pPr marL="800100" lvl="1" indent="-342900">
-              <a:buFont typeface="Arial" panose="020B0604020202020204" pitchFamily="34" charset="0"/>
-              <a:buChar char="•"/>
-            </a:pPr>
-            <a:r>
-              <a:rPr lang="en-US" dirty="0">
-                <a:solidFill>
-                  <a:srgbClr val="404040"/>
-                </a:solidFill>
-              </a:rPr>
-              <a:t>Implicitly: Absent From Data</a:t>
-            </a:r>
-          </a:p>
-          <a:p>
-            <a:pPr marL="800100" lvl="1" indent="-342900">
-              <a:buFont typeface="Arial" panose="020B0604020202020204" pitchFamily="34" charset="0"/>
-              <a:buChar char="•"/>
-            </a:pPr>
-            <a:endParaRPr lang="en-US" dirty="0">
-              <a:solidFill>
-                <a:srgbClr val="404040"/>
-              </a:solidFill>
-            </a:endParaRPr>
-          </a:p>
-          <a:p>
-            <a:pPr marL="342900" indent="-342900">
-              <a:buFont typeface="Arial" panose="020B0604020202020204" pitchFamily="34" charset="0"/>
-              <a:buChar char="•"/>
-            </a:pPr>
-            <a:r>
-              <a:rPr lang="en-US" dirty="0">
-                <a:solidFill>
-                  <a:srgbClr val="404040"/>
-                </a:solidFill>
-              </a:rPr>
-              <a:t>There is not a Uniform Way to Handle Either of These Problems</a:t>
-            </a:r>
-          </a:p>
-          <a:p>
-            <a:pPr marL="342900" indent="-342900">
-              <a:buFont typeface="Arial" panose="020B0604020202020204" pitchFamily="34" charset="0"/>
-              <a:buChar char="•"/>
-            </a:pPr>
-            <a:endParaRPr lang="en-US" dirty="0">
-              <a:solidFill>
-                <a:srgbClr val="404040"/>
-              </a:solidFill>
-            </a:endParaRPr>
-          </a:p>
-          <a:p>
-            <a:pPr marL="342900" indent="-342900">
-              <a:buFont typeface="Arial" panose="020B0604020202020204" pitchFamily="34" charset="0"/>
-              <a:buChar char="•"/>
-            </a:pPr>
-            <a:r>
-              <a:rPr lang="en-US" dirty="0">
-                <a:solidFill>
-                  <a:srgbClr val="404040"/>
-                </a:solidFill>
-              </a:rPr>
-              <a:t>Rule: Either Convert All Explicitly Missing to Implicitly Missing or Convert All Implicitly Missing to Explicitly Missing </a:t>
-            </a:r>
-          </a:p>
-        </p:txBody>
-      </p:sp>
-    </p:spTree>
-    <p:custDataLst>
-      <p:tags r:id="rId1"/>
-    </p:custDataLst>
-    <p:extLst>
-      <p:ext uri="{BB962C8B-B14F-4D97-AF65-F5344CB8AC3E}">
-        <p14:creationId xmlns:p14="http://schemas.microsoft.com/office/powerpoint/2010/main" val="2811406856"/>
-      </p:ext>
-    </p:extLst>
-  </p:cSld>
-  <p:clrMapOvr>
-    <a:masterClrMapping/>
-  </p:clrMapOvr>
-</p:sld>
-</file>
-
-<file path=ppt/slides/slide25.xml><?xml version="1.0" encoding="utf-8"?>
-<p:sld xmlns:a="http://schemas.openxmlformats.org/drawingml/2006/main" xmlns:r="http://schemas.openxmlformats.org/officeDocument/2006/relationships" xmlns:p="http://schemas.openxmlformats.org/presentationml/2006/main">
-  <p:cSld>
-    <p:bg>
-      <p:bgPr>
-        <a:solidFill>
-          <a:schemeClr val="bg1">
-            <a:lumMod val="85000"/>
-          </a:schemeClr>
-        </a:solidFill>
-        <a:effectLst/>
-      </p:bgPr>
-    </p:bg>
-    <p:spTree>
-      <p:nvGrpSpPr>
-        <p:cNvPr id="1" name=""/>
-        <p:cNvGrpSpPr/>
-        <p:nvPr/>
-      </p:nvGrpSpPr>
-      <p:grpSpPr>
-        <a:xfrm>
-          <a:off x="0" y="0"/>
-          <a:ext cx="0" cy="0"/>
-          <a:chOff x="0" y="0"/>
-          <a:chExt cx="0" cy="0"/>
-        </a:xfrm>
-      </p:grpSpPr>
-      <p:sp>
-        <p:nvSpPr>
-          <p:cNvPr id="15" name="Rectangle 12">
-            <a:extLst>
-              <a:ext uri="{FF2B5EF4-FFF2-40B4-BE49-F238E27FC236}">
-                <a16:creationId xmlns:a16="http://schemas.microsoft.com/office/drawing/2014/main" id="{867D4867-5BA7-4462-B2F6-A23F4A622AA7}"/>
-              </a:ext>
-              <a:ext uri="{C183D7F6-B498-43B3-948B-1728B52AA6E4}">
-                <adec:decorative xmlns:adec="http://schemas.microsoft.com/office/drawing/2017/decorative" val="1"/>
-              </a:ext>
-            </a:extLst>
-          </p:cNvPr>
-          <p:cNvSpPr>
-            <a:spLocks noGrp="1" noRot="1" noChangeAspect="1" noMove="1" noResize="1" noEditPoints="1" noAdjustHandles="1" noChangeArrowheads="1" noChangeShapeType="1" noTextEdit="1"/>
-          </p:cNvSpPr>
-          <p:nvPr>
-            <p:extLst>
-              <p:ext uri="{386F3935-93C4-4BCD-93E2-E3B085C9AB24}">
-                <p16:designElem xmlns:p16="http://schemas.microsoft.com/office/powerpoint/2015/main" val="1"/>
-              </p:ext>
-            </p:extLst>
-          </p:nvPr>
-        </p:nvSpPr>
-        <p:spPr>
-          <a:xfrm>
-            <a:off x="0" y="0"/>
-            <a:ext cx="3490722" cy="6858000"/>
-          </a:xfrm>
-          <a:prstGeom prst="rect">
-            <a:avLst/>
-          </a:prstGeom>
-          <a:solidFill>
-            <a:schemeClr val="tx1">
-              <a:lumMod val="75000"/>
-              <a:lumOff val="25000"/>
-            </a:schemeClr>
-          </a:solidFill>
-          <a:ln>
-            <a:noFill/>
-          </a:ln>
-        </p:spPr>
-        <p:style>
-          <a:lnRef idx="0">
-            <a:scrgbClr r="0" g="0" b="0"/>
-          </a:lnRef>
-          <a:fillRef idx="0">
-            <a:scrgbClr r="0" g="0" b="0"/>
-          </a:fillRef>
-          <a:effectRef idx="0">
-            <a:scrgbClr r="0" g="0" b="0"/>
-          </a:effectRef>
-          <a:fontRef idx="minor">
-            <a:schemeClr val="lt1"/>
-          </a:fontRef>
-        </p:style>
-        <p:txBody>
-          <a:bodyPr rtlCol="0" anchor="ctr"/>
-          <a:lstStyle/>
-          <a:p>
-            <a:pPr marL="0" marR="0" lvl="0" indent="0" algn="ctr" defTabSz="457200" rtl="0" eaLnBrk="1" fontAlgn="base" latinLnBrk="0" hangingPunct="1">
-              <a:lnSpc>
-                <a:spcPct val="100000"/>
-              </a:lnSpc>
-              <a:spcBef>
-                <a:spcPct val="0"/>
-              </a:spcBef>
-              <a:spcAft>
-                <a:spcPct val="0"/>
-              </a:spcAft>
-              <a:buClrTx/>
-              <a:buSzTx/>
-              <a:buFontTx/>
-              <a:buNone/>
-              <a:tabLst/>
-              <a:defRPr/>
-            </a:pPr>
-            <a:endParaRPr kumimoji="0" lang="en-US" sz="2400" b="0" i="0" u="none" strike="noStrike" kern="1200" cap="none" spc="0" normalizeH="0" baseline="0" noProof="0">
-              <a:ln>
-                <a:noFill/>
-              </a:ln>
-              <a:solidFill>
-                <a:prstClr val="white"/>
-              </a:solidFill>
-              <a:effectLst/>
-              <a:uLnTx/>
-              <a:uFillTx/>
-              <a:latin typeface="Calibri"/>
-              <a:ea typeface="+mn-ea"/>
-              <a:cs typeface="+mn-cs"/>
-            </a:endParaRPr>
-          </a:p>
-        </p:txBody>
-      </p:sp>
-      <p:sp>
-        <p:nvSpPr>
-          <p:cNvPr id="2" name="Title 1"/>
-          <p:cNvSpPr>
-            <a:spLocks noGrp="1"/>
-          </p:cNvSpPr>
-          <p:nvPr>
-            <p:ph type="title"/>
-          </p:nvPr>
-        </p:nvSpPr>
-        <p:spPr>
-          <a:xfrm>
-            <a:off x="482600" y="643467"/>
-            <a:ext cx="2522980" cy="1597315"/>
-          </a:xfrm>
-          <a:noFill/>
-          <a:ln w="19050">
-            <a:solidFill>
-              <a:schemeClr val="bg1"/>
-            </a:solidFill>
-          </a:ln>
-        </p:spPr>
-        <p:txBody>
-          <a:bodyPr vert="horz" wrap="square" lIns="91440" tIns="45720" rIns="91440" bIns="45720" rtlCol="0" anchor="ctr">
-            <a:normAutofit/>
-          </a:bodyPr>
-          <a:lstStyle/>
-          <a:p>
-            <a:pPr defTabSz="914400" eaLnBrk="1" hangingPunct="1">
-              <a:lnSpc>
-                <a:spcPct val="90000"/>
-              </a:lnSpc>
-            </a:pPr>
-            <a:r>
-              <a:rPr lang="en-US" sz="2400" kern="1200" dirty="0">
-                <a:solidFill>
-                  <a:schemeClr val="bg1"/>
-                </a:solidFill>
-                <a:latin typeface="+mj-lt"/>
-                <a:ea typeface="+mj-ea"/>
-                <a:cs typeface="+mj-cs"/>
-              </a:rPr>
-              <a:t>Missing Example</a:t>
-            </a:r>
-          </a:p>
-        </p:txBody>
-      </p:sp>
-      <p:pic>
-        <p:nvPicPr>
-          <p:cNvPr id="8" name="Picture 7">
-            <a:extLst>
-              <a:ext uri="{FF2B5EF4-FFF2-40B4-BE49-F238E27FC236}">
-                <a16:creationId xmlns:a16="http://schemas.microsoft.com/office/drawing/2014/main" id="{521D4292-9ECC-4DA5-8CC0-C561A0DA118E}"/>
-              </a:ext>
-            </a:extLst>
-          </p:cNvPr>
-          <p:cNvPicPr>
-            <a:picLocks noChangeAspect="1"/>
-          </p:cNvPicPr>
-          <p:nvPr/>
-        </p:nvPicPr>
-        <p:blipFill rotWithShape="1">
-          <a:blip r:embed="rId3"/>
-          <a:srcRect l="8000" r="9400"/>
-          <a:stretch/>
-        </p:blipFill>
-        <p:spPr>
-          <a:xfrm>
-            <a:off x="660103" y="3048000"/>
-            <a:ext cx="2167974" cy="2624666"/>
-          </a:xfrm>
-          <a:prstGeom prst="rect">
-            <a:avLst/>
-          </a:prstGeom>
-          <a:noFill/>
-        </p:spPr>
-      </p:pic>
-      <p:pic>
-        <p:nvPicPr>
-          <p:cNvPr id="4" name="Picture 3">
-            <a:extLst>
-              <a:ext uri="{FF2B5EF4-FFF2-40B4-BE49-F238E27FC236}">
-                <a16:creationId xmlns:a16="http://schemas.microsoft.com/office/drawing/2014/main" id="{AB7DD12B-B971-40AA-A621-6B04910601D6}"/>
-              </a:ext>
-            </a:extLst>
-          </p:cNvPr>
-          <p:cNvPicPr>
-            <a:picLocks noChangeAspect="1"/>
-          </p:cNvPicPr>
-          <p:nvPr/>
-        </p:nvPicPr>
-        <p:blipFill>
-          <a:blip r:embed="rId4"/>
-          <a:stretch>
-            <a:fillRect/>
-          </a:stretch>
-        </p:blipFill>
-        <p:spPr>
-          <a:xfrm>
-            <a:off x="4267200" y="152400"/>
-            <a:ext cx="4062220" cy="6617256"/>
-          </a:xfrm>
-          <a:prstGeom prst="rect">
-            <a:avLst/>
-          </a:prstGeom>
-          <a:ln>
-            <a:solidFill>
-              <a:srgbClr val="404040"/>
-            </a:solidFill>
-          </a:ln>
-        </p:spPr>
-        <p:style>
-          <a:lnRef idx="2">
-            <a:schemeClr val="dk1"/>
-          </a:lnRef>
-          <a:fillRef idx="1">
-            <a:schemeClr val="lt1"/>
-          </a:fillRef>
-          <a:effectRef idx="0">
-            <a:schemeClr val="dk1"/>
-          </a:effectRef>
-          <a:fontRef idx="minor">
-            <a:schemeClr val="dk1"/>
-          </a:fontRef>
-        </p:style>
-      </p:pic>
-    </p:spTree>
-    <p:custDataLst>
-      <p:tags r:id="rId1"/>
-    </p:custDataLst>
-    <p:extLst>
-      <p:ext uri="{BB962C8B-B14F-4D97-AF65-F5344CB8AC3E}">
-        <p14:creationId xmlns:p14="http://schemas.microsoft.com/office/powerpoint/2010/main" val="2493366720"/>
-      </p:ext>
-    </p:extLst>
-  </p:cSld>
-  <p:clrMapOvr>
-    <a:masterClrMapping/>
-  </p:clrMapOvr>
-</p:sld>
-</file>
-
-<file path=ppt/slides/slide26.xml><?xml version="1.0" encoding="utf-8"?>
-<p:sld xmlns:a="http://schemas.openxmlformats.org/drawingml/2006/main" xmlns:r="http://schemas.openxmlformats.org/officeDocument/2006/relationships" xmlns:p="http://schemas.openxmlformats.org/presentationml/2006/main">
-  <p:cSld>
-    <p:bg>
-      <p:bgPr>
-        <a:solidFill>
-          <a:schemeClr val="bg1">
-            <a:lumMod val="85000"/>
-          </a:schemeClr>
-        </a:solidFill>
-        <a:effectLst/>
-      </p:bgPr>
-    </p:bg>
-    <p:spTree>
-      <p:nvGrpSpPr>
-        <p:cNvPr id="1" name=""/>
-        <p:cNvGrpSpPr/>
-        <p:nvPr/>
-      </p:nvGrpSpPr>
-      <p:grpSpPr>
-        <a:xfrm>
-          <a:off x="0" y="0"/>
-          <a:ext cx="0" cy="0"/>
-          <a:chOff x="0" y="0"/>
-          <a:chExt cx="0" cy="0"/>
-        </a:xfrm>
-      </p:grpSpPr>
-      <p:sp>
-        <p:nvSpPr>
-          <p:cNvPr id="15" name="Rectangle 12">
-            <a:extLst>
-              <a:ext uri="{FF2B5EF4-FFF2-40B4-BE49-F238E27FC236}">
-                <a16:creationId xmlns:a16="http://schemas.microsoft.com/office/drawing/2014/main" id="{867D4867-5BA7-4462-B2F6-A23F4A622AA7}"/>
-              </a:ext>
-              <a:ext uri="{C183D7F6-B498-43B3-948B-1728B52AA6E4}">
-                <adec:decorative xmlns:adec="http://schemas.microsoft.com/office/drawing/2017/decorative" val="1"/>
-              </a:ext>
-            </a:extLst>
-          </p:cNvPr>
-          <p:cNvSpPr>
-            <a:spLocks noGrp="1" noRot="1" noChangeAspect="1" noMove="1" noResize="1" noEditPoints="1" noAdjustHandles="1" noChangeArrowheads="1" noChangeShapeType="1" noTextEdit="1"/>
-          </p:cNvSpPr>
-          <p:nvPr>
-            <p:extLst>
-              <p:ext uri="{386F3935-93C4-4BCD-93E2-E3B085C9AB24}">
-                <p16:designElem xmlns:p16="http://schemas.microsoft.com/office/powerpoint/2015/main" val="1"/>
-              </p:ext>
-            </p:extLst>
-          </p:nvPr>
-        </p:nvSpPr>
-        <p:spPr>
-          <a:xfrm>
-            <a:off x="0" y="0"/>
-            <a:ext cx="3490722" cy="6858000"/>
-          </a:xfrm>
-          <a:prstGeom prst="rect">
-            <a:avLst/>
-          </a:prstGeom>
-          <a:solidFill>
-            <a:schemeClr val="tx1">
-              <a:lumMod val="75000"/>
-              <a:lumOff val="25000"/>
-            </a:schemeClr>
-          </a:solidFill>
-          <a:ln>
-            <a:noFill/>
-          </a:ln>
-        </p:spPr>
-        <p:style>
-          <a:lnRef idx="0">
-            <a:scrgbClr r="0" g="0" b="0"/>
-          </a:lnRef>
-          <a:fillRef idx="0">
-            <a:scrgbClr r="0" g="0" b="0"/>
-          </a:fillRef>
-          <a:effectRef idx="0">
-            <a:scrgbClr r="0" g="0" b="0"/>
-          </a:effectRef>
-          <a:fontRef idx="minor">
-            <a:schemeClr val="lt1"/>
-          </a:fontRef>
-        </p:style>
-        <p:txBody>
-          <a:bodyPr rtlCol="0" anchor="ctr"/>
-          <a:lstStyle/>
-          <a:p>
-            <a:pPr marL="0" marR="0" lvl="0" indent="0" algn="ctr" defTabSz="457200" rtl="0" eaLnBrk="1" fontAlgn="base" latinLnBrk="0" hangingPunct="1">
-              <a:lnSpc>
-                <a:spcPct val="100000"/>
-              </a:lnSpc>
-              <a:spcBef>
-                <a:spcPct val="0"/>
-              </a:spcBef>
-              <a:spcAft>
-                <a:spcPct val="0"/>
-              </a:spcAft>
-              <a:buClrTx/>
-              <a:buSzTx/>
-              <a:buFontTx/>
-              <a:buNone/>
-              <a:tabLst/>
-              <a:defRPr/>
-            </a:pPr>
-            <a:endParaRPr kumimoji="0" lang="en-US" sz="2400" b="0" i="0" u="none" strike="noStrike" kern="1200" cap="none" spc="0" normalizeH="0" baseline="0" noProof="0">
-              <a:ln>
-                <a:noFill/>
-              </a:ln>
-              <a:solidFill>
-                <a:prstClr val="white"/>
-              </a:solidFill>
-              <a:effectLst/>
-              <a:uLnTx/>
-              <a:uFillTx/>
-              <a:latin typeface="Calibri"/>
-              <a:ea typeface="+mn-ea"/>
-              <a:cs typeface="+mn-cs"/>
-            </a:endParaRPr>
-          </a:p>
-        </p:txBody>
-      </p:sp>
-      <p:sp>
-        <p:nvSpPr>
-          <p:cNvPr id="2" name="Title 1"/>
-          <p:cNvSpPr>
-            <a:spLocks noGrp="1"/>
-          </p:cNvSpPr>
-          <p:nvPr>
-            <p:ph type="title"/>
-          </p:nvPr>
-        </p:nvSpPr>
-        <p:spPr>
-          <a:xfrm>
-            <a:off x="482600" y="643467"/>
-            <a:ext cx="2522980" cy="1597315"/>
-          </a:xfrm>
-          <a:noFill/>
-          <a:ln w="19050">
-            <a:solidFill>
-              <a:schemeClr val="bg1"/>
-            </a:solidFill>
-          </a:ln>
-        </p:spPr>
-        <p:txBody>
-          <a:bodyPr vert="horz" wrap="square" lIns="91440" tIns="45720" rIns="91440" bIns="45720" rtlCol="0" anchor="ctr">
-            <a:normAutofit/>
-          </a:bodyPr>
-          <a:lstStyle/>
-          <a:p>
-            <a:pPr defTabSz="914400" eaLnBrk="1" hangingPunct="1">
-              <a:lnSpc>
-                <a:spcPct val="90000"/>
-              </a:lnSpc>
-            </a:pPr>
-            <a:r>
-              <a:rPr lang="en-US" sz="2400" kern="1200" dirty="0">
-                <a:solidFill>
-                  <a:schemeClr val="bg1"/>
-                </a:solidFill>
-                <a:latin typeface="+mj-lt"/>
-                <a:ea typeface="+mj-ea"/>
-                <a:cs typeface="+mj-cs"/>
-              </a:rPr>
-              <a:t>Missing Values</a:t>
-            </a:r>
-          </a:p>
-        </p:txBody>
-      </p:sp>
-      <p:pic>
-        <p:nvPicPr>
-          <p:cNvPr id="8" name="Picture 7">
-            <a:extLst>
-              <a:ext uri="{FF2B5EF4-FFF2-40B4-BE49-F238E27FC236}">
-                <a16:creationId xmlns:a16="http://schemas.microsoft.com/office/drawing/2014/main" id="{521D4292-9ECC-4DA5-8CC0-C561A0DA118E}"/>
-              </a:ext>
-            </a:extLst>
-          </p:cNvPr>
-          <p:cNvPicPr>
-            <a:picLocks noChangeAspect="1"/>
-          </p:cNvPicPr>
-          <p:nvPr/>
-        </p:nvPicPr>
-        <p:blipFill rotWithShape="1">
-          <a:blip r:embed="rId3"/>
-          <a:srcRect l="8000" r="9400"/>
-          <a:stretch/>
-        </p:blipFill>
-        <p:spPr>
-          <a:xfrm>
-            <a:off x="660103" y="3048000"/>
-            <a:ext cx="2167974" cy="2624666"/>
-          </a:xfrm>
-          <a:prstGeom prst="rect">
-            <a:avLst/>
-          </a:prstGeom>
-          <a:noFill/>
-        </p:spPr>
-      </p:pic>
-      <p:sp>
-        <p:nvSpPr>
-          <p:cNvPr id="6" name="TextBox 5">
-            <a:extLst>
-              <a:ext uri="{FF2B5EF4-FFF2-40B4-BE49-F238E27FC236}">
-                <a16:creationId xmlns:a16="http://schemas.microsoft.com/office/drawing/2014/main" id="{E58EF064-51FF-48A9-8810-E84BE6F6F09D}"/>
-              </a:ext>
-            </a:extLst>
-          </p:cNvPr>
-          <p:cNvSpPr txBox="1"/>
-          <p:nvPr/>
-        </p:nvSpPr>
-        <p:spPr>
-          <a:xfrm>
-            <a:off x="3810000" y="621916"/>
-            <a:ext cx="5029200" cy="461665"/>
-          </a:xfrm>
-          <a:prstGeom prst="rect">
-            <a:avLst/>
-          </a:prstGeom>
-          <a:noFill/>
-        </p:spPr>
-        <p:txBody>
-          <a:bodyPr wrap="square" rtlCol="0">
-            <a:spAutoFit/>
-          </a:bodyPr>
-          <a:lstStyle/>
-          <a:p>
-            <a:pPr marL="342900" indent="-342900">
-              <a:buFont typeface="Arial" panose="020B0604020202020204" pitchFamily="34" charset="0"/>
-              <a:buChar char="•"/>
-            </a:pPr>
-            <a:r>
-              <a:rPr lang="en-US" dirty="0">
-                <a:solidFill>
-                  <a:srgbClr val="404040"/>
-                </a:solidFill>
-              </a:rPr>
-              <a:t>Notice:</a:t>
-            </a:r>
-          </a:p>
-        </p:txBody>
-      </p:sp>
-      <p:pic>
-        <p:nvPicPr>
-          <p:cNvPr id="3" name="Picture 2">
-            <a:extLst>
-              <a:ext uri="{FF2B5EF4-FFF2-40B4-BE49-F238E27FC236}">
-                <a16:creationId xmlns:a16="http://schemas.microsoft.com/office/drawing/2014/main" id="{DF9B25BE-30C4-4A53-A088-CCFE8AC7224F}"/>
-              </a:ext>
-            </a:extLst>
-          </p:cNvPr>
-          <p:cNvPicPr>
-            <a:picLocks noChangeAspect="1"/>
-          </p:cNvPicPr>
-          <p:nvPr/>
-        </p:nvPicPr>
-        <p:blipFill>
-          <a:blip r:embed="rId4"/>
-          <a:stretch>
-            <a:fillRect/>
-          </a:stretch>
-        </p:blipFill>
-        <p:spPr>
-          <a:xfrm>
-            <a:off x="4273216" y="1066800"/>
-            <a:ext cx="4238776" cy="5536532"/>
-          </a:xfrm>
-          <a:prstGeom prst="rect">
-            <a:avLst/>
-          </a:prstGeom>
-          <a:ln>
-            <a:solidFill>
-              <a:srgbClr val="404040"/>
-            </a:solidFill>
-          </a:ln>
-        </p:spPr>
-        <p:style>
-          <a:lnRef idx="2">
-            <a:schemeClr val="dk1"/>
-          </a:lnRef>
-          <a:fillRef idx="1">
-            <a:schemeClr val="lt1"/>
-          </a:fillRef>
-          <a:effectRef idx="0">
-            <a:schemeClr val="dk1"/>
-          </a:effectRef>
-          <a:fontRef idx="minor">
-            <a:schemeClr val="dk1"/>
-          </a:fontRef>
-        </p:style>
-      </p:pic>
-    </p:spTree>
-    <p:custDataLst>
-      <p:tags r:id="rId1"/>
-    </p:custDataLst>
-    <p:extLst>
-      <p:ext uri="{BB962C8B-B14F-4D97-AF65-F5344CB8AC3E}">
-        <p14:creationId xmlns:p14="http://schemas.microsoft.com/office/powerpoint/2010/main" val="1743058089"/>
-      </p:ext>
-    </p:extLst>
-  </p:cSld>
-  <p:clrMapOvr>
-    <a:masterClrMapping/>
-  </p:clrMapOvr>
-</p:sld>
-</file>
-
-<file path=ppt/slides/slide27.xml><?xml version="1.0" encoding="utf-8"?>
-<p:sld xmlns:a="http://schemas.openxmlformats.org/drawingml/2006/main" xmlns:r="http://schemas.openxmlformats.org/officeDocument/2006/relationships" xmlns:p="http://schemas.openxmlformats.org/presentationml/2006/main">
-  <p:cSld>
-    <p:bg>
-      <p:bgPr>
-        <a:solidFill>
-          <a:schemeClr val="bg1">
-            <a:lumMod val="85000"/>
-          </a:schemeClr>
-        </a:solidFill>
-        <a:effectLst/>
-      </p:bgPr>
-    </p:bg>
-    <p:spTree>
-      <p:nvGrpSpPr>
-        <p:cNvPr id="1" name=""/>
-        <p:cNvGrpSpPr/>
-        <p:nvPr/>
-      </p:nvGrpSpPr>
-      <p:grpSpPr>
-        <a:xfrm>
-          <a:off x="0" y="0"/>
-          <a:ext cx="0" cy="0"/>
-          <a:chOff x="0" y="0"/>
-          <a:chExt cx="0" cy="0"/>
-        </a:xfrm>
-      </p:grpSpPr>
-      <p:sp>
-        <p:nvSpPr>
-          <p:cNvPr id="15" name="Rectangle 12">
-            <a:extLst>
-              <a:ext uri="{FF2B5EF4-FFF2-40B4-BE49-F238E27FC236}">
-                <a16:creationId xmlns:a16="http://schemas.microsoft.com/office/drawing/2014/main" id="{867D4867-5BA7-4462-B2F6-A23F4A622AA7}"/>
-              </a:ext>
-              <a:ext uri="{C183D7F6-B498-43B3-948B-1728B52AA6E4}">
-                <adec:decorative xmlns:adec="http://schemas.microsoft.com/office/drawing/2017/decorative" val="1"/>
-              </a:ext>
-            </a:extLst>
-          </p:cNvPr>
-          <p:cNvSpPr>
-            <a:spLocks noGrp="1" noRot="1" noChangeAspect="1" noMove="1" noResize="1" noEditPoints="1" noAdjustHandles="1" noChangeArrowheads="1" noChangeShapeType="1" noTextEdit="1"/>
-          </p:cNvSpPr>
-          <p:nvPr>
-            <p:extLst>
-              <p:ext uri="{386F3935-93C4-4BCD-93E2-E3B085C9AB24}">
-                <p16:designElem xmlns:p16="http://schemas.microsoft.com/office/powerpoint/2015/main" val="1"/>
-              </p:ext>
-            </p:extLst>
-          </p:nvPr>
-        </p:nvSpPr>
-        <p:spPr>
-          <a:xfrm>
-            <a:off x="0" y="0"/>
-            <a:ext cx="3490722" cy="6858000"/>
-          </a:xfrm>
-          <a:prstGeom prst="rect">
-            <a:avLst/>
-          </a:prstGeom>
-          <a:solidFill>
-            <a:schemeClr val="tx1">
-              <a:lumMod val="75000"/>
-              <a:lumOff val="25000"/>
-            </a:schemeClr>
-          </a:solidFill>
-          <a:ln>
-            <a:noFill/>
-          </a:ln>
-        </p:spPr>
-        <p:style>
-          <a:lnRef idx="0">
-            <a:scrgbClr r="0" g="0" b="0"/>
-          </a:lnRef>
-          <a:fillRef idx="0">
-            <a:scrgbClr r="0" g="0" b="0"/>
-          </a:fillRef>
-          <a:effectRef idx="0">
-            <a:scrgbClr r="0" g="0" b="0"/>
-          </a:effectRef>
-          <a:fontRef idx="minor">
-            <a:schemeClr val="lt1"/>
-          </a:fontRef>
-        </p:style>
-        <p:txBody>
-          <a:bodyPr rtlCol="0" anchor="ctr"/>
-          <a:lstStyle/>
-          <a:p>
-            <a:pPr marL="0" marR="0" lvl="0" indent="0" algn="ctr" defTabSz="457200" rtl="0" eaLnBrk="1" fontAlgn="base" latinLnBrk="0" hangingPunct="1">
-              <a:lnSpc>
-                <a:spcPct val="100000"/>
-              </a:lnSpc>
-              <a:spcBef>
-                <a:spcPct val="0"/>
-              </a:spcBef>
-              <a:spcAft>
-                <a:spcPct val="0"/>
-              </a:spcAft>
-              <a:buClrTx/>
-              <a:buSzTx/>
-              <a:buFontTx/>
-              <a:buNone/>
-              <a:tabLst/>
-              <a:defRPr/>
-            </a:pPr>
-            <a:endParaRPr kumimoji="0" lang="en-US" sz="2400" b="0" i="0" u="none" strike="noStrike" kern="1200" cap="none" spc="0" normalizeH="0" baseline="0" noProof="0">
-              <a:ln>
-                <a:noFill/>
-              </a:ln>
-              <a:solidFill>
-                <a:prstClr val="white"/>
-              </a:solidFill>
-              <a:effectLst/>
-              <a:uLnTx/>
-              <a:uFillTx/>
-              <a:latin typeface="Calibri"/>
-              <a:ea typeface="+mn-ea"/>
-              <a:cs typeface="+mn-cs"/>
-            </a:endParaRPr>
-          </a:p>
-        </p:txBody>
-      </p:sp>
-      <p:sp>
-        <p:nvSpPr>
-          <p:cNvPr id="2" name="Title 1"/>
-          <p:cNvSpPr>
-            <a:spLocks noGrp="1"/>
-          </p:cNvSpPr>
-          <p:nvPr>
-            <p:ph type="title"/>
-          </p:nvPr>
-        </p:nvSpPr>
-        <p:spPr>
-          <a:xfrm>
-            <a:off x="482600" y="643467"/>
-            <a:ext cx="2522980" cy="1597315"/>
-          </a:xfrm>
-          <a:noFill/>
-          <a:ln w="19050">
-            <a:solidFill>
-              <a:schemeClr val="bg1"/>
-            </a:solidFill>
-          </a:ln>
-        </p:spPr>
-        <p:txBody>
-          <a:bodyPr vert="horz" wrap="square" lIns="91440" tIns="45720" rIns="91440" bIns="45720" rtlCol="0" anchor="ctr">
-            <a:normAutofit/>
-          </a:bodyPr>
-          <a:lstStyle/>
-          <a:p>
-            <a:pPr defTabSz="914400" eaLnBrk="1" hangingPunct="1">
-              <a:lnSpc>
-                <a:spcPct val="90000"/>
-              </a:lnSpc>
-            </a:pPr>
-            <a:r>
-              <a:rPr lang="en-US" sz="2400" kern="1200" dirty="0">
-                <a:solidFill>
-                  <a:schemeClr val="bg1"/>
-                </a:solidFill>
-                <a:latin typeface="+mj-lt"/>
-                <a:ea typeface="+mj-ea"/>
-                <a:cs typeface="+mj-cs"/>
-              </a:rPr>
-              <a:t>Missing Values</a:t>
-            </a:r>
-          </a:p>
-        </p:txBody>
-      </p:sp>
-      <p:pic>
-        <p:nvPicPr>
-          <p:cNvPr id="8" name="Picture 7">
-            <a:extLst>
-              <a:ext uri="{FF2B5EF4-FFF2-40B4-BE49-F238E27FC236}">
-                <a16:creationId xmlns:a16="http://schemas.microsoft.com/office/drawing/2014/main" id="{521D4292-9ECC-4DA5-8CC0-C561A0DA118E}"/>
-              </a:ext>
-            </a:extLst>
-          </p:cNvPr>
-          <p:cNvPicPr>
-            <a:picLocks noChangeAspect="1"/>
-          </p:cNvPicPr>
-          <p:nvPr/>
-        </p:nvPicPr>
-        <p:blipFill rotWithShape="1">
-          <a:blip r:embed="rId3"/>
-          <a:srcRect l="8000" r="9400"/>
-          <a:stretch/>
-        </p:blipFill>
-        <p:spPr>
-          <a:xfrm>
-            <a:off x="660103" y="3048000"/>
-            <a:ext cx="2167974" cy="2624666"/>
-          </a:xfrm>
-          <a:prstGeom prst="rect">
-            <a:avLst/>
-          </a:prstGeom>
-          <a:noFill/>
-        </p:spPr>
-      </p:pic>
-      <p:sp>
-        <p:nvSpPr>
-          <p:cNvPr id="6" name="TextBox 5">
-            <a:extLst>
-              <a:ext uri="{FF2B5EF4-FFF2-40B4-BE49-F238E27FC236}">
-                <a16:creationId xmlns:a16="http://schemas.microsoft.com/office/drawing/2014/main" id="{E58EF064-51FF-48A9-8810-E84BE6F6F09D}"/>
-              </a:ext>
-            </a:extLst>
-          </p:cNvPr>
-          <p:cNvSpPr txBox="1"/>
-          <p:nvPr/>
-        </p:nvSpPr>
-        <p:spPr>
-          <a:xfrm>
-            <a:off x="3810000" y="621916"/>
-            <a:ext cx="5029200" cy="461665"/>
-          </a:xfrm>
-          <a:prstGeom prst="rect">
-            <a:avLst/>
-          </a:prstGeom>
-          <a:noFill/>
-        </p:spPr>
-        <p:txBody>
-          <a:bodyPr wrap="square" rtlCol="0">
-            <a:spAutoFit/>
-          </a:bodyPr>
-          <a:lstStyle/>
-          <a:p>
-            <a:pPr marL="342900" indent="-342900">
-              <a:buFont typeface="Arial" panose="020B0604020202020204" pitchFamily="34" charset="0"/>
-              <a:buChar char="•"/>
-            </a:pPr>
-            <a:r>
-              <a:rPr lang="en-US" dirty="0">
-                <a:solidFill>
-                  <a:srgbClr val="404040"/>
-                </a:solidFill>
-              </a:rPr>
-              <a:t>Explicit to Implicit</a:t>
-            </a:r>
-          </a:p>
-        </p:txBody>
-      </p:sp>
-      <p:pic>
-        <p:nvPicPr>
-          <p:cNvPr id="3" name="Picture 2">
-            <a:extLst>
-              <a:ext uri="{FF2B5EF4-FFF2-40B4-BE49-F238E27FC236}">
-                <a16:creationId xmlns:a16="http://schemas.microsoft.com/office/drawing/2014/main" id="{9C98C9B2-FCB0-452E-8C0D-55AD70EA00C6}"/>
-              </a:ext>
-            </a:extLst>
-          </p:cNvPr>
-          <p:cNvPicPr>
-            <a:picLocks noChangeAspect="1"/>
-          </p:cNvPicPr>
-          <p:nvPr/>
-        </p:nvPicPr>
-        <p:blipFill>
-          <a:blip r:embed="rId4"/>
-          <a:stretch>
-            <a:fillRect/>
-          </a:stretch>
-        </p:blipFill>
-        <p:spPr>
-          <a:xfrm>
-            <a:off x="3948112" y="1083581"/>
-            <a:ext cx="4752975" cy="5381625"/>
-          </a:xfrm>
-          <a:prstGeom prst="rect">
-            <a:avLst/>
-          </a:prstGeom>
-          <a:ln>
-            <a:solidFill>
-              <a:srgbClr val="404040"/>
-            </a:solidFill>
-          </a:ln>
-        </p:spPr>
-        <p:style>
-          <a:lnRef idx="2">
-            <a:schemeClr val="dk1"/>
-          </a:lnRef>
-          <a:fillRef idx="1">
-            <a:schemeClr val="lt1"/>
-          </a:fillRef>
-          <a:effectRef idx="0">
-            <a:schemeClr val="dk1"/>
-          </a:effectRef>
-          <a:fontRef idx="minor">
-            <a:schemeClr val="dk1"/>
-          </a:fontRef>
-        </p:style>
-      </p:pic>
-    </p:spTree>
-    <p:custDataLst>
-      <p:tags r:id="rId1"/>
-    </p:custDataLst>
-    <p:extLst>
-      <p:ext uri="{BB962C8B-B14F-4D97-AF65-F5344CB8AC3E}">
-        <p14:creationId xmlns:p14="http://schemas.microsoft.com/office/powerpoint/2010/main" val="2931179324"/>
-      </p:ext>
-    </p:extLst>
-  </p:cSld>
-  <p:clrMapOvr>
-    <a:masterClrMapping/>
-  </p:clrMapOvr>
-</p:sld>
-</file>
-
-<file path=ppt/slides/slide28.xml><?xml version="1.0" encoding="utf-8"?>
-<p:sld xmlns:a="http://schemas.openxmlformats.org/drawingml/2006/main" xmlns:r="http://schemas.openxmlformats.org/officeDocument/2006/relationships" xmlns:p="http://schemas.openxmlformats.org/presentationml/2006/main">
-  <p:cSld>
-    <p:bg>
-      <p:bgPr>
-        <a:solidFill>
-          <a:schemeClr val="bg1">
-            <a:lumMod val="85000"/>
-          </a:schemeClr>
-        </a:solidFill>
-        <a:effectLst/>
-      </p:bgPr>
-    </p:bg>
-    <p:spTree>
-      <p:nvGrpSpPr>
-        <p:cNvPr id="1" name=""/>
-        <p:cNvGrpSpPr/>
-        <p:nvPr/>
-      </p:nvGrpSpPr>
-      <p:grpSpPr>
-        <a:xfrm>
-          <a:off x="0" y="0"/>
-          <a:ext cx="0" cy="0"/>
-          <a:chOff x="0" y="0"/>
-          <a:chExt cx="0" cy="0"/>
-        </a:xfrm>
-      </p:grpSpPr>
-      <p:sp>
-        <p:nvSpPr>
-          <p:cNvPr id="15" name="Rectangle 12">
-            <a:extLst>
-              <a:ext uri="{FF2B5EF4-FFF2-40B4-BE49-F238E27FC236}">
-                <a16:creationId xmlns:a16="http://schemas.microsoft.com/office/drawing/2014/main" id="{867D4867-5BA7-4462-B2F6-A23F4A622AA7}"/>
-              </a:ext>
-              <a:ext uri="{C183D7F6-B498-43B3-948B-1728B52AA6E4}">
-                <adec:decorative xmlns:adec="http://schemas.microsoft.com/office/drawing/2017/decorative" val="1"/>
-              </a:ext>
-            </a:extLst>
-          </p:cNvPr>
-          <p:cNvSpPr>
-            <a:spLocks noGrp="1" noRot="1" noChangeAspect="1" noMove="1" noResize="1" noEditPoints="1" noAdjustHandles="1" noChangeArrowheads="1" noChangeShapeType="1" noTextEdit="1"/>
-          </p:cNvSpPr>
-          <p:nvPr>
-            <p:extLst>
-              <p:ext uri="{386F3935-93C4-4BCD-93E2-E3B085C9AB24}">
-                <p16:designElem xmlns:p16="http://schemas.microsoft.com/office/powerpoint/2015/main" val="1"/>
-              </p:ext>
-            </p:extLst>
-          </p:nvPr>
-        </p:nvSpPr>
-        <p:spPr>
-          <a:xfrm>
-            <a:off x="0" y="0"/>
-            <a:ext cx="3490722" cy="6858000"/>
-          </a:xfrm>
-          <a:prstGeom prst="rect">
-            <a:avLst/>
-          </a:prstGeom>
-          <a:solidFill>
-            <a:schemeClr val="tx1">
-              <a:lumMod val="75000"/>
-              <a:lumOff val="25000"/>
-            </a:schemeClr>
-          </a:solidFill>
-          <a:ln>
-            <a:noFill/>
-          </a:ln>
-        </p:spPr>
-        <p:style>
-          <a:lnRef idx="0">
-            <a:scrgbClr r="0" g="0" b="0"/>
-          </a:lnRef>
-          <a:fillRef idx="0">
-            <a:scrgbClr r="0" g="0" b="0"/>
-          </a:fillRef>
-          <a:effectRef idx="0">
-            <a:scrgbClr r="0" g="0" b="0"/>
-          </a:effectRef>
-          <a:fontRef idx="minor">
-            <a:schemeClr val="lt1"/>
-          </a:fontRef>
-        </p:style>
-        <p:txBody>
-          <a:bodyPr rtlCol="0" anchor="ctr"/>
-          <a:lstStyle/>
-          <a:p>
-            <a:pPr marL="0" marR="0" lvl="0" indent="0" algn="ctr" defTabSz="457200" rtl="0" eaLnBrk="1" fontAlgn="base" latinLnBrk="0" hangingPunct="1">
-              <a:lnSpc>
-                <a:spcPct val="100000"/>
-              </a:lnSpc>
-              <a:spcBef>
-                <a:spcPct val="0"/>
-              </a:spcBef>
-              <a:spcAft>
-                <a:spcPct val="0"/>
-              </a:spcAft>
-              <a:buClrTx/>
-              <a:buSzTx/>
-              <a:buFontTx/>
-              <a:buNone/>
-              <a:tabLst/>
-              <a:defRPr/>
-            </a:pPr>
-            <a:endParaRPr kumimoji="0" lang="en-US" sz="2400" b="0" i="0" u="none" strike="noStrike" kern="1200" cap="none" spc="0" normalizeH="0" baseline="0" noProof="0">
-              <a:ln>
-                <a:noFill/>
-              </a:ln>
-              <a:solidFill>
-                <a:prstClr val="white"/>
-              </a:solidFill>
-              <a:effectLst/>
-              <a:uLnTx/>
-              <a:uFillTx/>
-              <a:latin typeface="Calibri"/>
-              <a:ea typeface="+mn-ea"/>
-              <a:cs typeface="+mn-cs"/>
-            </a:endParaRPr>
-          </a:p>
-        </p:txBody>
-      </p:sp>
-      <p:sp>
-        <p:nvSpPr>
-          <p:cNvPr id="2" name="Title 1"/>
-          <p:cNvSpPr>
-            <a:spLocks noGrp="1"/>
-          </p:cNvSpPr>
-          <p:nvPr>
-            <p:ph type="title"/>
-          </p:nvPr>
-        </p:nvSpPr>
-        <p:spPr>
-          <a:xfrm>
-            <a:off x="482600" y="643467"/>
-            <a:ext cx="2522980" cy="1597315"/>
-          </a:xfrm>
-          <a:noFill/>
-          <a:ln w="19050">
-            <a:solidFill>
-              <a:schemeClr val="bg1"/>
-            </a:solidFill>
-          </a:ln>
-        </p:spPr>
-        <p:txBody>
-          <a:bodyPr vert="horz" wrap="square" lIns="91440" tIns="45720" rIns="91440" bIns="45720" rtlCol="0" anchor="ctr">
-            <a:normAutofit/>
-          </a:bodyPr>
-          <a:lstStyle/>
-          <a:p>
-            <a:pPr defTabSz="914400" eaLnBrk="1" hangingPunct="1">
-              <a:lnSpc>
-                <a:spcPct val="90000"/>
-              </a:lnSpc>
-            </a:pPr>
-            <a:r>
-              <a:rPr lang="en-US" sz="2400" kern="1200" dirty="0">
-                <a:solidFill>
-                  <a:schemeClr val="bg1"/>
-                </a:solidFill>
-                <a:latin typeface="+mj-lt"/>
-                <a:ea typeface="+mj-ea"/>
-                <a:cs typeface="+mj-cs"/>
-              </a:rPr>
-              <a:t>Missing Values</a:t>
-            </a:r>
-          </a:p>
-        </p:txBody>
-      </p:sp>
-      <p:pic>
-        <p:nvPicPr>
-          <p:cNvPr id="8" name="Picture 7">
-            <a:extLst>
-              <a:ext uri="{FF2B5EF4-FFF2-40B4-BE49-F238E27FC236}">
-                <a16:creationId xmlns:a16="http://schemas.microsoft.com/office/drawing/2014/main" id="{521D4292-9ECC-4DA5-8CC0-C561A0DA118E}"/>
-              </a:ext>
-            </a:extLst>
-          </p:cNvPr>
-          <p:cNvPicPr>
-            <a:picLocks noChangeAspect="1"/>
-          </p:cNvPicPr>
-          <p:nvPr/>
-        </p:nvPicPr>
-        <p:blipFill rotWithShape="1">
-          <a:blip r:embed="rId3"/>
-          <a:srcRect l="8000" r="9400"/>
-          <a:stretch/>
-        </p:blipFill>
-        <p:spPr>
-          <a:xfrm>
-            <a:off x="660103" y="3048000"/>
-            <a:ext cx="2167974" cy="2624666"/>
-          </a:xfrm>
-          <a:prstGeom prst="rect">
-            <a:avLst/>
-          </a:prstGeom>
-          <a:noFill/>
-        </p:spPr>
-      </p:pic>
-      <p:sp>
-        <p:nvSpPr>
-          <p:cNvPr id="6" name="TextBox 5">
-            <a:extLst>
-              <a:ext uri="{FF2B5EF4-FFF2-40B4-BE49-F238E27FC236}">
-                <a16:creationId xmlns:a16="http://schemas.microsoft.com/office/drawing/2014/main" id="{E58EF064-51FF-48A9-8810-E84BE6F6F09D}"/>
-              </a:ext>
-            </a:extLst>
-          </p:cNvPr>
-          <p:cNvSpPr txBox="1"/>
-          <p:nvPr/>
-        </p:nvSpPr>
-        <p:spPr>
-          <a:xfrm>
-            <a:off x="3810000" y="621916"/>
-            <a:ext cx="5029200" cy="461665"/>
-          </a:xfrm>
-          <a:prstGeom prst="rect">
-            <a:avLst/>
-          </a:prstGeom>
-          <a:noFill/>
-        </p:spPr>
-        <p:txBody>
-          <a:bodyPr wrap="square" rtlCol="0">
-            <a:spAutoFit/>
-          </a:bodyPr>
-          <a:lstStyle/>
-          <a:p>
-            <a:pPr marL="342900" indent="-342900">
-              <a:buFont typeface="Arial" panose="020B0604020202020204" pitchFamily="34" charset="0"/>
-              <a:buChar char="•"/>
-            </a:pPr>
-            <a:r>
-              <a:rPr lang="en-US" dirty="0">
-                <a:solidFill>
-                  <a:srgbClr val="404040"/>
-                </a:solidFill>
-              </a:rPr>
-              <a:t>Implicit to Explicit</a:t>
-            </a:r>
-          </a:p>
-        </p:txBody>
-      </p:sp>
-      <p:pic>
-        <p:nvPicPr>
-          <p:cNvPr id="4" name="Picture 3">
-            <a:extLst>
-              <a:ext uri="{FF2B5EF4-FFF2-40B4-BE49-F238E27FC236}">
-                <a16:creationId xmlns:a16="http://schemas.microsoft.com/office/drawing/2014/main" id="{7CCB45DA-216F-4232-8186-9D7EA24F80BA}"/>
-              </a:ext>
-            </a:extLst>
-          </p:cNvPr>
-          <p:cNvPicPr>
-            <a:picLocks noChangeAspect="1"/>
-          </p:cNvPicPr>
-          <p:nvPr/>
-        </p:nvPicPr>
-        <p:blipFill>
-          <a:blip r:embed="rId4"/>
-          <a:stretch>
-            <a:fillRect/>
-          </a:stretch>
-        </p:blipFill>
-        <p:spPr>
-          <a:xfrm>
-            <a:off x="4207739" y="1083581"/>
-            <a:ext cx="4246450" cy="5701647"/>
-          </a:xfrm>
-          <a:prstGeom prst="rect">
-            <a:avLst/>
-          </a:prstGeom>
-          <a:ln>
-            <a:solidFill>
-              <a:srgbClr val="404040"/>
-            </a:solidFill>
-          </a:ln>
-        </p:spPr>
-        <p:style>
-          <a:lnRef idx="2">
-            <a:schemeClr val="dk1"/>
-          </a:lnRef>
-          <a:fillRef idx="1">
-            <a:schemeClr val="lt1"/>
-          </a:fillRef>
-          <a:effectRef idx="0">
-            <a:schemeClr val="dk1"/>
-          </a:effectRef>
-          <a:fontRef idx="minor">
-            <a:schemeClr val="dk1"/>
-          </a:fontRef>
-        </p:style>
-      </p:pic>
-    </p:spTree>
-    <p:custDataLst>
-      <p:tags r:id="rId1"/>
-    </p:custDataLst>
-    <p:extLst>
-      <p:ext uri="{BB962C8B-B14F-4D97-AF65-F5344CB8AC3E}">
-        <p14:creationId xmlns:p14="http://schemas.microsoft.com/office/powerpoint/2010/main" val="904529735"/>
-      </p:ext>
-    </p:extLst>
-  </p:cSld>
-  <p:clrMapOvr>
-    <a:masterClrMapping/>
-  </p:clrMapOvr>
-</p:sld>
-</file>
-
-<file path=ppt/slides/slide29.xml><?xml version="1.0" encoding="utf-8"?>
-<p:sld xmlns:a="http://schemas.openxmlformats.org/drawingml/2006/main" xmlns:r="http://schemas.openxmlformats.org/officeDocument/2006/relationships" xmlns:p="http://schemas.openxmlformats.org/presentationml/2006/main">
-  <p:cSld>
-    <p:bg>
-      <p:bgPr>
-        <a:solidFill>
-          <a:schemeClr val="bg1">
-            <a:lumMod val="85000"/>
-          </a:schemeClr>
-        </a:solidFill>
-        <a:effectLst/>
-      </p:bgPr>
-    </p:bg>
-    <p:spTree>
-      <p:nvGrpSpPr>
-        <p:cNvPr id="1" name=""/>
-        <p:cNvGrpSpPr/>
-        <p:nvPr/>
-      </p:nvGrpSpPr>
-      <p:grpSpPr>
-        <a:xfrm>
-          <a:off x="0" y="0"/>
-          <a:ext cx="0" cy="0"/>
-          <a:chOff x="0" y="0"/>
-          <a:chExt cx="0" cy="0"/>
-        </a:xfrm>
-      </p:grpSpPr>
-      <p:sp>
-        <p:nvSpPr>
-          <p:cNvPr id="15" name="Rectangle 12">
-            <a:extLst>
-              <a:ext uri="{FF2B5EF4-FFF2-40B4-BE49-F238E27FC236}">
-                <a16:creationId xmlns:a16="http://schemas.microsoft.com/office/drawing/2014/main" id="{867D4867-5BA7-4462-B2F6-A23F4A622AA7}"/>
-              </a:ext>
-              <a:ext uri="{C183D7F6-B498-43B3-948B-1728B52AA6E4}">
-                <adec:decorative xmlns:adec="http://schemas.microsoft.com/office/drawing/2017/decorative" val="1"/>
-              </a:ext>
-            </a:extLst>
-          </p:cNvPr>
-          <p:cNvSpPr>
-            <a:spLocks noGrp="1" noRot="1" noChangeAspect="1" noMove="1" noResize="1" noEditPoints="1" noAdjustHandles="1" noChangeArrowheads="1" noChangeShapeType="1" noTextEdit="1"/>
-          </p:cNvSpPr>
-          <p:nvPr>
-            <p:extLst>
-              <p:ext uri="{386F3935-93C4-4BCD-93E2-E3B085C9AB24}">
-                <p16:designElem xmlns:p16="http://schemas.microsoft.com/office/powerpoint/2015/main" val="1"/>
-              </p:ext>
-            </p:extLst>
-          </p:nvPr>
-        </p:nvSpPr>
-        <p:spPr>
-          <a:xfrm>
-            <a:off x="0" y="0"/>
-            <a:ext cx="3490722" cy="6858000"/>
-          </a:xfrm>
-          <a:prstGeom prst="rect">
-            <a:avLst/>
-          </a:prstGeom>
-          <a:solidFill>
-            <a:schemeClr val="tx1">
-              <a:lumMod val="75000"/>
-              <a:lumOff val="25000"/>
-            </a:schemeClr>
-          </a:solidFill>
-          <a:ln>
-            <a:noFill/>
-          </a:ln>
-        </p:spPr>
-        <p:style>
-          <a:lnRef idx="0">
-            <a:scrgbClr r="0" g="0" b="0"/>
-          </a:lnRef>
-          <a:fillRef idx="0">
-            <a:scrgbClr r="0" g="0" b="0"/>
-          </a:fillRef>
-          <a:effectRef idx="0">
-            <a:scrgbClr r="0" g="0" b="0"/>
-          </a:effectRef>
-          <a:fontRef idx="minor">
-            <a:schemeClr val="lt1"/>
-          </a:fontRef>
-        </p:style>
-        <p:txBody>
-          <a:bodyPr rtlCol="0" anchor="ctr"/>
-          <a:lstStyle/>
-          <a:p>
-            <a:pPr marL="0" marR="0" lvl="0" indent="0" algn="ctr" defTabSz="457200" rtl="0" eaLnBrk="1" fontAlgn="base" latinLnBrk="0" hangingPunct="1">
-              <a:lnSpc>
-                <a:spcPct val="100000"/>
-              </a:lnSpc>
-              <a:spcBef>
-                <a:spcPct val="0"/>
-              </a:spcBef>
-              <a:spcAft>
-                <a:spcPct val="0"/>
-              </a:spcAft>
-              <a:buClrTx/>
-              <a:buSzTx/>
-              <a:buFontTx/>
-              <a:buNone/>
-              <a:tabLst/>
-              <a:defRPr/>
-            </a:pPr>
-            <a:endParaRPr kumimoji="0" lang="en-US" sz="2400" b="0" i="0" u="none" strike="noStrike" kern="1200" cap="none" spc="0" normalizeH="0" baseline="0" noProof="0">
-              <a:ln>
-                <a:noFill/>
-              </a:ln>
-              <a:solidFill>
-                <a:prstClr val="white"/>
-              </a:solidFill>
-              <a:effectLst/>
-              <a:uLnTx/>
-              <a:uFillTx/>
-              <a:latin typeface="Calibri"/>
-              <a:ea typeface="+mn-ea"/>
-              <a:cs typeface="+mn-cs"/>
-            </a:endParaRPr>
-          </a:p>
-        </p:txBody>
-      </p:sp>
-      <p:sp>
-        <p:nvSpPr>
-          <p:cNvPr id="2" name="Title 1"/>
-          <p:cNvSpPr>
-            <a:spLocks noGrp="1"/>
-          </p:cNvSpPr>
-          <p:nvPr>
-            <p:ph type="title"/>
-          </p:nvPr>
-        </p:nvSpPr>
-        <p:spPr>
-          <a:xfrm>
-            <a:off x="482600" y="643467"/>
-            <a:ext cx="2522980" cy="1597315"/>
-          </a:xfrm>
-          <a:noFill/>
-          <a:ln w="19050">
-            <a:solidFill>
-              <a:schemeClr val="bg1"/>
-            </a:solidFill>
-          </a:ln>
-        </p:spPr>
-        <p:txBody>
-          <a:bodyPr vert="horz" wrap="square" lIns="91440" tIns="45720" rIns="91440" bIns="45720" rtlCol="0" anchor="ctr">
-            <a:normAutofit/>
-          </a:bodyPr>
-          <a:lstStyle/>
-          <a:p>
-            <a:pPr defTabSz="914400" eaLnBrk="1" hangingPunct="1">
-              <a:lnSpc>
-                <a:spcPct val="90000"/>
-              </a:lnSpc>
-            </a:pPr>
-            <a:r>
-              <a:rPr lang="en-US" sz="2400" kern="1200" dirty="0">
-                <a:solidFill>
-                  <a:schemeClr val="bg1"/>
-                </a:solidFill>
-                <a:latin typeface="+mj-lt"/>
-                <a:ea typeface="+mj-ea"/>
-                <a:cs typeface="+mj-cs"/>
-              </a:rPr>
-              <a:t>Missing Values</a:t>
-            </a:r>
-          </a:p>
-        </p:txBody>
-      </p:sp>
-      <p:pic>
-        <p:nvPicPr>
-          <p:cNvPr id="8" name="Picture 7">
-            <a:extLst>
-              <a:ext uri="{FF2B5EF4-FFF2-40B4-BE49-F238E27FC236}">
-                <a16:creationId xmlns:a16="http://schemas.microsoft.com/office/drawing/2014/main" id="{521D4292-9ECC-4DA5-8CC0-C561A0DA118E}"/>
-              </a:ext>
-            </a:extLst>
-          </p:cNvPr>
-          <p:cNvPicPr>
-            <a:picLocks noChangeAspect="1"/>
-          </p:cNvPicPr>
-          <p:nvPr/>
-        </p:nvPicPr>
-        <p:blipFill rotWithShape="1">
-          <a:blip r:embed="rId3"/>
-          <a:srcRect l="8000" r="9400"/>
-          <a:stretch/>
-        </p:blipFill>
-        <p:spPr>
-          <a:xfrm>
-            <a:off x="660103" y="3048000"/>
-            <a:ext cx="2167974" cy="2624666"/>
-          </a:xfrm>
-          <a:prstGeom prst="rect">
-            <a:avLst/>
-          </a:prstGeom>
-          <a:noFill/>
-        </p:spPr>
-      </p:pic>
-      <p:sp>
-        <p:nvSpPr>
-          <p:cNvPr id="6" name="TextBox 5">
-            <a:extLst>
-              <a:ext uri="{FF2B5EF4-FFF2-40B4-BE49-F238E27FC236}">
-                <a16:creationId xmlns:a16="http://schemas.microsoft.com/office/drawing/2014/main" id="{E58EF064-51FF-48A9-8810-E84BE6F6F09D}"/>
-              </a:ext>
-            </a:extLst>
-          </p:cNvPr>
-          <p:cNvSpPr txBox="1"/>
-          <p:nvPr/>
-        </p:nvSpPr>
-        <p:spPr>
-          <a:xfrm>
-            <a:off x="3810000" y="621916"/>
-            <a:ext cx="5029200" cy="461665"/>
-          </a:xfrm>
-          <a:prstGeom prst="rect">
-            <a:avLst/>
-          </a:prstGeom>
-          <a:noFill/>
-        </p:spPr>
-        <p:txBody>
-          <a:bodyPr wrap="square" rtlCol="0">
-            <a:spAutoFit/>
-          </a:bodyPr>
-          <a:lstStyle/>
-          <a:p>
-            <a:pPr marL="342900" indent="-342900">
-              <a:buFont typeface="Arial" panose="020B0604020202020204" pitchFamily="34" charset="0"/>
-              <a:buChar char="•"/>
-            </a:pPr>
-            <a:r>
-              <a:rPr lang="en-US" dirty="0">
-                <a:solidFill>
-                  <a:srgbClr val="404040"/>
-                </a:solidFill>
-              </a:rPr>
-              <a:t>Complete Function</a:t>
-            </a:r>
-          </a:p>
-        </p:txBody>
-      </p:sp>
-      <p:pic>
-        <p:nvPicPr>
-          <p:cNvPr id="3" name="Picture 2">
-            <a:extLst>
-              <a:ext uri="{FF2B5EF4-FFF2-40B4-BE49-F238E27FC236}">
-                <a16:creationId xmlns:a16="http://schemas.microsoft.com/office/drawing/2014/main" id="{A11B684E-270F-4912-865E-9965BDA65078}"/>
-              </a:ext>
-            </a:extLst>
-          </p:cNvPr>
-          <p:cNvPicPr>
-            <a:picLocks noChangeAspect="1"/>
-          </p:cNvPicPr>
-          <p:nvPr/>
-        </p:nvPicPr>
-        <p:blipFill>
-          <a:blip r:embed="rId4"/>
-          <a:stretch>
-            <a:fillRect/>
-          </a:stretch>
-        </p:blipFill>
-        <p:spPr>
-          <a:xfrm>
-            <a:off x="4267200" y="1128341"/>
-            <a:ext cx="4370137" cy="5671506"/>
-          </a:xfrm>
-          <a:prstGeom prst="rect">
-            <a:avLst/>
-          </a:prstGeom>
-          <a:ln>
-            <a:solidFill>
-              <a:srgbClr val="404040"/>
-            </a:solidFill>
-          </a:ln>
-        </p:spPr>
-        <p:style>
-          <a:lnRef idx="2">
-            <a:schemeClr val="dk1"/>
-          </a:lnRef>
-          <a:fillRef idx="1">
-            <a:schemeClr val="lt1"/>
-          </a:fillRef>
-          <a:effectRef idx="0">
-            <a:schemeClr val="dk1"/>
-          </a:effectRef>
-          <a:fontRef idx="minor">
-            <a:schemeClr val="dk1"/>
-          </a:fontRef>
-        </p:style>
-      </p:pic>
-    </p:spTree>
-    <p:custDataLst>
-      <p:tags r:id="rId1"/>
-    </p:custDataLst>
-    <p:extLst>
-      <p:ext uri="{BB962C8B-B14F-4D97-AF65-F5344CB8AC3E}">
-        <p14:creationId xmlns:p14="http://schemas.microsoft.com/office/powerpoint/2010/main" val="904255967"/>
-      </p:ext>
-    </p:extLst>
-  </p:cSld>
-  <p:clrMapOvr>
-    <a:masterClrMapping/>
-  </p:clrMapOvr>
-</p:sld>
-</file>
-
-<file path=ppt/slides/slide3.xml><?xml version="1.0" encoding="utf-8"?>
-<p:sld xmlns:a="http://schemas.openxmlformats.org/drawingml/2006/main" xmlns:r="http://schemas.openxmlformats.org/officeDocument/2006/relationships" xmlns:p="http://schemas.openxmlformats.org/presentationml/2006/main">
-  <p:cSld>
-    <p:bg>
-      <p:bgPr>
-        <a:solidFill>
-          <a:schemeClr val="bg1">
-            <a:lumMod val="85000"/>
-          </a:schemeClr>
-        </a:solidFill>
-        <a:effectLst/>
-      </p:bgPr>
-    </p:bg>
-    <p:spTree>
-      <p:nvGrpSpPr>
-        <p:cNvPr id="1" name=""/>
-        <p:cNvGrpSpPr/>
-        <p:nvPr/>
-      </p:nvGrpSpPr>
-      <p:grpSpPr>
-        <a:xfrm>
-          <a:off x="0" y="0"/>
-          <a:ext cx="0" cy="0"/>
-          <a:chOff x="0" y="0"/>
-          <a:chExt cx="0" cy="0"/>
-        </a:xfrm>
-      </p:grpSpPr>
-      <p:sp>
-        <p:nvSpPr>
-          <p:cNvPr id="15" name="Rectangle 12">
-            <a:extLst>
-              <a:ext uri="{FF2B5EF4-FFF2-40B4-BE49-F238E27FC236}">
-                <a16:creationId xmlns:a16="http://schemas.microsoft.com/office/drawing/2014/main" id="{867D4867-5BA7-4462-B2F6-A23F4A622AA7}"/>
-              </a:ext>
-              <a:ext uri="{C183D7F6-B498-43B3-948B-1728B52AA6E4}">
-                <adec:decorative xmlns:adec="http://schemas.microsoft.com/office/drawing/2017/decorative" val="1"/>
-              </a:ext>
-            </a:extLst>
-          </p:cNvPr>
-          <p:cNvSpPr>
-            <a:spLocks noGrp="1" noRot="1" noChangeAspect="1" noMove="1" noResize="1" noEditPoints="1" noAdjustHandles="1" noChangeArrowheads="1" noChangeShapeType="1" noTextEdit="1"/>
-          </p:cNvSpPr>
-          <p:nvPr>
-            <p:extLst>
-              <p:ext uri="{386F3935-93C4-4BCD-93E2-E3B085C9AB24}">
-                <p16:designElem xmlns:p16="http://schemas.microsoft.com/office/powerpoint/2015/main" val="1"/>
-              </p:ext>
-            </p:extLst>
-          </p:nvPr>
-        </p:nvSpPr>
-        <p:spPr>
-          <a:xfrm>
-            <a:off x="0" y="0"/>
-            <a:ext cx="3490722" cy="6858000"/>
-          </a:xfrm>
-          <a:prstGeom prst="rect">
-            <a:avLst/>
-          </a:prstGeom>
-          <a:solidFill>
-            <a:schemeClr val="tx1">
-              <a:lumMod val="75000"/>
-              <a:lumOff val="25000"/>
-            </a:schemeClr>
-          </a:solidFill>
-          <a:ln>
-            <a:noFill/>
-          </a:ln>
-        </p:spPr>
-        <p:style>
-          <a:lnRef idx="0">
-            <a:scrgbClr r="0" g="0" b="0"/>
-          </a:lnRef>
-          <a:fillRef idx="0">
-            <a:scrgbClr r="0" g="0" b="0"/>
-          </a:fillRef>
-          <a:effectRef idx="0">
-            <a:scrgbClr r="0" g="0" b="0"/>
-          </a:effectRef>
-          <a:fontRef idx="minor">
-            <a:schemeClr val="lt1"/>
-          </a:fontRef>
-        </p:style>
-        <p:txBody>
-          <a:bodyPr rtlCol="0" anchor="ctr"/>
-          <a:lstStyle/>
-          <a:p>
-            <a:pPr marL="0" marR="0" lvl="0" indent="0" algn="ctr" defTabSz="457200" rtl="0" eaLnBrk="1" fontAlgn="base" latinLnBrk="0" hangingPunct="1">
-              <a:lnSpc>
-                <a:spcPct val="100000"/>
-              </a:lnSpc>
-              <a:spcBef>
-                <a:spcPct val="0"/>
-              </a:spcBef>
-              <a:spcAft>
-                <a:spcPct val="0"/>
-              </a:spcAft>
-              <a:buClrTx/>
-              <a:buSzTx/>
-              <a:buFontTx/>
-              <a:buNone/>
-              <a:tabLst/>
-              <a:defRPr/>
-            </a:pPr>
-            <a:endParaRPr kumimoji="0" lang="en-US" sz="2400" b="0" i="0" u="none" strike="noStrike" kern="1200" cap="none" spc="0" normalizeH="0" baseline="0" noProof="0">
-              <a:ln>
-                <a:noFill/>
-              </a:ln>
-              <a:solidFill>
-                <a:prstClr val="white"/>
-              </a:solidFill>
-              <a:effectLst/>
-              <a:uLnTx/>
-              <a:uFillTx/>
-              <a:latin typeface="Calibri"/>
-              <a:ea typeface="+mn-ea"/>
-              <a:cs typeface="+mn-cs"/>
-            </a:endParaRPr>
-          </a:p>
-        </p:txBody>
-      </p:sp>
-      <p:sp>
-        <p:nvSpPr>
-          <p:cNvPr id="2" name="Title 1"/>
-          <p:cNvSpPr>
-            <a:spLocks noGrp="1"/>
-          </p:cNvSpPr>
-          <p:nvPr>
-            <p:ph type="title"/>
-          </p:nvPr>
-        </p:nvSpPr>
-        <p:spPr>
-          <a:xfrm>
-            <a:off x="482600" y="643467"/>
-            <a:ext cx="2522980" cy="1597315"/>
-          </a:xfrm>
-          <a:noFill/>
-          <a:ln w="19050">
-            <a:solidFill>
-              <a:schemeClr val="bg1"/>
-            </a:solidFill>
-          </a:ln>
-        </p:spPr>
-        <p:txBody>
-          <a:bodyPr vert="horz" wrap="square" lIns="91440" tIns="45720" rIns="91440" bIns="45720" rtlCol="0" anchor="ctr">
-            <a:normAutofit/>
-          </a:bodyPr>
-          <a:lstStyle/>
-          <a:p>
-            <a:pPr defTabSz="914400" eaLnBrk="1" hangingPunct="1">
-              <a:lnSpc>
-                <a:spcPct val="90000"/>
-              </a:lnSpc>
-            </a:pPr>
-            <a:r>
-              <a:rPr lang="en-US" sz="2400" kern="1200" dirty="0">
-                <a:solidFill>
-                  <a:schemeClr val="bg1"/>
-                </a:solidFill>
-                <a:latin typeface="+mj-lt"/>
-                <a:ea typeface="+mj-ea"/>
-                <a:cs typeface="+mj-cs"/>
-              </a:rPr>
-              <a:t>Tidy Data Defined</a:t>
-            </a:r>
-          </a:p>
-        </p:txBody>
-      </p:sp>
-      <p:pic>
-        <p:nvPicPr>
-          <p:cNvPr id="8" name="Picture 7">
-            <a:extLst>
-              <a:ext uri="{FF2B5EF4-FFF2-40B4-BE49-F238E27FC236}">
-                <a16:creationId xmlns:a16="http://schemas.microsoft.com/office/drawing/2014/main" id="{521D4292-9ECC-4DA5-8CC0-C561A0DA118E}"/>
-              </a:ext>
-            </a:extLst>
-          </p:cNvPr>
-          <p:cNvPicPr>
-            <a:picLocks noChangeAspect="1"/>
-          </p:cNvPicPr>
-          <p:nvPr/>
-        </p:nvPicPr>
-        <p:blipFill rotWithShape="1">
-          <a:blip r:embed="rId3"/>
-          <a:srcRect l="8000" r="9400"/>
-          <a:stretch/>
-        </p:blipFill>
-        <p:spPr>
-          <a:xfrm>
-            <a:off x="660103" y="3048000"/>
-            <a:ext cx="2167974" cy="2624666"/>
-          </a:xfrm>
-          <a:prstGeom prst="rect">
-            <a:avLst/>
-          </a:prstGeom>
-          <a:noFill/>
-        </p:spPr>
-      </p:pic>
-      <p:sp>
-        <p:nvSpPr>
-          <p:cNvPr id="4" name="TextBox 3">
-            <a:extLst>
-              <a:ext uri="{FF2B5EF4-FFF2-40B4-BE49-F238E27FC236}">
-                <a16:creationId xmlns:a16="http://schemas.microsoft.com/office/drawing/2014/main" id="{B3BB3773-564D-41C2-AA99-652BDA4D6A7C}"/>
-              </a:ext>
-            </a:extLst>
-          </p:cNvPr>
-          <p:cNvSpPr txBox="1"/>
-          <p:nvPr/>
-        </p:nvSpPr>
-        <p:spPr>
-          <a:xfrm>
-            <a:off x="3962400" y="643467"/>
-            <a:ext cx="5029200" cy="2677656"/>
-          </a:xfrm>
-          <a:prstGeom prst="rect">
-            <a:avLst/>
-          </a:prstGeom>
-          <a:noFill/>
-        </p:spPr>
-        <p:txBody>
-          <a:bodyPr wrap="square" rtlCol="0">
-            <a:spAutoFit/>
-          </a:bodyPr>
-          <a:lstStyle/>
-          <a:p>
-            <a:pPr marL="342900" indent="-342900">
-              <a:buFont typeface="Arial" panose="020B0604020202020204" pitchFamily="34" charset="0"/>
-              <a:buChar char="•"/>
-            </a:pPr>
-            <a:r>
-              <a:rPr lang="en-US" dirty="0">
-                <a:solidFill>
-                  <a:srgbClr val="404040"/>
-                </a:solidFill>
-              </a:rPr>
-              <a:t>For Tidy Data:</a:t>
-            </a:r>
-          </a:p>
-          <a:p>
-            <a:pPr marL="800100" lvl="1" indent="-342900">
-              <a:buFont typeface="Arial" panose="020B0604020202020204" pitchFamily="34" charset="0"/>
-              <a:buChar char="•"/>
-            </a:pPr>
-            <a:r>
-              <a:rPr lang="en-US" dirty="0">
-                <a:solidFill>
-                  <a:srgbClr val="404040"/>
-                </a:solidFill>
-              </a:rPr>
-              <a:t>Each Variable Must Have Its Own Column</a:t>
-            </a:r>
-          </a:p>
-          <a:p>
-            <a:pPr marL="800100" lvl="1" indent="-342900">
-              <a:buFont typeface="Arial" panose="020B0604020202020204" pitchFamily="34" charset="0"/>
-              <a:buChar char="•"/>
-            </a:pPr>
-            <a:r>
-              <a:rPr lang="en-US" dirty="0">
-                <a:solidFill>
-                  <a:srgbClr val="404040"/>
-                </a:solidFill>
-              </a:rPr>
-              <a:t>Each Observation Must Have Its Own Row </a:t>
-            </a:r>
-          </a:p>
-          <a:p>
-            <a:pPr marL="800100" lvl="1" indent="-342900">
-              <a:buFont typeface="Arial" panose="020B0604020202020204" pitchFamily="34" charset="0"/>
-              <a:buChar char="•"/>
-            </a:pPr>
-            <a:r>
-              <a:rPr lang="en-US" dirty="0">
-                <a:solidFill>
-                  <a:srgbClr val="404040"/>
-                </a:solidFill>
-              </a:rPr>
-              <a:t>Each Value Must Have Its Own Cell</a:t>
-            </a:r>
-          </a:p>
-        </p:txBody>
-      </p:sp>
-      <p:pic>
-        <p:nvPicPr>
-          <p:cNvPr id="5" name="Picture 4">
-            <a:extLst>
-              <a:ext uri="{FF2B5EF4-FFF2-40B4-BE49-F238E27FC236}">
-                <a16:creationId xmlns:a16="http://schemas.microsoft.com/office/drawing/2014/main" id="{9546A70B-0E4A-48A4-BA65-84E827C00E0B}"/>
-              </a:ext>
-            </a:extLst>
-          </p:cNvPr>
-          <p:cNvPicPr>
-            <a:picLocks noChangeAspect="1"/>
-          </p:cNvPicPr>
-          <p:nvPr/>
-        </p:nvPicPr>
-        <p:blipFill>
-          <a:blip r:embed="rId4"/>
-          <a:stretch>
-            <a:fillRect/>
-          </a:stretch>
-        </p:blipFill>
-        <p:spPr>
-          <a:xfrm>
-            <a:off x="3561519" y="3733800"/>
-            <a:ext cx="5524057" cy="1715050"/>
-          </a:xfrm>
-          <a:prstGeom prst="rect">
-            <a:avLst/>
-          </a:prstGeom>
-          <a:ln>
-            <a:solidFill>
-              <a:srgbClr val="404040"/>
-            </a:solidFill>
-          </a:ln>
-        </p:spPr>
-        <p:style>
-          <a:lnRef idx="2">
-            <a:schemeClr val="dk1"/>
-          </a:lnRef>
-          <a:fillRef idx="1">
-            <a:schemeClr val="lt1"/>
-          </a:fillRef>
-          <a:effectRef idx="0">
-            <a:schemeClr val="dk1"/>
-          </a:effectRef>
-          <a:fontRef idx="minor">
-            <a:schemeClr val="dk1"/>
-          </a:fontRef>
-        </p:style>
-      </p:pic>
-    </p:spTree>
-    <p:custDataLst>
-      <p:tags r:id="rId1"/>
-    </p:custDataLst>
-    <p:extLst>
-      <p:ext uri="{BB962C8B-B14F-4D97-AF65-F5344CB8AC3E}">
-        <p14:creationId xmlns:p14="http://schemas.microsoft.com/office/powerpoint/2010/main" val="3884442461"/>
-      </p:ext>
-    </p:extLst>
-  </p:cSld>
-  <p:clrMapOvr>
-    <a:masterClrMapping/>
-  </p:clrMapOvr>
-</p:sld>
-</file>
-
-<file path=ppt/slides/slide30.xml><?xml version="1.0" encoding="utf-8"?>
-<p:sld xmlns:a="http://schemas.openxmlformats.org/drawingml/2006/main" xmlns:r="http://schemas.openxmlformats.org/officeDocument/2006/relationships" xmlns:p="http://schemas.openxmlformats.org/presentationml/2006/main">
-  <p:cSld>
-    <p:bg>
-      <p:bgPr>
-        <a:solidFill>
-          <a:schemeClr val="bg1">
-            <a:lumMod val="85000"/>
-          </a:schemeClr>
-        </a:solidFill>
-        <a:effectLst/>
-      </p:bgPr>
-    </p:bg>
-    <p:spTree>
-      <p:nvGrpSpPr>
-        <p:cNvPr id="1" name=""/>
-        <p:cNvGrpSpPr/>
-        <p:nvPr/>
-      </p:nvGrpSpPr>
-      <p:grpSpPr>
-        <a:xfrm>
-          <a:off x="0" y="0"/>
-          <a:ext cx="0" cy="0"/>
-          <a:chOff x="0" y="0"/>
-          <a:chExt cx="0" cy="0"/>
-        </a:xfrm>
-      </p:grpSpPr>
-      <p:sp>
-        <p:nvSpPr>
-          <p:cNvPr id="15" name="Rectangle 12">
-            <a:extLst>
-              <a:ext uri="{FF2B5EF4-FFF2-40B4-BE49-F238E27FC236}">
-                <a16:creationId xmlns:a16="http://schemas.microsoft.com/office/drawing/2014/main" id="{867D4867-5BA7-4462-B2F6-A23F4A622AA7}"/>
-              </a:ext>
-              <a:ext uri="{C183D7F6-B498-43B3-948B-1728B52AA6E4}">
-                <adec:decorative xmlns:adec="http://schemas.microsoft.com/office/drawing/2017/decorative" val="1"/>
-              </a:ext>
-            </a:extLst>
-          </p:cNvPr>
-          <p:cNvSpPr>
-            <a:spLocks noGrp="1" noRot="1" noChangeAspect="1" noMove="1" noResize="1" noEditPoints="1" noAdjustHandles="1" noChangeArrowheads="1" noChangeShapeType="1" noTextEdit="1"/>
-          </p:cNvSpPr>
-          <p:nvPr>
-            <p:extLst>
-              <p:ext uri="{386F3935-93C4-4BCD-93E2-E3B085C9AB24}">
-                <p16:designElem xmlns:p16="http://schemas.microsoft.com/office/powerpoint/2015/main" val="1"/>
-              </p:ext>
-            </p:extLst>
-          </p:nvPr>
-        </p:nvSpPr>
-        <p:spPr>
-          <a:xfrm>
-            <a:off x="0" y="0"/>
-            <a:ext cx="3490722" cy="6858000"/>
-          </a:xfrm>
-          <a:prstGeom prst="rect">
-            <a:avLst/>
-          </a:prstGeom>
-          <a:solidFill>
-            <a:schemeClr val="tx1">
-              <a:lumMod val="75000"/>
-              <a:lumOff val="25000"/>
-            </a:schemeClr>
-          </a:solidFill>
-          <a:ln>
-            <a:noFill/>
-          </a:ln>
-        </p:spPr>
-        <p:style>
-          <a:lnRef idx="0">
-            <a:scrgbClr r="0" g="0" b="0"/>
-          </a:lnRef>
-          <a:fillRef idx="0">
-            <a:scrgbClr r="0" g="0" b="0"/>
-          </a:fillRef>
-          <a:effectRef idx="0">
-            <a:scrgbClr r="0" g="0" b="0"/>
-          </a:effectRef>
-          <a:fontRef idx="minor">
-            <a:schemeClr val="lt1"/>
-          </a:fontRef>
-        </p:style>
-        <p:txBody>
-          <a:bodyPr rtlCol="0" anchor="ctr"/>
-          <a:lstStyle/>
-          <a:p>
             <a:pPr algn="ctr"/>
             <a:endParaRPr lang="en-US"/>
           </a:p>
@@ -16054,6 +13866,353 @@
     <p:extLst>
       <p:ext uri="{BB962C8B-B14F-4D97-AF65-F5344CB8AC3E}">
         <p14:creationId xmlns:p14="http://schemas.microsoft.com/office/powerpoint/2010/main" val="3647066437"/>
+      </p:ext>
+    </p:extLst>
+  </p:cSld>
+  <p:clrMapOvr>
+    <a:masterClrMapping/>
+  </p:clrMapOvr>
+</p:sld>
+</file>
+
+<file path=ppt/slides/slide3.xml><?xml version="1.0" encoding="utf-8"?>
+<p:sld xmlns:a="http://schemas.openxmlformats.org/drawingml/2006/main" xmlns:r="http://schemas.openxmlformats.org/officeDocument/2006/relationships" xmlns:p="http://schemas.openxmlformats.org/presentationml/2006/main">
+  <p:cSld>
+    <p:bg>
+      <p:bgPr>
+        <a:solidFill>
+          <a:schemeClr val="bg1">
+            <a:lumMod val="85000"/>
+          </a:schemeClr>
+        </a:solidFill>
+        <a:effectLst/>
+      </p:bgPr>
+    </p:bg>
+    <p:spTree>
+      <p:nvGrpSpPr>
+        <p:cNvPr id="1" name=""/>
+        <p:cNvGrpSpPr/>
+        <p:nvPr/>
+      </p:nvGrpSpPr>
+      <p:grpSpPr>
+        <a:xfrm>
+          <a:off x="0" y="0"/>
+          <a:ext cx="0" cy="0"/>
+          <a:chOff x="0" y="0"/>
+          <a:chExt cx="0" cy="0"/>
+        </a:xfrm>
+      </p:grpSpPr>
+      <p:sp>
+        <p:nvSpPr>
+          <p:cNvPr id="15" name="Rectangle 12">
+            <a:extLst>
+              <a:ext uri="{FF2B5EF4-FFF2-40B4-BE49-F238E27FC236}">
+                <a16:creationId xmlns:a16="http://schemas.microsoft.com/office/drawing/2014/main" id="{867D4867-5BA7-4462-B2F6-A23F4A622AA7}"/>
+              </a:ext>
+              <a:ext uri="{C183D7F6-B498-43B3-948B-1728B52AA6E4}">
+                <adec:decorative xmlns:adec="http://schemas.microsoft.com/office/drawing/2017/decorative" val="1"/>
+              </a:ext>
+            </a:extLst>
+          </p:cNvPr>
+          <p:cNvSpPr>
+            <a:spLocks noGrp="1" noRot="1" noChangeAspect="1" noMove="1" noResize="1" noEditPoints="1" noAdjustHandles="1" noChangeArrowheads="1" noChangeShapeType="1" noTextEdit="1"/>
+          </p:cNvSpPr>
+          <p:nvPr>
+            <p:extLst>
+              <p:ext uri="{386F3935-93C4-4BCD-93E2-E3B085C9AB24}">
+                <p16:designElem xmlns:p16="http://schemas.microsoft.com/office/powerpoint/2015/main" val="1"/>
+              </p:ext>
+            </p:extLst>
+          </p:nvPr>
+        </p:nvSpPr>
+        <p:spPr>
+          <a:xfrm>
+            <a:off x="0" y="0"/>
+            <a:ext cx="3490722" cy="6858000"/>
+          </a:xfrm>
+          <a:prstGeom prst="rect">
+            <a:avLst/>
+          </a:prstGeom>
+          <a:solidFill>
+            <a:schemeClr val="tx1">
+              <a:lumMod val="75000"/>
+              <a:lumOff val="25000"/>
+            </a:schemeClr>
+          </a:solidFill>
+          <a:ln>
+            <a:noFill/>
+          </a:ln>
+        </p:spPr>
+        <p:style>
+          <a:lnRef idx="0">
+            <a:scrgbClr r="0" g="0" b="0"/>
+          </a:lnRef>
+          <a:fillRef idx="0">
+            <a:scrgbClr r="0" g="0" b="0"/>
+          </a:fillRef>
+          <a:effectRef idx="0">
+            <a:scrgbClr r="0" g="0" b="0"/>
+          </a:effectRef>
+          <a:fontRef idx="minor">
+            <a:schemeClr val="lt1"/>
+          </a:fontRef>
+        </p:style>
+        <p:txBody>
+          <a:bodyPr rtlCol="0" anchor="ctr"/>
+          <a:lstStyle/>
+          <a:p>
+            <a:pPr marL="0" marR="0" lvl="0" indent="0" algn="ctr" defTabSz="457200" rtl="0" eaLnBrk="1" fontAlgn="base" latinLnBrk="0" hangingPunct="1">
+              <a:lnSpc>
+                <a:spcPct val="100000"/>
+              </a:lnSpc>
+              <a:spcBef>
+                <a:spcPct val="0"/>
+              </a:spcBef>
+              <a:spcAft>
+                <a:spcPct val="0"/>
+              </a:spcAft>
+              <a:buClrTx/>
+              <a:buSzTx/>
+              <a:buFontTx/>
+              <a:buNone/>
+              <a:tabLst/>
+              <a:defRPr/>
+            </a:pPr>
+            <a:endParaRPr kumimoji="0" lang="en-US" sz="2400" b="0" i="0" u="none" strike="noStrike" kern="1200" cap="none" spc="0" normalizeH="0" baseline="0" noProof="0">
+              <a:ln>
+                <a:noFill/>
+              </a:ln>
+              <a:solidFill>
+                <a:prstClr val="white"/>
+              </a:solidFill>
+              <a:effectLst/>
+              <a:uLnTx/>
+              <a:uFillTx/>
+              <a:latin typeface="Calibri"/>
+              <a:ea typeface="+mn-ea"/>
+              <a:cs typeface="+mn-cs"/>
+            </a:endParaRPr>
+          </a:p>
+        </p:txBody>
+      </p:sp>
+      <p:sp>
+        <p:nvSpPr>
+          <p:cNvPr id="2" name="Title 1"/>
+          <p:cNvSpPr>
+            <a:spLocks noGrp="1"/>
+          </p:cNvSpPr>
+          <p:nvPr>
+            <p:ph type="title"/>
+          </p:nvPr>
+        </p:nvSpPr>
+        <p:spPr>
+          <a:xfrm>
+            <a:off x="482600" y="643467"/>
+            <a:ext cx="2522980" cy="1597315"/>
+          </a:xfrm>
+          <a:noFill/>
+          <a:ln w="19050">
+            <a:solidFill>
+              <a:schemeClr val="bg1"/>
+            </a:solidFill>
+          </a:ln>
+        </p:spPr>
+        <p:txBody>
+          <a:bodyPr vert="horz" wrap="square" lIns="91440" tIns="45720" rIns="91440" bIns="45720" rtlCol="0" anchor="ctr">
+            <a:normAutofit/>
+          </a:bodyPr>
+          <a:lstStyle/>
+          <a:p>
+            <a:pPr defTabSz="914400" eaLnBrk="1" hangingPunct="1">
+              <a:lnSpc>
+                <a:spcPct val="90000"/>
+              </a:lnSpc>
+            </a:pPr>
+            <a:r>
+              <a:rPr lang="en-US" sz="2400" kern="1200" dirty="0">
+                <a:solidFill>
+                  <a:schemeClr val="bg1"/>
+                </a:solidFill>
+                <a:latin typeface="+mj-lt"/>
+                <a:ea typeface="+mj-ea"/>
+                <a:cs typeface="+mj-cs"/>
+              </a:rPr>
+              <a:t>Tidy Data Defined</a:t>
+            </a:r>
+          </a:p>
+        </p:txBody>
+      </p:sp>
+      <p:pic>
+        <p:nvPicPr>
+          <p:cNvPr id="8" name="Picture 7">
+            <a:extLst>
+              <a:ext uri="{FF2B5EF4-FFF2-40B4-BE49-F238E27FC236}">
+                <a16:creationId xmlns:a16="http://schemas.microsoft.com/office/drawing/2014/main" id="{521D4292-9ECC-4DA5-8CC0-C561A0DA118E}"/>
+              </a:ext>
+            </a:extLst>
+          </p:cNvPr>
+          <p:cNvPicPr>
+            <a:picLocks noChangeAspect="1"/>
+          </p:cNvPicPr>
+          <p:nvPr/>
+        </p:nvPicPr>
+        <p:blipFill rotWithShape="1">
+          <a:blip r:embed="rId3"/>
+          <a:srcRect l="8000" r="9400"/>
+          <a:stretch/>
+        </p:blipFill>
+        <p:spPr>
+          <a:xfrm>
+            <a:off x="660103" y="3048000"/>
+            <a:ext cx="2167974" cy="2624666"/>
+          </a:xfrm>
+          <a:prstGeom prst="rect">
+            <a:avLst/>
+          </a:prstGeom>
+          <a:noFill/>
+        </p:spPr>
+      </p:pic>
+      <p:sp>
+        <p:nvSpPr>
+          <p:cNvPr id="4" name="TextBox 3">
+            <a:extLst>
+              <a:ext uri="{FF2B5EF4-FFF2-40B4-BE49-F238E27FC236}">
+                <a16:creationId xmlns:a16="http://schemas.microsoft.com/office/drawing/2014/main" id="{B3BB3773-564D-41C2-AA99-652BDA4D6A7C}"/>
+              </a:ext>
+            </a:extLst>
+          </p:cNvPr>
+          <p:cNvSpPr txBox="1"/>
+          <p:nvPr/>
+        </p:nvSpPr>
+        <p:spPr>
+          <a:xfrm>
+            <a:off x="3962400" y="643467"/>
+            <a:ext cx="5029200" cy="2677656"/>
+          </a:xfrm>
+          <a:prstGeom prst="rect">
+            <a:avLst/>
+          </a:prstGeom>
+          <a:noFill/>
+        </p:spPr>
+        <p:txBody>
+          <a:bodyPr wrap="square" rtlCol="0">
+            <a:spAutoFit/>
+          </a:bodyPr>
+          <a:lstStyle/>
+          <a:p>
+            <a:pPr marL="342900" indent="-342900">
+              <a:buFont typeface="Arial" panose="020B0604020202020204" pitchFamily="34" charset="0"/>
+              <a:buChar char="•"/>
+            </a:pPr>
+            <a:r>
+              <a:rPr lang="en-US" dirty="0">
+                <a:solidFill>
+                  <a:srgbClr val="404040"/>
+                </a:solidFill>
+              </a:rPr>
+              <a:t>For Tidy Data:</a:t>
+            </a:r>
+          </a:p>
+          <a:p>
+            <a:pPr marL="800100" lvl="1" indent="-342900">
+              <a:buFont typeface="Arial" panose="020B0604020202020204" pitchFamily="34" charset="0"/>
+              <a:buChar char="•"/>
+            </a:pPr>
+            <a:r>
+              <a:rPr lang="en-US" dirty="0">
+                <a:solidFill>
+                  <a:srgbClr val="404040"/>
+                </a:solidFill>
+              </a:rPr>
+              <a:t>Each Variable Must Have Its Own Column</a:t>
+            </a:r>
+          </a:p>
+          <a:p>
+            <a:pPr marL="800100" lvl="1" indent="-342900">
+              <a:buFont typeface="Arial" panose="020B0604020202020204" pitchFamily="34" charset="0"/>
+              <a:buChar char="•"/>
+            </a:pPr>
+            <a:r>
+              <a:rPr lang="en-US" dirty="0">
+                <a:solidFill>
+                  <a:srgbClr val="404040"/>
+                </a:solidFill>
+              </a:rPr>
+              <a:t>Each Observation Must Have Its Own Row </a:t>
+            </a:r>
+          </a:p>
+          <a:p>
+            <a:pPr marL="800100" lvl="1" indent="-342900">
+              <a:buFont typeface="Arial" panose="020B0604020202020204" pitchFamily="34" charset="0"/>
+              <a:buChar char="•"/>
+            </a:pPr>
+            <a:r>
+              <a:rPr lang="en-US" dirty="0">
+                <a:solidFill>
+                  <a:srgbClr val="404040"/>
+                </a:solidFill>
+              </a:rPr>
+              <a:t>Each Value Must Have Its Own Cell</a:t>
+            </a:r>
+          </a:p>
+        </p:txBody>
+      </p:sp>
+      <p:pic>
+        <p:nvPicPr>
+          <p:cNvPr id="5" name="Picture 4">
+            <a:extLst>
+              <a:ext uri="{FF2B5EF4-FFF2-40B4-BE49-F238E27FC236}">
+                <a16:creationId xmlns:a16="http://schemas.microsoft.com/office/drawing/2014/main" id="{9546A70B-0E4A-48A4-BA65-84E827C00E0B}"/>
+              </a:ext>
+            </a:extLst>
+          </p:cNvPr>
+          <p:cNvPicPr>
+            <a:picLocks noChangeAspect="1"/>
+          </p:cNvPicPr>
+          <p:nvPr/>
+        </p:nvPicPr>
+        <p:blipFill>
+          <a:blip r:embed="rId4"/>
+          <a:stretch>
+            <a:fillRect/>
+          </a:stretch>
+        </p:blipFill>
+        <p:spPr>
+          <a:xfrm>
+            <a:off x="3561519" y="3733800"/>
+            <a:ext cx="5524057" cy="1715050"/>
+          </a:xfrm>
+          <a:prstGeom prst="rect">
+            <a:avLst/>
+          </a:prstGeom>
+          <a:ln>
+            <a:solidFill>
+              <a:srgbClr val="404040"/>
+            </a:solidFill>
+          </a:ln>
+        </p:spPr>
+        <p:style>
+          <a:lnRef idx="2">
+            <a:schemeClr val="dk1"/>
+          </a:lnRef>
+          <a:fillRef idx="1">
+            <a:schemeClr val="lt1"/>
+          </a:fillRef>
+          <a:effectRef idx="0">
+            <a:schemeClr val="dk1"/>
+          </a:effectRef>
+          <a:fontRef idx="minor">
+            <a:schemeClr val="dk1"/>
+          </a:fontRef>
+        </p:style>
+      </p:pic>
+    </p:spTree>
+    <p:custDataLst>
+      <p:tags r:id="rId1"/>
+    </p:custDataLst>
+    <p:extLst>
+      <p:ext uri="{BB962C8B-B14F-4D97-AF65-F5344CB8AC3E}">
+        <p14:creationId xmlns:p14="http://schemas.microsoft.com/office/powerpoint/2010/main" val="3884442461"/>
       </p:ext>
     </p:extLst>
   </p:cSld>
@@ -18080,43 +16239,7 @@
 </p:tagLst>
 </file>
 
-<file path=ppt/tags/tag26.xml><?xml version="1.0" encoding="utf-8"?>
-<p:tagLst xmlns:a="http://schemas.openxmlformats.org/drawingml/2006/main" xmlns:r="http://schemas.openxmlformats.org/officeDocument/2006/relationships" xmlns:p="http://schemas.openxmlformats.org/presentationml/2006/main">
-  <p:tag name="DELIMITERS" val="3.1"/>
-</p:tagLst>
-</file>
-
-<file path=ppt/tags/tag27.xml><?xml version="1.0" encoding="utf-8"?>
-<p:tagLst xmlns:a="http://schemas.openxmlformats.org/drawingml/2006/main" xmlns:r="http://schemas.openxmlformats.org/officeDocument/2006/relationships" xmlns:p="http://schemas.openxmlformats.org/presentationml/2006/main">
-  <p:tag name="DELIMITERS" val="3.1"/>
-</p:tagLst>
-</file>
-
-<file path=ppt/tags/tag28.xml><?xml version="1.0" encoding="utf-8"?>
-<p:tagLst xmlns:a="http://schemas.openxmlformats.org/drawingml/2006/main" xmlns:r="http://schemas.openxmlformats.org/officeDocument/2006/relationships" xmlns:p="http://schemas.openxmlformats.org/presentationml/2006/main">
-  <p:tag name="DELIMITERS" val="3.1"/>
-</p:tagLst>
-</file>
-
-<file path=ppt/tags/tag29.xml><?xml version="1.0" encoding="utf-8"?>
-<p:tagLst xmlns:a="http://schemas.openxmlformats.org/drawingml/2006/main" xmlns:r="http://schemas.openxmlformats.org/officeDocument/2006/relationships" xmlns:p="http://schemas.openxmlformats.org/presentationml/2006/main">
-  <p:tag name="DELIMITERS" val="3.1"/>
-</p:tagLst>
-</file>
-
 <file path=ppt/tags/tag3.xml><?xml version="1.0" encoding="utf-8"?>
-<p:tagLst xmlns:a="http://schemas.openxmlformats.org/drawingml/2006/main" xmlns:r="http://schemas.openxmlformats.org/officeDocument/2006/relationships" xmlns:p="http://schemas.openxmlformats.org/presentationml/2006/main">
-  <p:tag name="DELIMITERS" val="3.1"/>
-</p:tagLst>
-</file>
-
-<file path=ppt/tags/tag30.xml><?xml version="1.0" encoding="utf-8"?>
-<p:tagLst xmlns:a="http://schemas.openxmlformats.org/drawingml/2006/main" xmlns:r="http://schemas.openxmlformats.org/officeDocument/2006/relationships" xmlns:p="http://schemas.openxmlformats.org/presentationml/2006/main">
-  <p:tag name="DELIMITERS" val="3.1"/>
-</p:tagLst>
-</file>
-
-<file path=ppt/tags/tag31.xml><?xml version="1.0" encoding="utf-8"?>
 <p:tagLst xmlns:a="http://schemas.openxmlformats.org/drawingml/2006/main" xmlns:r="http://schemas.openxmlformats.org/officeDocument/2006/relationships" xmlns:p="http://schemas.openxmlformats.org/presentationml/2006/main">
   <p:tag name="DELIMITERS" val="3.1"/>
 </p:tagLst>
